--- a/documentacoes/Apresentação_Projeto_Final.pptx
+++ b/documentacoes/Apresentação_Projeto_Final.pptx
@@ -8,13 +8,14 @@
     <p:sldId id="256" r:id="rId2"/>
     <p:sldId id="257" r:id="rId3"/>
     <p:sldId id="258" r:id="rId4"/>
-    <p:sldId id="259" r:id="rId5"/>
-    <p:sldId id="264" r:id="rId6"/>
-    <p:sldId id="265" r:id="rId7"/>
-    <p:sldId id="260" r:id="rId8"/>
-    <p:sldId id="261" r:id="rId9"/>
-    <p:sldId id="262" r:id="rId10"/>
-    <p:sldId id="263" r:id="rId11"/>
+    <p:sldId id="260" r:id="rId5"/>
+    <p:sldId id="266" r:id="rId6"/>
+    <p:sldId id="259" r:id="rId7"/>
+    <p:sldId id="264" r:id="rId8"/>
+    <p:sldId id="265" r:id="rId9"/>
+    <p:sldId id="261" r:id="rId10"/>
+    <p:sldId id="262" r:id="rId11"/>
+    <p:sldId id="263" r:id="rId12"/>
   </p:sldIdLst>
   <p:sldSz cx="12192000" cy="6858000"/>
   <p:notesSz cx="6858000" cy="9144000"/>
@@ -113,6 +114,11 @@
       </a:defRPr>
     </a:lvl9pPr>
   </p:defaultTextStyle>
+  <p:extLst>
+    <p:ext uri="{EFAFB233-063F-42B5-8137-9DF3F51BA10A}">
+      <p15:sldGuideLst xmlns:p15="http://schemas.microsoft.com/office/powerpoint/2012/main"/>
+    </p:ext>
+  </p:extLst>
 </p:presentation>
 </file>
 
@@ -270,7 +276,7 @@
           <a:p>
             <a:fld id="{6444479B-705B-4489-957E-7E8A228BDFA0}" type="datetime1">
               <a:rPr lang="en-US" smtClean="0"/>
-              <a:t>10/27/2025</a:t>
+              <a:t>10/29/2025</a:t>
             </a:fld>
             <a:endParaRPr lang="en-US"/>
           </a:p>
@@ -509,7 +515,7 @@
           <a:p>
             <a:fld id="{7DA38F49-B3E2-4BF0-BEC7-C30D34ABBB8D}" type="datetime1">
               <a:rPr lang="en-US" smtClean="0"/>
-              <a:t>10/27/2025</a:t>
+              <a:t>10/29/2025</a:t>
             </a:fld>
             <a:endParaRPr lang="en-US"/>
           </a:p>
@@ -1365,6 +1371,241 @@
         <p:cNvPr id="1" name="">
           <a:extLst>
             <a:ext uri="{FF2B5EF4-FFF2-40B4-BE49-F238E27FC236}">
+              <a16:creationId xmlns:a16="http://schemas.microsoft.com/office/drawing/2014/main" id="{5D0C3AEF-DE80-C15A-7296-A9C460D97610}"/>
+            </a:ext>
+          </a:extLst>
+        </p:cNvPr>
+        <p:cNvGrpSpPr/>
+        <p:nvPr/>
+      </p:nvGrpSpPr>
+      <p:grpSpPr>
+        <a:xfrm>
+          <a:off x="0" y="0"/>
+          <a:ext cx="0" cy="0"/>
+          <a:chOff x="0" y="0"/>
+          <a:chExt cx="0" cy="0"/>
+        </a:xfrm>
+      </p:grpSpPr>
+      <p:sp>
+        <p:nvSpPr>
+          <p:cNvPr id="2" name="Título 1">
+            <a:extLst>
+              <a:ext uri="{FF2B5EF4-FFF2-40B4-BE49-F238E27FC236}">
+                <a16:creationId xmlns:a16="http://schemas.microsoft.com/office/drawing/2014/main" id="{9784CB44-F52E-2B83-E599-92EC4D8C72C7}"/>
+              </a:ext>
+            </a:extLst>
+          </p:cNvPr>
+          <p:cNvSpPr>
+            <a:spLocks noGrp="1"/>
+          </p:cNvSpPr>
+          <p:nvPr>
+            <p:ph type="ctrTitle"/>
+          </p:nvPr>
+        </p:nvSpPr>
+        <p:spPr>
+          <a:xfrm>
+            <a:off x="640080" y="1371599"/>
+            <a:ext cx="6675120" cy="552451"/>
+          </a:xfrm>
+        </p:spPr>
+        <p:txBody>
+          <a:bodyPr>
+            <a:normAutofit/>
+          </a:bodyPr>
+          <a:lstStyle/>
+          <a:p>
+            <a:r>
+              <a:rPr lang="pt-PT" sz="2800" dirty="0"/>
+              <a:t>Conclusão e Próximos Passos</a:t>
+            </a:r>
+          </a:p>
+        </p:txBody>
+      </p:sp>
+      <p:sp>
+        <p:nvSpPr>
+          <p:cNvPr id="3" name="Subtítulo 2">
+            <a:extLst>
+              <a:ext uri="{FF2B5EF4-FFF2-40B4-BE49-F238E27FC236}">
+                <a16:creationId xmlns:a16="http://schemas.microsoft.com/office/drawing/2014/main" id="{978F12B3-9065-B2EC-A2C5-64BC95007FEF}"/>
+              </a:ext>
+            </a:extLst>
+          </p:cNvPr>
+          <p:cNvSpPr>
+            <a:spLocks noGrp="1"/>
+          </p:cNvSpPr>
+          <p:nvPr>
+            <p:ph type="subTitle" idx="1"/>
+          </p:nvPr>
+        </p:nvSpPr>
+        <p:spPr>
+          <a:xfrm>
+            <a:off x="640080" y="2404871"/>
+            <a:ext cx="11301984" cy="4059937"/>
+          </a:xfrm>
+        </p:spPr>
+        <p:txBody>
+          <a:bodyPr anchor="t">
+            <a:normAutofit fontScale="85000" lnSpcReduction="20000"/>
+          </a:bodyPr>
+          <a:lstStyle/>
+          <a:p>
+            <a:pPr marL="285750" indent="-285750">
+              <a:buFont typeface="Arial" panose="020B0604020202020204" pitchFamily="34" charset="0"/>
+              <a:buChar char="•"/>
+            </a:pPr>
+            <a:r>
+              <a:rPr lang="pt-PT" dirty="0"/>
+              <a:t>O que foi entregue:</a:t>
+            </a:r>
+          </a:p>
+          <a:p>
+            <a:pPr marL="742950" lvl="1" indent="-285750" algn="l">
+              <a:buFont typeface="Arial" panose="020B0604020202020204" pitchFamily="34" charset="0"/>
+              <a:buChar char="•"/>
+            </a:pPr>
+            <a:r>
+              <a:rPr lang="pt-PT" b="1" dirty="0"/>
+              <a:t>Uma plataforma de dados ponta-a-ponta.</a:t>
+            </a:r>
+          </a:p>
+          <a:p>
+            <a:pPr marL="742950" lvl="1" indent="-285750" algn="l">
+              <a:buFont typeface="Arial" panose="020B0604020202020204" pitchFamily="34" charset="0"/>
+              <a:buChar char="•"/>
+            </a:pPr>
+            <a:r>
+              <a:rPr lang="pt-PT" b="1" dirty="0"/>
+              <a:t>Dashboards históricos (Batch) e operacionais (NRT) funcionais.</a:t>
+            </a:r>
+          </a:p>
+          <a:p>
+            <a:pPr marL="742950" lvl="1" indent="-285750" algn="l">
+              <a:buFont typeface="Arial" panose="020B0604020202020204" pitchFamily="34" charset="0"/>
+              <a:buChar char="•"/>
+            </a:pPr>
+            <a:r>
+              <a:rPr lang="pt-PT" b="1" dirty="0"/>
+              <a:t>Uma "fonte da verdade" (Gold Lakehouse) confiável e escalável.</a:t>
+            </a:r>
+          </a:p>
+          <a:p>
+            <a:pPr marL="285750" indent="-285750">
+              <a:buFont typeface="Arial" panose="020B0604020202020204" pitchFamily="34" charset="0"/>
+              <a:buChar char="•"/>
+            </a:pPr>
+            <a:endParaRPr lang="pt-PT" dirty="0"/>
+          </a:p>
+          <a:p>
+            <a:pPr marL="285750" indent="-285750">
+              <a:buFont typeface="Arial" panose="020B0604020202020204" pitchFamily="34" charset="0"/>
+              <a:buChar char="•"/>
+            </a:pPr>
+            <a:r>
+              <a:rPr lang="pt-PT" dirty="0"/>
+              <a:t>Próximos Passos:</a:t>
+            </a:r>
+          </a:p>
+          <a:p>
+            <a:pPr marL="742950" lvl="1" indent="-285750" algn="l">
+              <a:buFont typeface="Arial" panose="020B0604020202020204" pitchFamily="34" charset="0"/>
+              <a:buChar char="•"/>
+            </a:pPr>
+            <a:r>
+              <a:rPr lang="pt-PT" b="1" dirty="0"/>
+              <a:t>Enriquecer a camada Gold: </a:t>
+            </a:r>
+            <a:r>
+              <a:rPr lang="pt-PT" dirty="0"/>
+              <a:t>mais KPIs e informações.</a:t>
+            </a:r>
+          </a:p>
+          <a:p>
+            <a:pPr marL="742950" lvl="1" indent="-285750" algn="l">
+              <a:buFont typeface="Arial" panose="020B0604020202020204" pitchFamily="34" charset="0"/>
+              <a:buChar char="•"/>
+            </a:pPr>
+            <a:r>
+              <a:rPr lang="pt-PT" b="1" dirty="0"/>
+              <a:t>PoC para Cloud: </a:t>
+            </a:r>
+            <a:r>
+              <a:rPr lang="pt-PT" dirty="0"/>
+              <a:t>migração para AWS, </a:t>
+            </a:r>
+            <a:r>
+              <a:rPr lang="pt-PT" dirty="0" err="1"/>
+              <a:t>Azure</a:t>
+            </a:r>
+            <a:r>
+              <a:rPr lang="pt-PT" dirty="0"/>
+              <a:t> ou GCP.</a:t>
+            </a:r>
+          </a:p>
+          <a:p>
+            <a:pPr marL="742950" lvl="1" indent="-285750" algn="l">
+              <a:buFont typeface="Arial" panose="020B0604020202020204" pitchFamily="34" charset="0"/>
+              <a:buChar char="•"/>
+            </a:pPr>
+            <a:r>
+              <a:rPr lang="pt-PT" b="1" dirty="0"/>
+              <a:t>Alertas: </a:t>
+            </a:r>
+            <a:r>
+              <a:rPr lang="pt-PT" dirty="0"/>
+              <a:t>Criar alertas automáticos (Ex: "Linha 8000 está com velocidade abaixo de 5km/h há 10 minutos").</a:t>
+            </a:r>
+          </a:p>
+          <a:p>
+            <a:pPr marL="742950" lvl="1" indent="-285750" algn="l">
+              <a:buFont typeface="Arial" panose="020B0604020202020204" pitchFamily="34" charset="0"/>
+              <a:buChar char="•"/>
+            </a:pPr>
+            <a:r>
+              <a:rPr lang="pt-PT" b="1" dirty="0"/>
+              <a:t>Machine Learning: </a:t>
+            </a:r>
+            <a:r>
+              <a:rPr lang="pt-PT" dirty="0"/>
+              <a:t>Usar o histórico gerado de velocidade e posições para treinar modelos de previsão de chegada (ETA).</a:t>
+            </a:r>
+          </a:p>
+          <a:p>
+            <a:pPr marL="742950" lvl="1" indent="-285750" algn="l">
+              <a:buFont typeface="Arial" panose="020B0604020202020204" pitchFamily="34" charset="0"/>
+              <a:buChar char="•"/>
+            </a:pPr>
+            <a:r>
+              <a:rPr lang="pt-PT" b="1" dirty="0"/>
+              <a:t>Novos Dashboards: </a:t>
+            </a:r>
+            <a:r>
+              <a:rPr lang="pt-PT" dirty="0"/>
+              <a:t>Análise de performance por concessionária, por período do dia, etc.</a:t>
+            </a:r>
+          </a:p>
+        </p:txBody>
+      </p:sp>
+    </p:spTree>
+    <p:extLst>
+      <p:ext uri="{BB962C8B-B14F-4D97-AF65-F5344CB8AC3E}">
+        <p14:creationId xmlns:p14="http://schemas.microsoft.com/office/powerpoint/2010/main" val="3686714567"/>
+      </p:ext>
+    </p:extLst>
+  </p:cSld>
+  <p:clrMapOvr>
+    <a:masterClrMapping/>
+  </p:clrMapOvr>
+</p:sld>
+</file>
+
+<file path=ppt/slides/slide11.xml><?xml version="1.0" encoding="utf-8"?>
+<p:sld xmlns:a="http://schemas.openxmlformats.org/drawingml/2006/main" xmlns:r="http://schemas.openxmlformats.org/officeDocument/2006/relationships" xmlns:p="http://schemas.openxmlformats.org/presentationml/2006/main">
+  <p:cSld>
+    <p:spTree>
+      <p:nvGrpSpPr>
+        <p:cNvPr id="1" name="">
+          <a:extLst>
+            <a:ext uri="{FF2B5EF4-FFF2-40B4-BE49-F238E27FC236}">
               <a16:creationId xmlns:a16="http://schemas.microsoft.com/office/drawing/2014/main" id="{A3E66FE3-A59A-6CD1-E378-2A9CFB9C1463}"/>
             </a:ext>
           </a:extLst>
@@ -1409,9 +1650,10 @@
           <a:lstStyle/>
           <a:p>
             <a:r>
-              <a:rPr lang="pt-PT" sz="2800" dirty="0"/>
+              <a:rPr lang="pt-PT" sz="2800"/>
               <a:t>Perguntas</a:t>
             </a:r>
+            <a:endParaRPr lang="pt-PT" sz="2800" dirty="0"/>
           </a:p>
         </p:txBody>
       </p:sp>
@@ -1728,7 +1970,7 @@
             </a:pPr>
             <a:r>
               <a:rPr lang="pt-PT" dirty="0"/>
-              <a:t>Objetivo 1: Visão Estratégica (Batch)</a:t>
+              <a:t>Objetivo 1: Visão Estratégica (Pipeline Batch)</a:t>
             </a:r>
           </a:p>
           <a:p>
@@ -1765,7 +2007,7 @@
             </a:pPr>
             <a:r>
               <a:rPr lang="pt-PT" dirty="0"/>
-              <a:t>Objetivo 2: Visão Operacional (Streaming)</a:t>
+              <a:t>Objetivo 2: Visão Operacional (Pipeline Streaming - NRT)</a:t>
             </a:r>
           </a:p>
           <a:p>
@@ -1828,7 +2070,7 @@
             </a:pPr>
             <a:r>
               <a:rPr lang="pt-PT" dirty="0"/>
-              <a:t>Construir uma Arquitetura Medalhão, Híbrida Batch/Streaming que suporte ambas visões.</a:t>
+              <a:t>Construir uma Arquitetura Medalhão, Híbrida Batch/Streaming - NRT que suporte ambas visões.</a:t>
             </a:r>
           </a:p>
         </p:txBody>
@@ -1847,6 +2089,387 @@
 </file>
 
 <file path=ppt/slides/slide4.xml><?xml version="1.0" encoding="utf-8"?>
+<p:sld xmlns:a="http://schemas.openxmlformats.org/drawingml/2006/main" xmlns:r="http://schemas.openxmlformats.org/officeDocument/2006/relationships" xmlns:p="http://schemas.openxmlformats.org/presentationml/2006/main">
+  <p:cSld>
+    <p:spTree>
+      <p:nvGrpSpPr>
+        <p:cNvPr id="1" name="">
+          <a:extLst>
+            <a:ext uri="{FF2B5EF4-FFF2-40B4-BE49-F238E27FC236}">
+              <a16:creationId xmlns:a16="http://schemas.microsoft.com/office/drawing/2014/main" id="{958E1628-84DB-0C79-C56E-4C057C54D40E}"/>
+            </a:ext>
+          </a:extLst>
+        </p:cNvPr>
+        <p:cNvGrpSpPr/>
+        <p:nvPr/>
+      </p:nvGrpSpPr>
+      <p:grpSpPr>
+        <a:xfrm>
+          <a:off x="0" y="0"/>
+          <a:ext cx="0" cy="0"/>
+          <a:chOff x="0" y="0"/>
+          <a:chExt cx="0" cy="0"/>
+        </a:xfrm>
+      </p:grpSpPr>
+      <p:sp>
+        <p:nvSpPr>
+          <p:cNvPr id="2" name="Título 1">
+            <a:extLst>
+              <a:ext uri="{FF2B5EF4-FFF2-40B4-BE49-F238E27FC236}">
+                <a16:creationId xmlns:a16="http://schemas.microsoft.com/office/drawing/2014/main" id="{B9998F3C-5D5C-9F29-EE6E-9C1CDE15817E}"/>
+              </a:ext>
+            </a:extLst>
+          </p:cNvPr>
+          <p:cNvSpPr>
+            <a:spLocks noGrp="1"/>
+          </p:cNvSpPr>
+          <p:nvPr>
+            <p:ph type="ctrTitle"/>
+          </p:nvPr>
+        </p:nvSpPr>
+        <p:spPr>
+          <a:xfrm>
+            <a:off x="640080" y="1371599"/>
+            <a:ext cx="6675120" cy="552451"/>
+          </a:xfrm>
+        </p:spPr>
+        <p:txBody>
+          <a:bodyPr>
+            <a:normAutofit/>
+          </a:bodyPr>
+          <a:lstStyle/>
+          <a:p>
+            <a:r>
+              <a:rPr lang="pt-PT" sz="2800" dirty="0"/>
+              <a:t>Objetivo 1 - Pipeline Batch (Lote)</a:t>
+            </a:r>
+          </a:p>
+        </p:txBody>
+      </p:sp>
+      <p:sp>
+        <p:nvSpPr>
+          <p:cNvPr id="3" name="Subtítulo 2">
+            <a:extLst>
+              <a:ext uri="{FF2B5EF4-FFF2-40B4-BE49-F238E27FC236}">
+                <a16:creationId xmlns:a16="http://schemas.microsoft.com/office/drawing/2014/main" id="{47F6C3E8-075B-51FF-7A3D-0EEAD5CCAF0B}"/>
+              </a:ext>
+            </a:extLst>
+          </p:cNvPr>
+          <p:cNvSpPr>
+            <a:spLocks noGrp="1"/>
+          </p:cNvSpPr>
+          <p:nvPr>
+            <p:ph type="subTitle" idx="1"/>
+          </p:nvPr>
+        </p:nvSpPr>
+        <p:spPr>
+          <a:xfrm>
+            <a:off x="748200" y="4977249"/>
+            <a:ext cx="11301984" cy="1478871"/>
+          </a:xfrm>
+        </p:spPr>
+        <p:txBody>
+          <a:bodyPr anchor="t">
+            <a:normAutofit fontScale="77500" lnSpcReduction="20000"/>
+          </a:bodyPr>
+          <a:lstStyle/>
+          <a:p>
+            <a:pPr marL="285750" indent="-285750">
+              <a:buFont typeface="Arial" panose="020B0604020202020204" pitchFamily="34" charset="0"/>
+              <a:buChar char="•"/>
+            </a:pPr>
+            <a:r>
+              <a:rPr lang="pt-PT" dirty="0"/>
+              <a:t>Executado no minuto 5 de cada hora, processando movimentos da hora anterior</a:t>
+            </a:r>
+          </a:p>
+          <a:p>
+            <a:pPr marL="285750" indent="-285750">
+              <a:buFont typeface="Arial" panose="020B0604020202020204" pitchFamily="34" charset="0"/>
+              <a:buChar char="•"/>
+            </a:pPr>
+            <a:r>
+              <a:rPr lang="pt-PT" dirty="0"/>
+              <a:t>Coleta e limpeza (Bronze -&gt; Silver)</a:t>
+            </a:r>
+          </a:p>
+          <a:p>
+            <a:pPr marL="285750" indent="-285750">
+              <a:buFont typeface="Arial" panose="020B0604020202020204" pitchFamily="34" charset="0"/>
+              <a:buChar char="•"/>
+            </a:pPr>
+            <a:r>
+              <a:rPr lang="pt-PT" dirty="0"/>
+              <a:t>Agregação e consolidação dos </a:t>
+            </a:r>
+            <a:r>
+              <a:rPr lang="pt-PT" dirty="0" err="1"/>
+              <a:t>kpis</a:t>
+            </a:r>
+            <a:r>
+              <a:rPr lang="pt-PT" dirty="0"/>
+              <a:t> (Silver -&gt; Gold/</a:t>
+            </a:r>
+            <a:r>
+              <a:rPr lang="pt-PT" dirty="0" err="1"/>
+              <a:t>lakehouse</a:t>
+            </a:r>
+            <a:r>
+              <a:rPr lang="pt-PT" dirty="0"/>
+              <a:t>)</a:t>
+            </a:r>
+          </a:p>
+          <a:p>
+            <a:pPr marL="285750" indent="-285750">
+              <a:buFont typeface="Arial" panose="020B0604020202020204" pitchFamily="34" charset="0"/>
+              <a:buChar char="•"/>
+            </a:pPr>
+            <a:r>
+              <a:rPr lang="pt-PT" dirty="0"/>
+              <a:t>Entrega de dados (gold/Lakehouse -&gt; </a:t>
+            </a:r>
+            <a:r>
+              <a:rPr lang="pt-PT" dirty="0" err="1"/>
+              <a:t>Postgresql</a:t>
+            </a:r>
+            <a:r>
+              <a:rPr lang="pt-PT" dirty="0"/>
+              <a:t>)</a:t>
+            </a:r>
+          </a:p>
+          <a:p>
+            <a:endParaRPr lang="pt-PT" dirty="0"/>
+          </a:p>
+        </p:txBody>
+      </p:sp>
+      <p:pic>
+        <p:nvPicPr>
+          <p:cNvPr id="5" name="Imagem 4">
+            <a:extLst>
+              <a:ext uri="{FF2B5EF4-FFF2-40B4-BE49-F238E27FC236}">
+                <a16:creationId xmlns:a16="http://schemas.microsoft.com/office/drawing/2014/main" id="{956799FB-7F2C-A827-66C4-AC4799495012}"/>
+              </a:ext>
+            </a:extLst>
+          </p:cNvPr>
+          <p:cNvPicPr>
+            <a:picLocks noChangeAspect="1"/>
+          </p:cNvPicPr>
+          <p:nvPr/>
+        </p:nvPicPr>
+        <p:blipFill>
+          <a:blip r:embed="rId2"/>
+          <a:stretch>
+            <a:fillRect/>
+          </a:stretch>
+        </p:blipFill>
+        <p:spPr>
+          <a:xfrm>
+            <a:off x="640080" y="2105911"/>
+            <a:ext cx="10061750" cy="2646178"/>
+          </a:xfrm>
+          <a:prstGeom prst="rect">
+            <a:avLst/>
+          </a:prstGeom>
+        </p:spPr>
+      </p:pic>
+    </p:spTree>
+    <p:extLst>
+      <p:ext uri="{BB962C8B-B14F-4D97-AF65-F5344CB8AC3E}">
+        <p14:creationId xmlns:p14="http://schemas.microsoft.com/office/powerpoint/2010/main" val="1616817245"/>
+      </p:ext>
+    </p:extLst>
+  </p:cSld>
+  <p:clrMapOvr>
+    <a:masterClrMapping/>
+  </p:clrMapOvr>
+</p:sld>
+</file>
+
+<file path=ppt/slides/slide5.xml><?xml version="1.0" encoding="utf-8"?>
+<p:sld xmlns:a="http://schemas.openxmlformats.org/drawingml/2006/main" xmlns:r="http://schemas.openxmlformats.org/officeDocument/2006/relationships" xmlns:p="http://schemas.openxmlformats.org/presentationml/2006/main">
+  <p:cSld>
+    <p:spTree>
+      <p:nvGrpSpPr>
+        <p:cNvPr id="1" name="">
+          <a:extLst>
+            <a:ext uri="{FF2B5EF4-FFF2-40B4-BE49-F238E27FC236}">
+              <a16:creationId xmlns:a16="http://schemas.microsoft.com/office/drawing/2014/main" id="{236063DD-6F4D-3050-38AF-D7F80035F7FC}"/>
+            </a:ext>
+          </a:extLst>
+        </p:cNvPr>
+        <p:cNvGrpSpPr/>
+        <p:nvPr/>
+      </p:nvGrpSpPr>
+      <p:grpSpPr>
+        <a:xfrm>
+          <a:off x="0" y="0"/>
+          <a:ext cx="0" cy="0"/>
+          <a:chOff x="0" y="0"/>
+          <a:chExt cx="0" cy="0"/>
+        </a:xfrm>
+      </p:grpSpPr>
+      <p:sp>
+        <p:nvSpPr>
+          <p:cNvPr id="2" name="Título 1">
+            <a:extLst>
+              <a:ext uri="{FF2B5EF4-FFF2-40B4-BE49-F238E27FC236}">
+                <a16:creationId xmlns:a16="http://schemas.microsoft.com/office/drawing/2014/main" id="{312C37C2-1C77-8746-6A67-36A76A90D898}"/>
+              </a:ext>
+            </a:extLst>
+          </p:cNvPr>
+          <p:cNvSpPr>
+            <a:spLocks noGrp="1"/>
+          </p:cNvSpPr>
+          <p:nvPr>
+            <p:ph type="ctrTitle"/>
+          </p:nvPr>
+        </p:nvSpPr>
+        <p:spPr>
+          <a:xfrm>
+            <a:off x="640080" y="1371599"/>
+            <a:ext cx="6675120" cy="552451"/>
+          </a:xfrm>
+        </p:spPr>
+        <p:txBody>
+          <a:bodyPr>
+            <a:normAutofit/>
+          </a:bodyPr>
+          <a:lstStyle/>
+          <a:p>
+            <a:r>
+              <a:rPr lang="pt-PT" sz="2800" dirty="0"/>
+              <a:t>Objetivo 2 - Pipeline Streaming (NRT)</a:t>
+            </a:r>
+          </a:p>
+        </p:txBody>
+      </p:sp>
+      <p:sp>
+        <p:nvSpPr>
+          <p:cNvPr id="3" name="Subtítulo 2">
+            <a:extLst>
+              <a:ext uri="{FF2B5EF4-FFF2-40B4-BE49-F238E27FC236}">
+                <a16:creationId xmlns:a16="http://schemas.microsoft.com/office/drawing/2014/main" id="{1BF71976-B0C7-1CF3-CB9D-3C6C56AB1923}"/>
+              </a:ext>
+            </a:extLst>
+          </p:cNvPr>
+          <p:cNvSpPr>
+            <a:spLocks noGrp="1"/>
+          </p:cNvSpPr>
+          <p:nvPr>
+            <p:ph type="subTitle" idx="1"/>
+          </p:nvPr>
+        </p:nvSpPr>
+        <p:spPr>
+          <a:xfrm>
+            <a:off x="640080" y="5205046"/>
+            <a:ext cx="11301984" cy="1259762"/>
+          </a:xfrm>
+        </p:spPr>
+        <p:txBody>
+          <a:bodyPr anchor="t">
+            <a:normAutofit fontScale="92500" lnSpcReduction="10000"/>
+          </a:bodyPr>
+          <a:lstStyle/>
+          <a:p>
+            <a:pPr marL="285750" indent="-285750">
+              <a:buFont typeface="Arial" panose="020B0604020202020204" pitchFamily="34" charset="0"/>
+              <a:buChar char="•"/>
+            </a:pPr>
+            <a:r>
+              <a:rPr lang="pt-PT" dirty="0"/>
+              <a:t>Atualiza os dashboards a cada 5 minutos</a:t>
+            </a:r>
+          </a:p>
+          <a:p>
+            <a:pPr marL="285750" indent="-285750">
+              <a:buFont typeface="Arial" panose="020B0604020202020204" pitchFamily="34" charset="0"/>
+              <a:buChar char="•"/>
+            </a:pPr>
+            <a:r>
+              <a:rPr lang="pt-PT" dirty="0"/>
+              <a:t>Coleta e limpeza (</a:t>
+            </a:r>
+            <a:r>
+              <a:rPr lang="pt-PT" dirty="0" err="1"/>
+              <a:t>kafka</a:t>
+            </a:r>
+            <a:r>
+              <a:rPr lang="pt-PT" dirty="0"/>
+              <a:t> -&gt; silver)</a:t>
+            </a:r>
+          </a:p>
+          <a:p>
+            <a:pPr marL="285750" indent="-285750">
+              <a:buFont typeface="Arial" panose="020B0604020202020204" pitchFamily="34" charset="0"/>
+              <a:buChar char="•"/>
+            </a:pPr>
+            <a:r>
+              <a:rPr lang="pt-PT" dirty="0"/>
+              <a:t>Calculo de </a:t>
+            </a:r>
+            <a:r>
+              <a:rPr lang="pt-PT" dirty="0" err="1"/>
+              <a:t>kpis</a:t>
+            </a:r>
+            <a:r>
+              <a:rPr lang="pt-PT" dirty="0"/>
+              <a:t> e entrega de dados (silver -&gt; </a:t>
+            </a:r>
+            <a:r>
+              <a:rPr lang="pt-PT" dirty="0" err="1"/>
+              <a:t>postgresql</a:t>
+            </a:r>
+            <a:r>
+              <a:rPr lang="pt-PT" dirty="0"/>
+              <a:t>)</a:t>
+            </a:r>
+          </a:p>
+        </p:txBody>
+      </p:sp>
+      <p:pic>
+        <p:nvPicPr>
+          <p:cNvPr id="5" name="Imagem 4">
+            <a:extLst>
+              <a:ext uri="{FF2B5EF4-FFF2-40B4-BE49-F238E27FC236}">
+                <a16:creationId xmlns:a16="http://schemas.microsoft.com/office/drawing/2014/main" id="{106A5C82-5F6A-B376-F10D-422DB4D06229}"/>
+              </a:ext>
+            </a:extLst>
+          </p:cNvPr>
+          <p:cNvPicPr>
+            <a:picLocks noChangeAspect="1"/>
+          </p:cNvPicPr>
+          <p:nvPr/>
+        </p:nvPicPr>
+        <p:blipFill>
+          <a:blip r:embed="rId2"/>
+          <a:stretch>
+            <a:fillRect/>
+          </a:stretch>
+        </p:blipFill>
+        <p:spPr>
+          <a:xfrm>
+            <a:off x="562708" y="2167221"/>
+            <a:ext cx="10420141" cy="2794654"/>
+          </a:xfrm>
+          <a:prstGeom prst="rect">
+            <a:avLst/>
+          </a:prstGeom>
+        </p:spPr>
+      </p:pic>
+    </p:spTree>
+    <p:extLst>
+      <p:ext uri="{BB962C8B-B14F-4D97-AF65-F5344CB8AC3E}">
+        <p14:creationId xmlns:p14="http://schemas.microsoft.com/office/powerpoint/2010/main" val="4289548804"/>
+      </p:ext>
+    </p:extLst>
+  </p:cSld>
+  <p:clrMapOvr>
+    <a:masterClrMapping/>
+  </p:clrMapOvr>
+</p:sld>
+</file>
+
+<file path=ppt/slides/slide6.xml><?xml version="1.0" encoding="utf-8"?>
 <p:sld xmlns:a="http://schemas.openxmlformats.org/drawingml/2006/main" xmlns:r="http://schemas.openxmlformats.org/officeDocument/2006/relationships" xmlns:p="http://schemas.openxmlformats.org/presentationml/2006/main">
   <p:cSld>
     <p:spTree>
@@ -1888,7 +2511,7 @@
         <p:spPr>
           <a:xfrm>
             <a:off x="640080" y="1371599"/>
-            <a:ext cx="6675120" cy="552451"/>
+            <a:ext cx="7539278" cy="552451"/>
           </a:xfrm>
         </p:spPr>
         <p:txBody>
@@ -1899,7 +2522,7 @@
           <a:p>
             <a:r>
               <a:rPr lang="pt-PT" sz="2800" dirty="0"/>
-              <a:t>A Arquitetura da Solução (</a:t>
+              <a:t>Objetivo 3 - Arquitetura Unificada (</a:t>
             </a:r>
             <a:r>
               <a:rPr lang="pt-PT" sz="2800" dirty="0" err="1"/>
@@ -1914,10 +2537,10 @@
       </p:sp>
       <p:pic>
         <p:nvPicPr>
-          <p:cNvPr id="11" name="Imagem 10">
-            <a:extLst>
-              <a:ext uri="{FF2B5EF4-FFF2-40B4-BE49-F238E27FC236}">
-                <a16:creationId xmlns:a16="http://schemas.microsoft.com/office/drawing/2014/main" id="{9723E78F-7361-A923-A0A2-EEFA40159F82}"/>
+          <p:cNvPr id="4" name="Imagem 3">
+            <a:extLst>
+              <a:ext uri="{FF2B5EF4-FFF2-40B4-BE49-F238E27FC236}">
+                <a16:creationId xmlns:a16="http://schemas.microsoft.com/office/drawing/2014/main" id="{0DCD828F-16ED-5584-1DF7-2D9806B38784}"/>
               </a:ext>
             </a:extLst>
           </p:cNvPr>
@@ -1934,8 +2557,8 @@
         </p:blipFill>
         <p:spPr>
           <a:xfrm>
-            <a:off x="0" y="2266950"/>
-            <a:ext cx="12192000" cy="4302212"/>
+            <a:off x="797052" y="2144514"/>
+            <a:ext cx="10597896" cy="4038921"/>
           </a:xfrm>
           <a:prstGeom prst="rect">
             <a:avLst/>
@@ -1955,7 +2578,7 @@
 </p:sld>
 </file>
 
-<file path=ppt/slides/slide5.xml><?xml version="1.0" encoding="utf-8"?>
+<file path=ppt/slides/slide7.xml><?xml version="1.0" encoding="utf-8"?>
 <p:sld xmlns:a="http://schemas.openxmlformats.org/drawingml/2006/main" xmlns:r="http://schemas.openxmlformats.org/officeDocument/2006/relationships" xmlns:p="http://schemas.openxmlformats.org/presentationml/2006/main">
   <p:cSld>
     <p:spTree>
@@ -2465,7 +3088,7 @@
 </p:sld>
 </file>
 
-<file path=ppt/slides/slide6.xml><?xml version="1.0" encoding="utf-8"?>
+<file path=ppt/slides/slide8.xml><?xml version="1.0" encoding="utf-8"?>
 <p:sld xmlns:a="http://schemas.openxmlformats.org/drawingml/2006/main" xmlns:r="http://schemas.openxmlformats.org/officeDocument/2006/relationships" xmlns:p="http://schemas.openxmlformats.org/presentationml/2006/main">
   <p:cSld>
     <p:spTree>
@@ -2768,7 +3391,7 @@
         </p:spPr>
         <p:txBody>
           <a:bodyPr vert="horz" lIns="91440" tIns="45720" rIns="91440" bIns="45720" rtlCol="0" anchor="t">
-            <a:normAutofit/>
+            <a:normAutofit fontScale="92500" lnSpcReduction="10000"/>
           </a:bodyPr>
           <a:lstStyle>
             <a:lvl1pPr marL="0" indent="0" algn="l" defTabSz="914400" rtl="0" eaLnBrk="1" latinLnBrk="0" hangingPunct="1">
@@ -2984,6 +3607,16 @@
             <a:r>
               <a:rPr lang="pt-PT" sz="1400" dirty="0"/>
               <a:t>Metabase</a:t>
+            </a:r>
+          </a:p>
+          <a:p>
+            <a:pPr marL="800100" lvl="1" indent="-342900" algn="l">
+              <a:buFont typeface="Courier New" panose="02070309020205020404" pitchFamily="49" charset="0"/>
+              <a:buChar char="o"/>
+            </a:pPr>
+            <a:r>
+              <a:rPr lang="pt-PT" sz="1400" dirty="0"/>
+              <a:t>Trino</a:t>
             </a:r>
           </a:p>
           <a:p>
@@ -3540,10 +4173,10 @@
       </p:pic>
       <p:pic>
         <p:nvPicPr>
-          <p:cNvPr id="30" name="Imagem 29">
-            <a:extLst>
-              <a:ext uri="{FF2B5EF4-FFF2-40B4-BE49-F238E27FC236}">
-                <a16:creationId xmlns:a16="http://schemas.microsoft.com/office/drawing/2014/main" id="{7954A8D3-D3F8-8E68-C3E0-9BE22EEA9EBC}"/>
+          <p:cNvPr id="10" name="Imagem 9">
+            <a:extLst>
+              <a:ext uri="{FF2B5EF4-FFF2-40B4-BE49-F238E27FC236}">
+                <a16:creationId xmlns:a16="http://schemas.microsoft.com/office/drawing/2014/main" id="{8898115A-5B12-4036-1FFE-01A4C05F5BEF}"/>
               </a:ext>
             </a:extLst>
           </p:cNvPr>
@@ -3560,8 +4193,8 @@
         </p:blipFill>
         <p:spPr>
           <a:xfrm>
-            <a:off x="8036773" y="3933193"/>
-            <a:ext cx="2731811" cy="1425919"/>
+            <a:off x="7315200" y="4085653"/>
+            <a:ext cx="4387814" cy="1860206"/>
           </a:xfrm>
           <a:prstGeom prst="rect">
             <a:avLst/>
@@ -3581,200 +4214,7 @@
 </p:sld>
 </file>
 
-<file path=ppt/slides/slide7.xml><?xml version="1.0" encoding="utf-8"?>
-<p:sld xmlns:a="http://schemas.openxmlformats.org/drawingml/2006/main" xmlns:r="http://schemas.openxmlformats.org/officeDocument/2006/relationships" xmlns:p="http://schemas.openxmlformats.org/presentationml/2006/main">
-  <p:cSld>
-    <p:spTree>
-      <p:nvGrpSpPr>
-        <p:cNvPr id="1" name="">
-          <a:extLst>
-            <a:ext uri="{FF2B5EF4-FFF2-40B4-BE49-F238E27FC236}">
-              <a16:creationId xmlns:a16="http://schemas.microsoft.com/office/drawing/2014/main" id="{958E1628-84DB-0C79-C56E-4C057C54D40E}"/>
-            </a:ext>
-          </a:extLst>
-        </p:cNvPr>
-        <p:cNvGrpSpPr/>
-        <p:nvPr/>
-      </p:nvGrpSpPr>
-      <p:grpSpPr>
-        <a:xfrm>
-          <a:off x="0" y="0"/>
-          <a:ext cx="0" cy="0"/>
-          <a:chOff x="0" y="0"/>
-          <a:chExt cx="0" cy="0"/>
-        </a:xfrm>
-      </p:grpSpPr>
-      <p:sp>
-        <p:nvSpPr>
-          <p:cNvPr id="2" name="Título 1">
-            <a:extLst>
-              <a:ext uri="{FF2B5EF4-FFF2-40B4-BE49-F238E27FC236}">
-                <a16:creationId xmlns:a16="http://schemas.microsoft.com/office/drawing/2014/main" id="{B9998F3C-5D5C-9F29-EE6E-9C1CDE15817E}"/>
-              </a:ext>
-            </a:extLst>
-          </p:cNvPr>
-          <p:cNvSpPr>
-            <a:spLocks noGrp="1"/>
-          </p:cNvSpPr>
-          <p:nvPr>
-            <p:ph type="ctrTitle"/>
-          </p:nvPr>
-        </p:nvSpPr>
-        <p:spPr>
-          <a:xfrm>
-            <a:off x="640080" y="1371599"/>
-            <a:ext cx="6675120" cy="552451"/>
-          </a:xfrm>
-        </p:spPr>
-        <p:txBody>
-          <a:bodyPr>
-            <a:normAutofit/>
-          </a:bodyPr>
-          <a:lstStyle/>
-          <a:p>
-            <a:r>
-              <a:rPr lang="pt-PT" sz="2800" dirty="0"/>
-              <a:t>Unindo Os Pipelines Batch e Streaming</a:t>
-            </a:r>
-          </a:p>
-        </p:txBody>
-      </p:sp>
-      <p:sp>
-        <p:nvSpPr>
-          <p:cNvPr id="3" name="Subtítulo 2">
-            <a:extLst>
-              <a:ext uri="{FF2B5EF4-FFF2-40B4-BE49-F238E27FC236}">
-                <a16:creationId xmlns:a16="http://schemas.microsoft.com/office/drawing/2014/main" id="{47F6C3E8-075B-51FF-7A3D-0EEAD5CCAF0B}"/>
-              </a:ext>
-            </a:extLst>
-          </p:cNvPr>
-          <p:cNvSpPr>
-            <a:spLocks noGrp="1"/>
-          </p:cNvSpPr>
-          <p:nvPr>
-            <p:ph type="subTitle" idx="1"/>
-          </p:nvPr>
-        </p:nvSpPr>
-        <p:spPr>
-          <a:xfrm>
-            <a:off x="640080" y="2404871"/>
-            <a:ext cx="11301984" cy="4059937"/>
-          </a:xfrm>
-        </p:spPr>
-        <p:txBody>
-          <a:bodyPr anchor="t">
-            <a:normAutofit fontScale="85000" lnSpcReduction="10000"/>
-          </a:bodyPr>
-          <a:lstStyle/>
-          <a:p>
-            <a:pPr marL="285750" indent="-285750">
-              <a:buFont typeface="Arial" panose="020B0604020202020204" pitchFamily="34" charset="0"/>
-              <a:buChar char="•"/>
-            </a:pPr>
-            <a:r>
-              <a:rPr lang="pt-PT" dirty="0"/>
-              <a:t>Como o Streaming (</a:t>
-            </a:r>
-            <a:r>
-              <a:rPr lang="pt-PT" dirty="0" err="1"/>
-              <a:t>nrt</a:t>
-            </a:r>
-            <a:r>
-              <a:rPr lang="pt-PT" dirty="0"/>
-              <a:t>) e o batch (Lote) conversam?</a:t>
-            </a:r>
-          </a:p>
-          <a:p>
-            <a:pPr marL="914400" lvl="1" indent="-457200" algn="l">
-              <a:buAutoNum type="arabicPeriod"/>
-            </a:pPr>
-            <a:r>
-              <a:rPr lang="pt-PT" b="1" dirty="0"/>
-              <a:t>O Estado: </a:t>
-            </a:r>
-            <a:r>
-              <a:rPr lang="pt-PT" dirty="0"/>
-              <a:t>O streaming usa uma tabela no Postgres como “memória”, para saber a posição anterior do ônibus e calcular a velocidade.</a:t>
-            </a:r>
-          </a:p>
-          <a:p>
-            <a:pPr marL="914400" lvl="1" indent="-457200" algn="l">
-              <a:buAutoNum type="arabicPeriod"/>
-            </a:pPr>
-            <a:endParaRPr lang="pt-PT" dirty="0"/>
-          </a:p>
-          <a:p>
-            <a:pPr lvl="1" algn="l"/>
-            <a:r>
-              <a:rPr lang="pt-PT" b="1" dirty="0"/>
-              <a:t>2. 	A Fila (Silver / Delta Lake): </a:t>
-            </a:r>
-            <a:r>
-              <a:rPr lang="pt-PT" dirty="0"/>
-              <a:t>Após calcular os KPIs, o streaming faz duas coisas:</a:t>
-            </a:r>
-          </a:p>
-          <a:p>
-            <a:pPr lvl="1" algn="l"/>
-            <a:r>
-              <a:rPr lang="pt-PT" dirty="0"/>
-              <a:t>	</a:t>
-            </a:r>
-            <a:r>
-              <a:rPr lang="pt-PT" b="1" dirty="0"/>
-              <a:t>a) Entrega NRT: </a:t>
-            </a:r>
-            <a:r>
-              <a:rPr lang="pt-PT" dirty="0"/>
-              <a:t>Escreve o resultado em tabelas do PostgreSQL para os dashboards de tempo real.</a:t>
-            </a:r>
-          </a:p>
-          <a:p>
-            <a:pPr lvl="1" algn="l"/>
-            <a:r>
-              <a:rPr lang="pt-PT" dirty="0"/>
-              <a:t>	</a:t>
-            </a:r>
-            <a:r>
-              <a:rPr lang="pt-PT" b="1" dirty="0"/>
-              <a:t>b) Entrega Histórica: </a:t>
-            </a:r>
-            <a:r>
-              <a:rPr lang="pt-PT" dirty="0"/>
-              <a:t>Escreve os mesmos KPIs em uma tabela da Camada Silver (kpis_historicos_para_processar).</a:t>
-            </a:r>
-          </a:p>
-          <a:p>
-            <a:pPr lvl="1" algn="l"/>
-            <a:endParaRPr lang="pt-PT" dirty="0"/>
-          </a:p>
-          <a:p>
-            <a:pPr lvl="1" algn="l"/>
-            <a:r>
-              <a:rPr lang="pt-PT" b="1" dirty="0"/>
-              <a:t>3. 	A Consolidação (Batch): </a:t>
-            </a:r>
-            <a:r>
-              <a:rPr lang="pt-PT" dirty="0"/>
-              <a:t>O pipeline de lote (Airflow/Spark) lê essa tabela e faz o MERGE nas tabelas fato_velocidade_linha e fato_onibus_parados_linha da Camada Gold, consolidando o histórico de forma assíncrona.</a:t>
-            </a:r>
-          </a:p>
-        </p:txBody>
-      </p:sp>
-    </p:spTree>
-    <p:extLst>
-      <p:ext uri="{BB962C8B-B14F-4D97-AF65-F5344CB8AC3E}">
-        <p14:creationId xmlns:p14="http://schemas.microsoft.com/office/powerpoint/2010/main" val="1616817245"/>
-      </p:ext>
-    </p:extLst>
-  </p:cSld>
-  <p:clrMapOvr>
-    <a:masterClrMapping/>
-  </p:clrMapOvr>
-</p:sld>
-</file>
-
-<file path=ppt/slides/slide8.xml><?xml version="1.0" encoding="utf-8"?>
+<file path=ppt/slides/slide9.xml><?xml version="1.0" encoding="utf-8"?>
 <p:sld xmlns:a="http://schemas.openxmlformats.org/drawingml/2006/main" xmlns:r="http://schemas.openxmlformats.org/officeDocument/2006/relationships" xmlns:p="http://schemas.openxmlformats.org/presentationml/2006/main">
   <p:cSld>
     <p:spTree>
@@ -3872,241 +4312,6 @@
     <p:extLst>
       <p:ext uri="{BB962C8B-B14F-4D97-AF65-F5344CB8AC3E}">
         <p14:creationId xmlns:p14="http://schemas.microsoft.com/office/powerpoint/2010/main" val="396005196"/>
-      </p:ext>
-    </p:extLst>
-  </p:cSld>
-  <p:clrMapOvr>
-    <a:masterClrMapping/>
-  </p:clrMapOvr>
-</p:sld>
-</file>
-
-<file path=ppt/slides/slide9.xml><?xml version="1.0" encoding="utf-8"?>
-<p:sld xmlns:a="http://schemas.openxmlformats.org/drawingml/2006/main" xmlns:r="http://schemas.openxmlformats.org/officeDocument/2006/relationships" xmlns:p="http://schemas.openxmlformats.org/presentationml/2006/main">
-  <p:cSld>
-    <p:spTree>
-      <p:nvGrpSpPr>
-        <p:cNvPr id="1" name="">
-          <a:extLst>
-            <a:ext uri="{FF2B5EF4-FFF2-40B4-BE49-F238E27FC236}">
-              <a16:creationId xmlns:a16="http://schemas.microsoft.com/office/drawing/2014/main" id="{5D0C3AEF-DE80-C15A-7296-A9C460D97610}"/>
-            </a:ext>
-          </a:extLst>
-        </p:cNvPr>
-        <p:cNvGrpSpPr/>
-        <p:nvPr/>
-      </p:nvGrpSpPr>
-      <p:grpSpPr>
-        <a:xfrm>
-          <a:off x="0" y="0"/>
-          <a:ext cx="0" cy="0"/>
-          <a:chOff x="0" y="0"/>
-          <a:chExt cx="0" cy="0"/>
-        </a:xfrm>
-      </p:grpSpPr>
-      <p:sp>
-        <p:nvSpPr>
-          <p:cNvPr id="2" name="Título 1">
-            <a:extLst>
-              <a:ext uri="{FF2B5EF4-FFF2-40B4-BE49-F238E27FC236}">
-                <a16:creationId xmlns:a16="http://schemas.microsoft.com/office/drawing/2014/main" id="{9784CB44-F52E-2B83-E599-92EC4D8C72C7}"/>
-              </a:ext>
-            </a:extLst>
-          </p:cNvPr>
-          <p:cNvSpPr>
-            <a:spLocks noGrp="1"/>
-          </p:cNvSpPr>
-          <p:nvPr>
-            <p:ph type="ctrTitle"/>
-          </p:nvPr>
-        </p:nvSpPr>
-        <p:spPr>
-          <a:xfrm>
-            <a:off x="640080" y="1371599"/>
-            <a:ext cx="6675120" cy="552451"/>
-          </a:xfrm>
-        </p:spPr>
-        <p:txBody>
-          <a:bodyPr>
-            <a:normAutofit/>
-          </a:bodyPr>
-          <a:lstStyle/>
-          <a:p>
-            <a:r>
-              <a:rPr lang="pt-PT" sz="2800" dirty="0"/>
-              <a:t>Conclusão e Próximos Passos</a:t>
-            </a:r>
-          </a:p>
-        </p:txBody>
-      </p:sp>
-      <p:sp>
-        <p:nvSpPr>
-          <p:cNvPr id="3" name="Subtítulo 2">
-            <a:extLst>
-              <a:ext uri="{FF2B5EF4-FFF2-40B4-BE49-F238E27FC236}">
-                <a16:creationId xmlns:a16="http://schemas.microsoft.com/office/drawing/2014/main" id="{978F12B3-9065-B2EC-A2C5-64BC95007FEF}"/>
-              </a:ext>
-            </a:extLst>
-          </p:cNvPr>
-          <p:cNvSpPr>
-            <a:spLocks noGrp="1"/>
-          </p:cNvSpPr>
-          <p:nvPr>
-            <p:ph type="subTitle" idx="1"/>
-          </p:nvPr>
-        </p:nvSpPr>
-        <p:spPr>
-          <a:xfrm>
-            <a:off x="640080" y="2404871"/>
-            <a:ext cx="11301984" cy="4059937"/>
-          </a:xfrm>
-        </p:spPr>
-        <p:txBody>
-          <a:bodyPr anchor="t">
-            <a:normAutofit fontScale="85000" lnSpcReduction="20000"/>
-          </a:bodyPr>
-          <a:lstStyle/>
-          <a:p>
-            <a:pPr marL="285750" indent="-285750">
-              <a:buFont typeface="Arial" panose="020B0604020202020204" pitchFamily="34" charset="0"/>
-              <a:buChar char="•"/>
-            </a:pPr>
-            <a:r>
-              <a:rPr lang="pt-PT" dirty="0"/>
-              <a:t>O que foi entregue:</a:t>
-            </a:r>
-          </a:p>
-          <a:p>
-            <a:pPr marL="742950" lvl="1" indent="-285750" algn="l">
-              <a:buFont typeface="Arial" panose="020B0604020202020204" pitchFamily="34" charset="0"/>
-              <a:buChar char="•"/>
-            </a:pPr>
-            <a:r>
-              <a:rPr lang="pt-PT" b="1" dirty="0"/>
-              <a:t>Uma plataforma de dados ponta-a-ponta.</a:t>
-            </a:r>
-          </a:p>
-          <a:p>
-            <a:pPr marL="742950" lvl="1" indent="-285750" algn="l">
-              <a:buFont typeface="Arial" panose="020B0604020202020204" pitchFamily="34" charset="0"/>
-              <a:buChar char="•"/>
-            </a:pPr>
-            <a:r>
-              <a:rPr lang="pt-PT" b="1" dirty="0"/>
-              <a:t>Dashboards históricos (Bach) e operacionais (NRT) funcionais.</a:t>
-            </a:r>
-          </a:p>
-          <a:p>
-            <a:pPr marL="742950" lvl="1" indent="-285750" algn="l">
-              <a:buFont typeface="Arial" panose="020B0604020202020204" pitchFamily="34" charset="0"/>
-              <a:buChar char="•"/>
-            </a:pPr>
-            <a:r>
-              <a:rPr lang="pt-PT" b="1" dirty="0"/>
-              <a:t>Uma "fonte da verdade" (Gold Lakehouse) confiável e escalável.</a:t>
-            </a:r>
-          </a:p>
-          <a:p>
-            <a:pPr marL="285750" indent="-285750">
-              <a:buFont typeface="Arial" panose="020B0604020202020204" pitchFamily="34" charset="0"/>
-              <a:buChar char="•"/>
-            </a:pPr>
-            <a:endParaRPr lang="pt-PT" dirty="0"/>
-          </a:p>
-          <a:p>
-            <a:pPr marL="285750" indent="-285750">
-              <a:buFont typeface="Arial" panose="020B0604020202020204" pitchFamily="34" charset="0"/>
-              <a:buChar char="•"/>
-            </a:pPr>
-            <a:r>
-              <a:rPr lang="pt-PT" dirty="0"/>
-              <a:t>Próximos Passos:</a:t>
-            </a:r>
-          </a:p>
-          <a:p>
-            <a:pPr marL="742950" lvl="1" indent="-285750" algn="l">
-              <a:buFont typeface="Arial" panose="020B0604020202020204" pitchFamily="34" charset="0"/>
-              <a:buChar char="•"/>
-            </a:pPr>
-            <a:r>
-              <a:rPr lang="pt-PT" b="1" dirty="0"/>
-              <a:t>Enriquecer a camada Gold: </a:t>
-            </a:r>
-            <a:r>
-              <a:rPr lang="pt-PT" dirty="0"/>
-              <a:t>mais KPIs e informações.</a:t>
-            </a:r>
-          </a:p>
-          <a:p>
-            <a:pPr marL="742950" lvl="1" indent="-285750" algn="l">
-              <a:buFont typeface="Arial" panose="020B0604020202020204" pitchFamily="34" charset="0"/>
-              <a:buChar char="•"/>
-            </a:pPr>
-            <a:r>
-              <a:rPr lang="pt-PT" b="1" dirty="0"/>
-              <a:t>PoC para Cloud: </a:t>
-            </a:r>
-            <a:r>
-              <a:rPr lang="pt-PT" dirty="0"/>
-              <a:t>migração para AWS, </a:t>
-            </a:r>
-            <a:r>
-              <a:rPr lang="pt-PT" dirty="0" err="1"/>
-              <a:t>Azure</a:t>
-            </a:r>
-            <a:r>
-              <a:rPr lang="pt-PT" dirty="0"/>
-              <a:t> ou GCP.</a:t>
-            </a:r>
-          </a:p>
-          <a:p>
-            <a:pPr marL="742950" lvl="1" indent="-285750" algn="l">
-              <a:buFont typeface="Arial" panose="020B0604020202020204" pitchFamily="34" charset="0"/>
-              <a:buChar char="•"/>
-            </a:pPr>
-            <a:r>
-              <a:rPr lang="pt-PT" b="1" dirty="0"/>
-              <a:t>Alertas: </a:t>
-            </a:r>
-            <a:r>
-              <a:rPr lang="pt-PT" dirty="0"/>
-              <a:t>Criar alertas automáticos (Ex: "Linha 8000 está com velocidade abaixo de 5km/h há 10 minutos").</a:t>
-            </a:r>
-          </a:p>
-          <a:p>
-            <a:pPr marL="742950" lvl="1" indent="-285750" algn="l">
-              <a:buFont typeface="Arial" panose="020B0604020202020204" pitchFamily="34" charset="0"/>
-              <a:buChar char="•"/>
-            </a:pPr>
-            <a:r>
-              <a:rPr lang="pt-PT" b="1" dirty="0"/>
-              <a:t>Machine Learning: </a:t>
-            </a:r>
-            <a:r>
-              <a:rPr lang="pt-PT" dirty="0"/>
-              <a:t>Usar o histórico gerado de velocidade e posições para treinar modelos de previsão de chegada (ETA).</a:t>
-            </a:r>
-          </a:p>
-          <a:p>
-            <a:pPr marL="742950" lvl="1" indent="-285750" algn="l">
-              <a:buFont typeface="Arial" panose="020B0604020202020204" pitchFamily="34" charset="0"/>
-              <a:buChar char="•"/>
-            </a:pPr>
-            <a:r>
-              <a:rPr lang="pt-PT" b="1" dirty="0"/>
-              <a:t>Novos Dashboards: </a:t>
-            </a:r>
-            <a:r>
-              <a:rPr lang="pt-PT" dirty="0"/>
-              <a:t>Análise de performance por concessionária, por período do dia, etc.</a:t>
-            </a:r>
-          </a:p>
-        </p:txBody>
-      </p:sp>
-    </p:spTree>
-    <p:extLst>
-      <p:ext uri="{BB962C8B-B14F-4D97-AF65-F5344CB8AC3E}">
-        <p14:creationId xmlns:p14="http://schemas.microsoft.com/office/powerpoint/2010/main" val="3686714567"/>
       </p:ext>
     </p:extLst>
   </p:cSld>

--- a/documentacoes/Apresentação_Projeto_Final.pptx
+++ b/documentacoes/Apresentação_Projeto_Final.pptx
@@ -7,15 +7,16 @@
   <p:sldIdLst>
     <p:sldId id="256" r:id="rId2"/>
     <p:sldId id="257" r:id="rId3"/>
-    <p:sldId id="258" r:id="rId4"/>
-    <p:sldId id="260" r:id="rId5"/>
+    <p:sldId id="267" r:id="rId4"/>
+    <p:sldId id="258" r:id="rId5"/>
     <p:sldId id="266" r:id="rId6"/>
-    <p:sldId id="259" r:id="rId7"/>
-    <p:sldId id="264" r:id="rId8"/>
-    <p:sldId id="265" r:id="rId9"/>
-    <p:sldId id="261" r:id="rId10"/>
-    <p:sldId id="262" r:id="rId11"/>
-    <p:sldId id="263" r:id="rId12"/>
+    <p:sldId id="260" r:id="rId7"/>
+    <p:sldId id="259" r:id="rId8"/>
+    <p:sldId id="264" r:id="rId9"/>
+    <p:sldId id="265" r:id="rId10"/>
+    <p:sldId id="261" r:id="rId11"/>
+    <p:sldId id="262" r:id="rId12"/>
+    <p:sldId id="263" r:id="rId13"/>
   </p:sldIdLst>
   <p:sldSz cx="12192000" cy="6858000"/>
   <p:notesSz cx="6858000" cy="9144000"/>
@@ -976,7 +977,7 @@
       </p:grpSpPr>
       <p:sp useBgFill="1">
         <p:nvSpPr>
-          <p:cNvPr id="23" name="Rectangle 22">
+          <p:cNvPr id="2063" name="Rectangle 2062">
             <a:extLst>
               <a:ext uri="{FF2B5EF4-FFF2-40B4-BE49-F238E27FC236}">
                 <a16:creationId xmlns:a16="http://schemas.microsoft.com/office/drawing/2014/main" id="{19F9BF86-FE94-4517-B97D-026C7515E589}"/>
@@ -1068,13 +1069,13 @@
         </p:nvSpPr>
         <p:spPr>
           <a:xfrm>
-            <a:off x="7535756" y="639311"/>
-            <a:ext cx="4308672" cy="2037482"/>
+            <a:off x="7537528" y="1032764"/>
+            <a:ext cx="4308672" cy="3224045"/>
           </a:xfrm>
         </p:spPr>
         <p:txBody>
           <a:bodyPr anchor="b">
-            <a:normAutofit fontScale="90000"/>
+            <a:normAutofit/>
           </a:bodyPr>
           <a:lstStyle/>
           <a:p>
@@ -1084,10 +1085,10 @@
               </a:lnSpc>
             </a:pPr>
             <a:r>
-              <a:rPr lang="pt-BR" sz="4900" dirty="0"/>
+              <a:rPr lang="pt-BR" sz="4900"/>
               <a:t>Monitoramento da Frota de Ônibus de SP</a:t>
             </a:r>
-            <a:endParaRPr lang="pt-PT" sz="4900" dirty="0"/>
+            <a:endParaRPr lang="pt-PT" sz="4900"/>
           </a:p>
         </p:txBody>
       </p:sp>
@@ -1109,8 +1110,8 @@
         </p:nvSpPr>
         <p:spPr>
           <a:xfrm>
-            <a:off x="7535756" y="5046281"/>
-            <a:ext cx="4308672" cy="1172408"/>
+            <a:off x="7537528" y="5289573"/>
+            <a:ext cx="4308672" cy="935419"/>
           </a:xfrm>
         </p:spPr>
         <p:txBody>
@@ -1126,7 +1127,7 @@
             </a:pPr>
             <a:r>
               <a:rPr lang="pt-BR" sz="1500" dirty="0"/>
-              <a:t>Uma arquitetura Híbrida Batch/Streaming para Análise histórica e Operacional da frota da SPTrans</a:t>
+              <a:t>Uma arquitetura para Análise histórica e Operacional da frota da SPTrans</a:t>
             </a:r>
             <a:endParaRPr lang="pt-PT" sz="1500" dirty="0"/>
           </a:p>
@@ -1134,10 +1135,10 @@
       </p:sp>
       <p:pic>
         <p:nvPicPr>
-          <p:cNvPr id="4" name="Picture 3">
-            <a:extLst>
-              <a:ext uri="{FF2B5EF4-FFF2-40B4-BE49-F238E27FC236}">
-                <a16:creationId xmlns:a16="http://schemas.microsoft.com/office/drawing/2014/main" id="{748DCE07-086F-78D2-B051-F9CF5902F90A}"/>
+          <p:cNvPr id="2059" name="Picture 2058" descr="Ônibus em movimento">
+            <a:extLst>
+              <a:ext uri="{FF2B5EF4-FFF2-40B4-BE49-F238E27FC236}">
+                <a16:creationId xmlns:a16="http://schemas.microsoft.com/office/drawing/2014/main" id="{6E65909B-7F74-F431-EB8A-58E9A5792C1D}"/>
               </a:ext>
             </a:extLst>
           </p:cNvPr>
@@ -1148,7 +1149,7 @@
         </p:nvPicPr>
         <p:blipFill>
           <a:blip r:embed="rId2"/>
-          <a:srcRect l="13803" r="10397"/>
+          <a:srcRect l="29844" r="2693" b="-1"/>
           <a:stretch>
             <a:fillRect/>
           </a:stretch>
@@ -1165,7 +1166,7 @@
       </p:pic>
       <p:cxnSp>
         <p:nvCxnSpPr>
-          <p:cNvPr id="25" name="Straight Connector 24">
+          <p:cNvPr id="2065" name="Straight Connector 2064">
             <a:extLst>
               <a:ext uri="{FF2B5EF4-FFF2-40B4-BE49-F238E27FC236}">
                 <a16:creationId xmlns:a16="http://schemas.microsoft.com/office/drawing/2014/main" id="{6CA391F1-4B2C-521B-F6A5-52C74B30349D}"/>
@@ -1371,6 +1372,155 @@
         <p:cNvPr id="1" name="">
           <a:extLst>
             <a:ext uri="{FF2B5EF4-FFF2-40B4-BE49-F238E27FC236}">
+              <a16:creationId xmlns:a16="http://schemas.microsoft.com/office/drawing/2014/main" id="{FB5E3759-BB3A-3F7E-3468-5FAEF11FE0C4}"/>
+            </a:ext>
+          </a:extLst>
+        </p:cNvPr>
+        <p:cNvGrpSpPr/>
+        <p:nvPr/>
+      </p:nvGrpSpPr>
+      <p:grpSpPr>
+        <a:xfrm>
+          <a:off x="0" y="0"/>
+          <a:ext cx="0" cy="0"/>
+          <a:chOff x="0" y="0"/>
+          <a:chExt cx="0" cy="0"/>
+        </a:xfrm>
+      </p:grpSpPr>
+      <p:sp>
+        <p:nvSpPr>
+          <p:cNvPr id="2" name="Título 1">
+            <a:extLst>
+              <a:ext uri="{FF2B5EF4-FFF2-40B4-BE49-F238E27FC236}">
+                <a16:creationId xmlns:a16="http://schemas.microsoft.com/office/drawing/2014/main" id="{E0DCB332-670C-E332-1D2D-AA8945DEE611}"/>
+              </a:ext>
+            </a:extLst>
+          </p:cNvPr>
+          <p:cNvSpPr>
+            <a:spLocks noGrp="1"/>
+          </p:cNvSpPr>
+          <p:nvPr>
+            <p:ph type="ctrTitle"/>
+          </p:nvPr>
+        </p:nvSpPr>
+        <p:spPr>
+          <a:xfrm>
+            <a:off x="640080" y="1371599"/>
+            <a:ext cx="6675120" cy="552451"/>
+          </a:xfrm>
+        </p:spPr>
+        <p:txBody>
+          <a:bodyPr>
+            <a:normAutofit/>
+          </a:bodyPr>
+          <a:lstStyle/>
+          <a:p>
+            <a:r>
+              <a:rPr lang="pt-PT" sz="2800" dirty="0"/>
+              <a:t>Demonstração – Pipeline em Ação</a:t>
+            </a:r>
+          </a:p>
+        </p:txBody>
+      </p:sp>
+      <p:sp>
+        <p:nvSpPr>
+          <p:cNvPr id="3" name="Subtítulo 2">
+            <a:extLst>
+              <a:ext uri="{FF2B5EF4-FFF2-40B4-BE49-F238E27FC236}">
+                <a16:creationId xmlns:a16="http://schemas.microsoft.com/office/drawing/2014/main" id="{FA356A1B-E9BF-9F0A-E988-EDFD96B04B38}"/>
+              </a:ext>
+            </a:extLst>
+          </p:cNvPr>
+          <p:cNvSpPr>
+            <a:spLocks noGrp="1"/>
+          </p:cNvSpPr>
+          <p:nvPr>
+            <p:ph type="subTitle" idx="1"/>
+          </p:nvPr>
+        </p:nvSpPr>
+        <p:spPr>
+          <a:xfrm>
+            <a:off x="640080" y="2404871"/>
+            <a:ext cx="11301984" cy="2221993"/>
+          </a:xfrm>
+        </p:spPr>
+        <p:txBody>
+          <a:bodyPr anchor="t">
+            <a:normAutofit/>
+          </a:bodyPr>
+          <a:lstStyle/>
+          <a:p>
+            <a:pPr marL="285750" indent="-285750">
+              <a:buFont typeface="Arial" panose="020B0604020202020204" pitchFamily="34" charset="0"/>
+              <a:buChar char="•"/>
+            </a:pPr>
+            <a:r>
+              <a:rPr lang="pt-BR" dirty="0"/>
+              <a:t>Dashboards no metabase</a:t>
+            </a:r>
+            <a:endParaRPr lang="pt-PT" dirty="0"/>
+          </a:p>
+          <a:p>
+            <a:pPr marL="742950" lvl="1" indent="-285750" algn="l">
+              <a:buFont typeface="Arial" panose="020B0604020202020204" pitchFamily="34" charset="0"/>
+              <a:buChar char="•"/>
+            </a:pPr>
+            <a:r>
+              <a:rPr lang="pt-PT" dirty="0"/>
+              <a:t>Near real time.</a:t>
+            </a:r>
+          </a:p>
+          <a:p>
+            <a:pPr marL="742950" lvl="1" indent="-285750" algn="l">
+              <a:buFont typeface="Arial" panose="020B0604020202020204" pitchFamily="34" charset="0"/>
+              <a:buChar char="•"/>
+            </a:pPr>
+            <a:r>
+              <a:rPr lang="pt-PT" dirty="0"/>
+              <a:t>Análise histórica.</a:t>
+            </a:r>
+          </a:p>
+          <a:p>
+            <a:pPr marL="742950" lvl="1" indent="-285750" algn="l">
+              <a:buFont typeface="Arial" panose="020B0604020202020204" pitchFamily="34" charset="0"/>
+              <a:buChar char="•"/>
+            </a:pPr>
+            <a:endParaRPr lang="pt-PT" dirty="0"/>
+          </a:p>
+          <a:p>
+            <a:pPr marL="285750" indent="-285750">
+              <a:buFont typeface="Arial" panose="020B0604020202020204" pitchFamily="34" charset="0"/>
+              <a:buChar char="•"/>
+            </a:pPr>
+            <a:r>
+              <a:rPr lang="pt-BR" dirty="0"/>
+              <a:t>Processamento dos micro-lotes com Spark streaming </a:t>
+            </a:r>
+            <a:endParaRPr lang="pt-PT" dirty="0"/>
+          </a:p>
+        </p:txBody>
+      </p:sp>
+    </p:spTree>
+    <p:extLst>
+      <p:ext uri="{BB962C8B-B14F-4D97-AF65-F5344CB8AC3E}">
+        <p14:creationId xmlns:p14="http://schemas.microsoft.com/office/powerpoint/2010/main" val="396005196"/>
+      </p:ext>
+    </p:extLst>
+  </p:cSld>
+  <p:clrMapOvr>
+    <a:masterClrMapping/>
+  </p:clrMapOvr>
+</p:sld>
+</file>
+
+<file path=ppt/slides/slide11.xml><?xml version="1.0" encoding="utf-8"?>
+<p:sld xmlns:a="http://schemas.openxmlformats.org/drawingml/2006/main" xmlns:r="http://schemas.openxmlformats.org/officeDocument/2006/relationships" xmlns:p="http://schemas.openxmlformats.org/presentationml/2006/main">
+  <p:cSld>
+    <p:spTree>
+      <p:nvGrpSpPr>
+        <p:cNvPr id="1" name="">
+          <a:extLst>
+            <a:ext uri="{FF2B5EF4-FFF2-40B4-BE49-F238E27FC236}">
               <a16:creationId xmlns:a16="http://schemas.microsoft.com/office/drawing/2014/main" id="{5D0C3AEF-DE80-C15A-7296-A9C460D97610}"/>
             </a:ext>
           </a:extLst>
@@ -1445,7 +1595,7 @@
         </p:spPr>
         <p:txBody>
           <a:bodyPr anchor="t">
-            <a:normAutofit fontScale="85000" lnSpcReduction="20000"/>
+            <a:normAutofit fontScale="77500" lnSpcReduction="20000"/>
           </a:bodyPr>
           <a:lstStyle/>
           <a:p>
@@ -1455,7 +1605,7 @@
             </a:pPr>
             <a:r>
               <a:rPr lang="pt-PT" dirty="0"/>
-              <a:t>O que foi entregue:</a:t>
+              <a:t>O que foi entregue?</a:t>
             </a:r>
           </a:p>
           <a:p>
@@ -1489,7 +1639,17 @@
             </a:r>
           </a:p>
           <a:p>
-            <a:pPr marL="285750" indent="-285750">
+            <a:pPr marL="742950" lvl="1" indent="-285750" algn="l">
+              <a:buFont typeface="Arial" panose="020B0604020202020204" pitchFamily="34" charset="0"/>
+              <a:buChar char="•"/>
+            </a:pPr>
+            <a:r>
+              <a:rPr lang="pt-PT" b="1" dirty="0"/>
+              <a:t>Dados acessíveis de forma federada.</a:t>
+            </a:r>
+          </a:p>
+          <a:p>
+            <a:pPr marL="742950" lvl="1" indent="-285750" algn="l">
               <a:buFont typeface="Arial" panose="020B0604020202020204" pitchFamily="34" charset="0"/>
               <a:buChar char="•"/>
             </a:pPr>
@@ -1516,7 +1676,7 @@
             </a:r>
             <a:r>
               <a:rPr lang="pt-PT" dirty="0"/>
-              <a:t>mais KPIs e informações.</a:t>
+              <a:t>novos KPIs e informações.</a:t>
             </a:r>
           </a:p>
           <a:p>
@@ -1598,7 +1758,7 @@
 </p:sld>
 </file>
 
-<file path=ppt/slides/slide11.xml><?xml version="1.0" encoding="utf-8"?>
+<file path=ppt/slides/slide12.xml><?xml version="1.0" encoding="utf-8"?>
 <p:sld xmlns:a="http://schemas.openxmlformats.org/drawingml/2006/main" xmlns:r="http://schemas.openxmlformats.org/officeDocument/2006/relationships" xmlns:p="http://schemas.openxmlformats.org/presentationml/2006/main">
   <p:cSld>
     <p:spTree>
@@ -1650,49 +1810,59 @@
           <a:lstStyle/>
           <a:p>
             <a:r>
-              <a:rPr lang="pt-PT" sz="2800"/>
+              <a:rPr lang="pt-PT" sz="2800" dirty="0"/>
               <a:t>Perguntas</a:t>
             </a:r>
-            <a:endParaRPr lang="pt-PT" sz="2800" dirty="0"/>
           </a:p>
         </p:txBody>
       </p:sp>
-      <p:sp>
-        <p:nvSpPr>
-          <p:cNvPr id="3" name="Subtítulo 2">
-            <a:extLst>
-              <a:ext uri="{FF2B5EF4-FFF2-40B4-BE49-F238E27FC236}">
-                <a16:creationId xmlns:a16="http://schemas.microsoft.com/office/drawing/2014/main" id="{EC9088C0-6136-E2CD-4A0E-C50FB5B1B84C}"/>
-              </a:ext>
-            </a:extLst>
-          </p:cNvPr>
-          <p:cNvSpPr>
-            <a:spLocks noGrp="1"/>
-          </p:cNvSpPr>
-          <p:nvPr>
-            <p:ph type="subTitle" idx="1"/>
-          </p:nvPr>
-        </p:nvSpPr>
-        <p:spPr>
+      <p:pic>
+        <p:nvPicPr>
+          <p:cNvPr id="1028" name="Picture 4" descr="Ponto de interrogação - ícones de logotipo grátis">
+            <a:extLst>
+              <a:ext uri="{FF2B5EF4-FFF2-40B4-BE49-F238E27FC236}">
+                <a16:creationId xmlns:a16="http://schemas.microsoft.com/office/drawing/2014/main" id="{E57EC2C1-BD48-8D2F-78FA-71D737066F70}"/>
+              </a:ext>
+            </a:extLst>
+          </p:cNvPr>
+          <p:cNvPicPr>
+            <a:picLocks noChangeAspect="1" noChangeArrowheads="1"/>
+          </p:cNvPicPr>
+          <p:nvPr/>
+        </p:nvPicPr>
+        <p:blipFill>
+          <a:blip r:embed="rId2">
+            <a:extLst>
+              <a:ext uri="{28A0092B-C50C-407E-A947-70E740481C1C}">
+                <a14:useLocalDpi xmlns:a14="http://schemas.microsoft.com/office/drawing/2010/main" val="0"/>
+              </a:ext>
+            </a:extLst>
+          </a:blip>
+          <a:srcRect/>
+          <a:stretch>
+            <a:fillRect/>
+          </a:stretch>
+        </p:blipFill>
+        <p:spPr bwMode="auto">
           <a:xfrm>
-            <a:off x="640080" y="2404871"/>
-            <a:ext cx="11301984" cy="4059937"/>
+            <a:off x="4367212" y="2028826"/>
+            <a:ext cx="3457575" cy="3457575"/>
           </a:xfrm>
+          <a:prstGeom prst="rect">
+            <a:avLst/>
+          </a:prstGeom>
+          <a:noFill/>
+          <a:extLst>
+            <a:ext uri="{909E8E84-426E-40DD-AFC4-6F175D3DCCD1}">
+              <a14:hiddenFill xmlns:a14="http://schemas.microsoft.com/office/drawing/2010/main">
+                <a:solidFill>
+                  <a:srgbClr val="FFFFFF"/>
+                </a:solidFill>
+              </a14:hiddenFill>
+            </a:ext>
+          </a:extLst>
         </p:spPr>
-        <p:txBody>
-          <a:bodyPr anchor="t">
-            <a:normAutofit/>
-          </a:bodyPr>
-          <a:lstStyle/>
-          <a:p>
-            <a:pPr marL="285750" indent="-285750">
-              <a:buFont typeface="Arial" panose="020B0604020202020204" pitchFamily="34" charset="0"/>
-              <a:buChar char="•"/>
-            </a:pPr>
-            <a:endParaRPr lang="pt-PT" dirty="0"/>
-          </a:p>
-        </p:txBody>
-      </p:sp>
+      </p:pic>
     </p:spTree>
     <p:extLst>
       <p:ext uri="{BB962C8B-B14F-4D97-AF65-F5344CB8AC3E}">
@@ -1776,13 +1946,13 @@
         </p:nvSpPr>
         <p:spPr>
           <a:xfrm>
-            <a:off x="640080" y="2404871"/>
-            <a:ext cx="11301984" cy="4059937"/>
+            <a:off x="640080" y="2103121"/>
+            <a:ext cx="11301984" cy="4361688"/>
           </a:xfrm>
         </p:spPr>
         <p:txBody>
           <a:bodyPr anchor="t">
-            <a:normAutofit fontScale="85000" lnSpcReduction="20000"/>
+            <a:normAutofit fontScale="70000" lnSpcReduction="20000"/>
           </a:bodyPr>
           <a:lstStyle/>
           <a:p>
@@ -1830,7 +2000,7 @@
             </a:r>
           </a:p>
           <a:p>
-            <a:pPr marL="285750" indent="-285750">
+            <a:pPr marL="742950" lvl="1" indent="-285750" algn="l">
               <a:buFont typeface="Arial" panose="020B0604020202020204" pitchFamily="34" charset="0"/>
               <a:buChar char="•"/>
             </a:pPr>
@@ -1842,8 +2012,54 @@
               <a:buChar char="•"/>
             </a:pPr>
             <a:r>
-              <a:rPr lang="pt-PT" dirty="0"/>
-              <a:t>Visão Histórica (Batch): "Qual foi o pico de ônibus em operação no período da manhã?" ou “Qual o percentual da frota congestionada nas últimas horas?"</a:t>
+              <a:rPr lang="pt-PT" dirty="0">
+                <a:solidFill>
+                  <a:srgbClr val="0070C0"/>
+                </a:solidFill>
+              </a:rPr>
+              <a:t>Visão NRT (Near Real-Time): </a:t>
+            </a:r>
+          </a:p>
+          <a:p>
+            <a:pPr marL="1200150" lvl="2" indent="-285750" algn="l">
+              <a:buFont typeface="Arial" panose="020B0604020202020204" pitchFamily="34" charset="0"/>
+              <a:buChar char="•"/>
+            </a:pPr>
+            <a:r>
+              <a:rPr lang="pt-PT" dirty="0">
+                <a:solidFill>
+                  <a:srgbClr val="0070C0"/>
+                </a:solidFill>
+              </a:rPr>
+              <a:t>Quantos ônibus em congestionamento agora?"</a:t>
+            </a:r>
+          </a:p>
+          <a:p>
+            <a:pPr marL="1200150" lvl="2" indent="-285750" algn="l">
+              <a:buFont typeface="Arial" panose="020B0604020202020204" pitchFamily="34" charset="0"/>
+              <a:buChar char="•"/>
+            </a:pPr>
+            <a:r>
+              <a:rPr lang="pt-PT" dirty="0">
+                <a:solidFill>
+                  <a:srgbClr val="0070C0"/>
+                </a:solidFill>
+              </a:rPr>
+              <a:t>Quais são as linhas mais lentas? </a:t>
+            </a:r>
+          </a:p>
+          <a:p>
+            <a:pPr marL="1200150" lvl="2" indent="-285750" algn="l">
+              <a:buFont typeface="Arial" panose="020B0604020202020204" pitchFamily="34" charset="0"/>
+              <a:buChar char="•"/>
+            </a:pPr>
+            <a:r>
+              <a:rPr lang="pt-PT" dirty="0">
+                <a:solidFill>
+                  <a:srgbClr val="0070C0"/>
+                </a:solidFill>
+              </a:rPr>
+              <a:t>Quais linhas estão enfrentando congestionamento agora?</a:t>
             </a:r>
           </a:p>
           <a:p>
@@ -1859,8 +2075,40 @@
               <a:buChar char="•"/>
             </a:pPr>
             <a:r>
-              <a:rPr lang="pt-PT" dirty="0"/>
-              <a:t>Visão NRT (Near Real-Time): “Quantos ônibus em congestionamento agora?" ou “Quais são as linhas mais lentas?” ou “Quais linhas estão enfrentando congestionamento agora?”</a:t>
+              <a:rPr lang="pt-PT" dirty="0">
+                <a:solidFill>
+                  <a:srgbClr val="0070C0"/>
+                </a:solidFill>
+              </a:rPr>
+              <a:t>Visão Histórica (Batch): </a:t>
+            </a:r>
+          </a:p>
+          <a:p>
+            <a:pPr marL="1200150" lvl="2" indent="-285750" algn="l">
+              <a:buFont typeface="Arial" panose="020B0604020202020204" pitchFamily="34" charset="0"/>
+              <a:buChar char="•"/>
+            </a:pPr>
+            <a:r>
+              <a:rPr lang="pt-PT" dirty="0">
+                <a:solidFill>
+                  <a:srgbClr val="0070C0"/>
+                </a:solidFill>
+              </a:rPr>
+              <a:t>Qual foi o pico de ônibus em operação no período da manhã?</a:t>
+            </a:r>
+          </a:p>
+          <a:p>
+            <a:pPr marL="1200150" lvl="2" indent="-285750" algn="l">
+              <a:buFont typeface="Arial" panose="020B0604020202020204" pitchFamily="34" charset="0"/>
+              <a:buChar char="•"/>
+            </a:pPr>
+            <a:r>
+              <a:rPr lang="pt-PT" dirty="0">
+                <a:solidFill>
+                  <a:srgbClr val="0070C0"/>
+                </a:solidFill>
+              </a:rPr>
+              <a:t>Qual o percentual da frota congestionada nas últimas horas?</a:t>
             </a:r>
           </a:p>
         </p:txBody>
@@ -1879,6 +2127,175 @@
 </file>
 
 <file path=ppt/slides/slide3.xml><?xml version="1.0" encoding="utf-8"?>
+<p:sld xmlns:a="http://schemas.openxmlformats.org/drawingml/2006/main" xmlns:r="http://schemas.openxmlformats.org/officeDocument/2006/relationships" xmlns:p="http://schemas.openxmlformats.org/presentationml/2006/main">
+  <p:cSld>
+    <p:spTree>
+      <p:nvGrpSpPr>
+        <p:cNvPr id="1" name="">
+          <a:extLst>
+            <a:ext uri="{FF2B5EF4-FFF2-40B4-BE49-F238E27FC236}">
+              <a16:creationId xmlns:a16="http://schemas.microsoft.com/office/drawing/2014/main" id="{010930CE-7239-F738-1C85-B22F7CDE55F5}"/>
+            </a:ext>
+          </a:extLst>
+        </p:cNvPr>
+        <p:cNvGrpSpPr/>
+        <p:nvPr/>
+      </p:nvGrpSpPr>
+      <p:grpSpPr>
+        <a:xfrm>
+          <a:off x="0" y="0"/>
+          <a:ext cx="0" cy="0"/>
+          <a:chOff x="0" y="0"/>
+          <a:chExt cx="0" cy="0"/>
+        </a:xfrm>
+      </p:grpSpPr>
+      <p:sp>
+        <p:nvSpPr>
+          <p:cNvPr id="2" name="Título 1">
+            <a:extLst>
+              <a:ext uri="{FF2B5EF4-FFF2-40B4-BE49-F238E27FC236}">
+                <a16:creationId xmlns:a16="http://schemas.microsoft.com/office/drawing/2014/main" id="{4C7F89B4-A10D-5C18-2A9E-6A55461087FD}"/>
+              </a:ext>
+            </a:extLst>
+          </p:cNvPr>
+          <p:cNvSpPr>
+            <a:spLocks noGrp="1"/>
+          </p:cNvSpPr>
+          <p:nvPr>
+            <p:ph type="ctrTitle"/>
+          </p:nvPr>
+        </p:nvSpPr>
+        <p:spPr>
+          <a:xfrm>
+            <a:off x="640080" y="1371599"/>
+            <a:ext cx="6675120" cy="552451"/>
+          </a:xfrm>
+        </p:spPr>
+        <p:txBody>
+          <a:bodyPr>
+            <a:normAutofit/>
+          </a:bodyPr>
+          <a:lstStyle/>
+          <a:p>
+            <a:r>
+              <a:rPr lang="pt-PT" sz="2800" dirty="0"/>
+              <a:t>Premissas para a Proposta de Solução</a:t>
+            </a:r>
+          </a:p>
+        </p:txBody>
+      </p:sp>
+      <p:sp>
+        <p:nvSpPr>
+          <p:cNvPr id="3" name="Subtítulo 2">
+            <a:extLst>
+              <a:ext uri="{FF2B5EF4-FFF2-40B4-BE49-F238E27FC236}">
+                <a16:creationId xmlns:a16="http://schemas.microsoft.com/office/drawing/2014/main" id="{EDCFE901-0115-CF62-EDA0-06B8F86A59E3}"/>
+              </a:ext>
+            </a:extLst>
+          </p:cNvPr>
+          <p:cNvSpPr>
+            <a:spLocks noGrp="1"/>
+          </p:cNvSpPr>
+          <p:nvPr>
+            <p:ph type="subTitle" idx="1"/>
+          </p:nvPr>
+        </p:nvSpPr>
+        <p:spPr>
+          <a:xfrm>
+            <a:off x="640080" y="2679191"/>
+            <a:ext cx="11301984" cy="3026665"/>
+          </a:xfrm>
+        </p:spPr>
+        <p:txBody>
+          <a:bodyPr anchor="t">
+            <a:normAutofit lnSpcReduction="10000"/>
+          </a:bodyPr>
+          <a:lstStyle/>
+          <a:p>
+            <a:pPr marL="285750" indent="-285750">
+              <a:buFont typeface="Arial" panose="020B0604020202020204" pitchFamily="34" charset="0"/>
+              <a:buChar char="•"/>
+            </a:pPr>
+            <a:r>
+              <a:rPr lang="pt-PT" sz="1600" dirty="0"/>
+              <a:t>Utilizar tecnologias aprendidas no curso – stack moderna e open-</a:t>
+            </a:r>
+            <a:r>
+              <a:rPr lang="pt-PT" sz="1600" dirty="0" err="1"/>
+              <a:t>source</a:t>
+            </a:r>
+            <a:r>
+              <a:rPr lang="pt-PT" sz="1600" dirty="0"/>
+              <a:t>.</a:t>
+            </a:r>
+          </a:p>
+          <a:p>
+            <a:pPr marL="285750" indent="-285750">
+              <a:buFont typeface="Arial" panose="020B0604020202020204" pitchFamily="34" charset="0"/>
+              <a:buChar char="•"/>
+            </a:pPr>
+            <a:endParaRPr lang="pt-PT" sz="1600" dirty="0"/>
+          </a:p>
+          <a:p>
+            <a:pPr marL="285750" indent="-285750">
+              <a:buFont typeface="Arial" panose="020B0604020202020204" pitchFamily="34" charset="0"/>
+              <a:buChar char="•"/>
+            </a:pPr>
+            <a:r>
+              <a:rPr lang="pt-PT" sz="1600" dirty="0"/>
+              <a:t>Infraestrutura portátil e reprodutível – Docker.</a:t>
+            </a:r>
+          </a:p>
+          <a:p>
+            <a:pPr marL="285750" indent="-285750">
+              <a:buFont typeface="Arial" panose="020B0604020202020204" pitchFamily="34" charset="0"/>
+              <a:buChar char="•"/>
+            </a:pPr>
+            <a:endParaRPr lang="pt-PT" sz="1600" dirty="0"/>
+          </a:p>
+          <a:p>
+            <a:pPr marL="285750" indent="-285750">
+              <a:buFont typeface="Arial" panose="020B0604020202020204" pitchFamily="34" charset="0"/>
+              <a:buChar char="•"/>
+            </a:pPr>
+            <a:r>
+              <a:rPr lang="pt-PT" sz="1600" dirty="0"/>
+              <a:t>Qualidade de dados via a Arquitetura medalhão.</a:t>
+            </a:r>
+          </a:p>
+          <a:p>
+            <a:pPr marL="285750" indent="-285750">
+              <a:buFont typeface="Arial" panose="020B0604020202020204" pitchFamily="34" charset="0"/>
+              <a:buChar char="•"/>
+            </a:pPr>
+            <a:endParaRPr lang="pt-PT" sz="1600" dirty="0"/>
+          </a:p>
+          <a:p>
+            <a:pPr marL="285750" indent="-285750">
+              <a:buFont typeface="Arial" panose="020B0604020202020204" pitchFamily="34" charset="0"/>
+              <a:buChar char="•"/>
+            </a:pPr>
+            <a:r>
+              <a:rPr lang="pt-PT" sz="1600" dirty="0"/>
+              <a:t>Disponibilizar os dados através de múltiplos canais de consumo.</a:t>
+            </a:r>
+          </a:p>
+        </p:txBody>
+      </p:sp>
+    </p:spTree>
+    <p:extLst>
+      <p:ext uri="{BB962C8B-B14F-4D97-AF65-F5344CB8AC3E}">
+        <p14:creationId xmlns:p14="http://schemas.microsoft.com/office/powerpoint/2010/main" val="323414062"/>
+      </p:ext>
+    </p:extLst>
+  </p:cSld>
+  <p:clrMapOvr>
+    <a:masterClrMapping/>
+  </p:clrMapOvr>
+</p:sld>
+</file>
+
+<file path=ppt/slides/slide4.xml><?xml version="1.0" encoding="utf-8"?>
 <p:sld xmlns:a="http://schemas.openxmlformats.org/drawingml/2006/main" xmlns:r="http://schemas.openxmlformats.org/officeDocument/2006/relationships" xmlns:p="http://schemas.openxmlformats.org/presentationml/2006/main">
   <p:cSld>
     <p:spTree>
@@ -1931,7 +2348,7 @@
           <a:p>
             <a:r>
               <a:rPr lang="pt-PT" sz="2800" dirty="0"/>
-              <a:t>Os Objetivos do Projeto</a:t>
+              <a:t>Objetivos do Projeto</a:t>
             </a:r>
           </a:p>
         </p:txBody>
@@ -1970,7 +2387,44 @@
             </a:pPr>
             <a:r>
               <a:rPr lang="pt-PT" dirty="0"/>
-              <a:t>Objetivo 1: Visão Estratégica (Pipeline Batch)</a:t>
+              <a:t>Objetivo 1: Visão Operacional (Pipeline Streaming - NRT)</a:t>
+            </a:r>
+          </a:p>
+          <a:p>
+            <a:pPr marL="742950" lvl="1" indent="-285750" algn="l">
+              <a:buFont typeface="Arial" panose="020B0604020202020204" pitchFamily="34" charset="0"/>
+              <a:buChar char="•"/>
+            </a:pPr>
+            <a:r>
+              <a:rPr lang="pt-PT" dirty="0"/>
+              <a:t>Fornecer um "raio-x" da operação da frota com baixa latência (Near Real-Time).</a:t>
+            </a:r>
+          </a:p>
+          <a:p>
+            <a:pPr marL="742950" lvl="1" indent="-285750" algn="l">
+              <a:buFont typeface="Arial" panose="020B0604020202020204" pitchFamily="34" charset="0"/>
+              <a:buChar char="•"/>
+            </a:pPr>
+            <a:r>
+              <a:rPr lang="pt-PT" dirty="0"/>
+              <a:t>KPIs-chave: Velocidade média por linha, contagem de ônibus parados/congestionados.</a:t>
+            </a:r>
+          </a:p>
+          <a:p>
+            <a:pPr marL="285750" indent="-285750">
+              <a:buFont typeface="Arial" panose="020B0604020202020204" pitchFamily="34" charset="0"/>
+              <a:buChar char="•"/>
+            </a:pPr>
+            <a:endParaRPr lang="pt-PT" dirty="0"/>
+          </a:p>
+          <a:p>
+            <a:pPr marL="285750" indent="-285750">
+              <a:buFont typeface="Arial" panose="020B0604020202020204" pitchFamily="34" charset="0"/>
+              <a:buChar char="•"/>
+            </a:pPr>
+            <a:r>
+              <a:rPr lang="pt-PT" dirty="0"/>
+              <a:t>Objetivo 2: Visão Estratégica (Pipeline Batch)</a:t>
             </a:r>
           </a:p>
           <a:p>
@@ -1991,59 +2445,6 @@
             <a:r>
               <a:rPr lang="pt-PT" dirty="0"/>
               <a:t>KPIs-chave: Contagem de frota única em operação por hora e análise de velocidade média histórica.</a:t>
-            </a:r>
-          </a:p>
-          <a:p>
-            <a:pPr marL="285750" indent="-285750">
-              <a:buFont typeface="Arial" panose="020B0604020202020204" pitchFamily="34" charset="0"/>
-              <a:buChar char="•"/>
-            </a:pPr>
-            <a:endParaRPr lang="pt-PT" dirty="0"/>
-          </a:p>
-          <a:p>
-            <a:pPr marL="285750" indent="-285750">
-              <a:buFont typeface="Arial" panose="020B0604020202020204" pitchFamily="34" charset="0"/>
-              <a:buChar char="•"/>
-            </a:pPr>
-            <a:r>
-              <a:rPr lang="pt-PT" dirty="0"/>
-              <a:t>Objetivo 2: Visão Operacional (Pipeline Streaming - NRT)</a:t>
-            </a:r>
-          </a:p>
-          <a:p>
-            <a:pPr marL="742950" lvl="1" indent="-285750" algn="l">
-              <a:buFont typeface="Arial" panose="020B0604020202020204" pitchFamily="34" charset="0"/>
-              <a:buChar char="•"/>
-            </a:pPr>
-            <a:r>
-              <a:rPr lang="pt-PT" dirty="0"/>
-              <a:t>Fornecer um "</a:t>
-            </a:r>
-            <a:r>
-              <a:rPr lang="pt-PT" dirty="0" err="1"/>
-              <a:t>raio-x</a:t>
-            </a:r>
-            <a:r>
-              <a:rPr lang="pt-PT" dirty="0"/>
-              <a:t>" da operação da frota com baixa latência (</a:t>
-            </a:r>
-            <a:r>
-              <a:rPr lang="pt-PT" dirty="0" err="1"/>
-              <a:t>near</a:t>
-            </a:r>
-            <a:r>
-              <a:rPr lang="pt-PT" dirty="0"/>
-              <a:t> real-time).</a:t>
-            </a:r>
-          </a:p>
-          <a:p>
-            <a:pPr marL="742950" lvl="1" indent="-285750" algn="l">
-              <a:buFont typeface="Arial" panose="020B0604020202020204" pitchFamily="34" charset="0"/>
-              <a:buChar char="•"/>
-            </a:pPr>
-            <a:r>
-              <a:rPr lang="pt-PT" dirty="0"/>
-              <a:t>KPIs-chave: Velocidade média por linha, contagem de ônibus parados/congestionados.</a:t>
             </a:r>
           </a:p>
           <a:p>
@@ -2079,203 +2480,6 @@
     <p:extLst>
       <p:ext uri="{BB962C8B-B14F-4D97-AF65-F5344CB8AC3E}">
         <p14:creationId xmlns:p14="http://schemas.microsoft.com/office/powerpoint/2010/main" val="3121728925"/>
-      </p:ext>
-    </p:extLst>
-  </p:cSld>
-  <p:clrMapOvr>
-    <a:masterClrMapping/>
-  </p:clrMapOvr>
-</p:sld>
-</file>
-
-<file path=ppt/slides/slide4.xml><?xml version="1.0" encoding="utf-8"?>
-<p:sld xmlns:a="http://schemas.openxmlformats.org/drawingml/2006/main" xmlns:r="http://schemas.openxmlformats.org/officeDocument/2006/relationships" xmlns:p="http://schemas.openxmlformats.org/presentationml/2006/main">
-  <p:cSld>
-    <p:spTree>
-      <p:nvGrpSpPr>
-        <p:cNvPr id="1" name="">
-          <a:extLst>
-            <a:ext uri="{FF2B5EF4-FFF2-40B4-BE49-F238E27FC236}">
-              <a16:creationId xmlns:a16="http://schemas.microsoft.com/office/drawing/2014/main" id="{958E1628-84DB-0C79-C56E-4C057C54D40E}"/>
-            </a:ext>
-          </a:extLst>
-        </p:cNvPr>
-        <p:cNvGrpSpPr/>
-        <p:nvPr/>
-      </p:nvGrpSpPr>
-      <p:grpSpPr>
-        <a:xfrm>
-          <a:off x="0" y="0"/>
-          <a:ext cx="0" cy="0"/>
-          <a:chOff x="0" y="0"/>
-          <a:chExt cx="0" cy="0"/>
-        </a:xfrm>
-      </p:grpSpPr>
-      <p:sp>
-        <p:nvSpPr>
-          <p:cNvPr id="2" name="Título 1">
-            <a:extLst>
-              <a:ext uri="{FF2B5EF4-FFF2-40B4-BE49-F238E27FC236}">
-                <a16:creationId xmlns:a16="http://schemas.microsoft.com/office/drawing/2014/main" id="{B9998F3C-5D5C-9F29-EE6E-9C1CDE15817E}"/>
-              </a:ext>
-            </a:extLst>
-          </p:cNvPr>
-          <p:cNvSpPr>
-            <a:spLocks noGrp="1"/>
-          </p:cNvSpPr>
-          <p:nvPr>
-            <p:ph type="ctrTitle"/>
-          </p:nvPr>
-        </p:nvSpPr>
-        <p:spPr>
-          <a:xfrm>
-            <a:off x="640080" y="1371599"/>
-            <a:ext cx="6675120" cy="552451"/>
-          </a:xfrm>
-        </p:spPr>
-        <p:txBody>
-          <a:bodyPr>
-            <a:normAutofit/>
-          </a:bodyPr>
-          <a:lstStyle/>
-          <a:p>
-            <a:r>
-              <a:rPr lang="pt-PT" sz="2800" dirty="0"/>
-              <a:t>Objetivo 1 - Pipeline Batch (Lote)</a:t>
-            </a:r>
-          </a:p>
-        </p:txBody>
-      </p:sp>
-      <p:sp>
-        <p:nvSpPr>
-          <p:cNvPr id="3" name="Subtítulo 2">
-            <a:extLst>
-              <a:ext uri="{FF2B5EF4-FFF2-40B4-BE49-F238E27FC236}">
-                <a16:creationId xmlns:a16="http://schemas.microsoft.com/office/drawing/2014/main" id="{47F6C3E8-075B-51FF-7A3D-0EEAD5CCAF0B}"/>
-              </a:ext>
-            </a:extLst>
-          </p:cNvPr>
-          <p:cNvSpPr>
-            <a:spLocks noGrp="1"/>
-          </p:cNvSpPr>
-          <p:nvPr>
-            <p:ph type="subTitle" idx="1"/>
-          </p:nvPr>
-        </p:nvSpPr>
-        <p:spPr>
-          <a:xfrm>
-            <a:off x="748200" y="4977249"/>
-            <a:ext cx="11301984" cy="1478871"/>
-          </a:xfrm>
-        </p:spPr>
-        <p:txBody>
-          <a:bodyPr anchor="t">
-            <a:normAutofit fontScale="77500" lnSpcReduction="20000"/>
-          </a:bodyPr>
-          <a:lstStyle/>
-          <a:p>
-            <a:pPr marL="285750" indent="-285750">
-              <a:buFont typeface="Arial" panose="020B0604020202020204" pitchFamily="34" charset="0"/>
-              <a:buChar char="•"/>
-            </a:pPr>
-            <a:r>
-              <a:rPr lang="pt-PT" dirty="0"/>
-              <a:t>Executado no minuto 5 de cada hora, processando movimentos da hora anterior</a:t>
-            </a:r>
-          </a:p>
-          <a:p>
-            <a:pPr marL="285750" indent="-285750">
-              <a:buFont typeface="Arial" panose="020B0604020202020204" pitchFamily="34" charset="0"/>
-              <a:buChar char="•"/>
-            </a:pPr>
-            <a:r>
-              <a:rPr lang="pt-PT" dirty="0"/>
-              <a:t>Coleta e limpeza (Bronze -&gt; Silver)</a:t>
-            </a:r>
-          </a:p>
-          <a:p>
-            <a:pPr marL="285750" indent="-285750">
-              <a:buFont typeface="Arial" panose="020B0604020202020204" pitchFamily="34" charset="0"/>
-              <a:buChar char="•"/>
-            </a:pPr>
-            <a:r>
-              <a:rPr lang="pt-PT" dirty="0"/>
-              <a:t>Agregação e consolidação dos </a:t>
-            </a:r>
-            <a:r>
-              <a:rPr lang="pt-PT" dirty="0" err="1"/>
-              <a:t>kpis</a:t>
-            </a:r>
-            <a:r>
-              <a:rPr lang="pt-PT" dirty="0"/>
-              <a:t> (Silver -&gt; Gold/</a:t>
-            </a:r>
-            <a:r>
-              <a:rPr lang="pt-PT" dirty="0" err="1"/>
-              <a:t>lakehouse</a:t>
-            </a:r>
-            <a:r>
-              <a:rPr lang="pt-PT" dirty="0"/>
-              <a:t>)</a:t>
-            </a:r>
-          </a:p>
-          <a:p>
-            <a:pPr marL="285750" indent="-285750">
-              <a:buFont typeface="Arial" panose="020B0604020202020204" pitchFamily="34" charset="0"/>
-              <a:buChar char="•"/>
-            </a:pPr>
-            <a:r>
-              <a:rPr lang="pt-PT" dirty="0"/>
-              <a:t>Entrega de dados (gold/Lakehouse -&gt; </a:t>
-            </a:r>
-            <a:r>
-              <a:rPr lang="pt-PT" dirty="0" err="1"/>
-              <a:t>Postgresql</a:t>
-            </a:r>
-            <a:r>
-              <a:rPr lang="pt-PT" dirty="0"/>
-              <a:t>)</a:t>
-            </a:r>
-          </a:p>
-          <a:p>
-            <a:endParaRPr lang="pt-PT" dirty="0"/>
-          </a:p>
-        </p:txBody>
-      </p:sp>
-      <p:pic>
-        <p:nvPicPr>
-          <p:cNvPr id="5" name="Imagem 4">
-            <a:extLst>
-              <a:ext uri="{FF2B5EF4-FFF2-40B4-BE49-F238E27FC236}">
-                <a16:creationId xmlns:a16="http://schemas.microsoft.com/office/drawing/2014/main" id="{956799FB-7F2C-A827-66C4-AC4799495012}"/>
-              </a:ext>
-            </a:extLst>
-          </p:cNvPr>
-          <p:cNvPicPr>
-            <a:picLocks noChangeAspect="1"/>
-          </p:cNvPicPr>
-          <p:nvPr/>
-        </p:nvPicPr>
-        <p:blipFill>
-          <a:blip r:embed="rId2"/>
-          <a:stretch>
-            <a:fillRect/>
-          </a:stretch>
-        </p:blipFill>
-        <p:spPr>
-          <a:xfrm>
-            <a:off x="640080" y="2105911"/>
-            <a:ext cx="10061750" cy="2646178"/>
-          </a:xfrm>
-          <a:prstGeom prst="rect">
-            <a:avLst/>
-          </a:prstGeom>
-        </p:spPr>
-      </p:pic>
-    </p:spTree>
-    <p:extLst>
-      <p:ext uri="{BB962C8B-B14F-4D97-AF65-F5344CB8AC3E}">
-        <p14:creationId xmlns:p14="http://schemas.microsoft.com/office/powerpoint/2010/main" val="1616817245"/>
       </p:ext>
     </p:extLst>
   </p:cSld>
@@ -2338,7 +2542,7 @@
           <a:p>
             <a:r>
               <a:rPr lang="pt-PT" sz="2800" dirty="0"/>
-              <a:t>Objetivo 2 - Pipeline Streaming (NRT)</a:t>
+              <a:t>Objetivo 1 - Pipeline Streaming - NRT</a:t>
             </a:r>
           </a:p>
         </p:txBody>
@@ -2362,12 +2566,12 @@
         <p:spPr>
           <a:xfrm>
             <a:off x="640080" y="5205046"/>
-            <a:ext cx="11301984" cy="1259762"/>
+            <a:ext cx="11402568" cy="1259762"/>
           </a:xfrm>
         </p:spPr>
         <p:txBody>
           <a:bodyPr anchor="t">
-            <a:normAutofit fontScale="92500" lnSpcReduction="10000"/>
+            <a:normAutofit fontScale="85000" lnSpcReduction="10000"/>
           </a:bodyPr>
           <a:lstStyle/>
           <a:p>
@@ -2377,7 +2581,7 @@
             </a:pPr>
             <a:r>
               <a:rPr lang="pt-PT" dirty="0"/>
-              <a:t>Atualiza os dashboards a cada 5 minutos</a:t>
+              <a:t>Worker 1 - Coleta e limpeza (kafka -&gt; silver).</a:t>
             </a:r>
           </a:p>
           <a:p>
@@ -2387,15 +2591,7 @@
             </a:pPr>
             <a:r>
               <a:rPr lang="pt-PT" dirty="0"/>
-              <a:t>Coleta e limpeza (</a:t>
-            </a:r>
-            <a:r>
-              <a:rPr lang="pt-PT" dirty="0" err="1"/>
-              <a:t>kafka</a:t>
-            </a:r>
-            <a:r>
-              <a:rPr lang="pt-PT" dirty="0"/>
-              <a:t> -&gt; silver)</a:t>
+              <a:t>Worker 2 - Cálculo de kpis e entrega de dados (silver -&gt; postgresql + Silver).</a:t>
             </a:r>
           </a:p>
           <a:p>
@@ -2404,34 +2600,29 @@
               <a:buChar char="•"/>
             </a:pPr>
             <a:r>
-              <a:rPr lang="pt-PT" dirty="0"/>
-              <a:t>Calculo de </a:t>
-            </a:r>
-            <a:r>
-              <a:rPr lang="pt-PT" dirty="0" err="1"/>
-              <a:t>kpis</a:t>
-            </a:r>
-            <a:r>
-              <a:rPr lang="pt-PT" dirty="0"/>
-              <a:t> e entrega de dados (silver -&gt; </a:t>
-            </a:r>
-            <a:r>
-              <a:rPr lang="pt-PT" dirty="0" err="1"/>
-              <a:t>postgresql</a:t>
-            </a:r>
-            <a:r>
-              <a:rPr lang="pt-PT" dirty="0"/>
-              <a:t>)</a:t>
-            </a:r>
+              <a:rPr lang="pt-PT" dirty="0">
+                <a:solidFill>
+                  <a:srgbClr val="0070C0"/>
+                </a:solidFill>
+              </a:rPr>
+              <a:t>Resultado: dados para os dashboards nrt atualizados a cada 4 minutos.</a:t>
+            </a:r>
+          </a:p>
+          <a:p>
+            <a:pPr marL="285750" indent="-285750">
+              <a:buFont typeface="Arial" panose="020B0604020202020204" pitchFamily="34" charset="0"/>
+              <a:buChar char="•"/>
+            </a:pPr>
+            <a:endParaRPr lang="pt-PT" dirty="0"/>
           </a:p>
         </p:txBody>
       </p:sp>
       <p:pic>
         <p:nvPicPr>
-          <p:cNvPr id="5" name="Imagem 4">
-            <a:extLst>
-              <a:ext uri="{FF2B5EF4-FFF2-40B4-BE49-F238E27FC236}">
-                <a16:creationId xmlns:a16="http://schemas.microsoft.com/office/drawing/2014/main" id="{106A5C82-5F6A-B376-F10D-422DB4D06229}"/>
+          <p:cNvPr id="10" name="Imagem 9">
+            <a:extLst>
+              <a:ext uri="{FF2B5EF4-FFF2-40B4-BE49-F238E27FC236}">
+                <a16:creationId xmlns:a16="http://schemas.microsoft.com/office/drawing/2014/main" id="{1F1FE4AB-BC81-28F8-66E3-CA75A5B8AAF4}"/>
               </a:ext>
             </a:extLst>
           </p:cNvPr>
@@ -2448,8 +2639,8 @@
         </p:blipFill>
         <p:spPr>
           <a:xfrm>
-            <a:off x="562708" y="2167221"/>
-            <a:ext cx="10420141" cy="2794654"/>
+            <a:off x="838353" y="2223503"/>
+            <a:ext cx="10515294" cy="2710448"/>
           </a:xfrm>
           <a:prstGeom prst="rect">
             <a:avLst/>
@@ -2477,6 +2668,199 @@
         <p:cNvPr id="1" name="">
           <a:extLst>
             <a:ext uri="{FF2B5EF4-FFF2-40B4-BE49-F238E27FC236}">
+              <a16:creationId xmlns:a16="http://schemas.microsoft.com/office/drawing/2014/main" id="{958E1628-84DB-0C79-C56E-4C057C54D40E}"/>
+            </a:ext>
+          </a:extLst>
+        </p:cNvPr>
+        <p:cNvGrpSpPr/>
+        <p:nvPr/>
+      </p:nvGrpSpPr>
+      <p:grpSpPr>
+        <a:xfrm>
+          <a:off x="0" y="0"/>
+          <a:ext cx="0" cy="0"/>
+          <a:chOff x="0" y="0"/>
+          <a:chExt cx="0" cy="0"/>
+        </a:xfrm>
+      </p:grpSpPr>
+      <p:sp>
+        <p:nvSpPr>
+          <p:cNvPr id="2" name="Título 1">
+            <a:extLst>
+              <a:ext uri="{FF2B5EF4-FFF2-40B4-BE49-F238E27FC236}">
+                <a16:creationId xmlns:a16="http://schemas.microsoft.com/office/drawing/2014/main" id="{B9998F3C-5D5C-9F29-EE6E-9C1CDE15817E}"/>
+              </a:ext>
+            </a:extLst>
+          </p:cNvPr>
+          <p:cNvSpPr>
+            <a:spLocks noGrp="1"/>
+          </p:cNvSpPr>
+          <p:nvPr>
+            <p:ph type="ctrTitle"/>
+          </p:nvPr>
+        </p:nvSpPr>
+        <p:spPr>
+          <a:xfrm>
+            <a:off x="640080" y="1371599"/>
+            <a:ext cx="6675120" cy="552451"/>
+          </a:xfrm>
+        </p:spPr>
+        <p:txBody>
+          <a:bodyPr>
+            <a:normAutofit/>
+          </a:bodyPr>
+          <a:lstStyle/>
+          <a:p>
+            <a:r>
+              <a:rPr lang="pt-PT" sz="2800" dirty="0"/>
+              <a:t>Objetivo 2 - Pipeline Batch</a:t>
+            </a:r>
+          </a:p>
+        </p:txBody>
+      </p:sp>
+      <p:sp>
+        <p:nvSpPr>
+          <p:cNvPr id="3" name="Subtítulo 2">
+            <a:extLst>
+              <a:ext uri="{FF2B5EF4-FFF2-40B4-BE49-F238E27FC236}">
+                <a16:creationId xmlns:a16="http://schemas.microsoft.com/office/drawing/2014/main" id="{47F6C3E8-075B-51FF-7A3D-0EEAD5CCAF0B}"/>
+              </a:ext>
+            </a:extLst>
+          </p:cNvPr>
+          <p:cNvSpPr>
+            <a:spLocks noGrp="1"/>
+          </p:cNvSpPr>
+          <p:nvPr>
+            <p:ph type="subTitle" idx="1"/>
+          </p:nvPr>
+        </p:nvSpPr>
+        <p:spPr>
+          <a:xfrm>
+            <a:off x="748200" y="4933951"/>
+            <a:ext cx="11301984" cy="1741170"/>
+          </a:xfrm>
+        </p:spPr>
+        <p:txBody>
+          <a:bodyPr anchor="t">
+            <a:normAutofit fontScale="85000" lnSpcReduction="20000"/>
+          </a:bodyPr>
+          <a:lstStyle/>
+          <a:p>
+            <a:pPr marL="285750" indent="-285750">
+              <a:buFont typeface="Arial" panose="020B0604020202020204" pitchFamily="34" charset="0"/>
+              <a:buChar char="•"/>
+            </a:pPr>
+            <a:r>
+              <a:rPr lang="pt-PT" dirty="0"/>
+              <a:t>Dag 1 - Coleta e limpeza (Bronze -&gt; Silver).</a:t>
+            </a:r>
+          </a:p>
+          <a:p>
+            <a:pPr marL="285750" indent="-285750">
+              <a:buFont typeface="Arial" panose="020B0604020202020204" pitchFamily="34" charset="0"/>
+              <a:buChar char="•"/>
+            </a:pPr>
+            <a:r>
+              <a:rPr lang="pt-PT" dirty="0"/>
+              <a:t>Dag 2 - Agregação e consolidação dos kpis (Silver -&gt; Gold/</a:t>
+            </a:r>
+            <a:r>
+              <a:rPr lang="pt-PT" dirty="0" err="1"/>
+              <a:t>lakehouse</a:t>
+            </a:r>
+            <a:r>
+              <a:rPr lang="pt-PT" dirty="0"/>
+              <a:t>).</a:t>
+            </a:r>
+          </a:p>
+          <a:p>
+            <a:pPr marL="285750" indent="-285750">
+              <a:buFont typeface="Arial" panose="020B0604020202020204" pitchFamily="34" charset="0"/>
+              <a:buChar char="•"/>
+            </a:pPr>
+            <a:r>
+              <a:rPr lang="pt-PT" dirty="0"/>
+              <a:t>Dag 2 - entrega de dados (Gold/</a:t>
+            </a:r>
+            <a:r>
+              <a:rPr lang="pt-PT" dirty="0" err="1"/>
+              <a:t>lakehouse</a:t>
+            </a:r>
+            <a:r>
+              <a:rPr lang="pt-PT" dirty="0"/>
+              <a:t> -&gt; postgresql).</a:t>
+            </a:r>
+          </a:p>
+          <a:p>
+            <a:pPr marL="285750" indent="-285750">
+              <a:buFont typeface="Arial" panose="020B0604020202020204" pitchFamily="34" charset="0"/>
+              <a:buChar char="•"/>
+            </a:pPr>
+            <a:r>
+              <a:rPr lang="pt-PT" dirty="0">
+                <a:solidFill>
+                  <a:srgbClr val="0070C0"/>
+                </a:solidFill>
+              </a:rPr>
+              <a:t>Resultado: dados para os dashboards históricos consolidados e atualizados a cada hora.</a:t>
+            </a:r>
+          </a:p>
+          <a:p>
+            <a:endParaRPr lang="pt-PT" dirty="0"/>
+          </a:p>
+        </p:txBody>
+      </p:sp>
+      <p:pic>
+        <p:nvPicPr>
+          <p:cNvPr id="14" name="Imagem 13">
+            <a:extLst>
+              <a:ext uri="{FF2B5EF4-FFF2-40B4-BE49-F238E27FC236}">
+                <a16:creationId xmlns:a16="http://schemas.microsoft.com/office/drawing/2014/main" id="{F28E0186-A3F2-16AC-B963-9BED530196C4}"/>
+              </a:ext>
+            </a:extLst>
+          </p:cNvPr>
+          <p:cNvPicPr>
+            <a:picLocks noChangeAspect="1"/>
+          </p:cNvPicPr>
+          <p:nvPr/>
+        </p:nvPicPr>
+        <p:blipFill>
+          <a:blip r:embed="rId2"/>
+          <a:stretch>
+            <a:fillRect/>
+          </a:stretch>
+        </p:blipFill>
+        <p:spPr>
+          <a:xfrm>
+            <a:off x="850393" y="1880751"/>
+            <a:ext cx="10305288" cy="2715873"/>
+          </a:xfrm>
+          <a:prstGeom prst="rect">
+            <a:avLst/>
+          </a:prstGeom>
+        </p:spPr>
+      </p:pic>
+    </p:spTree>
+    <p:extLst>
+      <p:ext uri="{BB962C8B-B14F-4D97-AF65-F5344CB8AC3E}">
+        <p14:creationId xmlns:p14="http://schemas.microsoft.com/office/powerpoint/2010/main" val="1616817245"/>
+      </p:ext>
+    </p:extLst>
+  </p:cSld>
+  <p:clrMapOvr>
+    <a:masterClrMapping/>
+  </p:clrMapOvr>
+</p:sld>
+</file>
+
+<file path=ppt/slides/slide7.xml><?xml version="1.0" encoding="utf-8"?>
+<p:sld xmlns:a="http://schemas.openxmlformats.org/drawingml/2006/main" xmlns:r="http://schemas.openxmlformats.org/officeDocument/2006/relationships" xmlns:p="http://schemas.openxmlformats.org/presentationml/2006/main">
+  <p:cSld>
+    <p:spTree>
+      <p:nvGrpSpPr>
+        <p:cNvPr id="1" name="">
+          <a:extLst>
+            <a:ext uri="{FF2B5EF4-FFF2-40B4-BE49-F238E27FC236}">
               <a16:creationId xmlns:a16="http://schemas.microsoft.com/office/drawing/2014/main" id="{95095784-CEAE-21E1-FE32-F0D897E98476}"/>
             </a:ext>
           </a:extLst>
@@ -2511,36 +2895,28 @@
         <p:spPr>
           <a:xfrm>
             <a:off x="640080" y="1371599"/>
-            <a:ext cx="7539278" cy="552451"/>
+            <a:ext cx="9628632" cy="552451"/>
           </a:xfrm>
         </p:spPr>
         <p:txBody>
           <a:bodyPr>
-            <a:normAutofit/>
+            <a:normAutofit fontScale="90000"/>
           </a:bodyPr>
           <a:lstStyle/>
           <a:p>
             <a:r>
               <a:rPr lang="pt-PT" sz="2800" dirty="0"/>
-              <a:t>Objetivo 3 - Arquitetura Unificada (</a:t>
-            </a:r>
-            <a:r>
-              <a:rPr lang="pt-PT" sz="2800" dirty="0" err="1"/>
-              <a:t>Landscape</a:t>
-            </a:r>
-            <a:r>
-              <a:rPr lang="pt-PT" sz="2800" dirty="0"/>
-              <a:t>)</a:t>
+              <a:t>Objetivo 3 - Arquitetura Unificada (Pipelines Batch e Streaming)</a:t>
             </a:r>
           </a:p>
         </p:txBody>
       </p:sp>
       <p:pic>
         <p:nvPicPr>
-          <p:cNvPr id="4" name="Imagem 3">
-            <a:extLst>
-              <a:ext uri="{FF2B5EF4-FFF2-40B4-BE49-F238E27FC236}">
-                <a16:creationId xmlns:a16="http://schemas.microsoft.com/office/drawing/2014/main" id="{0DCD828F-16ED-5584-1DF7-2D9806B38784}"/>
+          <p:cNvPr id="5" name="Imagem 4">
+            <a:extLst>
+              <a:ext uri="{FF2B5EF4-FFF2-40B4-BE49-F238E27FC236}">
+                <a16:creationId xmlns:a16="http://schemas.microsoft.com/office/drawing/2014/main" id="{8DEE3A27-1048-ADCF-2688-0AC21F039B4B}"/>
               </a:ext>
             </a:extLst>
           </p:cNvPr>
@@ -2557,8 +2933,8 @@
         </p:blipFill>
         <p:spPr>
           <a:xfrm>
-            <a:off x="797052" y="2144514"/>
-            <a:ext cx="10597896" cy="4038921"/>
+            <a:off x="622522" y="2085975"/>
+            <a:ext cx="10946955" cy="4171950"/>
           </a:xfrm>
           <a:prstGeom prst="rect">
             <a:avLst/>
@@ -2578,7 +2954,7 @@
 </p:sld>
 </file>
 
-<file path=ppt/slides/slide7.xml><?xml version="1.0" encoding="utf-8"?>
+<file path=ppt/slides/slide8.xml><?xml version="1.0" encoding="utf-8"?>
 <p:sld xmlns:a="http://schemas.openxmlformats.org/drawingml/2006/main" xmlns:r="http://schemas.openxmlformats.org/officeDocument/2006/relationships" xmlns:p="http://schemas.openxmlformats.org/presentationml/2006/main">
   <p:cSld>
     <p:spTree>
@@ -2634,12 +3010,8 @@
               <a:t>Ferramentas e T</a:t>
             </a:r>
             <a:r>
-              <a:rPr lang="pt-PT" sz="2800" dirty="0" err="1"/>
-              <a:t>ecnologias</a:t>
-            </a:r>
-            <a:r>
               <a:rPr lang="pt-PT" sz="2800" dirty="0"/>
-              <a:t> – Parte 1</a:t>
+              <a:t>ecnologias – Parte 1</a:t>
             </a:r>
           </a:p>
         </p:txBody>
@@ -2738,7 +3110,7 @@
         </p:nvCxnSpPr>
         <p:spPr>
           <a:xfrm>
-            <a:off x="5166360" y="2249424"/>
+            <a:off x="5239512" y="2221992"/>
             <a:ext cx="0" cy="4379976"/>
           </a:xfrm>
           <a:prstGeom prst="line">
@@ -3088,7 +3460,7 @@
 </p:sld>
 </file>
 
-<file path=ppt/slides/slide8.xml><?xml version="1.0" encoding="utf-8"?>
+<file path=ppt/slides/slide9.xml><?xml version="1.0" encoding="utf-8"?>
 <p:sld xmlns:a="http://schemas.openxmlformats.org/drawingml/2006/main" xmlns:r="http://schemas.openxmlformats.org/officeDocument/2006/relationships" xmlns:p="http://schemas.openxmlformats.org/presentationml/2006/main">
   <p:cSld>
     <p:spTree>
@@ -3144,12 +3516,8 @@
               <a:t>Ferramentas e T</a:t>
             </a:r>
             <a:r>
-              <a:rPr lang="pt-PT" sz="2800" dirty="0" err="1"/>
-              <a:t>ecnologias</a:t>
-            </a:r>
-            <a:r>
               <a:rPr lang="pt-PT" sz="2800" dirty="0"/>
-              <a:t> – Parte 2</a:t>
+              <a:t>ecnologias – Parte 2</a:t>
             </a:r>
           </a:p>
         </p:txBody>
@@ -4173,10 +4541,10 @@
       </p:pic>
       <p:pic>
         <p:nvPicPr>
-          <p:cNvPr id="10" name="Imagem 9">
-            <a:extLst>
-              <a:ext uri="{FF2B5EF4-FFF2-40B4-BE49-F238E27FC236}">
-                <a16:creationId xmlns:a16="http://schemas.microsoft.com/office/drawing/2014/main" id="{8898115A-5B12-4036-1FFE-01A4C05F5BEF}"/>
+          <p:cNvPr id="8" name="Imagem 7">
+            <a:extLst>
+              <a:ext uri="{FF2B5EF4-FFF2-40B4-BE49-F238E27FC236}">
+                <a16:creationId xmlns:a16="http://schemas.microsoft.com/office/drawing/2014/main" id="{BBCCE95F-DEA1-7C1C-5DE6-3EE072B297C3}"/>
               </a:ext>
             </a:extLst>
           </p:cNvPr>
@@ -4193,8 +4561,8 @@
         </p:blipFill>
         <p:spPr>
           <a:xfrm>
-            <a:off x="7315200" y="4085653"/>
-            <a:ext cx="4387814" cy="1860206"/>
+            <a:off x="7315200" y="4003530"/>
+            <a:ext cx="4581524" cy="1942329"/>
           </a:xfrm>
           <a:prstGeom prst="rect">
             <a:avLst/>
@@ -4205,113 +4573,6 @@
     <p:extLst>
       <p:ext uri="{BB962C8B-B14F-4D97-AF65-F5344CB8AC3E}">
         <p14:creationId xmlns:p14="http://schemas.microsoft.com/office/powerpoint/2010/main" val="369069384"/>
-      </p:ext>
-    </p:extLst>
-  </p:cSld>
-  <p:clrMapOvr>
-    <a:masterClrMapping/>
-  </p:clrMapOvr>
-</p:sld>
-</file>
-
-<file path=ppt/slides/slide9.xml><?xml version="1.0" encoding="utf-8"?>
-<p:sld xmlns:a="http://schemas.openxmlformats.org/drawingml/2006/main" xmlns:r="http://schemas.openxmlformats.org/officeDocument/2006/relationships" xmlns:p="http://schemas.openxmlformats.org/presentationml/2006/main">
-  <p:cSld>
-    <p:spTree>
-      <p:nvGrpSpPr>
-        <p:cNvPr id="1" name="">
-          <a:extLst>
-            <a:ext uri="{FF2B5EF4-FFF2-40B4-BE49-F238E27FC236}">
-              <a16:creationId xmlns:a16="http://schemas.microsoft.com/office/drawing/2014/main" id="{FB5E3759-BB3A-3F7E-3468-5FAEF11FE0C4}"/>
-            </a:ext>
-          </a:extLst>
-        </p:cNvPr>
-        <p:cNvGrpSpPr/>
-        <p:nvPr/>
-      </p:nvGrpSpPr>
-      <p:grpSpPr>
-        <a:xfrm>
-          <a:off x="0" y="0"/>
-          <a:ext cx="0" cy="0"/>
-          <a:chOff x="0" y="0"/>
-          <a:chExt cx="0" cy="0"/>
-        </a:xfrm>
-      </p:grpSpPr>
-      <p:sp>
-        <p:nvSpPr>
-          <p:cNvPr id="2" name="Título 1">
-            <a:extLst>
-              <a:ext uri="{FF2B5EF4-FFF2-40B4-BE49-F238E27FC236}">
-                <a16:creationId xmlns:a16="http://schemas.microsoft.com/office/drawing/2014/main" id="{E0DCB332-670C-E332-1D2D-AA8945DEE611}"/>
-              </a:ext>
-            </a:extLst>
-          </p:cNvPr>
-          <p:cNvSpPr>
-            <a:spLocks noGrp="1"/>
-          </p:cNvSpPr>
-          <p:nvPr>
-            <p:ph type="ctrTitle"/>
-          </p:nvPr>
-        </p:nvSpPr>
-        <p:spPr>
-          <a:xfrm>
-            <a:off x="640080" y="1371599"/>
-            <a:ext cx="6675120" cy="552451"/>
-          </a:xfrm>
-        </p:spPr>
-        <p:txBody>
-          <a:bodyPr>
-            <a:normAutofit/>
-          </a:bodyPr>
-          <a:lstStyle/>
-          <a:p>
-            <a:r>
-              <a:rPr lang="pt-PT" sz="2800" dirty="0"/>
-              <a:t>Demonstração</a:t>
-            </a:r>
-          </a:p>
-        </p:txBody>
-      </p:sp>
-      <p:sp>
-        <p:nvSpPr>
-          <p:cNvPr id="3" name="Subtítulo 2">
-            <a:extLst>
-              <a:ext uri="{FF2B5EF4-FFF2-40B4-BE49-F238E27FC236}">
-                <a16:creationId xmlns:a16="http://schemas.microsoft.com/office/drawing/2014/main" id="{FA356A1B-E9BF-9F0A-E988-EDFD96B04B38}"/>
-              </a:ext>
-            </a:extLst>
-          </p:cNvPr>
-          <p:cNvSpPr>
-            <a:spLocks noGrp="1"/>
-          </p:cNvSpPr>
-          <p:nvPr>
-            <p:ph type="subTitle" idx="1"/>
-          </p:nvPr>
-        </p:nvSpPr>
-        <p:spPr>
-          <a:xfrm>
-            <a:off x="640080" y="2404871"/>
-            <a:ext cx="11301984" cy="4059937"/>
-          </a:xfrm>
-        </p:spPr>
-        <p:txBody>
-          <a:bodyPr anchor="t">
-            <a:normAutofit/>
-          </a:bodyPr>
-          <a:lstStyle/>
-          <a:p>
-            <a:pPr marL="285750" indent="-285750">
-              <a:buFont typeface="Arial" panose="020B0604020202020204" pitchFamily="34" charset="0"/>
-              <a:buChar char="•"/>
-            </a:pPr>
-            <a:endParaRPr lang="pt-PT" dirty="0"/>
-          </a:p>
-        </p:txBody>
-      </p:sp>
-    </p:spTree>
-    <p:extLst>
-      <p:ext uri="{BB962C8B-B14F-4D97-AF65-F5344CB8AC3E}">
-        <p14:creationId xmlns:p14="http://schemas.microsoft.com/office/powerpoint/2010/main" val="396005196"/>
       </p:ext>
     </p:extLst>
   </p:cSld>

--- a/documentacoes/Apresentação_Projeto_Final.pptx
+++ b/documentacoes/Apresentação_Projeto_Final.pptx
@@ -1467,7 +1467,7 @@
             </a:pPr>
             <a:r>
               <a:rPr lang="pt-PT" dirty="0"/>
-              <a:t>Near real time.</a:t>
+              <a:t>Near Real-Time.</a:t>
             </a:r>
           </a:p>
           <a:p>
@@ -1477,7 +1477,7 @@
             </a:pPr>
             <a:r>
               <a:rPr lang="pt-PT" dirty="0"/>
-              <a:t>Análise histórica.</a:t>
+              <a:t>Análise Histórica.</a:t>
             </a:r>
           </a:p>
           <a:p>
@@ -1494,7 +1494,7 @@
             </a:pPr>
             <a:r>
               <a:rPr lang="pt-BR" dirty="0"/>
-              <a:t>Processamento dos micro-lotes com Spark streaming </a:t>
+              <a:t>Processamento dos micro-lotes com Spark streaming.</a:t>
             </a:r>
             <a:endParaRPr lang="pt-PT" dirty="0"/>
           </a:p>
@@ -1635,7 +1635,7 @@
             </a:pPr>
             <a:r>
               <a:rPr lang="pt-PT" b="1" dirty="0"/>
-              <a:t>Uma "fonte da verdade" (Gold Lakehouse) confiável e escalável.</a:t>
+              <a:t>Uma "fonte da verdade" (Gold Lakehouse) confiável.</a:t>
             </a:r>
           </a:p>
           <a:p>
@@ -2031,7 +2031,7 @@
                   <a:srgbClr val="0070C0"/>
                 </a:solidFill>
               </a:rPr>
-              <a:t>Quantos ônibus em congestionamento agora?"</a:t>
+              <a:t>Quantos ônibus estão em congestionamento agora?</a:t>
             </a:r>
           </a:p>
           <a:p>
@@ -2179,7 +2179,7 @@
           <a:p>
             <a:r>
               <a:rPr lang="pt-PT" sz="2800" dirty="0"/>
-              <a:t>Premissas para a Proposta de Solução</a:t>
+              <a:t>Premissas Para a Proposta de Solução</a:t>
             </a:r>
           </a:p>
         </p:txBody>
@@ -2571,7 +2571,7 @@
         </p:spPr>
         <p:txBody>
           <a:bodyPr anchor="t">
-            <a:normAutofit fontScale="85000" lnSpcReduction="10000"/>
+            <a:normAutofit fontScale="70000" lnSpcReduction="20000"/>
           </a:bodyPr>
           <a:lstStyle/>
           <a:p>
@@ -2581,7 +2581,7 @@
             </a:pPr>
             <a:r>
               <a:rPr lang="pt-PT" dirty="0"/>
-              <a:t>Worker 1 - Coleta e limpeza (kafka -&gt; silver).</a:t>
+              <a:t>Worker 1 - Coleta e limpeza (kafka -&gt; silver), particionado por ano/mês/dia/hora na camada silver.</a:t>
             </a:r>
           </a:p>
           <a:p>
@@ -2736,13 +2736,13 @@
         </p:nvSpPr>
         <p:spPr>
           <a:xfrm>
-            <a:off x="748200" y="4933951"/>
-            <a:ext cx="11301984" cy="1741170"/>
+            <a:off x="720768" y="4769358"/>
+            <a:ext cx="11301984" cy="1924049"/>
           </a:xfrm>
         </p:spPr>
         <p:txBody>
           <a:bodyPr anchor="t">
-            <a:normAutofit fontScale="85000" lnSpcReduction="20000"/>
+            <a:noAutofit/>
           </a:bodyPr>
           <a:lstStyle/>
           <a:p>
@@ -2751,8 +2751,8 @@
               <a:buChar char="•"/>
             </a:pPr>
             <a:r>
-              <a:rPr lang="pt-PT" dirty="0"/>
-              <a:t>Dag 1 - Coleta e limpeza (Bronze -&gt; Silver).</a:t>
+              <a:rPr lang="pt-PT" sz="1300" dirty="0"/>
+              <a:t>Dag 1 - Coleta e limpeza (Bronze -&gt; Silver), particionado por ano/mês/dia na camada silver.</a:t>
             </a:r>
           </a:p>
           <a:p>
@@ -2761,15 +2761,15 @@
               <a:buChar char="•"/>
             </a:pPr>
             <a:r>
-              <a:rPr lang="pt-PT" dirty="0"/>
+              <a:rPr lang="pt-PT" sz="1300" dirty="0"/>
               <a:t>Dag 2 - Agregação e consolidação dos kpis (Silver -&gt; Gold/</a:t>
             </a:r>
             <a:r>
-              <a:rPr lang="pt-PT" dirty="0" err="1"/>
+              <a:rPr lang="pt-PT" sz="1300" dirty="0" err="1"/>
               <a:t>lakehouse</a:t>
             </a:r>
             <a:r>
-              <a:rPr lang="pt-PT" dirty="0"/>
+              <a:rPr lang="pt-PT" sz="1300" dirty="0"/>
               <a:t>).</a:t>
             </a:r>
           </a:p>
@@ -2779,15 +2779,15 @@
               <a:buChar char="•"/>
             </a:pPr>
             <a:r>
-              <a:rPr lang="pt-PT" dirty="0"/>
+              <a:rPr lang="pt-PT" sz="1300" dirty="0"/>
               <a:t>Dag 2 - entrega de dados (Gold/</a:t>
             </a:r>
             <a:r>
-              <a:rPr lang="pt-PT" dirty="0" err="1"/>
+              <a:rPr lang="pt-PT" sz="1300" dirty="0" err="1"/>
               <a:t>lakehouse</a:t>
             </a:r>
             <a:r>
-              <a:rPr lang="pt-PT" dirty="0"/>
+              <a:rPr lang="pt-PT" sz="1300" dirty="0"/>
               <a:t> -&gt; postgresql).</a:t>
             </a:r>
           </a:p>
@@ -2797,16 +2797,13 @@
               <a:buChar char="•"/>
             </a:pPr>
             <a:r>
-              <a:rPr lang="pt-PT" dirty="0">
+              <a:rPr lang="pt-PT" sz="1300" dirty="0">
                 <a:solidFill>
                   <a:srgbClr val="0070C0"/>
                 </a:solidFill>
               </a:rPr>
               <a:t>Resultado: dados para os dashboards históricos consolidados e atualizados a cada hora.</a:t>
             </a:r>
-          </a:p>
-          <a:p>
-            <a:endParaRPr lang="pt-PT" dirty="0"/>
           </a:p>
         </p:txBody>
       </p:sp>

--- a/documentacoes/Apresentação_Projeto_Final.pptx
+++ b/documentacoes/Apresentação_Projeto_Final.pptx
@@ -2619,10 +2619,10 @@
       </p:sp>
       <p:pic>
         <p:nvPicPr>
-          <p:cNvPr id="10" name="Imagem 9">
-            <a:extLst>
-              <a:ext uri="{FF2B5EF4-FFF2-40B4-BE49-F238E27FC236}">
-                <a16:creationId xmlns:a16="http://schemas.microsoft.com/office/drawing/2014/main" id="{1F1FE4AB-BC81-28F8-66E3-CA75A5B8AAF4}"/>
+          <p:cNvPr id="5" name="Imagem 4">
+            <a:extLst>
+              <a:ext uri="{FF2B5EF4-FFF2-40B4-BE49-F238E27FC236}">
+                <a16:creationId xmlns:a16="http://schemas.microsoft.com/office/drawing/2014/main" id="{ED10CDF2-7D98-394C-E50D-3671C3F82619}"/>
               </a:ext>
             </a:extLst>
           </p:cNvPr>
@@ -2639,8 +2639,8 @@
         </p:blipFill>
         <p:spPr>
           <a:xfrm>
-            <a:off x="838353" y="2223503"/>
-            <a:ext cx="10515294" cy="2710448"/>
+            <a:off x="709612" y="2040591"/>
+            <a:ext cx="10772775" cy="2776817"/>
           </a:xfrm>
           <a:prstGeom prst="rect">
             <a:avLst/>
@@ -2809,10 +2809,10 @@
       </p:sp>
       <p:pic>
         <p:nvPicPr>
-          <p:cNvPr id="14" name="Imagem 13">
-            <a:extLst>
-              <a:ext uri="{FF2B5EF4-FFF2-40B4-BE49-F238E27FC236}">
-                <a16:creationId xmlns:a16="http://schemas.microsoft.com/office/drawing/2014/main" id="{F28E0186-A3F2-16AC-B963-9BED530196C4}"/>
+          <p:cNvPr id="5" name="Imagem 4">
+            <a:extLst>
+              <a:ext uri="{FF2B5EF4-FFF2-40B4-BE49-F238E27FC236}">
+                <a16:creationId xmlns:a16="http://schemas.microsoft.com/office/drawing/2014/main" id="{7948F782-D800-48D5-F0FD-3BD062E26102}"/>
               </a:ext>
             </a:extLst>
           </p:cNvPr>
@@ -2829,8 +2829,8 @@
         </p:blipFill>
         <p:spPr>
           <a:xfrm>
-            <a:off x="850393" y="1880751"/>
-            <a:ext cx="10305288" cy="2715873"/>
+            <a:off x="823912" y="1924050"/>
+            <a:ext cx="10544176" cy="2778830"/>
           </a:xfrm>
           <a:prstGeom prst="rect">
             <a:avLst/>

--- a/documentacoes/Apresentação_Projeto_Final.pptx
+++ b/documentacoes/Apresentação_Projeto_Final.pptx
@@ -277,7 +277,7 @@
           <a:p>
             <a:fld id="{6444479B-705B-4489-957E-7E8A228BDFA0}" type="datetime1">
               <a:rPr lang="en-US" smtClean="0"/>
-              <a:t>10/29/2025</a:t>
+              <a:t>10/30/2025</a:t>
             </a:fld>
             <a:endParaRPr lang="en-US"/>
           </a:p>
@@ -516,7 +516,7 @@
           <a:p>
             <a:fld id="{7DA38F49-B3E2-4BF0-BEC7-C30D34ABBB8D}" type="datetime1">
               <a:rPr lang="en-US" smtClean="0"/>
-              <a:t>10/29/2025</a:t>
+              <a:t>10/30/2025</a:t>
             </a:fld>
             <a:endParaRPr lang="en-US"/>
           </a:p>
@@ -2080,7 +2080,7 @@
                   <a:srgbClr val="0070C0"/>
                 </a:solidFill>
               </a:rPr>
-              <a:t>Visão Histórica (Batch): </a:t>
+              <a:t>Visão Histórica e Consolidada (Batch): </a:t>
             </a:r>
           </a:p>
           <a:p>
@@ -2434,7 +2434,7 @@
             </a:pPr>
             <a:r>
               <a:rPr lang="pt-PT" dirty="0"/>
-              <a:t>Analisar tendências e performance histórica.</a:t>
+              <a:t>Analisar tendências e performance histórica de forma consolidada.</a:t>
             </a:r>
           </a:p>
           <a:p>

--- a/documentacoes/Apresentação_Projeto_Final.pptx
+++ b/documentacoes/Apresentação_Projeto_Final.pptx
@@ -277,7 +277,7 @@
           <a:p>
             <a:fld id="{6444479B-705B-4489-957E-7E8A228BDFA0}" type="datetime1">
               <a:rPr lang="en-US" smtClean="0"/>
-              <a:t>10/30/2025</a:t>
+              <a:t>11/3/2025</a:t>
             </a:fld>
             <a:endParaRPr lang="en-US"/>
           </a:p>
@@ -516,7 +516,7 @@
           <a:p>
             <a:fld id="{7DA38F49-B3E2-4BF0-BEC7-C30D34ABBB8D}" type="datetime1">
               <a:rPr lang="en-US" smtClean="0"/>
-              <a:t>10/30/2025</a:t>
+              <a:t>11/3/2025</a:t>
             </a:fld>
             <a:endParaRPr lang="en-US"/>
           </a:p>
@@ -1440,8 +1440,8 @@
         </p:nvSpPr>
         <p:spPr>
           <a:xfrm>
-            <a:off x="640080" y="2404871"/>
-            <a:ext cx="11301984" cy="2221993"/>
+            <a:off x="640080" y="2139697"/>
+            <a:ext cx="11301984" cy="4215384"/>
           </a:xfrm>
         </p:spPr>
         <p:txBody>
@@ -1456,12 +1456,56 @@
             </a:pPr>
             <a:r>
               <a:rPr lang="pt-BR" dirty="0"/>
-              <a:t>Dashboards no metabase</a:t>
+              <a:t>PROCESSAMENTO:</a:t>
+            </a:r>
+          </a:p>
+          <a:p>
+            <a:pPr marL="742950" lvl="1" indent="-285750" algn="l">
+              <a:buFont typeface="Arial" panose="020B0604020202020204" pitchFamily="34" charset="0"/>
+              <a:buChar char="•"/>
+            </a:pPr>
+            <a:r>
+              <a:rPr lang="pt-BR" dirty="0" err="1"/>
+              <a:t>DagS</a:t>
+            </a:r>
+            <a:r>
+              <a:rPr lang="pt-BR" dirty="0"/>
+              <a:t> do Airflow.</a:t>
+            </a:r>
+          </a:p>
+          <a:p>
+            <a:pPr marL="742950" lvl="1" indent="-285750" algn="l">
+              <a:buFont typeface="Arial" panose="020B0604020202020204" pitchFamily="34" charset="0"/>
+              <a:buChar char="•"/>
+            </a:pPr>
+            <a:r>
+              <a:rPr lang="pt-BR" dirty="0"/>
+              <a:t>Processamento dos micro-lotes com Spark streaming.</a:t>
+            </a:r>
+          </a:p>
+          <a:p>
+            <a:pPr marL="285750" indent="-285750">
+              <a:buFont typeface="Arial" panose="020B0604020202020204" pitchFamily="34" charset="0"/>
+              <a:buChar char="•"/>
+            </a:pPr>
+            <a:r>
+              <a:rPr lang="pt-BR" dirty="0"/>
+              <a:t>ENTREGA DE DADOS:</a:t>
+            </a:r>
+          </a:p>
+          <a:p>
+            <a:pPr marL="742950" lvl="1" indent="-285750" algn="l">
+              <a:buFont typeface="Arial" panose="020B0604020202020204" pitchFamily="34" charset="0"/>
+              <a:buChar char="•"/>
+            </a:pPr>
+            <a:r>
+              <a:rPr lang="pt-BR" dirty="0"/>
+              <a:t>Dashboards no metabase:</a:t>
             </a:r>
             <a:endParaRPr lang="pt-PT" dirty="0"/>
           </a:p>
           <a:p>
-            <a:pPr marL="742950" lvl="1" indent="-285750" algn="l">
+            <a:pPr marL="1657350" lvl="3" indent="-285750" algn="l">
               <a:buFont typeface="Arial" panose="020B0604020202020204" pitchFamily="34" charset="0"/>
               <a:buChar char="•"/>
             </a:pPr>
@@ -1471,7 +1515,7 @@
             </a:r>
           </a:p>
           <a:p>
-            <a:pPr marL="742950" lvl="1" indent="-285750" algn="l">
+            <a:pPr marL="1657350" lvl="3" indent="-285750" algn="l">
               <a:buFont typeface="Arial" panose="020B0604020202020204" pitchFamily="34" charset="0"/>
               <a:buChar char="•"/>
             </a:pPr>
@@ -1485,18 +1529,28 @@
               <a:buFont typeface="Arial" panose="020B0604020202020204" pitchFamily="34" charset="0"/>
               <a:buChar char="•"/>
             </a:pPr>
-            <a:endParaRPr lang="pt-PT" dirty="0"/>
-          </a:p>
-          <a:p>
-            <a:pPr marL="285750" indent="-285750">
-              <a:buFont typeface="Arial" panose="020B0604020202020204" pitchFamily="34" charset="0"/>
-              <a:buChar char="•"/>
-            </a:pPr>
-            <a:r>
-              <a:rPr lang="pt-BR" dirty="0"/>
-              <a:t>Processamento dos micro-lotes com Spark streaming.</a:t>
-            </a:r>
-            <a:endParaRPr lang="pt-PT" dirty="0"/>
+            <a:r>
+              <a:rPr lang="pt-PT" dirty="0"/>
+              <a:t>APIs no </a:t>
+            </a:r>
+            <a:r>
+              <a:rPr lang="pt-PT" dirty="0" err="1"/>
+              <a:t>Postman</a:t>
+            </a:r>
+            <a:r>
+              <a:rPr lang="pt-PT" dirty="0"/>
+              <a:t>.</a:t>
+            </a:r>
+          </a:p>
+          <a:p>
+            <a:pPr marL="742950" lvl="1" indent="-285750" algn="l">
+              <a:buFont typeface="Arial" panose="020B0604020202020204" pitchFamily="34" charset="0"/>
+              <a:buChar char="•"/>
+            </a:pPr>
+            <a:r>
+              <a:rPr lang="pt-PT" dirty="0"/>
+              <a:t>Acesso aos dados federados via Trino.</a:t>
+            </a:r>
           </a:p>
         </p:txBody>
       </p:sp>
@@ -1595,7 +1649,7 @@
         </p:spPr>
         <p:txBody>
           <a:bodyPr anchor="t">
-            <a:normAutofit fontScale="77500" lnSpcReduction="20000"/>
+            <a:normAutofit fontScale="85000" lnSpcReduction="20000"/>
           </a:bodyPr>
           <a:lstStyle/>
           <a:p>
@@ -1645,7 +1699,11 @@
             </a:pPr>
             <a:r>
               <a:rPr lang="pt-PT" b="1" dirty="0"/>
-              <a:t>Dados acessíveis de forma federada.</a:t>
+              <a:t>Dados acessíveis de diferentes formas: </a:t>
+            </a:r>
+            <a:r>
+              <a:rPr lang="pt-PT" dirty="0"/>
+              <a:t>Dashboards, API’s e via Trino.</a:t>
             </a:r>
           </a:p>
           <a:p>
@@ -1699,20 +1757,6 @@
             <a:r>
               <a:rPr lang="pt-PT" dirty="0"/>
               <a:t> ou GCP.</a:t>
-            </a:r>
-          </a:p>
-          <a:p>
-            <a:pPr marL="742950" lvl="1" indent="-285750" algn="l">
-              <a:buFont typeface="Arial" panose="020B0604020202020204" pitchFamily="34" charset="0"/>
-              <a:buChar char="•"/>
-            </a:pPr>
-            <a:r>
-              <a:rPr lang="pt-PT" b="1" dirty="0"/>
-              <a:t>Alertas: </a:t>
-            </a:r>
-            <a:r>
-              <a:rPr lang="pt-PT" dirty="0"/>
-              <a:t>Criar alertas automáticos (Ex: "Linha 8000 está com velocidade abaixo de 5km/h há 10 minutos").</a:t>
             </a:r>
           </a:p>
           <a:p>
@@ -2377,7 +2421,7 @@
         </p:spPr>
         <p:txBody>
           <a:bodyPr anchor="t">
-            <a:normAutofit fontScale="85000" lnSpcReduction="10000"/>
+            <a:normAutofit fontScale="92500" lnSpcReduction="10000"/>
           </a:bodyPr>
           <a:lstStyle/>
           <a:p>
@@ -2407,7 +2451,7 @@
             </a:pPr>
             <a:r>
               <a:rPr lang="pt-PT" dirty="0"/>
-              <a:t>KPIs-chave: Velocidade média por linha, contagem de ônibus parados/congestionados.</a:t>
+              <a:t>KPIs-chave: Velocidade média por linha e contagem de ônibus parados/congestionados.</a:t>
             </a:r>
           </a:p>
           <a:p>
@@ -2444,7 +2488,7 @@
             </a:pPr>
             <a:r>
               <a:rPr lang="pt-PT" dirty="0"/>
-              <a:t>KPIs-chave: Contagem de frota única em operação por hora e análise de velocidade média histórica.</a:t>
+              <a:t>KPIs-chave: Velocidade média histórica e contagem de ônibus parados/parados por hora.</a:t>
             </a:r>
           </a:p>
           <a:p>
@@ -2762,33 +2806,17 @@
             </a:pPr>
             <a:r>
               <a:rPr lang="pt-PT" sz="1300" dirty="0"/>
-              <a:t>Dag 2 - Agregação e consolidação dos kpis (Silver -&gt; Gold/</a:t>
-            </a:r>
-            <a:r>
-              <a:rPr lang="pt-PT" sz="1300" dirty="0" err="1"/>
-              <a:t>lakehouse</a:t>
-            </a:r>
+              <a:t>Dag 2 - Agregação e consolidação dos kpis (Silver -&gt; Gold/lakehouse).</a:t>
+            </a:r>
+          </a:p>
+          <a:p>
+            <a:pPr marL="285750" indent="-285750">
+              <a:buFont typeface="Arial" panose="020B0604020202020204" pitchFamily="34" charset="0"/>
+              <a:buChar char="•"/>
+            </a:pPr>
             <a:r>
               <a:rPr lang="pt-PT" sz="1300" dirty="0"/>
-              <a:t>).</a:t>
-            </a:r>
-          </a:p>
-          <a:p>
-            <a:pPr marL="285750" indent="-285750">
-              <a:buFont typeface="Arial" panose="020B0604020202020204" pitchFamily="34" charset="0"/>
-              <a:buChar char="•"/>
-            </a:pPr>
-            <a:r>
-              <a:rPr lang="pt-PT" sz="1300" dirty="0"/>
-              <a:t>Dag 2 - entrega de dados (Gold/</a:t>
-            </a:r>
-            <a:r>
-              <a:rPr lang="pt-PT" sz="1300" dirty="0" err="1"/>
-              <a:t>lakehouse</a:t>
-            </a:r>
-            <a:r>
-              <a:rPr lang="pt-PT" sz="1300" dirty="0"/>
-              <a:t> -&gt; postgresql).</a:t>
+              <a:t>Dag 2 - entrega de dados (Gold/lakehouse -&gt; postgresql).</a:t>
             </a:r>
           </a:p>
           <a:p>
@@ -2891,13 +2919,13 @@
         </p:nvSpPr>
         <p:spPr>
           <a:xfrm>
-            <a:off x="640080" y="1371599"/>
-            <a:ext cx="9628632" cy="552451"/>
+            <a:off x="640079" y="1371599"/>
+            <a:ext cx="10946955" cy="552451"/>
           </a:xfrm>
         </p:spPr>
         <p:txBody>
           <a:bodyPr>
-            <a:normAutofit fontScale="90000"/>
+            <a:noAutofit/>
           </a:bodyPr>
           <a:lstStyle/>
           <a:p>
@@ -3436,7 +3464,7 @@
         </p:blipFill>
         <p:spPr>
           <a:xfrm>
-            <a:off x="5565179" y="3892034"/>
+            <a:off x="5601755" y="3623668"/>
             <a:ext cx="5751042" cy="2476143"/>
           </a:xfrm>
           <a:prstGeom prst="rect">
@@ -4508,10 +4536,10 @@
       </p:sp>
       <p:pic>
         <p:nvPicPr>
-          <p:cNvPr id="26" name="Imagem 25">
-            <a:extLst>
-              <a:ext uri="{FF2B5EF4-FFF2-40B4-BE49-F238E27FC236}">
-                <a16:creationId xmlns:a16="http://schemas.microsoft.com/office/drawing/2014/main" id="{FA7DA93F-8F85-599B-407A-846245212EE2}"/>
+          <p:cNvPr id="8" name="Imagem 7">
+            <a:extLst>
+              <a:ext uri="{FF2B5EF4-FFF2-40B4-BE49-F238E27FC236}">
+                <a16:creationId xmlns:a16="http://schemas.microsoft.com/office/drawing/2014/main" id="{BBCCE95F-DEA1-7C1C-5DE6-3EE072B297C3}"/>
               </a:ext>
             </a:extLst>
           </p:cNvPr>
@@ -4528,8 +4556,8 @@
         </p:blipFill>
         <p:spPr>
           <a:xfrm>
-            <a:off x="122907" y="3440457"/>
-            <a:ext cx="6735111" cy="2505402"/>
+            <a:off x="7315200" y="4003530"/>
+            <a:ext cx="4581524" cy="1942329"/>
           </a:xfrm>
           <a:prstGeom prst="rect">
             <a:avLst/>
@@ -4538,10 +4566,10 @@
       </p:pic>
       <p:pic>
         <p:nvPicPr>
-          <p:cNvPr id="8" name="Imagem 7">
-            <a:extLst>
-              <a:ext uri="{FF2B5EF4-FFF2-40B4-BE49-F238E27FC236}">
-                <a16:creationId xmlns:a16="http://schemas.microsoft.com/office/drawing/2014/main" id="{BBCCE95F-DEA1-7C1C-5DE6-3EE072B297C3}"/>
+          <p:cNvPr id="5" name="Imagem 4">
+            <a:extLst>
+              <a:ext uri="{FF2B5EF4-FFF2-40B4-BE49-F238E27FC236}">
+                <a16:creationId xmlns:a16="http://schemas.microsoft.com/office/drawing/2014/main" id="{0E40D4A2-68C9-9F34-9E6D-DE6B9AFE0557}"/>
               </a:ext>
             </a:extLst>
           </p:cNvPr>
@@ -4558,8 +4586,8 @@
         </p:blipFill>
         <p:spPr>
           <a:xfrm>
-            <a:off x="7315200" y="4003530"/>
-            <a:ext cx="4581524" cy="1942329"/>
+            <a:off x="88590" y="3403880"/>
+            <a:ext cx="6833438" cy="2541979"/>
           </a:xfrm>
           <a:prstGeom prst="rect">
             <a:avLst/>

--- a/documentacoes/Apresentação_Projeto_Final.pptx
+++ b/documentacoes/Apresentação_Projeto_Final.pptx
@@ -7,16 +7,17 @@
   <p:sldIdLst>
     <p:sldId id="256" r:id="rId2"/>
     <p:sldId id="257" r:id="rId3"/>
-    <p:sldId id="267" r:id="rId4"/>
-    <p:sldId id="258" r:id="rId5"/>
-    <p:sldId id="266" r:id="rId6"/>
-    <p:sldId id="260" r:id="rId7"/>
-    <p:sldId id="259" r:id="rId8"/>
-    <p:sldId id="264" r:id="rId9"/>
-    <p:sldId id="265" r:id="rId10"/>
-    <p:sldId id="261" r:id="rId11"/>
-    <p:sldId id="262" r:id="rId12"/>
-    <p:sldId id="263" r:id="rId13"/>
+    <p:sldId id="269" r:id="rId4"/>
+    <p:sldId id="270" r:id="rId5"/>
+    <p:sldId id="271" r:id="rId6"/>
+    <p:sldId id="266" r:id="rId7"/>
+    <p:sldId id="260" r:id="rId8"/>
+    <p:sldId id="259" r:id="rId9"/>
+    <p:sldId id="264" r:id="rId10"/>
+    <p:sldId id="265" r:id="rId11"/>
+    <p:sldId id="261" r:id="rId12"/>
+    <p:sldId id="262" r:id="rId13"/>
+    <p:sldId id="263" r:id="rId14"/>
   </p:sldIdLst>
   <p:sldSz cx="12192000" cy="6858000"/>
   <p:notesSz cx="6858000" cy="9144000"/>
@@ -123,6 +124,2836 @@
 </p:presentation>
 </file>
 
+<file path=ppt/diagrams/colors1.xml><?xml version="1.0" encoding="utf-8"?>
+<dgm:colorsDef xmlns:dgm="http://schemas.openxmlformats.org/drawingml/2006/diagram" xmlns:a="http://schemas.openxmlformats.org/drawingml/2006/main" uniqueId="urn:microsoft.com/office/officeart/2005/8/colors/accent1_2">
+  <dgm:title val=""/>
+  <dgm:desc val=""/>
+  <dgm:catLst>
+    <dgm:cat type="accent1" pri="11200"/>
+  </dgm:catLst>
+  <dgm:styleLbl name="node0">
+    <dgm:fillClrLst meth="repeat">
+      <a:schemeClr val="accent1"/>
+    </dgm:fillClrLst>
+    <dgm:linClrLst meth="repeat">
+      <a:schemeClr val="lt1"/>
+    </dgm:linClrLst>
+    <dgm:effectClrLst/>
+    <dgm:txLinClrLst/>
+    <dgm:txFillClrLst/>
+    <dgm:txEffectClrLst/>
+  </dgm:styleLbl>
+  <dgm:styleLbl name="alignNode1">
+    <dgm:fillClrLst meth="repeat">
+      <a:schemeClr val="accent1"/>
+    </dgm:fillClrLst>
+    <dgm:linClrLst meth="repeat">
+      <a:schemeClr val="accent1"/>
+    </dgm:linClrLst>
+    <dgm:effectClrLst/>
+    <dgm:txLinClrLst/>
+    <dgm:txFillClrLst/>
+    <dgm:txEffectClrLst/>
+  </dgm:styleLbl>
+  <dgm:styleLbl name="node1">
+    <dgm:fillClrLst meth="repeat">
+      <a:schemeClr val="accent1"/>
+    </dgm:fillClrLst>
+    <dgm:linClrLst meth="repeat">
+      <a:schemeClr val="lt1"/>
+    </dgm:linClrLst>
+    <dgm:effectClrLst/>
+    <dgm:txLinClrLst/>
+    <dgm:txFillClrLst/>
+    <dgm:txEffectClrLst/>
+  </dgm:styleLbl>
+  <dgm:styleLbl name="lnNode1">
+    <dgm:fillClrLst meth="repeat">
+      <a:schemeClr val="accent1"/>
+    </dgm:fillClrLst>
+    <dgm:linClrLst meth="repeat">
+      <a:schemeClr val="lt1"/>
+    </dgm:linClrLst>
+    <dgm:effectClrLst/>
+    <dgm:txLinClrLst/>
+    <dgm:txFillClrLst/>
+    <dgm:txEffectClrLst/>
+  </dgm:styleLbl>
+  <dgm:styleLbl name="vennNode1">
+    <dgm:fillClrLst meth="repeat">
+      <a:schemeClr val="accent1">
+        <a:alpha val="50000"/>
+      </a:schemeClr>
+    </dgm:fillClrLst>
+    <dgm:linClrLst meth="repeat">
+      <a:schemeClr val="lt1"/>
+    </dgm:linClrLst>
+    <dgm:effectClrLst/>
+    <dgm:txLinClrLst/>
+    <dgm:txFillClrLst/>
+    <dgm:txEffectClrLst/>
+  </dgm:styleLbl>
+  <dgm:styleLbl name="node2">
+    <dgm:fillClrLst meth="repeat">
+      <a:schemeClr val="accent1"/>
+    </dgm:fillClrLst>
+    <dgm:linClrLst meth="repeat">
+      <a:schemeClr val="lt1"/>
+    </dgm:linClrLst>
+    <dgm:effectClrLst/>
+    <dgm:txLinClrLst/>
+    <dgm:txFillClrLst/>
+    <dgm:txEffectClrLst/>
+  </dgm:styleLbl>
+  <dgm:styleLbl name="node3">
+    <dgm:fillClrLst meth="repeat">
+      <a:schemeClr val="accent1"/>
+    </dgm:fillClrLst>
+    <dgm:linClrLst meth="repeat">
+      <a:schemeClr val="lt1"/>
+    </dgm:linClrLst>
+    <dgm:effectClrLst/>
+    <dgm:txLinClrLst/>
+    <dgm:txFillClrLst/>
+    <dgm:txEffectClrLst/>
+  </dgm:styleLbl>
+  <dgm:styleLbl name="node4">
+    <dgm:fillClrLst meth="repeat">
+      <a:schemeClr val="accent1"/>
+    </dgm:fillClrLst>
+    <dgm:linClrLst meth="repeat">
+      <a:schemeClr val="lt1"/>
+    </dgm:linClrLst>
+    <dgm:effectClrLst/>
+    <dgm:txLinClrLst/>
+    <dgm:txFillClrLst/>
+    <dgm:txEffectClrLst/>
+  </dgm:styleLbl>
+  <dgm:styleLbl name="fgImgPlace1">
+    <dgm:fillClrLst meth="repeat">
+      <a:schemeClr val="accent1">
+        <a:tint val="50000"/>
+      </a:schemeClr>
+    </dgm:fillClrLst>
+    <dgm:linClrLst meth="repeat">
+      <a:schemeClr val="lt1"/>
+    </dgm:linClrLst>
+    <dgm:effectClrLst/>
+    <dgm:txLinClrLst/>
+    <dgm:txFillClrLst meth="repeat">
+      <a:schemeClr val="lt1"/>
+    </dgm:txFillClrLst>
+    <dgm:txEffectClrLst/>
+  </dgm:styleLbl>
+  <dgm:styleLbl name="alignImgPlace1">
+    <dgm:fillClrLst meth="repeat">
+      <a:schemeClr val="accent1">
+        <a:tint val="50000"/>
+      </a:schemeClr>
+    </dgm:fillClrLst>
+    <dgm:linClrLst meth="repeat">
+      <a:schemeClr val="lt1"/>
+    </dgm:linClrLst>
+    <dgm:effectClrLst/>
+    <dgm:txLinClrLst/>
+    <dgm:txFillClrLst meth="repeat">
+      <a:schemeClr val="lt1"/>
+    </dgm:txFillClrLst>
+    <dgm:txEffectClrLst/>
+  </dgm:styleLbl>
+  <dgm:styleLbl name="bgImgPlace1">
+    <dgm:fillClrLst meth="repeat">
+      <a:schemeClr val="accent1">
+        <a:tint val="50000"/>
+      </a:schemeClr>
+    </dgm:fillClrLst>
+    <dgm:linClrLst meth="repeat">
+      <a:schemeClr val="lt1"/>
+    </dgm:linClrLst>
+    <dgm:effectClrLst/>
+    <dgm:txLinClrLst/>
+    <dgm:txFillClrLst meth="repeat">
+      <a:schemeClr val="lt1"/>
+    </dgm:txFillClrLst>
+    <dgm:txEffectClrLst/>
+  </dgm:styleLbl>
+  <dgm:styleLbl name="sibTrans2D1">
+    <dgm:fillClrLst meth="repeat">
+      <a:schemeClr val="accent1">
+        <a:tint val="60000"/>
+      </a:schemeClr>
+    </dgm:fillClrLst>
+    <dgm:linClrLst meth="repeat">
+      <a:schemeClr val="accent1">
+        <a:tint val="60000"/>
+      </a:schemeClr>
+    </dgm:linClrLst>
+    <dgm:effectClrLst/>
+    <dgm:txLinClrLst/>
+    <dgm:txFillClrLst/>
+    <dgm:txEffectClrLst/>
+  </dgm:styleLbl>
+  <dgm:styleLbl name="fgSibTrans2D1">
+    <dgm:fillClrLst meth="repeat">
+      <a:schemeClr val="accent1">
+        <a:tint val="60000"/>
+      </a:schemeClr>
+    </dgm:fillClrLst>
+    <dgm:linClrLst meth="repeat">
+      <a:schemeClr val="accent1">
+        <a:tint val="60000"/>
+      </a:schemeClr>
+    </dgm:linClrLst>
+    <dgm:effectClrLst/>
+    <dgm:txLinClrLst/>
+    <dgm:txFillClrLst/>
+    <dgm:txEffectClrLst/>
+  </dgm:styleLbl>
+  <dgm:styleLbl name="bgSibTrans2D1">
+    <dgm:fillClrLst meth="repeat">
+      <a:schemeClr val="accent1">
+        <a:tint val="60000"/>
+      </a:schemeClr>
+    </dgm:fillClrLst>
+    <dgm:linClrLst meth="repeat">
+      <a:schemeClr val="accent1">
+        <a:tint val="60000"/>
+      </a:schemeClr>
+    </dgm:linClrLst>
+    <dgm:effectClrLst/>
+    <dgm:txLinClrLst/>
+    <dgm:txFillClrLst/>
+    <dgm:txEffectClrLst/>
+  </dgm:styleLbl>
+  <dgm:styleLbl name="sibTrans1D1">
+    <dgm:fillClrLst meth="repeat">
+      <a:schemeClr val="accent1"/>
+    </dgm:fillClrLst>
+    <dgm:linClrLst meth="repeat">
+      <a:schemeClr val="accent1"/>
+    </dgm:linClrLst>
+    <dgm:effectClrLst/>
+    <dgm:txLinClrLst/>
+    <dgm:txFillClrLst meth="repeat">
+      <a:schemeClr val="tx1"/>
+    </dgm:txFillClrLst>
+    <dgm:txEffectClrLst/>
+  </dgm:styleLbl>
+  <dgm:styleLbl name="callout">
+    <dgm:fillClrLst meth="repeat">
+      <a:schemeClr val="accent1"/>
+    </dgm:fillClrLst>
+    <dgm:linClrLst meth="repeat">
+      <a:schemeClr val="accent1">
+        <a:tint val="50000"/>
+      </a:schemeClr>
+    </dgm:linClrLst>
+    <dgm:effectClrLst/>
+    <dgm:txLinClrLst/>
+    <dgm:txFillClrLst meth="repeat">
+      <a:schemeClr val="tx1"/>
+    </dgm:txFillClrLst>
+    <dgm:txEffectClrLst/>
+  </dgm:styleLbl>
+  <dgm:styleLbl name="asst0">
+    <dgm:fillClrLst meth="repeat">
+      <a:schemeClr val="accent1"/>
+    </dgm:fillClrLst>
+    <dgm:linClrLst meth="repeat">
+      <a:schemeClr val="lt1"/>
+    </dgm:linClrLst>
+    <dgm:effectClrLst/>
+    <dgm:txLinClrLst/>
+    <dgm:txFillClrLst/>
+    <dgm:txEffectClrLst/>
+  </dgm:styleLbl>
+  <dgm:styleLbl name="asst1">
+    <dgm:fillClrLst meth="repeat">
+      <a:schemeClr val="accent1"/>
+    </dgm:fillClrLst>
+    <dgm:linClrLst meth="repeat">
+      <a:schemeClr val="lt1"/>
+    </dgm:linClrLst>
+    <dgm:effectClrLst/>
+    <dgm:txLinClrLst/>
+    <dgm:txFillClrLst/>
+    <dgm:txEffectClrLst/>
+  </dgm:styleLbl>
+  <dgm:styleLbl name="asst2">
+    <dgm:fillClrLst meth="repeat">
+      <a:schemeClr val="accent1"/>
+    </dgm:fillClrLst>
+    <dgm:linClrLst meth="repeat">
+      <a:schemeClr val="lt1"/>
+    </dgm:linClrLst>
+    <dgm:effectClrLst/>
+    <dgm:txLinClrLst/>
+    <dgm:txFillClrLst/>
+    <dgm:txEffectClrLst/>
+  </dgm:styleLbl>
+  <dgm:styleLbl name="asst3">
+    <dgm:fillClrLst meth="repeat">
+      <a:schemeClr val="accent1"/>
+    </dgm:fillClrLst>
+    <dgm:linClrLst meth="repeat">
+      <a:schemeClr val="lt1"/>
+    </dgm:linClrLst>
+    <dgm:effectClrLst/>
+    <dgm:txLinClrLst/>
+    <dgm:txFillClrLst/>
+    <dgm:txEffectClrLst/>
+  </dgm:styleLbl>
+  <dgm:styleLbl name="asst4">
+    <dgm:fillClrLst meth="repeat">
+      <a:schemeClr val="accent1"/>
+    </dgm:fillClrLst>
+    <dgm:linClrLst meth="repeat">
+      <a:schemeClr val="lt1"/>
+    </dgm:linClrLst>
+    <dgm:effectClrLst/>
+    <dgm:txLinClrLst/>
+    <dgm:txFillClrLst/>
+    <dgm:txEffectClrLst/>
+  </dgm:styleLbl>
+  <dgm:styleLbl name="parChTrans2D1">
+    <dgm:fillClrLst meth="repeat">
+      <a:schemeClr val="accent1">
+        <a:tint val="60000"/>
+      </a:schemeClr>
+    </dgm:fillClrLst>
+    <dgm:linClrLst meth="repeat">
+      <a:schemeClr val="accent1">
+        <a:tint val="60000"/>
+      </a:schemeClr>
+    </dgm:linClrLst>
+    <dgm:effectClrLst/>
+    <dgm:txLinClrLst/>
+    <dgm:txFillClrLst meth="repeat">
+      <a:schemeClr val="lt1"/>
+    </dgm:txFillClrLst>
+    <dgm:txEffectClrLst/>
+  </dgm:styleLbl>
+  <dgm:styleLbl name="parChTrans2D2">
+    <dgm:fillClrLst meth="repeat">
+      <a:schemeClr val="accent1"/>
+    </dgm:fillClrLst>
+    <dgm:linClrLst meth="repeat">
+      <a:schemeClr val="accent1"/>
+    </dgm:linClrLst>
+    <dgm:effectClrLst/>
+    <dgm:txLinClrLst/>
+    <dgm:txFillClrLst meth="repeat">
+      <a:schemeClr val="lt1"/>
+    </dgm:txFillClrLst>
+    <dgm:txEffectClrLst/>
+  </dgm:styleLbl>
+  <dgm:styleLbl name="parChTrans2D3">
+    <dgm:fillClrLst meth="repeat">
+      <a:schemeClr val="accent1"/>
+    </dgm:fillClrLst>
+    <dgm:linClrLst meth="repeat">
+      <a:schemeClr val="accent1"/>
+    </dgm:linClrLst>
+    <dgm:effectClrLst/>
+    <dgm:txLinClrLst/>
+    <dgm:txFillClrLst meth="repeat">
+      <a:schemeClr val="lt1"/>
+    </dgm:txFillClrLst>
+    <dgm:txEffectClrLst/>
+  </dgm:styleLbl>
+  <dgm:styleLbl name="parChTrans2D4">
+    <dgm:fillClrLst meth="repeat">
+      <a:schemeClr val="accent1"/>
+    </dgm:fillClrLst>
+    <dgm:linClrLst meth="repeat">
+      <a:schemeClr val="accent1"/>
+    </dgm:linClrLst>
+    <dgm:effectClrLst/>
+    <dgm:txLinClrLst/>
+    <dgm:txFillClrLst meth="repeat">
+      <a:schemeClr val="lt1"/>
+    </dgm:txFillClrLst>
+    <dgm:txEffectClrLst/>
+  </dgm:styleLbl>
+  <dgm:styleLbl name="parChTrans1D1">
+    <dgm:fillClrLst meth="repeat">
+      <a:schemeClr val="accent1"/>
+    </dgm:fillClrLst>
+    <dgm:linClrLst meth="repeat">
+      <a:schemeClr val="accent1">
+        <a:shade val="60000"/>
+      </a:schemeClr>
+    </dgm:linClrLst>
+    <dgm:effectClrLst/>
+    <dgm:txLinClrLst/>
+    <dgm:txFillClrLst meth="repeat">
+      <a:schemeClr val="tx1"/>
+    </dgm:txFillClrLst>
+    <dgm:txEffectClrLst/>
+  </dgm:styleLbl>
+  <dgm:styleLbl name="parChTrans1D2">
+    <dgm:fillClrLst meth="repeat">
+      <a:schemeClr val="accent1"/>
+    </dgm:fillClrLst>
+    <dgm:linClrLst meth="repeat">
+      <a:schemeClr val="accent1">
+        <a:shade val="60000"/>
+      </a:schemeClr>
+    </dgm:linClrLst>
+    <dgm:effectClrLst/>
+    <dgm:txLinClrLst/>
+    <dgm:txFillClrLst meth="repeat">
+      <a:schemeClr val="tx1"/>
+    </dgm:txFillClrLst>
+    <dgm:txEffectClrLst/>
+  </dgm:styleLbl>
+  <dgm:styleLbl name="parChTrans1D3">
+    <dgm:fillClrLst meth="repeat">
+      <a:schemeClr val="accent1"/>
+    </dgm:fillClrLst>
+    <dgm:linClrLst meth="repeat">
+      <a:schemeClr val="accent1">
+        <a:shade val="80000"/>
+      </a:schemeClr>
+    </dgm:linClrLst>
+    <dgm:effectClrLst/>
+    <dgm:txLinClrLst/>
+    <dgm:txFillClrLst meth="repeat">
+      <a:schemeClr val="tx1"/>
+    </dgm:txFillClrLst>
+    <dgm:txEffectClrLst/>
+  </dgm:styleLbl>
+  <dgm:styleLbl name="parChTrans1D4">
+    <dgm:fillClrLst meth="repeat">
+      <a:schemeClr val="accent1"/>
+    </dgm:fillClrLst>
+    <dgm:linClrLst meth="repeat">
+      <a:schemeClr val="accent1">
+        <a:shade val="80000"/>
+      </a:schemeClr>
+    </dgm:linClrLst>
+    <dgm:effectClrLst/>
+    <dgm:txLinClrLst/>
+    <dgm:txFillClrLst meth="repeat">
+      <a:schemeClr val="tx1"/>
+    </dgm:txFillClrLst>
+    <dgm:txEffectClrLst/>
+  </dgm:styleLbl>
+  <dgm:styleLbl name="fgAcc1">
+    <dgm:fillClrLst meth="repeat">
+      <a:schemeClr val="lt1">
+        <a:alpha val="90000"/>
+      </a:schemeClr>
+    </dgm:fillClrLst>
+    <dgm:linClrLst meth="repeat">
+      <a:schemeClr val="accent1"/>
+    </dgm:linClrLst>
+    <dgm:effectClrLst/>
+    <dgm:txLinClrLst/>
+    <dgm:txFillClrLst meth="repeat">
+      <a:schemeClr val="dk1"/>
+    </dgm:txFillClrLst>
+    <dgm:txEffectClrLst/>
+  </dgm:styleLbl>
+  <dgm:styleLbl name="conFgAcc1">
+    <dgm:fillClrLst meth="repeat">
+      <a:schemeClr val="lt1">
+        <a:alpha val="90000"/>
+      </a:schemeClr>
+    </dgm:fillClrLst>
+    <dgm:linClrLst meth="repeat">
+      <a:schemeClr val="accent1"/>
+    </dgm:linClrLst>
+    <dgm:effectClrLst/>
+    <dgm:txLinClrLst/>
+    <dgm:txFillClrLst meth="repeat">
+      <a:schemeClr val="dk1"/>
+    </dgm:txFillClrLst>
+    <dgm:txEffectClrLst/>
+  </dgm:styleLbl>
+  <dgm:styleLbl name="alignAcc1">
+    <dgm:fillClrLst meth="repeat">
+      <a:schemeClr val="lt1">
+        <a:alpha val="90000"/>
+      </a:schemeClr>
+    </dgm:fillClrLst>
+    <dgm:linClrLst meth="repeat">
+      <a:schemeClr val="accent1"/>
+    </dgm:linClrLst>
+    <dgm:effectClrLst/>
+    <dgm:txLinClrLst/>
+    <dgm:txFillClrLst meth="repeat">
+      <a:schemeClr val="dk1"/>
+    </dgm:txFillClrLst>
+    <dgm:txEffectClrLst/>
+  </dgm:styleLbl>
+  <dgm:styleLbl name="trAlignAcc1">
+    <dgm:fillClrLst meth="repeat">
+      <a:schemeClr val="lt1">
+        <a:alpha val="40000"/>
+      </a:schemeClr>
+    </dgm:fillClrLst>
+    <dgm:linClrLst meth="repeat">
+      <a:schemeClr val="accent1"/>
+    </dgm:linClrLst>
+    <dgm:effectClrLst/>
+    <dgm:txLinClrLst/>
+    <dgm:txFillClrLst meth="repeat">
+      <a:schemeClr val="dk1"/>
+    </dgm:txFillClrLst>
+    <dgm:txEffectClrLst/>
+  </dgm:styleLbl>
+  <dgm:styleLbl name="bgAcc1">
+    <dgm:fillClrLst meth="repeat">
+      <a:schemeClr val="lt1">
+        <a:alpha val="90000"/>
+      </a:schemeClr>
+    </dgm:fillClrLst>
+    <dgm:linClrLst meth="repeat">
+      <a:schemeClr val="accent1"/>
+    </dgm:linClrLst>
+    <dgm:effectClrLst/>
+    <dgm:txLinClrLst/>
+    <dgm:txFillClrLst meth="repeat">
+      <a:schemeClr val="dk1"/>
+    </dgm:txFillClrLst>
+    <dgm:txEffectClrLst/>
+  </dgm:styleLbl>
+  <dgm:styleLbl name="solidFgAcc1">
+    <dgm:fillClrLst meth="repeat">
+      <a:schemeClr val="lt1"/>
+    </dgm:fillClrLst>
+    <dgm:linClrLst meth="repeat">
+      <a:schemeClr val="accent1"/>
+    </dgm:linClrLst>
+    <dgm:effectClrLst/>
+    <dgm:txLinClrLst/>
+    <dgm:txFillClrLst meth="repeat">
+      <a:schemeClr val="dk1"/>
+    </dgm:txFillClrLst>
+    <dgm:txEffectClrLst/>
+  </dgm:styleLbl>
+  <dgm:styleLbl name="solidAlignAcc1">
+    <dgm:fillClrLst meth="repeat">
+      <a:schemeClr val="lt1"/>
+    </dgm:fillClrLst>
+    <dgm:linClrLst meth="repeat">
+      <a:schemeClr val="accent1"/>
+    </dgm:linClrLst>
+    <dgm:effectClrLst/>
+    <dgm:txLinClrLst/>
+    <dgm:txFillClrLst meth="repeat">
+      <a:schemeClr val="dk1"/>
+    </dgm:txFillClrLst>
+    <dgm:txEffectClrLst/>
+  </dgm:styleLbl>
+  <dgm:styleLbl name="solidBgAcc1">
+    <dgm:fillClrLst meth="repeat">
+      <a:schemeClr val="lt1"/>
+    </dgm:fillClrLst>
+    <dgm:linClrLst meth="repeat">
+      <a:schemeClr val="accent1"/>
+    </dgm:linClrLst>
+    <dgm:effectClrLst/>
+    <dgm:txLinClrLst/>
+    <dgm:txFillClrLst meth="repeat">
+      <a:schemeClr val="dk1"/>
+    </dgm:txFillClrLst>
+    <dgm:txEffectClrLst/>
+  </dgm:styleLbl>
+  <dgm:styleLbl name="fgAccFollowNode1">
+    <dgm:fillClrLst meth="repeat">
+      <a:schemeClr val="accent1">
+        <a:alpha val="90000"/>
+        <a:tint val="40000"/>
+      </a:schemeClr>
+    </dgm:fillClrLst>
+    <dgm:linClrLst meth="repeat">
+      <a:schemeClr val="accent1">
+        <a:alpha val="90000"/>
+        <a:tint val="40000"/>
+      </a:schemeClr>
+    </dgm:linClrLst>
+    <dgm:effectClrLst/>
+    <dgm:txLinClrLst/>
+    <dgm:txFillClrLst meth="repeat">
+      <a:schemeClr val="dk1"/>
+    </dgm:txFillClrLst>
+    <dgm:txEffectClrLst/>
+  </dgm:styleLbl>
+  <dgm:styleLbl name="alignAccFollowNode1">
+    <dgm:fillClrLst meth="repeat">
+      <a:schemeClr val="accent1">
+        <a:alpha val="90000"/>
+        <a:tint val="40000"/>
+      </a:schemeClr>
+    </dgm:fillClrLst>
+    <dgm:linClrLst meth="repeat">
+      <a:schemeClr val="accent1">
+        <a:alpha val="90000"/>
+        <a:tint val="40000"/>
+      </a:schemeClr>
+    </dgm:linClrLst>
+    <dgm:effectClrLst/>
+    <dgm:txLinClrLst/>
+    <dgm:txFillClrLst meth="repeat">
+      <a:schemeClr val="dk1"/>
+    </dgm:txFillClrLst>
+    <dgm:txEffectClrLst/>
+  </dgm:styleLbl>
+  <dgm:styleLbl name="bgAccFollowNode1">
+    <dgm:fillClrLst meth="repeat">
+      <a:schemeClr val="accent1">
+        <a:alpha val="90000"/>
+        <a:tint val="40000"/>
+      </a:schemeClr>
+    </dgm:fillClrLst>
+    <dgm:linClrLst meth="repeat">
+      <a:schemeClr val="accent1">
+        <a:alpha val="90000"/>
+        <a:tint val="40000"/>
+      </a:schemeClr>
+    </dgm:linClrLst>
+    <dgm:effectClrLst/>
+    <dgm:txLinClrLst/>
+    <dgm:txFillClrLst meth="repeat">
+      <a:schemeClr val="dk1"/>
+    </dgm:txFillClrLst>
+    <dgm:txEffectClrLst/>
+  </dgm:styleLbl>
+  <dgm:styleLbl name="fgAcc0">
+    <dgm:fillClrLst meth="repeat">
+      <a:schemeClr val="lt1">
+        <a:alpha val="90000"/>
+      </a:schemeClr>
+    </dgm:fillClrLst>
+    <dgm:linClrLst meth="repeat">
+      <a:schemeClr val="accent1"/>
+    </dgm:linClrLst>
+    <dgm:effectClrLst/>
+    <dgm:txLinClrLst/>
+    <dgm:txFillClrLst meth="repeat">
+      <a:schemeClr val="dk1"/>
+    </dgm:txFillClrLst>
+    <dgm:txEffectClrLst/>
+  </dgm:styleLbl>
+  <dgm:styleLbl name="fgAcc2">
+    <dgm:fillClrLst meth="repeat">
+      <a:schemeClr val="lt1">
+        <a:alpha val="90000"/>
+      </a:schemeClr>
+    </dgm:fillClrLst>
+    <dgm:linClrLst meth="repeat">
+      <a:schemeClr val="accent1"/>
+    </dgm:linClrLst>
+    <dgm:effectClrLst/>
+    <dgm:txLinClrLst/>
+    <dgm:txFillClrLst meth="repeat">
+      <a:schemeClr val="dk1"/>
+    </dgm:txFillClrLst>
+    <dgm:txEffectClrLst/>
+  </dgm:styleLbl>
+  <dgm:styleLbl name="fgAcc3">
+    <dgm:fillClrLst meth="repeat">
+      <a:schemeClr val="lt1">
+        <a:alpha val="90000"/>
+      </a:schemeClr>
+    </dgm:fillClrLst>
+    <dgm:linClrLst meth="repeat">
+      <a:schemeClr val="accent1"/>
+    </dgm:linClrLst>
+    <dgm:effectClrLst/>
+    <dgm:txLinClrLst/>
+    <dgm:txFillClrLst meth="repeat">
+      <a:schemeClr val="dk1"/>
+    </dgm:txFillClrLst>
+    <dgm:txEffectClrLst/>
+  </dgm:styleLbl>
+  <dgm:styleLbl name="fgAcc4">
+    <dgm:fillClrLst meth="repeat">
+      <a:schemeClr val="lt1">
+        <a:alpha val="90000"/>
+      </a:schemeClr>
+    </dgm:fillClrLst>
+    <dgm:linClrLst meth="repeat">
+      <a:schemeClr val="accent1"/>
+    </dgm:linClrLst>
+    <dgm:effectClrLst/>
+    <dgm:txLinClrLst/>
+    <dgm:txFillClrLst meth="repeat">
+      <a:schemeClr val="dk1"/>
+    </dgm:txFillClrLst>
+    <dgm:txEffectClrLst/>
+  </dgm:styleLbl>
+  <dgm:styleLbl name="bgShp">
+    <dgm:fillClrLst meth="repeat">
+      <a:schemeClr val="accent1">
+        <a:tint val="40000"/>
+      </a:schemeClr>
+    </dgm:fillClrLst>
+    <dgm:linClrLst meth="repeat">
+      <a:schemeClr val="accent1"/>
+    </dgm:linClrLst>
+    <dgm:effectClrLst/>
+    <dgm:txLinClrLst/>
+    <dgm:txFillClrLst meth="repeat">
+      <a:schemeClr val="dk1"/>
+    </dgm:txFillClrLst>
+    <dgm:txEffectClrLst/>
+  </dgm:styleLbl>
+  <dgm:styleLbl name="dkBgShp">
+    <dgm:fillClrLst meth="repeat">
+      <a:schemeClr val="accent1">
+        <a:shade val="80000"/>
+      </a:schemeClr>
+    </dgm:fillClrLst>
+    <dgm:linClrLst meth="repeat">
+      <a:schemeClr val="accent1"/>
+    </dgm:linClrLst>
+    <dgm:effectClrLst/>
+    <dgm:txLinClrLst/>
+    <dgm:txFillClrLst meth="repeat">
+      <a:schemeClr val="lt1"/>
+    </dgm:txFillClrLst>
+    <dgm:txEffectClrLst/>
+  </dgm:styleLbl>
+  <dgm:styleLbl name="trBgShp">
+    <dgm:fillClrLst meth="repeat">
+      <a:schemeClr val="accent1">
+        <a:tint val="50000"/>
+        <a:alpha val="40000"/>
+      </a:schemeClr>
+    </dgm:fillClrLst>
+    <dgm:linClrLst meth="repeat">
+      <a:schemeClr val="accent1"/>
+    </dgm:linClrLst>
+    <dgm:effectClrLst/>
+    <dgm:txLinClrLst/>
+    <dgm:txFillClrLst meth="repeat">
+      <a:schemeClr val="lt1"/>
+    </dgm:txFillClrLst>
+    <dgm:txEffectClrLst/>
+  </dgm:styleLbl>
+  <dgm:styleLbl name="fgShp">
+    <dgm:fillClrLst meth="repeat">
+      <a:schemeClr val="accent1">
+        <a:tint val="60000"/>
+      </a:schemeClr>
+    </dgm:fillClrLst>
+    <dgm:linClrLst meth="repeat">
+      <a:schemeClr val="lt1"/>
+    </dgm:linClrLst>
+    <dgm:effectClrLst/>
+    <dgm:txLinClrLst/>
+    <dgm:txFillClrLst meth="repeat">
+      <a:schemeClr val="dk1"/>
+    </dgm:txFillClrLst>
+    <dgm:txEffectClrLst/>
+  </dgm:styleLbl>
+  <dgm:styleLbl name="revTx">
+    <dgm:fillClrLst meth="repeat">
+      <a:schemeClr val="lt1">
+        <a:alpha val="0"/>
+      </a:schemeClr>
+    </dgm:fillClrLst>
+    <dgm:linClrLst meth="repeat">
+      <a:schemeClr val="dk1">
+        <a:alpha val="0"/>
+      </a:schemeClr>
+    </dgm:linClrLst>
+    <dgm:effectClrLst/>
+    <dgm:txLinClrLst/>
+    <dgm:txFillClrLst meth="repeat">
+      <a:schemeClr val="tx1"/>
+    </dgm:txFillClrLst>
+    <dgm:txEffectClrLst/>
+  </dgm:styleLbl>
+</dgm:colorsDef>
+</file>
+
+<file path=ppt/diagrams/data1.xml><?xml version="1.0" encoding="utf-8"?>
+<dgm:dataModel xmlns:dgm="http://schemas.openxmlformats.org/drawingml/2006/diagram" xmlns:a="http://schemas.openxmlformats.org/drawingml/2006/main">
+  <dgm:ptLst>
+    <dgm:pt modelId="{6A736480-F8AA-477B-92EE-2103867A773D}" type="doc">
+      <dgm:prSet loTypeId="urn:microsoft.com/office/officeart/2018/5/layout/IconCircleLabelList" loCatId="icon" qsTypeId="urn:microsoft.com/office/officeart/2005/8/quickstyle/simple1" qsCatId="simple" csTypeId="urn:microsoft.com/office/officeart/2005/8/colors/accent1_2" csCatId="accent1" phldr="1"/>
+      <dgm:spPr/>
+      <dgm:t>
+        <a:bodyPr/>
+        <a:lstStyle/>
+        <a:p>
+          <a:endParaRPr lang="en-US"/>
+        </a:p>
+      </dgm:t>
+    </dgm:pt>
+    <dgm:pt modelId="{9FFFC92F-236A-4EDF-BA56-8E53E26FAB6D}">
+      <dgm:prSet custT="1"/>
+      <dgm:spPr/>
+      <dgm:t>
+        <a:bodyPr/>
+        <a:lstStyle/>
+        <a:p>
+          <a:pPr algn="ctr">
+            <a:lnSpc>
+              <a:spcPct val="100000"/>
+            </a:lnSpc>
+            <a:defRPr cap="all"/>
+          </a:pPr>
+          <a:r>
+            <a:rPr lang="pt-PT" sz="1400" b="0"/>
+            <a:t>Infraestrutura portátil e reprodutível (Docker).</a:t>
+          </a:r>
+          <a:endParaRPr lang="en-US" sz="1400"/>
+        </a:p>
+      </dgm:t>
+    </dgm:pt>
+    <dgm:pt modelId="{9A52AAF5-F742-4066-AD29-6D8E71B2F920}" type="parTrans" cxnId="{E3A200D7-B9A8-436A-9789-CCFC77A5CBD5}">
+      <dgm:prSet/>
+      <dgm:spPr/>
+      <dgm:t>
+        <a:bodyPr/>
+        <a:lstStyle/>
+        <a:p>
+          <a:pPr algn="ctr"/>
+          <a:endParaRPr lang="en-US"/>
+        </a:p>
+      </dgm:t>
+    </dgm:pt>
+    <dgm:pt modelId="{F39FA683-DBF7-4DC0-9187-61BCC880421E}" type="sibTrans" cxnId="{E3A200D7-B9A8-436A-9789-CCFC77A5CBD5}">
+      <dgm:prSet/>
+      <dgm:spPr/>
+      <dgm:t>
+        <a:bodyPr/>
+        <a:lstStyle/>
+        <a:p>
+          <a:pPr algn="ctr"/>
+          <a:endParaRPr lang="en-US"/>
+        </a:p>
+      </dgm:t>
+    </dgm:pt>
+    <dgm:pt modelId="{B4CE458D-2F8B-4377-8C90-C648628A0746}">
+      <dgm:prSet custT="1"/>
+      <dgm:spPr/>
+      <dgm:t>
+        <a:bodyPr/>
+        <a:lstStyle/>
+        <a:p>
+          <a:pPr algn="ctr">
+            <a:lnSpc>
+              <a:spcPct val="100000"/>
+            </a:lnSpc>
+            <a:defRPr cap="all"/>
+          </a:pPr>
+          <a:r>
+            <a:rPr lang="pt-PT" sz="1400" b="0"/>
+            <a:t>Qualidade de dados via a Arquitetura de Data Lake / medalhão.</a:t>
+          </a:r>
+          <a:endParaRPr lang="en-US" sz="1400"/>
+        </a:p>
+      </dgm:t>
+    </dgm:pt>
+    <dgm:pt modelId="{5D5ABE04-4CEC-4E65-B011-73357136F3D2}" type="parTrans" cxnId="{CCBDD137-0250-463A-9907-EFBD6E6F596D}">
+      <dgm:prSet/>
+      <dgm:spPr/>
+      <dgm:t>
+        <a:bodyPr/>
+        <a:lstStyle/>
+        <a:p>
+          <a:pPr algn="ctr"/>
+          <a:endParaRPr lang="en-US"/>
+        </a:p>
+      </dgm:t>
+    </dgm:pt>
+    <dgm:pt modelId="{BF76530B-24A5-4D61-AA38-9D762619F114}" type="sibTrans" cxnId="{CCBDD137-0250-463A-9907-EFBD6E6F596D}">
+      <dgm:prSet/>
+      <dgm:spPr/>
+      <dgm:t>
+        <a:bodyPr/>
+        <a:lstStyle/>
+        <a:p>
+          <a:pPr algn="ctr"/>
+          <a:endParaRPr lang="en-US"/>
+        </a:p>
+      </dgm:t>
+    </dgm:pt>
+    <dgm:pt modelId="{911D766B-DB8A-40DD-8B4E-F51FDD3EE426}">
+      <dgm:prSet custT="1"/>
+      <dgm:spPr/>
+      <dgm:t>
+        <a:bodyPr/>
+        <a:lstStyle/>
+        <a:p>
+          <a:pPr algn="ctr">
+            <a:lnSpc>
+              <a:spcPct val="100000"/>
+            </a:lnSpc>
+            <a:defRPr cap="all"/>
+          </a:pPr>
+          <a:r>
+            <a:rPr lang="pt-PT" sz="1400" b="0" dirty="0"/>
+            <a:t>Disponibilizar os dados através de múltiplos canais de consumo</a:t>
+          </a:r>
+          <a:r>
+            <a:rPr lang="pt-PT" sz="1400" dirty="0"/>
+            <a:t>.</a:t>
+          </a:r>
+          <a:endParaRPr lang="en-US" sz="1400" dirty="0"/>
+        </a:p>
+      </dgm:t>
+    </dgm:pt>
+    <dgm:pt modelId="{CEA02EA9-F21C-47F3-8537-969530A9957E}" type="parTrans" cxnId="{465466AB-D60B-4230-8BBE-84005C1E2138}">
+      <dgm:prSet/>
+      <dgm:spPr/>
+      <dgm:t>
+        <a:bodyPr/>
+        <a:lstStyle/>
+        <a:p>
+          <a:pPr algn="ctr"/>
+          <a:endParaRPr lang="en-US"/>
+        </a:p>
+      </dgm:t>
+    </dgm:pt>
+    <dgm:pt modelId="{84679976-E03B-4AD8-AA7A-194FF0169B11}" type="sibTrans" cxnId="{465466AB-D60B-4230-8BBE-84005C1E2138}">
+      <dgm:prSet/>
+      <dgm:spPr/>
+      <dgm:t>
+        <a:bodyPr/>
+        <a:lstStyle/>
+        <a:p>
+          <a:pPr algn="ctr"/>
+          <a:endParaRPr lang="en-US"/>
+        </a:p>
+      </dgm:t>
+    </dgm:pt>
+    <dgm:pt modelId="{0AC7C84D-CFC5-47EF-8A53-A60F037DC0FB}" type="pres">
+      <dgm:prSet presAssocID="{6A736480-F8AA-477B-92EE-2103867A773D}" presName="root" presStyleCnt="0">
+        <dgm:presLayoutVars>
+          <dgm:dir/>
+          <dgm:resizeHandles val="exact"/>
+        </dgm:presLayoutVars>
+      </dgm:prSet>
+      <dgm:spPr/>
+    </dgm:pt>
+    <dgm:pt modelId="{662EF072-2ACD-45CF-801F-BBA195C52FF5}" type="pres">
+      <dgm:prSet presAssocID="{9FFFC92F-236A-4EDF-BA56-8E53E26FAB6D}" presName="compNode" presStyleCnt="0"/>
+      <dgm:spPr/>
+    </dgm:pt>
+    <dgm:pt modelId="{66FBDC58-96F0-4ED4-AF69-FF4A5B27D8ED}" type="pres">
+      <dgm:prSet presAssocID="{9FFFC92F-236A-4EDF-BA56-8E53E26FAB6D}" presName="iconBgRect" presStyleLbl="bgShp" presStyleIdx="0" presStyleCnt="3"/>
+      <dgm:spPr/>
+    </dgm:pt>
+    <dgm:pt modelId="{9A02F139-739A-47C0-964F-79D6E69D4737}" type="pres">
+      <dgm:prSet presAssocID="{9FFFC92F-236A-4EDF-BA56-8E53E26FAB6D}" presName="iconRect" presStyleLbl="node1" presStyleIdx="0" presStyleCnt="3"/>
+      <dgm:spPr>
+        <a:blipFill>
+          <a:blip xmlns:r="http://schemas.openxmlformats.org/officeDocument/2006/relationships" r:embed="rId1">
+            <a:extLst>
+              <a:ext uri="{96DAC541-7B7A-43D3-8B79-37D633B846F1}">
+                <asvg:svgBlip xmlns:asvg="http://schemas.microsoft.com/office/drawing/2016/SVG/main" r:embed="rId2"/>
+              </a:ext>
+            </a:extLst>
+          </a:blip>
+          <a:srcRect/>
+          <a:stretch>
+            <a:fillRect/>
+          </a:stretch>
+        </a:blipFill>
+      </dgm:spPr>
+      <dgm:extLst>
+        <a:ext uri="{E40237B7-FDA0-4F09-8148-C483321AD2D9}">
+          <dgm14:cNvPr xmlns:dgm14="http://schemas.microsoft.com/office/drawing/2010/diagram" id="0" name="" descr="Baleia com preenchimento sólido"/>
+        </a:ext>
+      </dgm:extLst>
+    </dgm:pt>
+    <dgm:pt modelId="{51FD0DF7-2455-49A3-9D06-8C54BFBFDACF}" type="pres">
+      <dgm:prSet presAssocID="{9FFFC92F-236A-4EDF-BA56-8E53E26FAB6D}" presName="spaceRect" presStyleCnt="0"/>
+      <dgm:spPr/>
+    </dgm:pt>
+    <dgm:pt modelId="{110AEA5C-F4B3-4A6B-883B-A1E6C93BA01D}" type="pres">
+      <dgm:prSet presAssocID="{9FFFC92F-236A-4EDF-BA56-8E53E26FAB6D}" presName="textRect" presStyleLbl="revTx" presStyleIdx="0" presStyleCnt="3">
+        <dgm:presLayoutVars>
+          <dgm:chMax val="1"/>
+          <dgm:chPref val="1"/>
+        </dgm:presLayoutVars>
+      </dgm:prSet>
+      <dgm:spPr/>
+    </dgm:pt>
+    <dgm:pt modelId="{723AB0CA-4137-49DA-8723-84178F4F164E}" type="pres">
+      <dgm:prSet presAssocID="{F39FA683-DBF7-4DC0-9187-61BCC880421E}" presName="sibTrans" presStyleCnt="0"/>
+      <dgm:spPr/>
+    </dgm:pt>
+    <dgm:pt modelId="{23B8BB46-5E4E-4270-AFBD-707F3CC7C84B}" type="pres">
+      <dgm:prSet presAssocID="{B4CE458D-2F8B-4377-8C90-C648628A0746}" presName="compNode" presStyleCnt="0"/>
+      <dgm:spPr/>
+    </dgm:pt>
+    <dgm:pt modelId="{CE3B72E8-1E50-4BE9-AAD3-D71130540D3E}" type="pres">
+      <dgm:prSet presAssocID="{B4CE458D-2F8B-4377-8C90-C648628A0746}" presName="iconBgRect" presStyleLbl="bgShp" presStyleIdx="1" presStyleCnt="3"/>
+      <dgm:spPr/>
+    </dgm:pt>
+    <dgm:pt modelId="{1B6B8896-88C9-4120-B625-209183D11F87}" type="pres">
+      <dgm:prSet presAssocID="{B4CE458D-2F8B-4377-8C90-C648628A0746}" presName="iconRect" presStyleLbl="node1" presStyleIdx="1" presStyleCnt="3"/>
+      <dgm:spPr>
+        <a:blipFill>
+          <a:blip xmlns:r="http://schemas.openxmlformats.org/officeDocument/2006/relationships" r:embed="rId3">
+            <a:extLst>
+              <a:ext uri="{28A0092B-C50C-407E-A947-70E740481C1C}">
+                <a14:useLocalDpi xmlns:a14="http://schemas.microsoft.com/office/drawing/2010/main" val="0"/>
+              </a:ext>
+              <a:ext uri="{96DAC541-7B7A-43D3-8B79-37D633B846F1}">
+                <asvg:svgBlip xmlns:asvg="http://schemas.microsoft.com/office/drawing/2016/SVG/main" r:embed="rId4"/>
+              </a:ext>
+            </a:extLst>
+          </a:blip>
+          <a:stretch>
+            <a:fillRect/>
+          </a:stretch>
+        </a:blipFill>
+      </dgm:spPr>
+      <dgm:extLst>
+        <a:ext uri="{E40237B7-FDA0-4F09-8148-C483321AD2D9}">
+          <dgm14:cNvPr xmlns:dgm14="http://schemas.microsoft.com/office/drawing/2010/diagram" id="0" name="" descr="Ribbon"/>
+        </a:ext>
+      </dgm:extLst>
+    </dgm:pt>
+    <dgm:pt modelId="{9A598EE3-82E9-4C59-B8D0-1F233696CDE2}" type="pres">
+      <dgm:prSet presAssocID="{B4CE458D-2F8B-4377-8C90-C648628A0746}" presName="spaceRect" presStyleCnt="0"/>
+      <dgm:spPr/>
+    </dgm:pt>
+    <dgm:pt modelId="{98E60C8F-B7EC-419D-840B-D9D0693BEDB8}" type="pres">
+      <dgm:prSet presAssocID="{B4CE458D-2F8B-4377-8C90-C648628A0746}" presName="textRect" presStyleLbl="revTx" presStyleIdx="1" presStyleCnt="3">
+        <dgm:presLayoutVars>
+          <dgm:chMax val="1"/>
+          <dgm:chPref val="1"/>
+        </dgm:presLayoutVars>
+      </dgm:prSet>
+      <dgm:spPr/>
+    </dgm:pt>
+    <dgm:pt modelId="{92CB8B73-50B5-4AAD-8C04-1FC4A4D65253}" type="pres">
+      <dgm:prSet presAssocID="{BF76530B-24A5-4D61-AA38-9D762619F114}" presName="sibTrans" presStyleCnt="0"/>
+      <dgm:spPr/>
+    </dgm:pt>
+    <dgm:pt modelId="{42200E66-CBCF-4E05-97FB-1BD35B954C03}" type="pres">
+      <dgm:prSet presAssocID="{911D766B-DB8A-40DD-8B4E-F51FDD3EE426}" presName="compNode" presStyleCnt="0"/>
+      <dgm:spPr/>
+    </dgm:pt>
+    <dgm:pt modelId="{A2B0D314-2C4E-49CF-B8A0-6A18C9A6D4C1}" type="pres">
+      <dgm:prSet presAssocID="{911D766B-DB8A-40DD-8B4E-F51FDD3EE426}" presName="iconBgRect" presStyleLbl="bgShp" presStyleIdx="2" presStyleCnt="3"/>
+      <dgm:spPr/>
+    </dgm:pt>
+    <dgm:pt modelId="{D0C487F7-035F-4709-93A3-78398D6475EF}" type="pres">
+      <dgm:prSet presAssocID="{911D766B-DB8A-40DD-8B4E-F51FDD3EE426}" presName="iconRect" presStyleLbl="node1" presStyleIdx="2" presStyleCnt="3"/>
+      <dgm:spPr>
+        <a:blipFill>
+          <a:blip xmlns:r="http://schemas.openxmlformats.org/officeDocument/2006/relationships" r:embed="rId5">
+            <a:extLst>
+              <a:ext uri="{28A0092B-C50C-407E-A947-70E740481C1C}">
+                <a14:useLocalDpi xmlns:a14="http://schemas.microsoft.com/office/drawing/2010/main" val="0"/>
+              </a:ext>
+              <a:ext uri="{96DAC541-7B7A-43D3-8B79-37D633B846F1}">
+                <asvg:svgBlip xmlns:asvg="http://schemas.microsoft.com/office/drawing/2016/SVG/main" r:embed="rId6"/>
+              </a:ext>
+            </a:extLst>
+          </a:blip>
+          <a:stretch>
+            <a:fillRect/>
+          </a:stretch>
+        </a:blipFill>
+      </dgm:spPr>
+      <dgm:extLst>
+        <a:ext uri="{E40237B7-FDA0-4F09-8148-C483321AD2D9}">
+          <dgm14:cNvPr xmlns:dgm14="http://schemas.microsoft.com/office/drawing/2010/diagram" id="0" name="" descr="Fluxo"/>
+        </a:ext>
+      </dgm:extLst>
+    </dgm:pt>
+    <dgm:pt modelId="{9DD55B76-B5BF-4726-A22B-E931584EF86A}" type="pres">
+      <dgm:prSet presAssocID="{911D766B-DB8A-40DD-8B4E-F51FDD3EE426}" presName="spaceRect" presStyleCnt="0"/>
+      <dgm:spPr/>
+    </dgm:pt>
+    <dgm:pt modelId="{333B125A-DA31-4A83-9E1D-FDF8977C7F85}" type="pres">
+      <dgm:prSet presAssocID="{911D766B-DB8A-40DD-8B4E-F51FDD3EE426}" presName="textRect" presStyleLbl="revTx" presStyleIdx="2" presStyleCnt="3">
+        <dgm:presLayoutVars>
+          <dgm:chMax val="1"/>
+          <dgm:chPref val="1"/>
+        </dgm:presLayoutVars>
+      </dgm:prSet>
+      <dgm:spPr/>
+    </dgm:pt>
+  </dgm:ptLst>
+  <dgm:cxnLst>
+    <dgm:cxn modelId="{946B7A0B-0D62-42B3-ACDF-60C38685B31C}" type="presOf" srcId="{6A736480-F8AA-477B-92EE-2103867A773D}" destId="{0AC7C84D-CFC5-47EF-8A53-A60F037DC0FB}" srcOrd="0" destOrd="0" presId="urn:microsoft.com/office/officeart/2018/5/layout/IconCircleLabelList"/>
+    <dgm:cxn modelId="{FB112112-67EA-43D5-907D-55398305C27F}" type="presOf" srcId="{B4CE458D-2F8B-4377-8C90-C648628A0746}" destId="{98E60C8F-B7EC-419D-840B-D9D0693BEDB8}" srcOrd="0" destOrd="0" presId="urn:microsoft.com/office/officeart/2018/5/layout/IconCircleLabelList"/>
+    <dgm:cxn modelId="{CCBDD137-0250-463A-9907-EFBD6E6F596D}" srcId="{6A736480-F8AA-477B-92EE-2103867A773D}" destId="{B4CE458D-2F8B-4377-8C90-C648628A0746}" srcOrd="1" destOrd="0" parTransId="{5D5ABE04-4CEC-4E65-B011-73357136F3D2}" sibTransId="{BF76530B-24A5-4D61-AA38-9D762619F114}"/>
+    <dgm:cxn modelId="{5FD48B4B-DA4C-4756-B0AD-409C7E9AD74B}" type="presOf" srcId="{911D766B-DB8A-40DD-8B4E-F51FDD3EE426}" destId="{333B125A-DA31-4A83-9E1D-FDF8977C7F85}" srcOrd="0" destOrd="0" presId="urn:microsoft.com/office/officeart/2018/5/layout/IconCircleLabelList"/>
+    <dgm:cxn modelId="{465466AB-D60B-4230-8BBE-84005C1E2138}" srcId="{6A736480-F8AA-477B-92EE-2103867A773D}" destId="{911D766B-DB8A-40DD-8B4E-F51FDD3EE426}" srcOrd="2" destOrd="0" parTransId="{CEA02EA9-F21C-47F3-8537-969530A9957E}" sibTransId="{84679976-E03B-4AD8-AA7A-194FF0169B11}"/>
+    <dgm:cxn modelId="{E3A200D7-B9A8-436A-9789-CCFC77A5CBD5}" srcId="{6A736480-F8AA-477B-92EE-2103867A773D}" destId="{9FFFC92F-236A-4EDF-BA56-8E53E26FAB6D}" srcOrd="0" destOrd="0" parTransId="{9A52AAF5-F742-4066-AD29-6D8E71B2F920}" sibTransId="{F39FA683-DBF7-4DC0-9187-61BCC880421E}"/>
+    <dgm:cxn modelId="{552C27DA-D5B5-460A-BBF9-89207766BF39}" type="presOf" srcId="{9FFFC92F-236A-4EDF-BA56-8E53E26FAB6D}" destId="{110AEA5C-F4B3-4A6B-883B-A1E6C93BA01D}" srcOrd="0" destOrd="0" presId="urn:microsoft.com/office/officeart/2018/5/layout/IconCircleLabelList"/>
+    <dgm:cxn modelId="{AACFE885-DE23-474F-8FEE-2EEA589B49C2}" type="presParOf" srcId="{0AC7C84D-CFC5-47EF-8A53-A60F037DC0FB}" destId="{662EF072-2ACD-45CF-801F-BBA195C52FF5}" srcOrd="0" destOrd="0" presId="urn:microsoft.com/office/officeart/2018/5/layout/IconCircleLabelList"/>
+    <dgm:cxn modelId="{DD5249C8-49D9-4B11-8FDC-35B8FA7A5557}" type="presParOf" srcId="{662EF072-2ACD-45CF-801F-BBA195C52FF5}" destId="{66FBDC58-96F0-4ED4-AF69-FF4A5B27D8ED}" srcOrd="0" destOrd="0" presId="urn:microsoft.com/office/officeart/2018/5/layout/IconCircleLabelList"/>
+    <dgm:cxn modelId="{8C9DBB84-AB59-4322-9CD9-B19DF4A614A2}" type="presParOf" srcId="{662EF072-2ACD-45CF-801F-BBA195C52FF5}" destId="{9A02F139-739A-47C0-964F-79D6E69D4737}" srcOrd="1" destOrd="0" presId="urn:microsoft.com/office/officeart/2018/5/layout/IconCircleLabelList"/>
+    <dgm:cxn modelId="{218DC6EB-A31D-419D-8EC4-65E6B6A4422E}" type="presParOf" srcId="{662EF072-2ACD-45CF-801F-BBA195C52FF5}" destId="{51FD0DF7-2455-49A3-9D06-8C54BFBFDACF}" srcOrd="2" destOrd="0" presId="urn:microsoft.com/office/officeart/2018/5/layout/IconCircleLabelList"/>
+    <dgm:cxn modelId="{7CCF7226-E376-4539-938F-01DFD986A2A9}" type="presParOf" srcId="{662EF072-2ACD-45CF-801F-BBA195C52FF5}" destId="{110AEA5C-F4B3-4A6B-883B-A1E6C93BA01D}" srcOrd="3" destOrd="0" presId="urn:microsoft.com/office/officeart/2018/5/layout/IconCircleLabelList"/>
+    <dgm:cxn modelId="{BCD6D8F3-530D-40D8-A133-B1AF71BC3251}" type="presParOf" srcId="{0AC7C84D-CFC5-47EF-8A53-A60F037DC0FB}" destId="{723AB0CA-4137-49DA-8723-84178F4F164E}" srcOrd="1" destOrd="0" presId="urn:microsoft.com/office/officeart/2018/5/layout/IconCircleLabelList"/>
+    <dgm:cxn modelId="{2B58B12F-C1AF-4F6D-8BC5-DA0AAC76650D}" type="presParOf" srcId="{0AC7C84D-CFC5-47EF-8A53-A60F037DC0FB}" destId="{23B8BB46-5E4E-4270-AFBD-707F3CC7C84B}" srcOrd="2" destOrd="0" presId="urn:microsoft.com/office/officeart/2018/5/layout/IconCircleLabelList"/>
+    <dgm:cxn modelId="{A2571D93-2CBF-43A3-927F-758E472DF88E}" type="presParOf" srcId="{23B8BB46-5E4E-4270-AFBD-707F3CC7C84B}" destId="{CE3B72E8-1E50-4BE9-AAD3-D71130540D3E}" srcOrd="0" destOrd="0" presId="urn:microsoft.com/office/officeart/2018/5/layout/IconCircleLabelList"/>
+    <dgm:cxn modelId="{8109B10E-6C34-40EC-9C83-0EDF1AF26521}" type="presParOf" srcId="{23B8BB46-5E4E-4270-AFBD-707F3CC7C84B}" destId="{1B6B8896-88C9-4120-B625-209183D11F87}" srcOrd="1" destOrd="0" presId="urn:microsoft.com/office/officeart/2018/5/layout/IconCircleLabelList"/>
+    <dgm:cxn modelId="{DDF3A65D-9D56-4F30-887C-48BD8466BFFA}" type="presParOf" srcId="{23B8BB46-5E4E-4270-AFBD-707F3CC7C84B}" destId="{9A598EE3-82E9-4C59-B8D0-1F233696CDE2}" srcOrd="2" destOrd="0" presId="urn:microsoft.com/office/officeart/2018/5/layout/IconCircleLabelList"/>
+    <dgm:cxn modelId="{7779B4C8-627F-4D2A-9DC6-0B7063C4D412}" type="presParOf" srcId="{23B8BB46-5E4E-4270-AFBD-707F3CC7C84B}" destId="{98E60C8F-B7EC-419D-840B-D9D0693BEDB8}" srcOrd="3" destOrd="0" presId="urn:microsoft.com/office/officeart/2018/5/layout/IconCircleLabelList"/>
+    <dgm:cxn modelId="{989C9BB5-D7DD-4728-98C3-4C0065F3035F}" type="presParOf" srcId="{0AC7C84D-CFC5-47EF-8A53-A60F037DC0FB}" destId="{92CB8B73-50B5-4AAD-8C04-1FC4A4D65253}" srcOrd="3" destOrd="0" presId="urn:microsoft.com/office/officeart/2018/5/layout/IconCircleLabelList"/>
+    <dgm:cxn modelId="{83EF56FB-5AC7-468D-932C-AAD2D3A810E7}" type="presParOf" srcId="{0AC7C84D-CFC5-47EF-8A53-A60F037DC0FB}" destId="{42200E66-CBCF-4E05-97FB-1BD35B954C03}" srcOrd="4" destOrd="0" presId="urn:microsoft.com/office/officeart/2018/5/layout/IconCircleLabelList"/>
+    <dgm:cxn modelId="{880E33B7-7CB3-4FCE-B8FB-234F68CC6491}" type="presParOf" srcId="{42200E66-CBCF-4E05-97FB-1BD35B954C03}" destId="{A2B0D314-2C4E-49CF-B8A0-6A18C9A6D4C1}" srcOrd="0" destOrd="0" presId="urn:microsoft.com/office/officeart/2018/5/layout/IconCircleLabelList"/>
+    <dgm:cxn modelId="{94ABFDC8-797F-49EE-8B01-F0CE1C2BF2F9}" type="presParOf" srcId="{42200E66-CBCF-4E05-97FB-1BD35B954C03}" destId="{D0C487F7-035F-4709-93A3-78398D6475EF}" srcOrd="1" destOrd="0" presId="urn:microsoft.com/office/officeart/2018/5/layout/IconCircleLabelList"/>
+    <dgm:cxn modelId="{D468036F-140A-477B-9414-33C813154E54}" type="presParOf" srcId="{42200E66-CBCF-4E05-97FB-1BD35B954C03}" destId="{9DD55B76-B5BF-4726-A22B-E931584EF86A}" srcOrd="2" destOrd="0" presId="urn:microsoft.com/office/officeart/2018/5/layout/IconCircleLabelList"/>
+    <dgm:cxn modelId="{4548C00C-C2EA-40F2-B612-84C0AF6B2A04}" type="presParOf" srcId="{42200E66-CBCF-4E05-97FB-1BD35B954C03}" destId="{333B125A-DA31-4A83-9E1D-FDF8977C7F85}" srcOrd="3" destOrd="0" presId="urn:microsoft.com/office/officeart/2018/5/layout/IconCircleLabelList"/>
+  </dgm:cxnLst>
+  <dgm:bg/>
+  <dgm:whole/>
+  <dgm:extLst>
+    <a:ext uri="http://schemas.microsoft.com/office/drawing/2008/diagram">
+      <dsp:dataModelExt xmlns:dsp="http://schemas.microsoft.com/office/drawing/2008/diagram" relId="rId6" minVer="http://schemas.openxmlformats.org/drawingml/2006/diagram"/>
+    </a:ext>
+  </dgm:extLst>
+</dgm:dataModel>
+</file>
+
+<file path=ppt/diagrams/drawing1.xml><?xml version="1.0" encoding="utf-8"?>
+<dsp:drawing xmlns:dgm="http://schemas.openxmlformats.org/drawingml/2006/diagram" xmlns:dsp="http://schemas.microsoft.com/office/drawing/2008/diagram" xmlns:a="http://schemas.openxmlformats.org/drawingml/2006/main">
+  <dsp:spTree>
+    <dsp:nvGrpSpPr>
+      <dsp:cNvPr id="0" name=""/>
+      <dsp:cNvGrpSpPr/>
+    </dsp:nvGrpSpPr>
+    <dsp:grpSpPr/>
+    <dsp:sp modelId="{66FBDC58-96F0-4ED4-AF69-FF4A5B27D8ED}">
+      <dsp:nvSpPr>
+        <dsp:cNvPr id="0" name=""/>
+        <dsp:cNvSpPr/>
+      </dsp:nvSpPr>
+      <dsp:spPr>
+        <a:xfrm>
+          <a:off x="631442" y="113019"/>
+          <a:ext cx="1749937" cy="1749937"/>
+        </a:xfrm>
+        <a:prstGeom prst="ellipse">
+          <a:avLst/>
+        </a:prstGeom>
+        <a:solidFill>
+          <a:schemeClr val="accent1">
+            <a:tint val="40000"/>
+            <a:hueOff val="0"/>
+            <a:satOff val="0"/>
+            <a:lumOff val="0"/>
+            <a:alphaOff val="0"/>
+          </a:schemeClr>
+        </a:solidFill>
+        <a:ln>
+          <a:noFill/>
+        </a:ln>
+        <a:effectLst/>
+      </dsp:spPr>
+      <dsp:style>
+        <a:lnRef idx="0">
+          <a:scrgbClr r="0" g="0" b="0"/>
+        </a:lnRef>
+        <a:fillRef idx="1">
+          <a:scrgbClr r="0" g="0" b="0"/>
+        </a:fillRef>
+        <a:effectRef idx="0">
+          <a:scrgbClr r="0" g="0" b="0"/>
+        </a:effectRef>
+        <a:fontRef idx="minor"/>
+      </dsp:style>
+    </dsp:sp>
+    <dsp:sp modelId="{9A02F139-739A-47C0-964F-79D6E69D4737}">
+      <dsp:nvSpPr>
+        <dsp:cNvPr id="0" name=""/>
+        <dsp:cNvSpPr/>
+      </dsp:nvSpPr>
+      <dsp:spPr>
+        <a:xfrm>
+          <a:off x="1004379" y="485957"/>
+          <a:ext cx="1004062" cy="1004062"/>
+        </a:xfrm>
+        <a:prstGeom prst="rect">
+          <a:avLst/>
+        </a:prstGeom>
+        <a:blipFill>
+          <a:blip xmlns:r="http://schemas.openxmlformats.org/officeDocument/2006/relationships" r:embed="rId1">
+            <a:extLst>
+              <a:ext uri="{96DAC541-7B7A-43D3-8B79-37D633B846F1}">
+                <asvg:svgBlip xmlns:asvg="http://schemas.microsoft.com/office/drawing/2016/SVG/main" r:embed="rId2"/>
+              </a:ext>
+            </a:extLst>
+          </a:blip>
+          <a:srcRect/>
+          <a:stretch>
+            <a:fillRect/>
+          </a:stretch>
+        </a:blipFill>
+        <a:ln w="12700" cap="flat" cmpd="sng" algn="ctr">
+          <a:solidFill>
+            <a:schemeClr val="lt1">
+              <a:hueOff val="0"/>
+              <a:satOff val="0"/>
+              <a:lumOff val="0"/>
+              <a:alphaOff val="0"/>
+            </a:schemeClr>
+          </a:solidFill>
+          <a:prstDash val="solid"/>
+          <a:miter lim="800000"/>
+        </a:ln>
+        <a:effectLst/>
+      </dsp:spPr>
+      <dsp:style>
+        <a:lnRef idx="2">
+          <a:scrgbClr r="0" g="0" b="0"/>
+        </a:lnRef>
+        <a:fillRef idx="1">
+          <a:scrgbClr r="0" g="0" b="0"/>
+        </a:fillRef>
+        <a:effectRef idx="0">
+          <a:scrgbClr r="0" g="0" b="0"/>
+        </a:effectRef>
+        <a:fontRef idx="minor">
+          <a:schemeClr val="lt1"/>
+        </a:fontRef>
+      </dsp:style>
+    </dsp:sp>
+    <dsp:sp modelId="{110AEA5C-F4B3-4A6B-883B-A1E6C93BA01D}">
+      <dsp:nvSpPr>
+        <dsp:cNvPr id="0" name=""/>
+        <dsp:cNvSpPr/>
+      </dsp:nvSpPr>
+      <dsp:spPr>
+        <a:xfrm>
+          <a:off x="72036" y="2408020"/>
+          <a:ext cx="2868750" cy="720000"/>
+        </a:xfrm>
+        <a:prstGeom prst="rect">
+          <a:avLst/>
+        </a:prstGeom>
+        <a:noFill/>
+        <a:ln>
+          <a:noFill/>
+        </a:ln>
+        <a:effectLst/>
+      </dsp:spPr>
+      <dsp:style>
+        <a:lnRef idx="0">
+          <a:scrgbClr r="0" g="0" b="0"/>
+        </a:lnRef>
+        <a:fillRef idx="0">
+          <a:scrgbClr r="0" g="0" b="0"/>
+        </a:fillRef>
+        <a:effectRef idx="0">
+          <a:scrgbClr r="0" g="0" b="0"/>
+        </a:effectRef>
+        <a:fontRef idx="minor"/>
+      </dsp:style>
+      <dsp:txBody>
+        <a:bodyPr spcFirstLastPara="0" vert="horz" wrap="square" lIns="0" tIns="0" rIns="0" bIns="0" numCol="1" spcCol="1270" anchor="t" anchorCtr="0">
+          <a:noAutofit/>
+        </a:bodyPr>
+        <a:lstStyle/>
+        <a:p>
+          <a:pPr marL="0" lvl="0" indent="0" algn="ctr" defTabSz="622300">
+            <a:lnSpc>
+              <a:spcPct val="100000"/>
+            </a:lnSpc>
+            <a:spcBef>
+              <a:spcPct val="0"/>
+            </a:spcBef>
+            <a:spcAft>
+              <a:spcPct val="35000"/>
+            </a:spcAft>
+            <a:buNone/>
+            <a:defRPr cap="all"/>
+          </a:pPr>
+          <a:r>
+            <a:rPr lang="pt-PT" sz="1400" b="0" kern="1200"/>
+            <a:t>Infraestrutura portátil e reprodutível (Docker).</a:t>
+          </a:r>
+          <a:endParaRPr lang="en-US" sz="1400" kern="1200"/>
+        </a:p>
+      </dsp:txBody>
+      <dsp:txXfrm>
+        <a:off x="72036" y="2408020"/>
+        <a:ext cx="2868750" cy="720000"/>
+      </dsp:txXfrm>
+    </dsp:sp>
+    <dsp:sp modelId="{CE3B72E8-1E50-4BE9-AAD3-D71130540D3E}">
+      <dsp:nvSpPr>
+        <dsp:cNvPr id="0" name=""/>
+        <dsp:cNvSpPr/>
+      </dsp:nvSpPr>
+      <dsp:spPr>
+        <a:xfrm>
+          <a:off x="4002223" y="113019"/>
+          <a:ext cx="1749937" cy="1749937"/>
+        </a:xfrm>
+        <a:prstGeom prst="ellipse">
+          <a:avLst/>
+        </a:prstGeom>
+        <a:solidFill>
+          <a:schemeClr val="accent1">
+            <a:tint val="40000"/>
+            <a:hueOff val="0"/>
+            <a:satOff val="0"/>
+            <a:lumOff val="0"/>
+            <a:alphaOff val="0"/>
+          </a:schemeClr>
+        </a:solidFill>
+        <a:ln>
+          <a:noFill/>
+        </a:ln>
+        <a:effectLst/>
+      </dsp:spPr>
+      <dsp:style>
+        <a:lnRef idx="0">
+          <a:scrgbClr r="0" g="0" b="0"/>
+        </a:lnRef>
+        <a:fillRef idx="1">
+          <a:scrgbClr r="0" g="0" b="0"/>
+        </a:fillRef>
+        <a:effectRef idx="0">
+          <a:scrgbClr r="0" g="0" b="0"/>
+        </a:effectRef>
+        <a:fontRef idx="minor"/>
+      </dsp:style>
+    </dsp:sp>
+    <dsp:sp modelId="{1B6B8896-88C9-4120-B625-209183D11F87}">
+      <dsp:nvSpPr>
+        <dsp:cNvPr id="0" name=""/>
+        <dsp:cNvSpPr/>
+      </dsp:nvSpPr>
+      <dsp:spPr>
+        <a:xfrm>
+          <a:off x="4375161" y="485957"/>
+          <a:ext cx="1004062" cy="1004062"/>
+        </a:xfrm>
+        <a:prstGeom prst="rect">
+          <a:avLst/>
+        </a:prstGeom>
+        <a:blipFill>
+          <a:blip xmlns:r="http://schemas.openxmlformats.org/officeDocument/2006/relationships" r:embed="rId3">
+            <a:extLst>
+              <a:ext uri="{28A0092B-C50C-407E-A947-70E740481C1C}">
+                <a14:useLocalDpi xmlns:a14="http://schemas.microsoft.com/office/drawing/2010/main" val="0"/>
+              </a:ext>
+              <a:ext uri="{96DAC541-7B7A-43D3-8B79-37D633B846F1}">
+                <asvg:svgBlip xmlns:asvg="http://schemas.microsoft.com/office/drawing/2016/SVG/main" r:embed="rId4"/>
+              </a:ext>
+            </a:extLst>
+          </a:blip>
+          <a:stretch>
+            <a:fillRect/>
+          </a:stretch>
+        </a:blipFill>
+        <a:ln w="12700" cap="flat" cmpd="sng" algn="ctr">
+          <a:solidFill>
+            <a:schemeClr val="lt1">
+              <a:hueOff val="0"/>
+              <a:satOff val="0"/>
+              <a:lumOff val="0"/>
+              <a:alphaOff val="0"/>
+            </a:schemeClr>
+          </a:solidFill>
+          <a:prstDash val="solid"/>
+          <a:miter lim="800000"/>
+        </a:ln>
+        <a:effectLst/>
+      </dsp:spPr>
+      <dsp:style>
+        <a:lnRef idx="2">
+          <a:scrgbClr r="0" g="0" b="0"/>
+        </a:lnRef>
+        <a:fillRef idx="1">
+          <a:scrgbClr r="0" g="0" b="0"/>
+        </a:fillRef>
+        <a:effectRef idx="0">
+          <a:scrgbClr r="0" g="0" b="0"/>
+        </a:effectRef>
+        <a:fontRef idx="minor">
+          <a:schemeClr val="lt1"/>
+        </a:fontRef>
+      </dsp:style>
+    </dsp:sp>
+    <dsp:sp modelId="{98E60C8F-B7EC-419D-840B-D9D0693BEDB8}">
+      <dsp:nvSpPr>
+        <dsp:cNvPr id="0" name=""/>
+        <dsp:cNvSpPr/>
+      </dsp:nvSpPr>
+      <dsp:spPr>
+        <a:xfrm>
+          <a:off x="3442817" y="2408020"/>
+          <a:ext cx="2868750" cy="720000"/>
+        </a:xfrm>
+        <a:prstGeom prst="rect">
+          <a:avLst/>
+        </a:prstGeom>
+        <a:noFill/>
+        <a:ln>
+          <a:noFill/>
+        </a:ln>
+        <a:effectLst/>
+      </dsp:spPr>
+      <dsp:style>
+        <a:lnRef idx="0">
+          <a:scrgbClr r="0" g="0" b="0"/>
+        </a:lnRef>
+        <a:fillRef idx="0">
+          <a:scrgbClr r="0" g="0" b="0"/>
+        </a:fillRef>
+        <a:effectRef idx="0">
+          <a:scrgbClr r="0" g="0" b="0"/>
+        </a:effectRef>
+        <a:fontRef idx="minor"/>
+      </dsp:style>
+      <dsp:txBody>
+        <a:bodyPr spcFirstLastPara="0" vert="horz" wrap="square" lIns="0" tIns="0" rIns="0" bIns="0" numCol="1" spcCol="1270" anchor="t" anchorCtr="0">
+          <a:noAutofit/>
+        </a:bodyPr>
+        <a:lstStyle/>
+        <a:p>
+          <a:pPr marL="0" lvl="0" indent="0" algn="ctr" defTabSz="622300">
+            <a:lnSpc>
+              <a:spcPct val="100000"/>
+            </a:lnSpc>
+            <a:spcBef>
+              <a:spcPct val="0"/>
+            </a:spcBef>
+            <a:spcAft>
+              <a:spcPct val="35000"/>
+            </a:spcAft>
+            <a:buNone/>
+            <a:defRPr cap="all"/>
+          </a:pPr>
+          <a:r>
+            <a:rPr lang="pt-PT" sz="1400" b="0" kern="1200"/>
+            <a:t>Qualidade de dados via a Arquitetura de Data Lake / medalhão.</a:t>
+          </a:r>
+          <a:endParaRPr lang="en-US" sz="1400" kern="1200"/>
+        </a:p>
+      </dsp:txBody>
+      <dsp:txXfrm>
+        <a:off x="3442817" y="2408020"/>
+        <a:ext cx="2868750" cy="720000"/>
+      </dsp:txXfrm>
+    </dsp:sp>
+    <dsp:sp modelId="{A2B0D314-2C4E-49CF-B8A0-6A18C9A6D4C1}">
+      <dsp:nvSpPr>
+        <dsp:cNvPr id="0" name=""/>
+        <dsp:cNvSpPr/>
+      </dsp:nvSpPr>
+      <dsp:spPr>
+        <a:xfrm>
+          <a:off x="7373005" y="113019"/>
+          <a:ext cx="1749937" cy="1749937"/>
+        </a:xfrm>
+        <a:prstGeom prst="ellipse">
+          <a:avLst/>
+        </a:prstGeom>
+        <a:solidFill>
+          <a:schemeClr val="accent1">
+            <a:tint val="40000"/>
+            <a:hueOff val="0"/>
+            <a:satOff val="0"/>
+            <a:lumOff val="0"/>
+            <a:alphaOff val="0"/>
+          </a:schemeClr>
+        </a:solidFill>
+        <a:ln>
+          <a:noFill/>
+        </a:ln>
+        <a:effectLst/>
+      </dsp:spPr>
+      <dsp:style>
+        <a:lnRef idx="0">
+          <a:scrgbClr r="0" g="0" b="0"/>
+        </a:lnRef>
+        <a:fillRef idx="1">
+          <a:scrgbClr r="0" g="0" b="0"/>
+        </a:fillRef>
+        <a:effectRef idx="0">
+          <a:scrgbClr r="0" g="0" b="0"/>
+        </a:effectRef>
+        <a:fontRef idx="minor"/>
+      </dsp:style>
+    </dsp:sp>
+    <dsp:sp modelId="{D0C487F7-035F-4709-93A3-78398D6475EF}">
+      <dsp:nvSpPr>
+        <dsp:cNvPr id="0" name=""/>
+        <dsp:cNvSpPr/>
+      </dsp:nvSpPr>
+      <dsp:spPr>
+        <a:xfrm>
+          <a:off x="7745942" y="485957"/>
+          <a:ext cx="1004062" cy="1004062"/>
+        </a:xfrm>
+        <a:prstGeom prst="rect">
+          <a:avLst/>
+        </a:prstGeom>
+        <a:blipFill>
+          <a:blip xmlns:r="http://schemas.openxmlformats.org/officeDocument/2006/relationships" r:embed="rId5">
+            <a:extLst>
+              <a:ext uri="{28A0092B-C50C-407E-A947-70E740481C1C}">
+                <a14:useLocalDpi xmlns:a14="http://schemas.microsoft.com/office/drawing/2010/main" val="0"/>
+              </a:ext>
+              <a:ext uri="{96DAC541-7B7A-43D3-8B79-37D633B846F1}">
+                <asvg:svgBlip xmlns:asvg="http://schemas.microsoft.com/office/drawing/2016/SVG/main" r:embed="rId6"/>
+              </a:ext>
+            </a:extLst>
+          </a:blip>
+          <a:stretch>
+            <a:fillRect/>
+          </a:stretch>
+        </a:blipFill>
+        <a:ln w="12700" cap="flat" cmpd="sng" algn="ctr">
+          <a:solidFill>
+            <a:schemeClr val="lt1">
+              <a:hueOff val="0"/>
+              <a:satOff val="0"/>
+              <a:lumOff val="0"/>
+              <a:alphaOff val="0"/>
+            </a:schemeClr>
+          </a:solidFill>
+          <a:prstDash val="solid"/>
+          <a:miter lim="800000"/>
+        </a:ln>
+        <a:effectLst/>
+      </dsp:spPr>
+      <dsp:style>
+        <a:lnRef idx="2">
+          <a:scrgbClr r="0" g="0" b="0"/>
+        </a:lnRef>
+        <a:fillRef idx="1">
+          <a:scrgbClr r="0" g="0" b="0"/>
+        </a:fillRef>
+        <a:effectRef idx="0">
+          <a:scrgbClr r="0" g="0" b="0"/>
+        </a:effectRef>
+        <a:fontRef idx="minor">
+          <a:schemeClr val="lt1"/>
+        </a:fontRef>
+      </dsp:style>
+    </dsp:sp>
+    <dsp:sp modelId="{333B125A-DA31-4A83-9E1D-FDF8977C7F85}">
+      <dsp:nvSpPr>
+        <dsp:cNvPr id="0" name=""/>
+        <dsp:cNvSpPr/>
+      </dsp:nvSpPr>
+      <dsp:spPr>
+        <a:xfrm>
+          <a:off x="6813598" y="2408020"/>
+          <a:ext cx="2868750" cy="720000"/>
+        </a:xfrm>
+        <a:prstGeom prst="rect">
+          <a:avLst/>
+        </a:prstGeom>
+        <a:noFill/>
+        <a:ln>
+          <a:noFill/>
+        </a:ln>
+        <a:effectLst/>
+      </dsp:spPr>
+      <dsp:style>
+        <a:lnRef idx="0">
+          <a:scrgbClr r="0" g="0" b="0"/>
+        </a:lnRef>
+        <a:fillRef idx="0">
+          <a:scrgbClr r="0" g="0" b="0"/>
+        </a:fillRef>
+        <a:effectRef idx="0">
+          <a:scrgbClr r="0" g="0" b="0"/>
+        </a:effectRef>
+        <a:fontRef idx="minor"/>
+      </dsp:style>
+      <dsp:txBody>
+        <a:bodyPr spcFirstLastPara="0" vert="horz" wrap="square" lIns="0" tIns="0" rIns="0" bIns="0" numCol="1" spcCol="1270" anchor="t" anchorCtr="0">
+          <a:noAutofit/>
+        </a:bodyPr>
+        <a:lstStyle/>
+        <a:p>
+          <a:pPr marL="0" lvl="0" indent="0" algn="ctr" defTabSz="622300">
+            <a:lnSpc>
+              <a:spcPct val="100000"/>
+            </a:lnSpc>
+            <a:spcBef>
+              <a:spcPct val="0"/>
+            </a:spcBef>
+            <a:spcAft>
+              <a:spcPct val="35000"/>
+            </a:spcAft>
+            <a:buNone/>
+            <a:defRPr cap="all"/>
+          </a:pPr>
+          <a:r>
+            <a:rPr lang="pt-PT" sz="1400" b="0" kern="1200" dirty="0"/>
+            <a:t>Disponibilizar os dados através de múltiplos canais de consumo</a:t>
+          </a:r>
+          <a:r>
+            <a:rPr lang="pt-PT" sz="1400" kern="1200" dirty="0"/>
+            <a:t>.</a:t>
+          </a:r>
+          <a:endParaRPr lang="en-US" sz="1400" kern="1200" dirty="0"/>
+        </a:p>
+      </dsp:txBody>
+      <dsp:txXfrm>
+        <a:off x="6813598" y="2408020"/>
+        <a:ext cx="2868750" cy="720000"/>
+      </dsp:txXfrm>
+    </dsp:sp>
+  </dsp:spTree>
+</dsp:drawing>
+</file>
+
+<file path=ppt/diagrams/layout1.xml><?xml version="1.0" encoding="utf-8"?>
+<dgm:layoutDef xmlns:dgm="http://schemas.openxmlformats.org/drawingml/2006/diagram" xmlns:a="http://schemas.openxmlformats.org/drawingml/2006/main" uniqueId="urn:microsoft.com/office/officeart/2018/5/layout/IconCircleLabelList">
+  <dgm:title val="Icon Circle Label List"/>
+  <dgm:desc val="Use to show non-sequential or grouped chunks of information accompanied by a related visuals. Works best with icons or small pictures with short text captions."/>
+  <dgm:catLst>
+    <dgm:cat type="icon" pri="500"/>
+  </dgm:catLst>
+  <dgm:sampData useDef="1">
+    <dgm:dataModel>
+      <dgm:ptLst/>
+      <dgm:bg/>
+      <dgm:whole/>
+    </dgm:dataModel>
+  </dgm:sampData>
+  <dgm:styleData useDef="1">
+    <dgm:dataModel>
+      <dgm:ptLst/>
+      <dgm:bg/>
+      <dgm:whole/>
+    </dgm:dataModel>
+  </dgm:styleData>
+  <dgm:clrData useDef="1">
+    <dgm:dataModel>
+      <dgm:ptLst/>
+      <dgm:bg/>
+      <dgm:whole/>
+    </dgm:dataModel>
+  </dgm:clrData>
+  <dgm:layoutNode name="root">
+    <dgm:varLst>
+      <dgm:dir/>
+      <dgm:resizeHandles val="exact"/>
+    </dgm:varLst>
+    <dgm:choose name="Name0">
+      <dgm:if name="Name1" axis="self" func="var" arg="dir" op="equ" val="norm">
+        <dgm:alg type="snake">
+          <dgm:param type="grDir" val="tL"/>
+          <dgm:param type="flowDir" val="row"/>
+          <dgm:param type="contDir" val="sameDir"/>
+          <dgm:param type="off" val="ctr"/>
+          <dgm:param type="vertAlign" val="mid"/>
+          <dgm:param type="horzAlign" val="ctr"/>
+        </dgm:alg>
+      </dgm:if>
+      <dgm:else name="Name2">
+        <dgm:alg type="snake">
+          <dgm:param type="grDir" val="tR"/>
+          <dgm:param type="flowDir" val="row"/>
+          <dgm:param type="contDir" val="sameDir"/>
+          <dgm:param type="off" val="ctr"/>
+          <dgm:param type="vertAlign" val="mid"/>
+          <dgm:param type="horzAlign" val="ctr"/>
+        </dgm:alg>
+      </dgm:else>
+    </dgm:choose>
+    <dgm:shape xmlns:r="http://schemas.openxmlformats.org/officeDocument/2006/relationships" r:blip="">
+      <dgm:adjLst/>
+    </dgm:shape>
+    <dgm:presOf/>
+    <dgm:choose name="Name3">
+      <dgm:if name="Name4" axis="ch" ptType="node" func="cnt" op="lte" val="2">
+        <dgm:constrLst>
+          <dgm:constr type="h" for="ch" forName="compNode" refType="h" fact="0.4"/>
+          <dgm:constr type="w" for="ch" forName="compNode" val="100"/>
+          <dgm:constr type="w" for="ch" forName="sibTrans" refType="w" refFor="ch" refForName="compNode" fact="0.175"/>
+          <dgm:constr type="sp" refType="w" refFor="ch" refForName="compNode" op="equ" fact="0.25"/>
+          <dgm:constr type="primFontSz" for="des" ptType="node" op="equ" val="44"/>
+          <dgm:constr type="h" for="des" forName="compNode" op="equ"/>
+          <dgm:constr type="h" for="des" forName="textRect" op="equ"/>
+        </dgm:constrLst>
+      </dgm:if>
+      <dgm:if name="Name5" axis="ch" ptType="node" func="cnt" op="lte" val="3">
+        <dgm:constrLst>
+          <dgm:constr type="h" for="ch" forName="compNode" refType="h" fact="0.4"/>
+          <dgm:constr type="w" for="ch" forName="compNode" val="100"/>
+          <dgm:constr type="w" for="ch" forName="sibTrans" refType="w" refFor="ch" refForName="compNode" fact="0.175"/>
+          <dgm:constr type="sp" refType="w" refFor="ch" refForName="compNode" op="equ" fact="0.25"/>
+          <dgm:constr type="primFontSz" for="des" ptType="node" op="equ" val="40"/>
+          <dgm:constr type="h" for="des" forName="compNode" op="equ"/>
+          <dgm:constr type="h" for="des" forName="textRect" op="equ"/>
+        </dgm:constrLst>
+      </dgm:if>
+      <dgm:if name="Name6" axis="ch" ptType="node" func="cnt" op="lte" val="4">
+        <dgm:constrLst>
+          <dgm:constr type="h" for="ch" forName="compNode" refType="h" fact="0.4"/>
+          <dgm:constr type="w" for="ch" forName="compNode" refType="w"/>
+          <dgm:constr type="w" for="ch" forName="sibTrans" refType="w" refFor="ch" refForName="compNode" fact="0.175"/>
+          <dgm:constr type="sp" refType="w" refFor="ch" refForName="compNode" op="equ" fact="0.25"/>
+          <dgm:constr type="primFontSz" for="des" ptType="node" op="equ" val="32"/>
+          <dgm:constr type="h" for="des" forName="compNode" op="equ"/>
+          <dgm:constr type="h" for="des" forName="textRect" op="equ"/>
+        </dgm:constrLst>
+      </dgm:if>
+      <dgm:else name="Name7">
+        <dgm:constrLst>
+          <dgm:constr type="h" for="ch" forName="compNode" refType="h" fact="0.4"/>
+          <dgm:constr type="w" for="ch" forName="compNode" refType="w"/>
+          <dgm:constr type="w" for="ch" forName="sibTrans" refType="w" refFor="ch" refForName="compNode" fact="0.175"/>
+          <dgm:constr type="sp" refType="w" refFor="ch" refForName="compNode" op="equ" fact="0.25"/>
+          <dgm:constr type="primFontSz" for="des" ptType="node" op="equ" val="24"/>
+          <dgm:constr type="h" for="des" forName="compNode" op="equ"/>
+          <dgm:constr type="h" for="des" forName="textRect" op="equ"/>
+        </dgm:constrLst>
+      </dgm:else>
+    </dgm:choose>
+    <dgm:ruleLst>
+      <dgm:rule type="w" for="ch" forName="compNode" val="50" fact="NaN" max="NaN"/>
+    </dgm:ruleLst>
+    <dgm:forEach name="Name8" axis="ch" ptType="node">
+      <dgm:layoutNode name="compNode">
+        <dgm:alg type="composite"/>
+        <dgm:shape xmlns:r="http://schemas.openxmlformats.org/officeDocument/2006/relationships" r:blip="">
+          <dgm:adjLst/>
+        </dgm:shape>
+        <dgm:presOf axis="self"/>
+        <dgm:constrLst>
+          <dgm:constr type="w" for="ch" forName="iconBgRect" refType="w" fact="0.61"/>
+          <dgm:constr type="h" for="ch" forName="iconBgRect" refType="w" refFor="ch" refForName="iconBgRect"/>
+          <dgm:constr type="t" for="ch" forName="iconBgRect"/>
+          <dgm:constr type="ctrX" for="ch" forName="iconBgRect" refType="w" fact="0.5"/>
+          <dgm:constr type="w" for="ch" forName="iconRect" refType="w" fact="0.35"/>
+          <dgm:constr type="h" for="ch" forName="iconRect" refType="w" refFor="ch" refForName="iconRect"/>
+          <dgm:constr type="ctrX" for="ch" forName="iconRect" refType="ctrX" refFor="ch" refForName="iconBgRect"/>
+          <dgm:constr type="ctrY" for="ch" forName="iconRect" refType="ctrY" refFor="ch" refForName="iconBgRect"/>
+          <dgm:constr type="h" for="ch" forName="spaceRect" refType="w" fact="0.19"/>
+          <dgm:constr type="w" for="ch" forName="spaceRect" refType="w"/>
+          <dgm:constr type="l" for="ch" forName="spaceRect"/>
+          <dgm:constr type="t" for="ch" forName="spaceRect" refType="b" refFor="ch" refForName="iconBgRect"/>
+          <dgm:constr type="h" for="ch" forName="textRect" val="20"/>
+          <dgm:constr type="w" for="ch" forName="textRect" refType="w"/>
+          <dgm:constr type="l" for="ch" forName="textRect"/>
+          <dgm:constr type="t" for="ch" forName="textRect" refType="b" refFor="ch" refForName="spaceRect"/>
+        </dgm:constrLst>
+        <dgm:ruleLst>
+          <dgm:rule type="h" val="INF" fact="NaN" max="NaN"/>
+        </dgm:ruleLst>
+        <dgm:layoutNode name="iconBgRect" styleLbl="bgShp">
+          <dgm:alg type="sp"/>
+          <dgm:shape xmlns:r="http://schemas.openxmlformats.org/officeDocument/2006/relationships" type="ellipse" r:blip="">
+            <dgm:adjLst/>
+          </dgm:shape>
+          <dgm:presOf/>
+          <dgm:constrLst/>
+          <dgm:ruleLst/>
+        </dgm:layoutNode>
+        <dgm:layoutNode name="iconRect" styleLbl="node1">
+          <dgm:alg type="sp"/>
+          <dgm:shape xmlns:r="http://schemas.openxmlformats.org/officeDocument/2006/relationships" type="rect" r:blip="" blipPhldr="1">
+            <dgm:adjLst/>
+          </dgm:shape>
+          <dgm:presOf/>
+          <dgm:constrLst/>
+          <dgm:ruleLst/>
+        </dgm:layoutNode>
+        <dgm:layoutNode name="spaceRect">
+          <dgm:alg type="sp"/>
+          <dgm:shape xmlns:r="http://schemas.openxmlformats.org/officeDocument/2006/relationships" r:blip="">
+            <dgm:adjLst/>
+          </dgm:shape>
+          <dgm:presOf/>
+          <dgm:constrLst/>
+          <dgm:ruleLst/>
+        </dgm:layoutNode>
+        <dgm:layoutNode name="textRect" styleLbl="revTx">
+          <dgm:varLst>
+            <dgm:chMax val="1"/>
+            <dgm:chPref val="1"/>
+          </dgm:varLst>
+          <dgm:alg type="tx">
+            <dgm:param type="txAnchorVert" val="t"/>
+          </dgm:alg>
+          <dgm:shape xmlns:r="http://schemas.openxmlformats.org/officeDocument/2006/relationships" type="rect" r:blip="">
+            <dgm:adjLst/>
+          </dgm:shape>
+          <dgm:presOf axis="self" ptType="node"/>
+          <dgm:constrLst>
+            <dgm:constr type="lMarg"/>
+            <dgm:constr type="rMarg"/>
+            <dgm:constr type="tMarg"/>
+            <dgm:constr type="bMarg"/>
+          </dgm:constrLst>
+          <dgm:ruleLst>
+            <dgm:rule type="primFontSz" val="11" fact="NaN" max="NaN"/>
+            <dgm:rule type="h" val="INF" fact="NaN" max="NaN"/>
+          </dgm:ruleLst>
+        </dgm:layoutNode>
+      </dgm:layoutNode>
+      <dgm:forEach name="Name9" axis="followSib" ptType="sibTrans" cnt="1">
+        <dgm:layoutNode name="sibTrans">
+          <dgm:alg type="sp"/>
+          <dgm:shape xmlns:r="http://schemas.openxmlformats.org/officeDocument/2006/relationships" r:blip="">
+            <dgm:adjLst/>
+          </dgm:shape>
+          <dgm:presOf axis="self"/>
+          <dgm:constrLst/>
+          <dgm:ruleLst/>
+        </dgm:layoutNode>
+      </dgm:forEach>
+    </dgm:forEach>
+  </dgm:layoutNode>
+  <dgm:extLst>
+    <a:ext uri="{68A01E43-0DF5-4B5B-8FA6-DAF915123BFB}">
+      <dgm1612:lstStyle xmlns:dgm1612="http://schemas.microsoft.com/office/drawing/2016/12/diagram">
+        <a:lvl1pPr>
+          <a:lnSpc>
+            <a:spcPct val="100000"/>
+          </a:lnSpc>
+          <a:defRPr cap="all"/>
+        </a:lvl1pPr>
+      </dgm1612:lstStyle>
+    </a:ext>
+  </dgm:extLst>
+</dgm:layoutDef>
+</file>
+
+<file path=ppt/diagrams/quickStyle1.xml><?xml version="1.0" encoding="utf-8"?>
+<dgm:styleDef xmlns:dgm="http://schemas.openxmlformats.org/drawingml/2006/diagram" xmlns:a="http://schemas.openxmlformats.org/drawingml/2006/main" uniqueId="urn:microsoft.com/office/officeart/2005/8/quickstyle/simple1">
+  <dgm:title val=""/>
+  <dgm:desc val=""/>
+  <dgm:catLst>
+    <dgm:cat type="simple" pri="10100"/>
+  </dgm:catLst>
+  <dgm:scene3d>
+    <a:camera prst="orthographicFront"/>
+    <a:lightRig rig="threePt" dir="t"/>
+  </dgm:scene3d>
+  <dgm:styleLbl name="node0">
+    <dgm:scene3d>
+      <a:camera prst="orthographicFront"/>
+      <a:lightRig rig="threePt" dir="t"/>
+    </dgm:scene3d>
+    <dgm:sp3d/>
+    <dgm:txPr/>
+    <dgm:style>
+      <a:lnRef idx="2">
+        <a:scrgbClr r="0" g="0" b="0"/>
+      </a:lnRef>
+      <a:fillRef idx="1">
+        <a:scrgbClr r="0" g="0" b="0"/>
+      </a:fillRef>
+      <a:effectRef idx="0">
+        <a:scrgbClr r="0" g="0" b="0"/>
+      </a:effectRef>
+      <a:fontRef idx="minor">
+        <a:schemeClr val="lt1"/>
+      </a:fontRef>
+    </dgm:style>
+  </dgm:styleLbl>
+  <dgm:styleLbl name="lnNode1">
+    <dgm:scene3d>
+      <a:camera prst="orthographicFront"/>
+      <a:lightRig rig="threePt" dir="t"/>
+    </dgm:scene3d>
+    <dgm:sp3d/>
+    <dgm:txPr/>
+    <dgm:style>
+      <a:lnRef idx="2">
+        <a:scrgbClr r="0" g="0" b="0"/>
+      </a:lnRef>
+      <a:fillRef idx="1">
+        <a:scrgbClr r="0" g="0" b="0"/>
+      </a:fillRef>
+      <a:effectRef idx="0">
+        <a:scrgbClr r="0" g="0" b="0"/>
+      </a:effectRef>
+      <a:fontRef idx="minor">
+        <a:schemeClr val="lt1"/>
+      </a:fontRef>
+    </dgm:style>
+  </dgm:styleLbl>
+  <dgm:styleLbl name="vennNode1">
+    <dgm:scene3d>
+      <a:camera prst="orthographicFront"/>
+      <a:lightRig rig="threePt" dir="t"/>
+    </dgm:scene3d>
+    <dgm:sp3d/>
+    <dgm:txPr/>
+    <dgm:style>
+      <a:lnRef idx="2">
+        <a:scrgbClr r="0" g="0" b="0"/>
+      </a:lnRef>
+      <a:fillRef idx="1">
+        <a:scrgbClr r="0" g="0" b="0"/>
+      </a:fillRef>
+      <a:effectRef idx="0">
+        <a:scrgbClr r="0" g="0" b="0"/>
+      </a:effectRef>
+      <a:fontRef idx="minor">
+        <a:schemeClr val="tx1"/>
+      </a:fontRef>
+    </dgm:style>
+  </dgm:styleLbl>
+  <dgm:styleLbl name="alignNode1">
+    <dgm:scene3d>
+      <a:camera prst="orthographicFront"/>
+      <a:lightRig rig="threePt" dir="t"/>
+    </dgm:scene3d>
+    <dgm:sp3d/>
+    <dgm:txPr/>
+    <dgm:style>
+      <a:lnRef idx="2">
+        <a:scrgbClr r="0" g="0" b="0"/>
+      </a:lnRef>
+      <a:fillRef idx="1">
+        <a:scrgbClr r="0" g="0" b="0"/>
+      </a:fillRef>
+      <a:effectRef idx="0">
+        <a:scrgbClr r="0" g="0" b="0"/>
+      </a:effectRef>
+      <a:fontRef idx="minor">
+        <a:schemeClr val="lt1"/>
+      </a:fontRef>
+    </dgm:style>
+  </dgm:styleLbl>
+  <dgm:styleLbl name="node1">
+    <dgm:scene3d>
+      <a:camera prst="orthographicFront"/>
+      <a:lightRig rig="threePt" dir="t"/>
+    </dgm:scene3d>
+    <dgm:sp3d/>
+    <dgm:txPr/>
+    <dgm:style>
+      <a:lnRef idx="2">
+        <a:scrgbClr r="0" g="0" b="0"/>
+      </a:lnRef>
+      <a:fillRef idx="1">
+        <a:scrgbClr r="0" g="0" b="0"/>
+      </a:fillRef>
+      <a:effectRef idx="0">
+        <a:scrgbClr r="0" g="0" b="0"/>
+      </a:effectRef>
+      <a:fontRef idx="minor">
+        <a:schemeClr val="lt1"/>
+      </a:fontRef>
+    </dgm:style>
+  </dgm:styleLbl>
+  <dgm:styleLbl name="node2">
+    <dgm:scene3d>
+      <a:camera prst="orthographicFront"/>
+      <a:lightRig rig="threePt" dir="t"/>
+    </dgm:scene3d>
+    <dgm:sp3d/>
+    <dgm:txPr/>
+    <dgm:style>
+      <a:lnRef idx="2">
+        <a:scrgbClr r="0" g="0" b="0"/>
+      </a:lnRef>
+      <a:fillRef idx="1">
+        <a:scrgbClr r="0" g="0" b="0"/>
+      </a:fillRef>
+      <a:effectRef idx="0">
+        <a:scrgbClr r="0" g="0" b="0"/>
+      </a:effectRef>
+      <a:fontRef idx="minor">
+        <a:schemeClr val="lt1"/>
+      </a:fontRef>
+    </dgm:style>
+  </dgm:styleLbl>
+  <dgm:styleLbl name="node3">
+    <dgm:scene3d>
+      <a:camera prst="orthographicFront"/>
+      <a:lightRig rig="threePt" dir="t"/>
+    </dgm:scene3d>
+    <dgm:sp3d/>
+    <dgm:txPr/>
+    <dgm:style>
+      <a:lnRef idx="2">
+        <a:scrgbClr r="0" g="0" b="0"/>
+      </a:lnRef>
+      <a:fillRef idx="1">
+        <a:scrgbClr r="0" g="0" b="0"/>
+      </a:fillRef>
+      <a:effectRef idx="0">
+        <a:scrgbClr r="0" g="0" b="0"/>
+      </a:effectRef>
+      <a:fontRef idx="minor">
+        <a:schemeClr val="lt1"/>
+      </a:fontRef>
+    </dgm:style>
+  </dgm:styleLbl>
+  <dgm:styleLbl name="node4">
+    <dgm:scene3d>
+      <a:camera prst="orthographicFront"/>
+      <a:lightRig rig="threePt" dir="t"/>
+    </dgm:scene3d>
+    <dgm:sp3d/>
+    <dgm:txPr/>
+    <dgm:style>
+      <a:lnRef idx="2">
+        <a:scrgbClr r="0" g="0" b="0"/>
+      </a:lnRef>
+      <a:fillRef idx="1">
+        <a:scrgbClr r="0" g="0" b="0"/>
+      </a:fillRef>
+      <a:effectRef idx="0">
+        <a:scrgbClr r="0" g="0" b="0"/>
+      </a:effectRef>
+      <a:fontRef idx="minor">
+        <a:schemeClr val="lt1"/>
+      </a:fontRef>
+    </dgm:style>
+  </dgm:styleLbl>
+  <dgm:styleLbl name="fgImgPlace1">
+    <dgm:scene3d>
+      <a:camera prst="orthographicFront"/>
+      <a:lightRig rig="threePt" dir="t"/>
+    </dgm:scene3d>
+    <dgm:sp3d/>
+    <dgm:txPr/>
+    <dgm:style>
+      <a:lnRef idx="2">
+        <a:scrgbClr r="0" g="0" b="0"/>
+      </a:lnRef>
+      <a:fillRef idx="1">
+        <a:scrgbClr r="0" g="0" b="0"/>
+      </a:fillRef>
+      <a:effectRef idx="0">
+        <a:scrgbClr r="0" g="0" b="0"/>
+      </a:effectRef>
+      <a:fontRef idx="minor"/>
+    </dgm:style>
+  </dgm:styleLbl>
+  <dgm:styleLbl name="alignImgPlace1">
+    <dgm:scene3d>
+      <a:camera prst="orthographicFront"/>
+      <a:lightRig rig="threePt" dir="t"/>
+    </dgm:scene3d>
+    <dgm:sp3d/>
+    <dgm:txPr/>
+    <dgm:style>
+      <a:lnRef idx="2">
+        <a:scrgbClr r="0" g="0" b="0"/>
+      </a:lnRef>
+      <a:fillRef idx="1">
+        <a:scrgbClr r="0" g="0" b="0"/>
+      </a:fillRef>
+      <a:effectRef idx="0">
+        <a:scrgbClr r="0" g="0" b="0"/>
+      </a:effectRef>
+      <a:fontRef idx="minor"/>
+    </dgm:style>
+  </dgm:styleLbl>
+  <dgm:styleLbl name="bgImgPlace1">
+    <dgm:scene3d>
+      <a:camera prst="orthographicFront"/>
+      <a:lightRig rig="threePt" dir="t"/>
+    </dgm:scene3d>
+    <dgm:sp3d/>
+    <dgm:txPr/>
+    <dgm:style>
+      <a:lnRef idx="2">
+        <a:scrgbClr r="0" g="0" b="0"/>
+      </a:lnRef>
+      <a:fillRef idx="1">
+        <a:scrgbClr r="0" g="0" b="0"/>
+      </a:fillRef>
+      <a:effectRef idx="0">
+        <a:scrgbClr r="0" g="0" b="0"/>
+      </a:effectRef>
+      <a:fontRef idx="minor"/>
+    </dgm:style>
+  </dgm:styleLbl>
+  <dgm:styleLbl name="sibTrans2D1">
+    <dgm:scene3d>
+      <a:camera prst="orthographicFront"/>
+      <a:lightRig rig="threePt" dir="t"/>
+    </dgm:scene3d>
+    <dgm:sp3d/>
+    <dgm:txPr/>
+    <dgm:style>
+      <a:lnRef idx="0">
+        <a:scrgbClr r="0" g="0" b="0"/>
+      </a:lnRef>
+      <a:fillRef idx="1">
+        <a:scrgbClr r="0" g="0" b="0"/>
+      </a:fillRef>
+      <a:effectRef idx="0">
+        <a:scrgbClr r="0" g="0" b="0"/>
+      </a:effectRef>
+      <a:fontRef idx="minor">
+        <a:schemeClr val="lt1"/>
+      </a:fontRef>
+    </dgm:style>
+  </dgm:styleLbl>
+  <dgm:styleLbl name="fgSibTrans2D1">
+    <dgm:scene3d>
+      <a:camera prst="orthographicFront"/>
+      <a:lightRig rig="threePt" dir="t"/>
+    </dgm:scene3d>
+    <dgm:sp3d/>
+    <dgm:txPr/>
+    <dgm:style>
+      <a:lnRef idx="0">
+        <a:scrgbClr r="0" g="0" b="0"/>
+      </a:lnRef>
+      <a:fillRef idx="1">
+        <a:scrgbClr r="0" g="0" b="0"/>
+      </a:fillRef>
+      <a:effectRef idx="0">
+        <a:scrgbClr r="0" g="0" b="0"/>
+      </a:effectRef>
+      <a:fontRef idx="minor">
+        <a:schemeClr val="lt1"/>
+      </a:fontRef>
+    </dgm:style>
+  </dgm:styleLbl>
+  <dgm:styleLbl name="bgSibTrans2D1">
+    <dgm:scene3d>
+      <a:camera prst="orthographicFront"/>
+      <a:lightRig rig="threePt" dir="t"/>
+    </dgm:scene3d>
+    <dgm:sp3d/>
+    <dgm:txPr/>
+    <dgm:style>
+      <a:lnRef idx="0">
+        <a:scrgbClr r="0" g="0" b="0"/>
+      </a:lnRef>
+      <a:fillRef idx="1">
+        <a:scrgbClr r="0" g="0" b="0"/>
+      </a:fillRef>
+      <a:effectRef idx="0">
+        <a:scrgbClr r="0" g="0" b="0"/>
+      </a:effectRef>
+      <a:fontRef idx="minor">
+        <a:schemeClr val="lt1"/>
+      </a:fontRef>
+    </dgm:style>
+  </dgm:styleLbl>
+  <dgm:styleLbl name="sibTrans1D1">
+    <dgm:scene3d>
+      <a:camera prst="orthographicFront"/>
+      <a:lightRig rig="threePt" dir="t"/>
+    </dgm:scene3d>
+    <dgm:sp3d/>
+    <dgm:txPr/>
+    <dgm:style>
+      <a:lnRef idx="1">
+        <a:scrgbClr r="0" g="0" b="0"/>
+      </a:lnRef>
+      <a:fillRef idx="0">
+        <a:scrgbClr r="0" g="0" b="0"/>
+      </a:fillRef>
+      <a:effectRef idx="0">
+        <a:scrgbClr r="0" g="0" b="0"/>
+      </a:effectRef>
+      <a:fontRef idx="minor"/>
+    </dgm:style>
+  </dgm:styleLbl>
+  <dgm:styleLbl name="callout">
+    <dgm:scene3d>
+      <a:camera prst="orthographicFront"/>
+      <a:lightRig rig="threePt" dir="t"/>
+    </dgm:scene3d>
+    <dgm:sp3d/>
+    <dgm:txPr/>
+    <dgm:style>
+      <a:lnRef idx="2">
+        <a:scrgbClr r="0" g="0" b="0"/>
+      </a:lnRef>
+      <a:fillRef idx="1">
+        <a:scrgbClr r="0" g="0" b="0"/>
+      </a:fillRef>
+      <a:effectRef idx="0">
+        <a:scrgbClr r="0" g="0" b="0"/>
+      </a:effectRef>
+      <a:fontRef idx="minor"/>
+    </dgm:style>
+  </dgm:styleLbl>
+  <dgm:styleLbl name="asst0">
+    <dgm:scene3d>
+      <a:camera prst="orthographicFront"/>
+      <a:lightRig rig="threePt" dir="t"/>
+    </dgm:scene3d>
+    <dgm:sp3d/>
+    <dgm:txPr/>
+    <dgm:style>
+      <a:lnRef idx="2">
+        <a:scrgbClr r="0" g="0" b="0"/>
+      </a:lnRef>
+      <a:fillRef idx="1">
+        <a:scrgbClr r="0" g="0" b="0"/>
+      </a:fillRef>
+      <a:effectRef idx="0">
+        <a:scrgbClr r="0" g="0" b="0"/>
+      </a:effectRef>
+      <a:fontRef idx="minor">
+        <a:schemeClr val="lt1"/>
+      </a:fontRef>
+    </dgm:style>
+  </dgm:styleLbl>
+  <dgm:styleLbl name="asst1">
+    <dgm:scene3d>
+      <a:camera prst="orthographicFront"/>
+      <a:lightRig rig="threePt" dir="t"/>
+    </dgm:scene3d>
+    <dgm:sp3d/>
+    <dgm:txPr/>
+    <dgm:style>
+      <a:lnRef idx="2">
+        <a:scrgbClr r="0" g="0" b="0"/>
+      </a:lnRef>
+      <a:fillRef idx="1">
+        <a:scrgbClr r="0" g="0" b="0"/>
+      </a:fillRef>
+      <a:effectRef idx="0">
+        <a:scrgbClr r="0" g="0" b="0"/>
+      </a:effectRef>
+      <a:fontRef idx="minor">
+        <a:schemeClr val="lt1"/>
+      </a:fontRef>
+    </dgm:style>
+  </dgm:styleLbl>
+  <dgm:styleLbl name="asst2">
+    <dgm:scene3d>
+      <a:camera prst="orthographicFront"/>
+      <a:lightRig rig="threePt" dir="t"/>
+    </dgm:scene3d>
+    <dgm:sp3d/>
+    <dgm:txPr/>
+    <dgm:style>
+      <a:lnRef idx="2">
+        <a:scrgbClr r="0" g="0" b="0"/>
+      </a:lnRef>
+      <a:fillRef idx="1">
+        <a:scrgbClr r="0" g="0" b="0"/>
+      </a:fillRef>
+      <a:effectRef idx="0">
+        <a:scrgbClr r="0" g="0" b="0"/>
+      </a:effectRef>
+      <a:fontRef idx="minor">
+        <a:schemeClr val="lt1"/>
+      </a:fontRef>
+    </dgm:style>
+  </dgm:styleLbl>
+  <dgm:styleLbl name="asst3">
+    <dgm:scene3d>
+      <a:camera prst="orthographicFront"/>
+      <a:lightRig rig="threePt" dir="t"/>
+    </dgm:scene3d>
+    <dgm:sp3d/>
+    <dgm:txPr/>
+    <dgm:style>
+      <a:lnRef idx="2">
+        <a:scrgbClr r="0" g="0" b="0"/>
+      </a:lnRef>
+      <a:fillRef idx="1">
+        <a:scrgbClr r="0" g="0" b="0"/>
+      </a:fillRef>
+      <a:effectRef idx="0">
+        <a:scrgbClr r="0" g="0" b="0"/>
+      </a:effectRef>
+      <a:fontRef idx="minor">
+        <a:schemeClr val="lt1"/>
+      </a:fontRef>
+    </dgm:style>
+  </dgm:styleLbl>
+  <dgm:styleLbl name="asst4">
+    <dgm:scene3d>
+      <a:camera prst="orthographicFront"/>
+      <a:lightRig rig="threePt" dir="t"/>
+    </dgm:scene3d>
+    <dgm:sp3d/>
+    <dgm:txPr/>
+    <dgm:style>
+      <a:lnRef idx="2">
+        <a:scrgbClr r="0" g="0" b="0"/>
+      </a:lnRef>
+      <a:fillRef idx="1">
+        <a:scrgbClr r="0" g="0" b="0"/>
+      </a:fillRef>
+      <a:effectRef idx="0">
+        <a:scrgbClr r="0" g="0" b="0"/>
+      </a:effectRef>
+      <a:fontRef idx="minor">
+        <a:schemeClr val="lt1"/>
+      </a:fontRef>
+    </dgm:style>
+  </dgm:styleLbl>
+  <dgm:styleLbl name="parChTrans2D1">
+    <dgm:scene3d>
+      <a:camera prst="orthographicFront"/>
+      <a:lightRig rig="threePt" dir="t"/>
+    </dgm:scene3d>
+    <dgm:sp3d/>
+    <dgm:txPr/>
+    <dgm:style>
+      <a:lnRef idx="2">
+        <a:scrgbClr r="0" g="0" b="0"/>
+      </a:lnRef>
+      <a:fillRef idx="1">
+        <a:scrgbClr r="0" g="0" b="0"/>
+      </a:fillRef>
+      <a:effectRef idx="0">
+        <a:scrgbClr r="0" g="0" b="0"/>
+      </a:effectRef>
+      <a:fontRef idx="minor">
+        <a:schemeClr val="lt1"/>
+      </a:fontRef>
+    </dgm:style>
+  </dgm:styleLbl>
+  <dgm:styleLbl name="parChTrans2D2">
+    <dgm:scene3d>
+      <a:camera prst="orthographicFront"/>
+      <a:lightRig rig="threePt" dir="t"/>
+    </dgm:scene3d>
+    <dgm:sp3d/>
+    <dgm:txPr/>
+    <dgm:style>
+      <a:lnRef idx="2">
+        <a:scrgbClr r="0" g="0" b="0"/>
+      </a:lnRef>
+      <a:fillRef idx="1">
+        <a:scrgbClr r="0" g="0" b="0"/>
+      </a:fillRef>
+      <a:effectRef idx="0">
+        <a:scrgbClr r="0" g="0" b="0"/>
+      </a:effectRef>
+      <a:fontRef idx="minor">
+        <a:schemeClr val="lt1"/>
+      </a:fontRef>
+    </dgm:style>
+  </dgm:styleLbl>
+  <dgm:styleLbl name="parChTrans2D3">
+    <dgm:scene3d>
+      <a:camera prst="orthographicFront"/>
+      <a:lightRig rig="threePt" dir="t"/>
+    </dgm:scene3d>
+    <dgm:sp3d/>
+    <dgm:txPr/>
+    <dgm:style>
+      <a:lnRef idx="2">
+        <a:scrgbClr r="0" g="0" b="0"/>
+      </a:lnRef>
+      <a:fillRef idx="1">
+        <a:scrgbClr r="0" g="0" b="0"/>
+      </a:fillRef>
+      <a:effectRef idx="0">
+        <a:scrgbClr r="0" g="0" b="0"/>
+      </a:effectRef>
+      <a:fontRef idx="minor">
+        <a:schemeClr val="lt1"/>
+      </a:fontRef>
+    </dgm:style>
+  </dgm:styleLbl>
+  <dgm:styleLbl name="parChTrans2D4">
+    <dgm:scene3d>
+      <a:camera prst="orthographicFront"/>
+      <a:lightRig rig="threePt" dir="t"/>
+    </dgm:scene3d>
+    <dgm:sp3d/>
+    <dgm:txPr/>
+    <dgm:style>
+      <a:lnRef idx="2">
+        <a:scrgbClr r="0" g="0" b="0"/>
+      </a:lnRef>
+      <a:fillRef idx="1">
+        <a:scrgbClr r="0" g="0" b="0"/>
+      </a:fillRef>
+      <a:effectRef idx="0">
+        <a:scrgbClr r="0" g="0" b="0"/>
+      </a:effectRef>
+      <a:fontRef idx="minor">
+        <a:schemeClr val="lt1"/>
+      </a:fontRef>
+    </dgm:style>
+  </dgm:styleLbl>
+  <dgm:styleLbl name="parChTrans1D1">
+    <dgm:scene3d>
+      <a:camera prst="orthographicFront"/>
+      <a:lightRig rig="threePt" dir="t"/>
+    </dgm:scene3d>
+    <dgm:sp3d/>
+    <dgm:txPr/>
+    <dgm:style>
+      <a:lnRef idx="2">
+        <a:scrgbClr r="0" g="0" b="0"/>
+      </a:lnRef>
+      <a:fillRef idx="0">
+        <a:scrgbClr r="0" g="0" b="0"/>
+      </a:fillRef>
+      <a:effectRef idx="0">
+        <a:scrgbClr r="0" g="0" b="0"/>
+      </a:effectRef>
+      <a:fontRef idx="minor"/>
+    </dgm:style>
+  </dgm:styleLbl>
+  <dgm:styleLbl name="parChTrans1D2">
+    <dgm:scene3d>
+      <a:camera prst="orthographicFront"/>
+      <a:lightRig rig="threePt" dir="t"/>
+    </dgm:scene3d>
+    <dgm:sp3d/>
+    <dgm:txPr/>
+    <dgm:style>
+      <a:lnRef idx="2">
+        <a:scrgbClr r="0" g="0" b="0"/>
+      </a:lnRef>
+      <a:fillRef idx="0">
+        <a:scrgbClr r="0" g="0" b="0"/>
+      </a:fillRef>
+      <a:effectRef idx="0">
+        <a:scrgbClr r="0" g="0" b="0"/>
+      </a:effectRef>
+      <a:fontRef idx="minor"/>
+    </dgm:style>
+  </dgm:styleLbl>
+  <dgm:styleLbl name="parChTrans1D3">
+    <dgm:scene3d>
+      <a:camera prst="orthographicFront"/>
+      <a:lightRig rig="threePt" dir="t"/>
+    </dgm:scene3d>
+    <dgm:sp3d/>
+    <dgm:txPr/>
+    <dgm:style>
+      <a:lnRef idx="2">
+        <a:scrgbClr r="0" g="0" b="0"/>
+      </a:lnRef>
+      <a:fillRef idx="0">
+        <a:scrgbClr r="0" g="0" b="0"/>
+      </a:fillRef>
+      <a:effectRef idx="0">
+        <a:scrgbClr r="0" g="0" b="0"/>
+      </a:effectRef>
+      <a:fontRef idx="minor"/>
+    </dgm:style>
+  </dgm:styleLbl>
+  <dgm:styleLbl name="parChTrans1D4">
+    <dgm:scene3d>
+      <a:camera prst="orthographicFront"/>
+      <a:lightRig rig="threePt" dir="t"/>
+    </dgm:scene3d>
+    <dgm:sp3d/>
+    <dgm:txPr/>
+    <dgm:style>
+      <a:lnRef idx="2">
+        <a:scrgbClr r="0" g="0" b="0"/>
+      </a:lnRef>
+      <a:fillRef idx="0">
+        <a:scrgbClr r="0" g="0" b="0"/>
+      </a:fillRef>
+      <a:effectRef idx="0">
+        <a:scrgbClr r="0" g="0" b="0"/>
+      </a:effectRef>
+      <a:fontRef idx="minor"/>
+    </dgm:style>
+  </dgm:styleLbl>
+  <dgm:styleLbl name="fgAcc1">
+    <dgm:scene3d>
+      <a:camera prst="orthographicFront"/>
+      <a:lightRig rig="threePt" dir="t"/>
+    </dgm:scene3d>
+    <dgm:sp3d/>
+    <dgm:txPr/>
+    <dgm:style>
+      <a:lnRef idx="2">
+        <a:scrgbClr r="0" g="0" b="0"/>
+      </a:lnRef>
+      <a:fillRef idx="1">
+        <a:scrgbClr r="0" g="0" b="0"/>
+      </a:fillRef>
+      <a:effectRef idx="0">
+        <a:scrgbClr r="0" g="0" b="0"/>
+      </a:effectRef>
+      <a:fontRef idx="minor"/>
+    </dgm:style>
+  </dgm:styleLbl>
+  <dgm:styleLbl name="conFgAcc1">
+    <dgm:scene3d>
+      <a:camera prst="orthographicFront"/>
+      <a:lightRig rig="threePt" dir="t"/>
+    </dgm:scene3d>
+    <dgm:sp3d/>
+    <dgm:txPr/>
+    <dgm:style>
+      <a:lnRef idx="2">
+        <a:scrgbClr r="0" g="0" b="0"/>
+      </a:lnRef>
+      <a:fillRef idx="1">
+        <a:scrgbClr r="0" g="0" b="0"/>
+      </a:fillRef>
+      <a:effectRef idx="0">
+        <a:scrgbClr r="0" g="0" b="0"/>
+      </a:effectRef>
+      <a:fontRef idx="minor"/>
+    </dgm:style>
+  </dgm:styleLbl>
+  <dgm:styleLbl name="alignAcc1">
+    <dgm:scene3d>
+      <a:camera prst="orthographicFront"/>
+      <a:lightRig rig="threePt" dir="t"/>
+    </dgm:scene3d>
+    <dgm:sp3d/>
+    <dgm:txPr/>
+    <dgm:style>
+      <a:lnRef idx="2">
+        <a:scrgbClr r="0" g="0" b="0"/>
+      </a:lnRef>
+      <a:fillRef idx="1">
+        <a:scrgbClr r="0" g="0" b="0"/>
+      </a:fillRef>
+      <a:effectRef idx="0">
+        <a:scrgbClr r="0" g="0" b="0"/>
+      </a:effectRef>
+      <a:fontRef idx="minor"/>
+    </dgm:style>
+  </dgm:styleLbl>
+  <dgm:styleLbl name="trAlignAcc1">
+    <dgm:scene3d>
+      <a:camera prst="orthographicFront"/>
+      <a:lightRig rig="threePt" dir="t"/>
+    </dgm:scene3d>
+    <dgm:sp3d/>
+    <dgm:txPr/>
+    <dgm:style>
+      <a:lnRef idx="1">
+        <a:scrgbClr r="0" g="0" b="0"/>
+      </a:lnRef>
+      <a:fillRef idx="1">
+        <a:scrgbClr r="0" g="0" b="0"/>
+      </a:fillRef>
+      <a:effectRef idx="0">
+        <a:scrgbClr r="0" g="0" b="0"/>
+      </a:effectRef>
+      <a:fontRef idx="minor"/>
+    </dgm:style>
+  </dgm:styleLbl>
+  <dgm:styleLbl name="bgAcc1">
+    <dgm:scene3d>
+      <a:camera prst="orthographicFront"/>
+      <a:lightRig rig="threePt" dir="t"/>
+    </dgm:scene3d>
+    <dgm:sp3d/>
+    <dgm:txPr/>
+    <dgm:style>
+      <a:lnRef idx="2">
+        <a:scrgbClr r="0" g="0" b="0"/>
+      </a:lnRef>
+      <a:fillRef idx="1">
+        <a:scrgbClr r="0" g="0" b="0"/>
+      </a:fillRef>
+      <a:effectRef idx="0">
+        <a:scrgbClr r="0" g="0" b="0"/>
+      </a:effectRef>
+      <a:fontRef idx="minor"/>
+    </dgm:style>
+  </dgm:styleLbl>
+  <dgm:styleLbl name="solidFgAcc1">
+    <dgm:scene3d>
+      <a:camera prst="orthographicFront"/>
+      <a:lightRig rig="threePt" dir="t"/>
+    </dgm:scene3d>
+    <dgm:sp3d/>
+    <dgm:txPr/>
+    <dgm:style>
+      <a:lnRef idx="2">
+        <a:scrgbClr r="0" g="0" b="0"/>
+      </a:lnRef>
+      <a:fillRef idx="1">
+        <a:scrgbClr r="0" g="0" b="0"/>
+      </a:fillRef>
+      <a:effectRef idx="0">
+        <a:scrgbClr r="0" g="0" b="0"/>
+      </a:effectRef>
+      <a:fontRef idx="minor"/>
+    </dgm:style>
+  </dgm:styleLbl>
+  <dgm:styleLbl name="solidAlignAcc1">
+    <dgm:scene3d>
+      <a:camera prst="orthographicFront"/>
+      <a:lightRig rig="threePt" dir="t"/>
+    </dgm:scene3d>
+    <dgm:sp3d/>
+    <dgm:txPr/>
+    <dgm:style>
+      <a:lnRef idx="2">
+        <a:scrgbClr r="0" g="0" b="0"/>
+      </a:lnRef>
+      <a:fillRef idx="1">
+        <a:scrgbClr r="0" g="0" b="0"/>
+      </a:fillRef>
+      <a:effectRef idx="0">
+        <a:scrgbClr r="0" g="0" b="0"/>
+      </a:effectRef>
+      <a:fontRef idx="minor"/>
+    </dgm:style>
+  </dgm:styleLbl>
+  <dgm:styleLbl name="solidBgAcc1">
+    <dgm:scene3d>
+      <a:camera prst="orthographicFront"/>
+      <a:lightRig rig="threePt" dir="t"/>
+    </dgm:scene3d>
+    <dgm:sp3d/>
+    <dgm:txPr/>
+    <dgm:style>
+      <a:lnRef idx="2">
+        <a:scrgbClr r="0" g="0" b="0"/>
+      </a:lnRef>
+      <a:fillRef idx="1">
+        <a:scrgbClr r="0" g="0" b="0"/>
+      </a:fillRef>
+      <a:effectRef idx="0">
+        <a:scrgbClr r="0" g="0" b="0"/>
+      </a:effectRef>
+      <a:fontRef idx="minor"/>
+    </dgm:style>
+  </dgm:styleLbl>
+  <dgm:styleLbl name="fgAccFollowNode1">
+    <dgm:scene3d>
+      <a:camera prst="orthographicFront"/>
+      <a:lightRig rig="threePt" dir="t"/>
+    </dgm:scene3d>
+    <dgm:sp3d/>
+    <dgm:txPr/>
+    <dgm:style>
+      <a:lnRef idx="2">
+        <a:scrgbClr r="0" g="0" b="0"/>
+      </a:lnRef>
+      <a:fillRef idx="1">
+        <a:scrgbClr r="0" g="0" b="0"/>
+      </a:fillRef>
+      <a:effectRef idx="0">
+        <a:scrgbClr r="0" g="0" b="0"/>
+      </a:effectRef>
+      <a:fontRef idx="minor"/>
+    </dgm:style>
+  </dgm:styleLbl>
+  <dgm:styleLbl name="alignAccFollowNode1">
+    <dgm:scene3d>
+      <a:camera prst="orthographicFront"/>
+      <a:lightRig rig="threePt" dir="t"/>
+    </dgm:scene3d>
+    <dgm:sp3d/>
+    <dgm:txPr/>
+    <dgm:style>
+      <a:lnRef idx="2">
+        <a:scrgbClr r="0" g="0" b="0"/>
+      </a:lnRef>
+      <a:fillRef idx="1">
+        <a:scrgbClr r="0" g="0" b="0"/>
+      </a:fillRef>
+      <a:effectRef idx="0">
+        <a:scrgbClr r="0" g="0" b="0"/>
+      </a:effectRef>
+      <a:fontRef idx="minor"/>
+    </dgm:style>
+  </dgm:styleLbl>
+  <dgm:styleLbl name="bgAccFollowNode1">
+    <dgm:scene3d>
+      <a:camera prst="orthographicFront"/>
+      <a:lightRig rig="threePt" dir="t"/>
+    </dgm:scene3d>
+    <dgm:sp3d/>
+    <dgm:txPr/>
+    <dgm:style>
+      <a:lnRef idx="2">
+        <a:scrgbClr r="0" g="0" b="0"/>
+      </a:lnRef>
+      <a:fillRef idx="1">
+        <a:scrgbClr r="0" g="0" b="0"/>
+      </a:fillRef>
+      <a:effectRef idx="0">
+        <a:scrgbClr r="0" g="0" b="0"/>
+      </a:effectRef>
+      <a:fontRef idx="minor"/>
+    </dgm:style>
+  </dgm:styleLbl>
+  <dgm:styleLbl name="fgAcc0">
+    <dgm:scene3d>
+      <a:camera prst="orthographicFront"/>
+      <a:lightRig rig="threePt" dir="t"/>
+    </dgm:scene3d>
+    <dgm:sp3d/>
+    <dgm:txPr/>
+    <dgm:style>
+      <a:lnRef idx="2">
+        <a:scrgbClr r="0" g="0" b="0"/>
+      </a:lnRef>
+      <a:fillRef idx="1">
+        <a:scrgbClr r="0" g="0" b="0"/>
+      </a:fillRef>
+      <a:effectRef idx="0">
+        <a:scrgbClr r="0" g="0" b="0"/>
+      </a:effectRef>
+      <a:fontRef idx="minor"/>
+    </dgm:style>
+  </dgm:styleLbl>
+  <dgm:styleLbl name="fgAcc2">
+    <dgm:scene3d>
+      <a:camera prst="orthographicFront"/>
+      <a:lightRig rig="threePt" dir="t"/>
+    </dgm:scene3d>
+    <dgm:sp3d/>
+    <dgm:txPr/>
+    <dgm:style>
+      <a:lnRef idx="2">
+        <a:scrgbClr r="0" g="0" b="0"/>
+      </a:lnRef>
+      <a:fillRef idx="1">
+        <a:scrgbClr r="0" g="0" b="0"/>
+      </a:fillRef>
+      <a:effectRef idx="0">
+        <a:scrgbClr r="0" g="0" b="0"/>
+      </a:effectRef>
+      <a:fontRef idx="minor"/>
+    </dgm:style>
+  </dgm:styleLbl>
+  <dgm:styleLbl name="fgAcc3">
+    <dgm:scene3d>
+      <a:camera prst="orthographicFront"/>
+      <a:lightRig rig="threePt" dir="t"/>
+    </dgm:scene3d>
+    <dgm:sp3d/>
+    <dgm:txPr/>
+    <dgm:style>
+      <a:lnRef idx="2">
+        <a:scrgbClr r="0" g="0" b="0"/>
+      </a:lnRef>
+      <a:fillRef idx="1">
+        <a:scrgbClr r="0" g="0" b="0"/>
+      </a:fillRef>
+      <a:effectRef idx="0">
+        <a:scrgbClr r="0" g="0" b="0"/>
+      </a:effectRef>
+      <a:fontRef idx="minor"/>
+    </dgm:style>
+  </dgm:styleLbl>
+  <dgm:styleLbl name="fgAcc4">
+    <dgm:scene3d>
+      <a:camera prst="orthographicFront"/>
+      <a:lightRig rig="threePt" dir="t"/>
+    </dgm:scene3d>
+    <dgm:sp3d/>
+    <dgm:txPr/>
+    <dgm:style>
+      <a:lnRef idx="2">
+        <a:scrgbClr r="0" g="0" b="0"/>
+      </a:lnRef>
+      <a:fillRef idx="1">
+        <a:scrgbClr r="0" g="0" b="0"/>
+      </a:fillRef>
+      <a:effectRef idx="0">
+        <a:scrgbClr r="0" g="0" b="0"/>
+      </a:effectRef>
+      <a:fontRef idx="minor"/>
+    </dgm:style>
+  </dgm:styleLbl>
+  <dgm:styleLbl name="bgShp">
+    <dgm:scene3d>
+      <a:camera prst="orthographicFront"/>
+      <a:lightRig rig="threePt" dir="t"/>
+    </dgm:scene3d>
+    <dgm:sp3d/>
+    <dgm:txPr/>
+    <dgm:style>
+      <a:lnRef idx="0">
+        <a:scrgbClr r="0" g="0" b="0"/>
+      </a:lnRef>
+      <a:fillRef idx="1">
+        <a:scrgbClr r="0" g="0" b="0"/>
+      </a:fillRef>
+      <a:effectRef idx="0">
+        <a:scrgbClr r="0" g="0" b="0"/>
+      </a:effectRef>
+      <a:fontRef idx="minor"/>
+    </dgm:style>
+  </dgm:styleLbl>
+  <dgm:styleLbl name="dkBgShp">
+    <dgm:scene3d>
+      <a:camera prst="orthographicFront"/>
+      <a:lightRig rig="threePt" dir="t"/>
+    </dgm:scene3d>
+    <dgm:sp3d/>
+    <dgm:txPr/>
+    <dgm:style>
+      <a:lnRef idx="0">
+        <a:scrgbClr r="0" g="0" b="0"/>
+      </a:lnRef>
+      <a:fillRef idx="1">
+        <a:scrgbClr r="0" g="0" b="0"/>
+      </a:fillRef>
+      <a:effectRef idx="0">
+        <a:scrgbClr r="0" g="0" b="0"/>
+      </a:effectRef>
+      <a:fontRef idx="minor"/>
+    </dgm:style>
+  </dgm:styleLbl>
+  <dgm:styleLbl name="trBgShp">
+    <dgm:scene3d>
+      <a:camera prst="orthographicFront"/>
+      <a:lightRig rig="threePt" dir="t"/>
+    </dgm:scene3d>
+    <dgm:sp3d/>
+    <dgm:txPr/>
+    <dgm:style>
+      <a:lnRef idx="0">
+        <a:scrgbClr r="0" g="0" b="0"/>
+      </a:lnRef>
+      <a:fillRef idx="1">
+        <a:scrgbClr r="0" g="0" b="0"/>
+      </a:fillRef>
+      <a:effectRef idx="0">
+        <a:scrgbClr r="0" g="0" b="0"/>
+      </a:effectRef>
+      <a:fontRef idx="minor"/>
+    </dgm:style>
+  </dgm:styleLbl>
+  <dgm:styleLbl name="fgShp">
+    <dgm:scene3d>
+      <a:camera prst="orthographicFront"/>
+      <a:lightRig rig="threePt" dir="t"/>
+    </dgm:scene3d>
+    <dgm:sp3d/>
+    <dgm:txPr/>
+    <dgm:style>
+      <a:lnRef idx="2">
+        <a:scrgbClr r="0" g="0" b="0"/>
+      </a:lnRef>
+      <a:fillRef idx="1">
+        <a:scrgbClr r="0" g="0" b="0"/>
+      </a:fillRef>
+      <a:effectRef idx="0">
+        <a:scrgbClr r="0" g="0" b="0"/>
+      </a:effectRef>
+      <a:fontRef idx="minor"/>
+    </dgm:style>
+  </dgm:styleLbl>
+  <dgm:styleLbl name="revTx">
+    <dgm:scene3d>
+      <a:camera prst="orthographicFront"/>
+      <a:lightRig rig="threePt" dir="t"/>
+    </dgm:scene3d>
+    <dgm:sp3d/>
+    <dgm:txPr/>
+    <dgm:style>
+      <a:lnRef idx="0">
+        <a:scrgbClr r="0" g="0" b="0"/>
+      </a:lnRef>
+      <a:fillRef idx="0">
+        <a:scrgbClr r="0" g="0" b="0"/>
+      </a:fillRef>
+      <a:effectRef idx="0">
+        <a:scrgbClr r="0" g="0" b="0"/>
+      </a:effectRef>
+      <a:fontRef idx="minor"/>
+    </dgm:style>
+  </dgm:styleLbl>
+</dgm:styleDef>
+</file>
+
 <file path=ppt/slideLayouts/slideLayout1.xml><?xml version="1.0" encoding="utf-8"?>
 <p:sldLayout xmlns:a="http://schemas.openxmlformats.org/drawingml/2006/main" xmlns:r="http://schemas.openxmlformats.org/officeDocument/2006/relationships" xmlns:p="http://schemas.openxmlformats.org/presentationml/2006/main" type="title" preserve="1">
   <p:cSld name="Title Slide">
@@ -608,48 +3439,6 @@
           </a:p>
         </p:txBody>
       </p:sp>
-      <p:cxnSp>
-        <p:nvCxnSpPr>
-          <p:cNvPr id="9" name="Straight Connector 8">
-            <a:extLst>
-              <a:ext uri="{FF2B5EF4-FFF2-40B4-BE49-F238E27FC236}">
-                <a16:creationId xmlns:a16="http://schemas.microsoft.com/office/drawing/2014/main" id="{118E06E4-607B-144B-382B-AD3D06B1EE8C}"/>
-              </a:ext>
-              <a:ext uri="{C183D7F6-B498-43B3-948B-1728B52AA6E4}">
-                <adec:decorative xmlns:adec="http://schemas.microsoft.com/office/drawing/2017/decorative" val="1"/>
-              </a:ext>
-            </a:extLst>
-          </p:cNvPr>
-          <p:cNvCxnSpPr>
-            <a:cxnSpLocks/>
-          </p:cNvCxnSpPr>
-          <p:nvPr/>
-        </p:nvCxnSpPr>
-        <p:spPr>
-          <a:xfrm>
-            <a:off x="713232" y="1031001"/>
-            <a:ext cx="978862" cy="0"/>
-          </a:xfrm>
-          <a:prstGeom prst="line">
-            <a:avLst/>
-          </a:prstGeom>
-          <a:ln w="76200"/>
-        </p:spPr>
-        <p:style>
-          <a:lnRef idx="1">
-            <a:schemeClr val="accent1"/>
-          </a:lnRef>
-          <a:fillRef idx="0">
-            <a:schemeClr val="accent1"/>
-          </a:fillRef>
-          <a:effectRef idx="0">
-            <a:schemeClr val="accent1"/>
-          </a:effectRef>
-          <a:fontRef idx="minor">
-            <a:schemeClr val="tx1"/>
-          </a:fontRef>
-        </p:style>
-      </p:cxnSp>
     </p:spTree>
     <p:extLst>
       <p:ext uri="{BB962C8B-B14F-4D97-AF65-F5344CB8AC3E}">
@@ -975,82 +3764,39 @@
           <a:chExt cx="0" cy="0"/>
         </a:xfrm>
       </p:grpSpPr>
-      <p:sp useBgFill="1">
-        <p:nvSpPr>
-          <p:cNvPr id="2063" name="Rectangle 2062">
+      <p:pic>
+        <p:nvPicPr>
+          <p:cNvPr id="2059" name="Picture 2058" descr="Ônibus em movimento">
             <a:extLst>
               <a:ext uri="{FF2B5EF4-FFF2-40B4-BE49-F238E27FC236}">
-                <a16:creationId xmlns:a16="http://schemas.microsoft.com/office/drawing/2014/main" id="{19F9BF86-FE94-4517-B97D-026C7515E589}"/>
-              </a:ext>
-              <a:ext uri="{C183D7F6-B498-43B3-948B-1728B52AA6E4}">
-                <adec:decorative xmlns:adec="http://schemas.microsoft.com/office/drawing/2017/decorative" val="1"/>
+                <a16:creationId xmlns:a16="http://schemas.microsoft.com/office/drawing/2014/main" id="{6E65909B-7F74-F431-EB8A-58E9A5792C1D}"/>
               </a:ext>
             </a:extLst>
           </p:cNvPr>
-          <p:cNvSpPr>
-            <a:spLocks noGrp="1" noRot="1" noChangeAspect="1" noMove="1" noResize="1" noEditPoints="1" noAdjustHandles="1" noChangeArrowheads="1" noChangeShapeType="1" noTextEdit="1"/>
-          </p:cNvSpPr>
-          <p:nvPr>
-            <p:extLst>
-              <p:ext uri="{386F3935-93C4-4BCD-93E2-E3B085C9AB24}">
-                <p16:designElem xmlns:p16="http://schemas.microsoft.com/office/powerpoint/2015/main" val="1"/>
-              </p:ext>
-            </p:extLst>
-          </p:nvPr>
-        </p:nvSpPr>
+          <p:cNvPicPr>
+            <a:picLocks noChangeAspect="1"/>
+          </p:cNvPicPr>
+          <p:nvPr/>
+        </p:nvPicPr>
+        <p:blipFill>
+          <a:blip r:embed="rId2">
+            <a:alphaModFix amt="40000"/>
+          </a:blip>
+          <a:srcRect t="8811" r="9091" b="14582"/>
+          <a:stretch>
+            <a:fillRect/>
+          </a:stretch>
+        </p:blipFill>
         <p:spPr>
           <a:xfrm>
-            <a:off x="0" y="0"/>
-            <a:ext cx="12192000" cy="6858000"/>
+            <a:off x="20" y="152"/>
+            <a:ext cx="12191980" cy="6857848"/>
           </a:xfrm>
           <a:prstGeom prst="rect">
             <a:avLst/>
           </a:prstGeom>
-          <a:ln w="12700" cap="flat" cmpd="sng" algn="ctr">
-            <a:noFill/>
-            <a:prstDash val="solid"/>
-            <a:miter lim="800000"/>
-          </a:ln>
-          <a:effectLst/>
-          <a:extLst>
-            <a:ext uri="{91240B29-F687-4F45-9708-019B960494DF}">
-              <a14:hiddenLine xmlns:a14="http://schemas.microsoft.com/office/drawing/2010/main" w="12700" cap="flat" cmpd="sng" algn="ctr">
-                <a:solidFill>
-                  <a:schemeClr val="accent1">
-                    <a:shade val="50000"/>
-                  </a:schemeClr>
-                </a:solidFill>
-                <a:prstDash val="solid"/>
-                <a:miter lim="800000"/>
-              </a14:hiddenLine>
-            </a:ext>
-          </a:extLst>
         </p:spPr>
-        <p:style>
-          <a:lnRef idx="2">
-            <a:schemeClr val="accent1">
-              <a:shade val="50000"/>
-            </a:schemeClr>
-          </a:lnRef>
-          <a:fillRef idx="1">
-            <a:schemeClr val="accent1"/>
-          </a:fillRef>
-          <a:effectRef idx="0">
-            <a:schemeClr val="accent1"/>
-          </a:effectRef>
-          <a:fontRef idx="minor">
-            <a:schemeClr val="lt1"/>
-          </a:fontRef>
-        </p:style>
-        <p:txBody>
-          <a:bodyPr rtlCol="0" anchor="ctr"/>
-          <a:lstStyle/>
-          <a:p>
-            <a:pPr algn="ctr"/>
-            <a:endParaRPr lang="en-US"/>
-          </a:p>
-        </p:txBody>
-      </p:sp>
+      </p:pic>
       <p:sp>
         <p:nvSpPr>
           <p:cNvPr id="2" name="Título 1">
@@ -1067,28 +3813,26 @@
             <p:ph type="ctrTitle"/>
           </p:nvPr>
         </p:nvSpPr>
-        <p:spPr>
-          <a:xfrm>
-            <a:off x="7537528" y="1032764"/>
-            <a:ext cx="4308672" cy="3224045"/>
-          </a:xfrm>
-        </p:spPr>
+        <p:spPr/>
         <p:txBody>
-          <a:bodyPr anchor="b">
+          <a:bodyPr anchor="t">
             <a:normAutofit/>
           </a:bodyPr>
           <a:lstStyle/>
           <a:p>
-            <a:pPr>
-              <a:lnSpc>
-                <a:spcPct val="90000"/>
-              </a:lnSpc>
-            </a:pPr>
-            <a:r>
-              <a:rPr lang="pt-BR" sz="4900"/>
+            <a:r>
+              <a:rPr lang="pt-BR" sz="6000" dirty="0">
+                <a:solidFill>
+                  <a:srgbClr val="FFFFFF"/>
+                </a:solidFill>
+              </a:rPr>
               <a:t>Monitoramento da Frota de Ônibus de SP</a:t>
             </a:r>
-            <a:endParaRPr lang="pt-PT" sz="4900"/>
+            <a:endParaRPr lang="pt-PT" sz="6000" dirty="0">
+              <a:solidFill>
+                <a:srgbClr val="FFFFFF"/>
+              </a:solidFill>
+            </a:endParaRPr>
           </a:p>
         </p:txBody>
       </p:sp>
@@ -1108,12 +3852,7 @@
             <p:ph type="subTitle" idx="1"/>
           </p:nvPr>
         </p:nvSpPr>
-        <p:spPr>
-          <a:xfrm>
-            <a:off x="7537528" y="5289573"/>
-            <a:ext cx="4308672" cy="935419"/>
-          </a:xfrm>
-        </p:spPr>
+        <p:spPr/>
         <p:txBody>
           <a:bodyPr anchor="t">
             <a:normAutofit/>
@@ -1126,92 +3865,21 @@
               </a:lnSpc>
             </a:pPr>
             <a:r>
-              <a:rPr lang="pt-BR" sz="1500" dirty="0"/>
+              <a:rPr lang="pt-BR" sz="1500" dirty="0">
+                <a:solidFill>
+                  <a:srgbClr val="FFFFFF"/>
+                </a:solidFill>
+              </a:rPr>
               <a:t>Uma arquitetura para Análise histórica e Operacional da frota da SPTrans</a:t>
             </a:r>
-            <a:endParaRPr lang="pt-PT" sz="1500" dirty="0"/>
+            <a:endParaRPr lang="pt-PT" sz="1500" dirty="0">
+              <a:solidFill>
+                <a:srgbClr val="FFFFFF"/>
+              </a:solidFill>
+            </a:endParaRPr>
           </a:p>
         </p:txBody>
       </p:sp>
-      <p:pic>
-        <p:nvPicPr>
-          <p:cNvPr id="2059" name="Picture 2058" descr="Ônibus em movimento">
-            <a:extLst>
-              <a:ext uri="{FF2B5EF4-FFF2-40B4-BE49-F238E27FC236}">
-                <a16:creationId xmlns:a16="http://schemas.microsoft.com/office/drawing/2014/main" id="{6E65909B-7F74-F431-EB8A-58E9A5792C1D}"/>
-              </a:ext>
-            </a:extLst>
-          </p:cNvPr>
-          <p:cNvPicPr>
-            <a:picLocks noChangeAspect="1"/>
-          </p:cNvPicPr>
-          <p:nvPr/>
-        </p:nvPicPr>
-        <p:blipFill>
-          <a:blip r:embed="rId2"/>
-          <a:srcRect l="29844" r="2693" b="-1"/>
-          <a:stretch>
-            <a:fillRect/>
-          </a:stretch>
-        </p:blipFill>
-        <p:spPr>
-          <a:xfrm>
-            <a:off x="20" y="10"/>
-            <a:ext cx="6931132" cy="6857990"/>
-          </a:xfrm>
-          <a:prstGeom prst="rect">
-            <a:avLst/>
-          </a:prstGeom>
-        </p:spPr>
-      </p:pic>
-      <p:cxnSp>
-        <p:nvCxnSpPr>
-          <p:cNvPr id="2065" name="Straight Connector 2064">
-            <a:extLst>
-              <a:ext uri="{FF2B5EF4-FFF2-40B4-BE49-F238E27FC236}">
-                <a16:creationId xmlns:a16="http://schemas.microsoft.com/office/drawing/2014/main" id="{6CA391F1-4B2C-521B-F6A5-52C74B30349D}"/>
-              </a:ext>
-              <a:ext uri="{C183D7F6-B498-43B3-948B-1728B52AA6E4}">
-                <adec:decorative xmlns:adec="http://schemas.microsoft.com/office/drawing/2017/decorative" val="1"/>
-              </a:ext>
-            </a:extLst>
-          </p:cNvPr>
-          <p:cNvCxnSpPr>
-            <a:cxnSpLocks noGrp="1" noRot="1" noChangeAspect="1" noMove="1" noResize="1" noEditPoints="1" noAdjustHandles="1" noChangeArrowheads="1" noChangeShapeType="1"/>
-          </p:cNvCxnSpPr>
-          <p:nvPr>
-            <p:extLst>
-              <p:ext uri="{386F3935-93C4-4BCD-93E2-E3B085C9AB24}">
-                <p16:designElem xmlns:p16="http://schemas.microsoft.com/office/powerpoint/2015/main" val="1"/>
-              </p:ext>
-            </p:extLst>
-          </p:nvPr>
-        </p:nvCxnSpPr>
-        <p:spPr>
-          <a:xfrm>
-            <a:off x="7675848" y="4711579"/>
-            <a:ext cx="978862" cy="0"/>
-          </a:xfrm>
-          <a:prstGeom prst="line">
-            <a:avLst/>
-          </a:prstGeom>
-          <a:ln w="76200"/>
-        </p:spPr>
-        <p:style>
-          <a:lnRef idx="1">
-            <a:schemeClr val="accent1"/>
-          </a:lnRef>
-          <a:fillRef idx="0">
-            <a:schemeClr val="accent1"/>
-          </a:fillRef>
-          <a:effectRef idx="0">
-            <a:schemeClr val="accent1"/>
-          </a:effectRef>
-          <a:fontRef idx="minor">
-            <a:schemeClr val="tx1"/>
-          </a:fontRef>
-        </p:style>
-      </p:cxnSp>
     </p:spTree>
     <p:extLst>
       <p:ext uri="{BB962C8B-B14F-4D97-AF65-F5344CB8AC3E}">
@@ -1220,7 +3888,7 @@
     </p:extLst>
   </p:cSld>
   <p:clrMapOvr>
-    <a:masterClrMapping/>
+    <a:overrideClrMapping bg1="dk1" tx1="lt1" bg2="dk2" tx2="lt2" accent1="accent1" accent2="accent2" accent3="accent3" accent4="accent4" accent5="accent5" accent6="accent6" hlink="hlink" folHlink="folHlink"/>
   </p:clrMapOvr>
   <p:timing>
     <p:tnLst>
@@ -1372,6 +4040,1128 @@
         <p:cNvPr id="1" name="">
           <a:extLst>
             <a:ext uri="{FF2B5EF4-FFF2-40B4-BE49-F238E27FC236}">
+              <a16:creationId xmlns:a16="http://schemas.microsoft.com/office/drawing/2014/main" id="{FEB7C61C-12AF-50DF-1DB9-E77E8741BC9E}"/>
+            </a:ext>
+          </a:extLst>
+        </p:cNvPr>
+        <p:cNvGrpSpPr/>
+        <p:nvPr/>
+      </p:nvGrpSpPr>
+      <p:grpSpPr>
+        <a:xfrm>
+          <a:off x="0" y="0"/>
+          <a:ext cx="0" cy="0"/>
+          <a:chOff x="0" y="0"/>
+          <a:chExt cx="0" cy="0"/>
+        </a:xfrm>
+      </p:grpSpPr>
+      <p:sp>
+        <p:nvSpPr>
+          <p:cNvPr id="2" name="Título 1">
+            <a:extLst>
+              <a:ext uri="{FF2B5EF4-FFF2-40B4-BE49-F238E27FC236}">
+                <a16:creationId xmlns:a16="http://schemas.microsoft.com/office/drawing/2014/main" id="{B781392C-19FC-6134-D46C-E5B4BCFEF125}"/>
+              </a:ext>
+            </a:extLst>
+          </p:cNvPr>
+          <p:cNvSpPr>
+            <a:spLocks noGrp="1"/>
+          </p:cNvSpPr>
+          <p:nvPr>
+            <p:ph type="ctrTitle"/>
+          </p:nvPr>
+        </p:nvSpPr>
+        <p:spPr>
+          <a:xfrm>
+            <a:off x="640080" y="1371599"/>
+            <a:ext cx="6675120" cy="552451"/>
+          </a:xfrm>
+        </p:spPr>
+        <p:txBody>
+          <a:bodyPr>
+            <a:normAutofit/>
+          </a:bodyPr>
+          <a:lstStyle/>
+          <a:p>
+            <a:r>
+              <a:rPr lang="pt-BR" sz="2800" dirty="0"/>
+              <a:t>Ferramentas e T</a:t>
+            </a:r>
+            <a:r>
+              <a:rPr lang="pt-PT" sz="2800" dirty="0"/>
+              <a:t>ecnologias – Parte 2</a:t>
+            </a:r>
+          </a:p>
+        </p:txBody>
+      </p:sp>
+      <p:sp>
+        <p:nvSpPr>
+          <p:cNvPr id="4" name="Subtítulo 2">
+            <a:extLst>
+              <a:ext uri="{FF2B5EF4-FFF2-40B4-BE49-F238E27FC236}">
+                <a16:creationId xmlns:a16="http://schemas.microsoft.com/office/drawing/2014/main" id="{3B64B496-83EF-1820-869C-220A22D812D6}"/>
+              </a:ext>
+            </a:extLst>
+          </p:cNvPr>
+          <p:cNvSpPr txBox="1">
+            <a:spLocks/>
+          </p:cNvSpPr>
+          <p:nvPr/>
+        </p:nvSpPr>
+        <p:spPr>
+          <a:xfrm>
+            <a:off x="6096000" y="2591563"/>
+            <a:ext cx="4672584" cy="3205733"/>
+          </a:xfrm>
+          <a:prstGeom prst="rect">
+            <a:avLst/>
+          </a:prstGeom>
+        </p:spPr>
+        <p:txBody>
+          <a:bodyPr vert="horz" lIns="91440" tIns="45720" rIns="91440" bIns="45720" rtlCol="0" anchor="t">
+            <a:normAutofit/>
+          </a:bodyPr>
+          <a:lstStyle>
+            <a:lvl1pPr marL="0" indent="0" algn="l" defTabSz="914400" rtl="0" eaLnBrk="1" latinLnBrk="0" hangingPunct="1">
+              <a:lnSpc>
+                <a:spcPct val="130000"/>
+              </a:lnSpc>
+              <a:spcBef>
+                <a:spcPts val="1000"/>
+              </a:spcBef>
+              <a:buSzPct val="87000"/>
+              <a:buFont typeface="Arial" panose="020B0604020202020204" pitchFamily="34" charset="0"/>
+              <a:buNone/>
+              <a:defRPr sz="1800" b="1" kern="1200" cap="all" spc="300" baseline="0">
+                <a:solidFill>
+                  <a:schemeClr val="tx1"/>
+                </a:solidFill>
+                <a:latin typeface="+mn-lt"/>
+                <a:ea typeface="+mn-ea"/>
+                <a:cs typeface="+mn-cs"/>
+              </a:defRPr>
+            </a:lvl1pPr>
+            <a:lvl2pPr marL="457200" indent="0" algn="ctr" defTabSz="914400" rtl="0" eaLnBrk="1" latinLnBrk="0" hangingPunct="1">
+              <a:lnSpc>
+                <a:spcPct val="120000"/>
+              </a:lnSpc>
+              <a:spcBef>
+                <a:spcPts val="500"/>
+              </a:spcBef>
+              <a:buSzPct val="87000"/>
+              <a:buFont typeface="Arial" panose="020B0604020202020204" pitchFamily="34" charset="0"/>
+              <a:buNone/>
+              <a:defRPr sz="2000" kern="1200">
+                <a:solidFill>
+                  <a:schemeClr val="tx1"/>
+                </a:solidFill>
+                <a:latin typeface="+mn-lt"/>
+                <a:ea typeface="+mn-ea"/>
+                <a:cs typeface="+mn-cs"/>
+              </a:defRPr>
+            </a:lvl2pPr>
+            <a:lvl3pPr marL="914400" indent="0" algn="ctr" defTabSz="914400" rtl="0" eaLnBrk="1" latinLnBrk="0" hangingPunct="1">
+              <a:lnSpc>
+                <a:spcPct val="120000"/>
+              </a:lnSpc>
+              <a:spcBef>
+                <a:spcPts val="500"/>
+              </a:spcBef>
+              <a:buSzPct val="87000"/>
+              <a:buFont typeface="Arial" panose="020B0604020202020204" pitchFamily="34" charset="0"/>
+              <a:buNone/>
+              <a:defRPr sz="1800" kern="1200">
+                <a:solidFill>
+                  <a:schemeClr val="tx1"/>
+                </a:solidFill>
+                <a:latin typeface="+mn-lt"/>
+                <a:ea typeface="+mn-ea"/>
+                <a:cs typeface="+mn-cs"/>
+              </a:defRPr>
+            </a:lvl3pPr>
+            <a:lvl4pPr marL="1371600" indent="0" algn="ctr" defTabSz="914400" rtl="0" eaLnBrk="1" latinLnBrk="0" hangingPunct="1">
+              <a:lnSpc>
+                <a:spcPct val="120000"/>
+              </a:lnSpc>
+              <a:spcBef>
+                <a:spcPts val="500"/>
+              </a:spcBef>
+              <a:buSzPct val="87000"/>
+              <a:buFont typeface="Arial" panose="020B0604020202020204" pitchFamily="34" charset="0"/>
+              <a:buNone/>
+              <a:defRPr sz="1600" kern="1200">
+                <a:solidFill>
+                  <a:schemeClr val="tx1"/>
+                </a:solidFill>
+                <a:latin typeface="+mn-lt"/>
+                <a:ea typeface="+mn-ea"/>
+                <a:cs typeface="+mn-cs"/>
+              </a:defRPr>
+            </a:lvl4pPr>
+            <a:lvl5pPr marL="1828800" indent="0" algn="ctr" defTabSz="914400" rtl="0" eaLnBrk="1" latinLnBrk="0" hangingPunct="1">
+              <a:lnSpc>
+                <a:spcPct val="120000"/>
+              </a:lnSpc>
+              <a:spcBef>
+                <a:spcPts val="500"/>
+              </a:spcBef>
+              <a:buSzPct val="87000"/>
+              <a:buFont typeface="Arial" panose="020B0604020202020204" pitchFamily="34" charset="0"/>
+              <a:buNone/>
+              <a:defRPr sz="1600" kern="1200">
+                <a:solidFill>
+                  <a:schemeClr val="tx1"/>
+                </a:solidFill>
+                <a:latin typeface="+mn-lt"/>
+                <a:ea typeface="+mn-ea"/>
+                <a:cs typeface="+mn-cs"/>
+              </a:defRPr>
+            </a:lvl5pPr>
+            <a:lvl6pPr marL="2286000" indent="0" algn="ctr" defTabSz="914400" rtl="0" eaLnBrk="1" latinLnBrk="0" hangingPunct="1">
+              <a:lnSpc>
+                <a:spcPct val="90000"/>
+              </a:lnSpc>
+              <a:spcBef>
+                <a:spcPts val="500"/>
+              </a:spcBef>
+              <a:buFont typeface="Arial" panose="020B0604020202020204" pitchFamily="34" charset="0"/>
+              <a:buNone/>
+              <a:defRPr sz="1600" kern="1200">
+                <a:solidFill>
+                  <a:schemeClr val="tx1"/>
+                </a:solidFill>
+                <a:latin typeface="+mn-lt"/>
+                <a:ea typeface="+mn-ea"/>
+                <a:cs typeface="+mn-cs"/>
+              </a:defRPr>
+            </a:lvl6pPr>
+            <a:lvl7pPr marL="2743200" indent="0" algn="ctr" defTabSz="914400" rtl="0" eaLnBrk="1" latinLnBrk="0" hangingPunct="1">
+              <a:lnSpc>
+                <a:spcPct val="90000"/>
+              </a:lnSpc>
+              <a:spcBef>
+                <a:spcPts val="500"/>
+              </a:spcBef>
+              <a:buFont typeface="Arial" panose="020B0604020202020204" pitchFamily="34" charset="0"/>
+              <a:buNone/>
+              <a:defRPr sz="1600" kern="1200">
+                <a:solidFill>
+                  <a:schemeClr val="tx1"/>
+                </a:solidFill>
+                <a:latin typeface="+mn-lt"/>
+                <a:ea typeface="+mn-ea"/>
+                <a:cs typeface="+mn-cs"/>
+              </a:defRPr>
+            </a:lvl7pPr>
+            <a:lvl8pPr marL="3200400" indent="0" algn="ctr" defTabSz="914400" rtl="0" eaLnBrk="1" latinLnBrk="0" hangingPunct="1">
+              <a:lnSpc>
+                <a:spcPct val="90000"/>
+              </a:lnSpc>
+              <a:spcBef>
+                <a:spcPts val="500"/>
+              </a:spcBef>
+              <a:buFont typeface="Arial" panose="020B0604020202020204" pitchFamily="34" charset="0"/>
+              <a:buNone/>
+              <a:defRPr sz="1600" kern="1200">
+                <a:solidFill>
+                  <a:schemeClr val="tx1"/>
+                </a:solidFill>
+                <a:latin typeface="+mn-lt"/>
+                <a:ea typeface="+mn-ea"/>
+                <a:cs typeface="+mn-cs"/>
+              </a:defRPr>
+            </a:lvl8pPr>
+            <a:lvl9pPr marL="3657600" indent="0" algn="ctr" defTabSz="914400" rtl="0" eaLnBrk="1" latinLnBrk="0" hangingPunct="1">
+              <a:lnSpc>
+                <a:spcPct val="90000"/>
+              </a:lnSpc>
+              <a:spcBef>
+                <a:spcPts val="500"/>
+              </a:spcBef>
+              <a:buFont typeface="Arial" panose="020B0604020202020204" pitchFamily="34" charset="0"/>
+              <a:buNone/>
+              <a:defRPr sz="1600" kern="1200">
+                <a:solidFill>
+                  <a:schemeClr val="tx1"/>
+                </a:solidFill>
+                <a:latin typeface="+mn-lt"/>
+                <a:ea typeface="+mn-ea"/>
+                <a:cs typeface="+mn-cs"/>
+              </a:defRPr>
+            </a:lvl9pPr>
+          </a:lstStyle>
+          <a:p>
+            <a:pPr marL="285750" indent="-285750">
+              <a:buFont typeface="Arial" panose="020B0604020202020204" pitchFamily="34" charset="0"/>
+              <a:buChar char="•"/>
+            </a:pPr>
+            <a:endParaRPr lang="pt-PT" dirty="0"/>
+          </a:p>
+          <a:p>
+            <a:pPr marL="285750" indent="-285750">
+              <a:buFont typeface="Arial" panose="020B0604020202020204" pitchFamily="34" charset="0"/>
+              <a:buChar char="•"/>
+            </a:pPr>
+            <a:endParaRPr lang="pt-PT" dirty="0"/>
+          </a:p>
+        </p:txBody>
+      </p:sp>
+      <p:sp>
+        <p:nvSpPr>
+          <p:cNvPr id="7" name="Subtítulo 2">
+            <a:extLst>
+              <a:ext uri="{FF2B5EF4-FFF2-40B4-BE49-F238E27FC236}">
+                <a16:creationId xmlns:a16="http://schemas.microsoft.com/office/drawing/2014/main" id="{851C8767-CBE1-ED07-1996-5656E89DEC46}"/>
+              </a:ext>
+            </a:extLst>
+          </p:cNvPr>
+          <p:cNvSpPr txBox="1">
+            <a:spLocks/>
+          </p:cNvSpPr>
+          <p:nvPr/>
+        </p:nvSpPr>
+        <p:spPr>
+          <a:xfrm>
+            <a:off x="7762027" y="1812416"/>
+            <a:ext cx="3294888" cy="2054590"/>
+          </a:xfrm>
+          <a:prstGeom prst="rect">
+            <a:avLst/>
+          </a:prstGeom>
+        </p:spPr>
+        <p:txBody>
+          <a:bodyPr vert="horz" lIns="91440" tIns="45720" rIns="91440" bIns="45720" rtlCol="0" anchor="t">
+            <a:normAutofit fontScale="92500" lnSpcReduction="10000"/>
+          </a:bodyPr>
+          <a:lstStyle>
+            <a:lvl1pPr marL="0" indent="0" algn="l" defTabSz="914400" rtl="0" eaLnBrk="1" latinLnBrk="0" hangingPunct="1">
+              <a:lnSpc>
+                <a:spcPct val="130000"/>
+              </a:lnSpc>
+              <a:spcBef>
+                <a:spcPts val="1000"/>
+              </a:spcBef>
+              <a:buSzPct val="87000"/>
+              <a:buFont typeface="Arial" panose="020B0604020202020204" pitchFamily="34" charset="0"/>
+              <a:buNone/>
+              <a:defRPr sz="1800" b="1" kern="1200" cap="all" spc="300" baseline="0">
+                <a:solidFill>
+                  <a:schemeClr val="tx1"/>
+                </a:solidFill>
+                <a:latin typeface="+mn-lt"/>
+                <a:ea typeface="+mn-ea"/>
+                <a:cs typeface="+mn-cs"/>
+              </a:defRPr>
+            </a:lvl1pPr>
+            <a:lvl2pPr marL="457200" indent="0" algn="ctr" defTabSz="914400" rtl="0" eaLnBrk="1" latinLnBrk="0" hangingPunct="1">
+              <a:lnSpc>
+                <a:spcPct val="120000"/>
+              </a:lnSpc>
+              <a:spcBef>
+                <a:spcPts val="500"/>
+              </a:spcBef>
+              <a:buSzPct val="87000"/>
+              <a:buFont typeface="Arial" panose="020B0604020202020204" pitchFamily="34" charset="0"/>
+              <a:buNone/>
+              <a:defRPr sz="2000" kern="1200">
+                <a:solidFill>
+                  <a:schemeClr val="tx1"/>
+                </a:solidFill>
+                <a:latin typeface="+mn-lt"/>
+                <a:ea typeface="+mn-ea"/>
+                <a:cs typeface="+mn-cs"/>
+              </a:defRPr>
+            </a:lvl2pPr>
+            <a:lvl3pPr marL="914400" indent="0" algn="ctr" defTabSz="914400" rtl="0" eaLnBrk="1" latinLnBrk="0" hangingPunct="1">
+              <a:lnSpc>
+                <a:spcPct val="120000"/>
+              </a:lnSpc>
+              <a:spcBef>
+                <a:spcPts val="500"/>
+              </a:spcBef>
+              <a:buSzPct val="87000"/>
+              <a:buFont typeface="Arial" panose="020B0604020202020204" pitchFamily="34" charset="0"/>
+              <a:buNone/>
+              <a:defRPr sz="1800" kern="1200">
+                <a:solidFill>
+                  <a:schemeClr val="tx1"/>
+                </a:solidFill>
+                <a:latin typeface="+mn-lt"/>
+                <a:ea typeface="+mn-ea"/>
+                <a:cs typeface="+mn-cs"/>
+              </a:defRPr>
+            </a:lvl3pPr>
+            <a:lvl4pPr marL="1371600" indent="0" algn="ctr" defTabSz="914400" rtl="0" eaLnBrk="1" latinLnBrk="0" hangingPunct="1">
+              <a:lnSpc>
+                <a:spcPct val="120000"/>
+              </a:lnSpc>
+              <a:spcBef>
+                <a:spcPts val="500"/>
+              </a:spcBef>
+              <a:buSzPct val="87000"/>
+              <a:buFont typeface="Arial" panose="020B0604020202020204" pitchFamily="34" charset="0"/>
+              <a:buNone/>
+              <a:defRPr sz="1600" kern="1200">
+                <a:solidFill>
+                  <a:schemeClr val="tx1"/>
+                </a:solidFill>
+                <a:latin typeface="+mn-lt"/>
+                <a:ea typeface="+mn-ea"/>
+                <a:cs typeface="+mn-cs"/>
+              </a:defRPr>
+            </a:lvl4pPr>
+            <a:lvl5pPr marL="1828800" indent="0" algn="ctr" defTabSz="914400" rtl="0" eaLnBrk="1" latinLnBrk="0" hangingPunct="1">
+              <a:lnSpc>
+                <a:spcPct val="120000"/>
+              </a:lnSpc>
+              <a:spcBef>
+                <a:spcPts val="500"/>
+              </a:spcBef>
+              <a:buSzPct val="87000"/>
+              <a:buFont typeface="Arial" panose="020B0604020202020204" pitchFamily="34" charset="0"/>
+              <a:buNone/>
+              <a:defRPr sz="1600" kern="1200">
+                <a:solidFill>
+                  <a:schemeClr val="tx1"/>
+                </a:solidFill>
+                <a:latin typeface="+mn-lt"/>
+                <a:ea typeface="+mn-ea"/>
+                <a:cs typeface="+mn-cs"/>
+              </a:defRPr>
+            </a:lvl5pPr>
+            <a:lvl6pPr marL="2286000" indent="0" algn="ctr" defTabSz="914400" rtl="0" eaLnBrk="1" latinLnBrk="0" hangingPunct="1">
+              <a:lnSpc>
+                <a:spcPct val="90000"/>
+              </a:lnSpc>
+              <a:spcBef>
+                <a:spcPts val="500"/>
+              </a:spcBef>
+              <a:buFont typeface="Arial" panose="020B0604020202020204" pitchFamily="34" charset="0"/>
+              <a:buNone/>
+              <a:defRPr sz="1600" kern="1200">
+                <a:solidFill>
+                  <a:schemeClr val="tx1"/>
+                </a:solidFill>
+                <a:latin typeface="+mn-lt"/>
+                <a:ea typeface="+mn-ea"/>
+                <a:cs typeface="+mn-cs"/>
+              </a:defRPr>
+            </a:lvl6pPr>
+            <a:lvl7pPr marL="2743200" indent="0" algn="ctr" defTabSz="914400" rtl="0" eaLnBrk="1" latinLnBrk="0" hangingPunct="1">
+              <a:lnSpc>
+                <a:spcPct val="90000"/>
+              </a:lnSpc>
+              <a:spcBef>
+                <a:spcPts val="500"/>
+              </a:spcBef>
+              <a:buFont typeface="Arial" panose="020B0604020202020204" pitchFamily="34" charset="0"/>
+              <a:buNone/>
+              <a:defRPr sz="1600" kern="1200">
+                <a:solidFill>
+                  <a:schemeClr val="tx1"/>
+                </a:solidFill>
+                <a:latin typeface="+mn-lt"/>
+                <a:ea typeface="+mn-ea"/>
+                <a:cs typeface="+mn-cs"/>
+              </a:defRPr>
+            </a:lvl7pPr>
+            <a:lvl8pPr marL="3200400" indent="0" algn="ctr" defTabSz="914400" rtl="0" eaLnBrk="1" latinLnBrk="0" hangingPunct="1">
+              <a:lnSpc>
+                <a:spcPct val="90000"/>
+              </a:lnSpc>
+              <a:spcBef>
+                <a:spcPts val="500"/>
+              </a:spcBef>
+              <a:buFont typeface="Arial" panose="020B0604020202020204" pitchFamily="34" charset="0"/>
+              <a:buNone/>
+              <a:defRPr sz="1600" kern="1200">
+                <a:solidFill>
+                  <a:schemeClr val="tx1"/>
+                </a:solidFill>
+                <a:latin typeface="+mn-lt"/>
+                <a:ea typeface="+mn-ea"/>
+                <a:cs typeface="+mn-cs"/>
+              </a:defRPr>
+            </a:lvl8pPr>
+            <a:lvl9pPr marL="3657600" indent="0" algn="ctr" defTabSz="914400" rtl="0" eaLnBrk="1" latinLnBrk="0" hangingPunct="1">
+              <a:lnSpc>
+                <a:spcPct val="90000"/>
+              </a:lnSpc>
+              <a:spcBef>
+                <a:spcPts val="500"/>
+              </a:spcBef>
+              <a:buFont typeface="Arial" panose="020B0604020202020204" pitchFamily="34" charset="0"/>
+              <a:buNone/>
+              <a:defRPr sz="1600" kern="1200">
+                <a:solidFill>
+                  <a:schemeClr val="tx1"/>
+                </a:solidFill>
+                <a:latin typeface="+mn-lt"/>
+                <a:ea typeface="+mn-ea"/>
+                <a:cs typeface="+mn-cs"/>
+              </a:defRPr>
+            </a:lvl9pPr>
+          </a:lstStyle>
+          <a:p>
+            <a:pPr marL="285750" indent="-285750">
+              <a:buFont typeface="Arial" panose="020B0604020202020204" pitchFamily="34" charset="0"/>
+              <a:buChar char="•"/>
+            </a:pPr>
+            <a:endParaRPr lang="pt-PT" dirty="0"/>
+          </a:p>
+          <a:p>
+            <a:pPr marL="285750" indent="-285750">
+              <a:buFont typeface="Arial" panose="020B0604020202020204" pitchFamily="34" charset="0"/>
+              <a:buChar char="•"/>
+            </a:pPr>
+            <a:r>
+              <a:rPr lang="pt-PT" dirty="0"/>
+              <a:t>Entrega de dados</a:t>
+            </a:r>
+          </a:p>
+          <a:p>
+            <a:pPr marL="800100" lvl="1" indent="-342900" algn="l">
+              <a:buFont typeface="Courier New" panose="02070309020205020404" pitchFamily="49" charset="0"/>
+              <a:buChar char="o"/>
+            </a:pPr>
+            <a:r>
+              <a:rPr lang="pt-PT" sz="1400" dirty="0"/>
+              <a:t>PostgreSQL</a:t>
+            </a:r>
+          </a:p>
+          <a:p>
+            <a:pPr marL="800100" lvl="1" indent="-342900" algn="l">
+              <a:buFont typeface="Courier New" panose="02070309020205020404" pitchFamily="49" charset="0"/>
+              <a:buChar char="o"/>
+            </a:pPr>
+            <a:r>
+              <a:rPr lang="pt-PT" sz="1400" dirty="0"/>
+              <a:t>FastAPI</a:t>
+            </a:r>
+          </a:p>
+          <a:p>
+            <a:pPr marL="800100" lvl="1" indent="-342900" algn="l">
+              <a:buFont typeface="Courier New" panose="02070309020205020404" pitchFamily="49" charset="0"/>
+              <a:buChar char="o"/>
+            </a:pPr>
+            <a:r>
+              <a:rPr lang="pt-PT" sz="1400" dirty="0"/>
+              <a:t>Metabase</a:t>
+            </a:r>
+          </a:p>
+          <a:p>
+            <a:pPr marL="800100" lvl="1" indent="-342900" algn="l">
+              <a:buFont typeface="Courier New" panose="02070309020205020404" pitchFamily="49" charset="0"/>
+              <a:buChar char="o"/>
+            </a:pPr>
+            <a:r>
+              <a:rPr lang="pt-PT" sz="1400" dirty="0"/>
+              <a:t>Trino</a:t>
+            </a:r>
+          </a:p>
+          <a:p>
+            <a:pPr marL="742950" lvl="1" indent="-285750" algn="l">
+              <a:buFont typeface="Arial" panose="020B0604020202020204" pitchFamily="34" charset="0"/>
+              <a:buChar char="•"/>
+            </a:pPr>
+            <a:endParaRPr lang="pt-PT" dirty="0"/>
+          </a:p>
+          <a:p>
+            <a:pPr marL="742950" lvl="1" indent="-285750" algn="l">
+              <a:buFont typeface="Arial" panose="020B0604020202020204" pitchFamily="34" charset="0"/>
+              <a:buChar char="•"/>
+            </a:pPr>
+            <a:endParaRPr lang="pt-PT" dirty="0"/>
+          </a:p>
+          <a:p>
+            <a:endParaRPr lang="pt-PT" dirty="0"/>
+          </a:p>
+        </p:txBody>
+      </p:sp>
+      <p:cxnSp>
+        <p:nvCxnSpPr>
+          <p:cNvPr id="19" name="Conector reto 18">
+            <a:extLst>
+              <a:ext uri="{FF2B5EF4-FFF2-40B4-BE49-F238E27FC236}">
+                <a16:creationId xmlns:a16="http://schemas.microsoft.com/office/drawing/2014/main" id="{0E93D895-4203-E605-1DCB-72087D5F8156}"/>
+              </a:ext>
+            </a:extLst>
+          </p:cNvPr>
+          <p:cNvCxnSpPr>
+            <a:cxnSpLocks/>
+          </p:cNvCxnSpPr>
+          <p:nvPr/>
+        </p:nvCxnSpPr>
+        <p:spPr>
+          <a:xfrm>
+            <a:off x="7070131" y="2130552"/>
+            <a:ext cx="0" cy="4517136"/>
+          </a:xfrm>
+          <a:prstGeom prst="line">
+            <a:avLst/>
+          </a:prstGeom>
+        </p:spPr>
+        <p:style>
+          <a:lnRef idx="1">
+            <a:schemeClr val="dk1"/>
+          </a:lnRef>
+          <a:fillRef idx="0">
+            <a:schemeClr val="dk1"/>
+          </a:fillRef>
+          <a:effectRef idx="0">
+            <a:schemeClr val="dk1"/>
+          </a:effectRef>
+          <a:fontRef idx="minor">
+            <a:schemeClr val="tx1"/>
+          </a:fontRef>
+        </p:style>
+      </p:cxnSp>
+      <p:sp>
+        <p:nvSpPr>
+          <p:cNvPr id="24" name="Subtítulo 2">
+            <a:extLst>
+              <a:ext uri="{FF2B5EF4-FFF2-40B4-BE49-F238E27FC236}">
+                <a16:creationId xmlns:a16="http://schemas.microsoft.com/office/drawing/2014/main" id="{39B0EE7A-8EEE-3C70-DDBA-0FF17B4F8628}"/>
+              </a:ext>
+            </a:extLst>
+          </p:cNvPr>
+          <p:cNvSpPr txBox="1">
+            <a:spLocks/>
+          </p:cNvSpPr>
+          <p:nvPr/>
+        </p:nvSpPr>
+        <p:spPr>
+          <a:xfrm>
+            <a:off x="6096000" y="2591563"/>
+            <a:ext cx="4672584" cy="3205733"/>
+          </a:xfrm>
+          <a:prstGeom prst="rect">
+            <a:avLst/>
+          </a:prstGeom>
+        </p:spPr>
+        <p:txBody>
+          <a:bodyPr vert="horz" lIns="91440" tIns="45720" rIns="91440" bIns="45720" rtlCol="0" anchor="t">
+            <a:normAutofit/>
+          </a:bodyPr>
+          <a:lstStyle>
+            <a:lvl1pPr marL="0" indent="0" algn="l" defTabSz="914400" rtl="0" eaLnBrk="1" latinLnBrk="0" hangingPunct="1">
+              <a:lnSpc>
+                <a:spcPct val="130000"/>
+              </a:lnSpc>
+              <a:spcBef>
+                <a:spcPts val="1000"/>
+              </a:spcBef>
+              <a:buSzPct val="87000"/>
+              <a:buFont typeface="Arial" panose="020B0604020202020204" pitchFamily="34" charset="0"/>
+              <a:buNone/>
+              <a:defRPr sz="1800" b="1" kern="1200" cap="all" spc="300" baseline="0">
+                <a:solidFill>
+                  <a:schemeClr val="tx1"/>
+                </a:solidFill>
+                <a:latin typeface="+mn-lt"/>
+                <a:ea typeface="+mn-ea"/>
+                <a:cs typeface="+mn-cs"/>
+              </a:defRPr>
+            </a:lvl1pPr>
+            <a:lvl2pPr marL="457200" indent="0" algn="ctr" defTabSz="914400" rtl="0" eaLnBrk="1" latinLnBrk="0" hangingPunct="1">
+              <a:lnSpc>
+                <a:spcPct val="120000"/>
+              </a:lnSpc>
+              <a:spcBef>
+                <a:spcPts val="500"/>
+              </a:spcBef>
+              <a:buSzPct val="87000"/>
+              <a:buFont typeface="Arial" panose="020B0604020202020204" pitchFamily="34" charset="0"/>
+              <a:buNone/>
+              <a:defRPr sz="2000" kern="1200">
+                <a:solidFill>
+                  <a:schemeClr val="tx1"/>
+                </a:solidFill>
+                <a:latin typeface="+mn-lt"/>
+                <a:ea typeface="+mn-ea"/>
+                <a:cs typeface="+mn-cs"/>
+              </a:defRPr>
+            </a:lvl2pPr>
+            <a:lvl3pPr marL="914400" indent="0" algn="ctr" defTabSz="914400" rtl="0" eaLnBrk="1" latinLnBrk="0" hangingPunct="1">
+              <a:lnSpc>
+                <a:spcPct val="120000"/>
+              </a:lnSpc>
+              <a:spcBef>
+                <a:spcPts val="500"/>
+              </a:spcBef>
+              <a:buSzPct val="87000"/>
+              <a:buFont typeface="Arial" panose="020B0604020202020204" pitchFamily="34" charset="0"/>
+              <a:buNone/>
+              <a:defRPr sz="1800" kern="1200">
+                <a:solidFill>
+                  <a:schemeClr val="tx1"/>
+                </a:solidFill>
+                <a:latin typeface="+mn-lt"/>
+                <a:ea typeface="+mn-ea"/>
+                <a:cs typeface="+mn-cs"/>
+              </a:defRPr>
+            </a:lvl3pPr>
+            <a:lvl4pPr marL="1371600" indent="0" algn="ctr" defTabSz="914400" rtl="0" eaLnBrk="1" latinLnBrk="0" hangingPunct="1">
+              <a:lnSpc>
+                <a:spcPct val="120000"/>
+              </a:lnSpc>
+              <a:spcBef>
+                <a:spcPts val="500"/>
+              </a:spcBef>
+              <a:buSzPct val="87000"/>
+              <a:buFont typeface="Arial" panose="020B0604020202020204" pitchFamily="34" charset="0"/>
+              <a:buNone/>
+              <a:defRPr sz="1600" kern="1200">
+                <a:solidFill>
+                  <a:schemeClr val="tx1"/>
+                </a:solidFill>
+                <a:latin typeface="+mn-lt"/>
+                <a:ea typeface="+mn-ea"/>
+                <a:cs typeface="+mn-cs"/>
+              </a:defRPr>
+            </a:lvl4pPr>
+            <a:lvl5pPr marL="1828800" indent="0" algn="ctr" defTabSz="914400" rtl="0" eaLnBrk="1" latinLnBrk="0" hangingPunct="1">
+              <a:lnSpc>
+                <a:spcPct val="120000"/>
+              </a:lnSpc>
+              <a:spcBef>
+                <a:spcPts val="500"/>
+              </a:spcBef>
+              <a:buSzPct val="87000"/>
+              <a:buFont typeface="Arial" panose="020B0604020202020204" pitchFamily="34" charset="0"/>
+              <a:buNone/>
+              <a:defRPr sz="1600" kern="1200">
+                <a:solidFill>
+                  <a:schemeClr val="tx1"/>
+                </a:solidFill>
+                <a:latin typeface="+mn-lt"/>
+                <a:ea typeface="+mn-ea"/>
+                <a:cs typeface="+mn-cs"/>
+              </a:defRPr>
+            </a:lvl5pPr>
+            <a:lvl6pPr marL="2286000" indent="0" algn="ctr" defTabSz="914400" rtl="0" eaLnBrk="1" latinLnBrk="0" hangingPunct="1">
+              <a:lnSpc>
+                <a:spcPct val="90000"/>
+              </a:lnSpc>
+              <a:spcBef>
+                <a:spcPts val="500"/>
+              </a:spcBef>
+              <a:buFont typeface="Arial" panose="020B0604020202020204" pitchFamily="34" charset="0"/>
+              <a:buNone/>
+              <a:defRPr sz="1600" kern="1200">
+                <a:solidFill>
+                  <a:schemeClr val="tx1"/>
+                </a:solidFill>
+                <a:latin typeface="+mn-lt"/>
+                <a:ea typeface="+mn-ea"/>
+                <a:cs typeface="+mn-cs"/>
+              </a:defRPr>
+            </a:lvl6pPr>
+            <a:lvl7pPr marL="2743200" indent="0" algn="ctr" defTabSz="914400" rtl="0" eaLnBrk="1" latinLnBrk="0" hangingPunct="1">
+              <a:lnSpc>
+                <a:spcPct val="90000"/>
+              </a:lnSpc>
+              <a:spcBef>
+                <a:spcPts val="500"/>
+              </a:spcBef>
+              <a:buFont typeface="Arial" panose="020B0604020202020204" pitchFamily="34" charset="0"/>
+              <a:buNone/>
+              <a:defRPr sz="1600" kern="1200">
+                <a:solidFill>
+                  <a:schemeClr val="tx1"/>
+                </a:solidFill>
+                <a:latin typeface="+mn-lt"/>
+                <a:ea typeface="+mn-ea"/>
+                <a:cs typeface="+mn-cs"/>
+              </a:defRPr>
+            </a:lvl7pPr>
+            <a:lvl8pPr marL="3200400" indent="0" algn="ctr" defTabSz="914400" rtl="0" eaLnBrk="1" latinLnBrk="0" hangingPunct="1">
+              <a:lnSpc>
+                <a:spcPct val="90000"/>
+              </a:lnSpc>
+              <a:spcBef>
+                <a:spcPts val="500"/>
+              </a:spcBef>
+              <a:buFont typeface="Arial" panose="020B0604020202020204" pitchFamily="34" charset="0"/>
+              <a:buNone/>
+              <a:defRPr sz="1600" kern="1200">
+                <a:solidFill>
+                  <a:schemeClr val="tx1"/>
+                </a:solidFill>
+                <a:latin typeface="+mn-lt"/>
+                <a:ea typeface="+mn-ea"/>
+                <a:cs typeface="+mn-cs"/>
+              </a:defRPr>
+            </a:lvl8pPr>
+            <a:lvl9pPr marL="3657600" indent="0" algn="ctr" defTabSz="914400" rtl="0" eaLnBrk="1" latinLnBrk="0" hangingPunct="1">
+              <a:lnSpc>
+                <a:spcPct val="90000"/>
+              </a:lnSpc>
+              <a:spcBef>
+                <a:spcPts val="500"/>
+              </a:spcBef>
+              <a:buFont typeface="Arial" panose="020B0604020202020204" pitchFamily="34" charset="0"/>
+              <a:buNone/>
+              <a:defRPr sz="1600" kern="1200">
+                <a:solidFill>
+                  <a:schemeClr val="tx1"/>
+                </a:solidFill>
+                <a:latin typeface="+mn-lt"/>
+                <a:ea typeface="+mn-ea"/>
+                <a:cs typeface="+mn-cs"/>
+              </a:defRPr>
+            </a:lvl9pPr>
+          </a:lstStyle>
+          <a:p>
+            <a:pPr marL="285750" indent="-285750">
+              <a:buFont typeface="Arial" panose="020B0604020202020204" pitchFamily="34" charset="0"/>
+              <a:buChar char="•"/>
+            </a:pPr>
+            <a:endParaRPr lang="pt-PT" dirty="0"/>
+          </a:p>
+          <a:p>
+            <a:pPr marL="285750" indent="-285750">
+              <a:buFont typeface="Arial" panose="020B0604020202020204" pitchFamily="34" charset="0"/>
+              <a:buChar char="•"/>
+            </a:pPr>
+            <a:endParaRPr lang="pt-PT" dirty="0"/>
+          </a:p>
+        </p:txBody>
+      </p:sp>
+      <p:sp>
+        <p:nvSpPr>
+          <p:cNvPr id="25" name="Subtítulo 2">
+            <a:extLst>
+              <a:ext uri="{FF2B5EF4-FFF2-40B4-BE49-F238E27FC236}">
+                <a16:creationId xmlns:a16="http://schemas.microsoft.com/office/drawing/2014/main" id="{C6DF296D-5E16-891D-39C3-94AB178B4E9D}"/>
+              </a:ext>
+            </a:extLst>
+          </p:cNvPr>
+          <p:cNvSpPr txBox="1">
+            <a:spLocks/>
+          </p:cNvSpPr>
+          <p:nvPr/>
+        </p:nvSpPr>
+        <p:spPr>
+          <a:xfrm>
+            <a:off x="395029" y="1711832"/>
+            <a:ext cx="6526998" cy="2264902"/>
+          </a:xfrm>
+          <a:prstGeom prst="rect">
+            <a:avLst/>
+          </a:prstGeom>
+        </p:spPr>
+        <p:txBody>
+          <a:bodyPr vert="horz" lIns="91440" tIns="45720" rIns="91440" bIns="45720" rtlCol="0" anchor="t">
+            <a:normAutofit/>
+          </a:bodyPr>
+          <a:lstStyle>
+            <a:lvl1pPr marL="0" indent="0" algn="l" defTabSz="914400" rtl="0" eaLnBrk="1" latinLnBrk="0" hangingPunct="1">
+              <a:lnSpc>
+                <a:spcPct val="130000"/>
+              </a:lnSpc>
+              <a:spcBef>
+                <a:spcPts val="1000"/>
+              </a:spcBef>
+              <a:buSzPct val="87000"/>
+              <a:buFont typeface="Arial" panose="020B0604020202020204" pitchFamily="34" charset="0"/>
+              <a:buNone/>
+              <a:defRPr sz="1800" b="1" kern="1200" cap="all" spc="300" baseline="0">
+                <a:solidFill>
+                  <a:schemeClr val="tx1"/>
+                </a:solidFill>
+                <a:latin typeface="+mn-lt"/>
+                <a:ea typeface="+mn-ea"/>
+                <a:cs typeface="+mn-cs"/>
+              </a:defRPr>
+            </a:lvl1pPr>
+            <a:lvl2pPr marL="457200" indent="0" algn="ctr" defTabSz="914400" rtl="0" eaLnBrk="1" latinLnBrk="0" hangingPunct="1">
+              <a:lnSpc>
+                <a:spcPct val="120000"/>
+              </a:lnSpc>
+              <a:spcBef>
+                <a:spcPts val="500"/>
+              </a:spcBef>
+              <a:buSzPct val="87000"/>
+              <a:buFont typeface="Arial" panose="020B0604020202020204" pitchFamily="34" charset="0"/>
+              <a:buNone/>
+              <a:defRPr sz="2000" kern="1200">
+                <a:solidFill>
+                  <a:schemeClr val="tx1"/>
+                </a:solidFill>
+                <a:latin typeface="+mn-lt"/>
+                <a:ea typeface="+mn-ea"/>
+                <a:cs typeface="+mn-cs"/>
+              </a:defRPr>
+            </a:lvl2pPr>
+            <a:lvl3pPr marL="914400" indent="0" algn="ctr" defTabSz="914400" rtl="0" eaLnBrk="1" latinLnBrk="0" hangingPunct="1">
+              <a:lnSpc>
+                <a:spcPct val="120000"/>
+              </a:lnSpc>
+              <a:spcBef>
+                <a:spcPts val="500"/>
+              </a:spcBef>
+              <a:buSzPct val="87000"/>
+              <a:buFont typeface="Arial" panose="020B0604020202020204" pitchFamily="34" charset="0"/>
+              <a:buNone/>
+              <a:defRPr sz="1800" kern="1200">
+                <a:solidFill>
+                  <a:schemeClr val="tx1"/>
+                </a:solidFill>
+                <a:latin typeface="+mn-lt"/>
+                <a:ea typeface="+mn-ea"/>
+                <a:cs typeface="+mn-cs"/>
+              </a:defRPr>
+            </a:lvl3pPr>
+            <a:lvl4pPr marL="1371600" indent="0" algn="ctr" defTabSz="914400" rtl="0" eaLnBrk="1" latinLnBrk="0" hangingPunct="1">
+              <a:lnSpc>
+                <a:spcPct val="120000"/>
+              </a:lnSpc>
+              <a:spcBef>
+                <a:spcPts val="500"/>
+              </a:spcBef>
+              <a:buSzPct val="87000"/>
+              <a:buFont typeface="Arial" panose="020B0604020202020204" pitchFamily="34" charset="0"/>
+              <a:buNone/>
+              <a:defRPr sz="1600" kern="1200">
+                <a:solidFill>
+                  <a:schemeClr val="tx1"/>
+                </a:solidFill>
+                <a:latin typeface="+mn-lt"/>
+                <a:ea typeface="+mn-ea"/>
+                <a:cs typeface="+mn-cs"/>
+              </a:defRPr>
+            </a:lvl4pPr>
+            <a:lvl5pPr marL="1828800" indent="0" algn="ctr" defTabSz="914400" rtl="0" eaLnBrk="1" latinLnBrk="0" hangingPunct="1">
+              <a:lnSpc>
+                <a:spcPct val="120000"/>
+              </a:lnSpc>
+              <a:spcBef>
+                <a:spcPts val="500"/>
+              </a:spcBef>
+              <a:buSzPct val="87000"/>
+              <a:buFont typeface="Arial" panose="020B0604020202020204" pitchFamily="34" charset="0"/>
+              <a:buNone/>
+              <a:defRPr sz="1600" kern="1200">
+                <a:solidFill>
+                  <a:schemeClr val="tx1"/>
+                </a:solidFill>
+                <a:latin typeface="+mn-lt"/>
+                <a:ea typeface="+mn-ea"/>
+                <a:cs typeface="+mn-cs"/>
+              </a:defRPr>
+            </a:lvl5pPr>
+            <a:lvl6pPr marL="2286000" indent="0" algn="ctr" defTabSz="914400" rtl="0" eaLnBrk="1" latinLnBrk="0" hangingPunct="1">
+              <a:lnSpc>
+                <a:spcPct val="90000"/>
+              </a:lnSpc>
+              <a:spcBef>
+                <a:spcPts val="500"/>
+              </a:spcBef>
+              <a:buFont typeface="Arial" panose="020B0604020202020204" pitchFamily="34" charset="0"/>
+              <a:buNone/>
+              <a:defRPr sz="1600" kern="1200">
+                <a:solidFill>
+                  <a:schemeClr val="tx1"/>
+                </a:solidFill>
+                <a:latin typeface="+mn-lt"/>
+                <a:ea typeface="+mn-ea"/>
+                <a:cs typeface="+mn-cs"/>
+              </a:defRPr>
+            </a:lvl6pPr>
+            <a:lvl7pPr marL="2743200" indent="0" algn="ctr" defTabSz="914400" rtl="0" eaLnBrk="1" latinLnBrk="0" hangingPunct="1">
+              <a:lnSpc>
+                <a:spcPct val="90000"/>
+              </a:lnSpc>
+              <a:spcBef>
+                <a:spcPts val="500"/>
+              </a:spcBef>
+              <a:buFont typeface="Arial" panose="020B0604020202020204" pitchFamily="34" charset="0"/>
+              <a:buNone/>
+              <a:defRPr sz="1600" kern="1200">
+                <a:solidFill>
+                  <a:schemeClr val="tx1"/>
+                </a:solidFill>
+                <a:latin typeface="+mn-lt"/>
+                <a:ea typeface="+mn-ea"/>
+                <a:cs typeface="+mn-cs"/>
+              </a:defRPr>
+            </a:lvl7pPr>
+            <a:lvl8pPr marL="3200400" indent="0" algn="ctr" defTabSz="914400" rtl="0" eaLnBrk="1" latinLnBrk="0" hangingPunct="1">
+              <a:lnSpc>
+                <a:spcPct val="90000"/>
+              </a:lnSpc>
+              <a:spcBef>
+                <a:spcPts val="500"/>
+              </a:spcBef>
+              <a:buFont typeface="Arial" panose="020B0604020202020204" pitchFamily="34" charset="0"/>
+              <a:buNone/>
+              <a:defRPr sz="1600" kern="1200">
+                <a:solidFill>
+                  <a:schemeClr val="tx1"/>
+                </a:solidFill>
+                <a:latin typeface="+mn-lt"/>
+                <a:ea typeface="+mn-ea"/>
+                <a:cs typeface="+mn-cs"/>
+              </a:defRPr>
+            </a:lvl8pPr>
+            <a:lvl9pPr marL="3657600" indent="0" algn="ctr" defTabSz="914400" rtl="0" eaLnBrk="1" latinLnBrk="0" hangingPunct="1">
+              <a:lnSpc>
+                <a:spcPct val="90000"/>
+              </a:lnSpc>
+              <a:spcBef>
+                <a:spcPts val="500"/>
+              </a:spcBef>
+              <a:buFont typeface="Arial" panose="020B0604020202020204" pitchFamily="34" charset="0"/>
+              <a:buNone/>
+              <a:defRPr sz="1600" kern="1200">
+                <a:solidFill>
+                  <a:schemeClr val="tx1"/>
+                </a:solidFill>
+                <a:latin typeface="+mn-lt"/>
+                <a:ea typeface="+mn-ea"/>
+                <a:cs typeface="+mn-cs"/>
+              </a:defRPr>
+            </a:lvl9pPr>
+          </a:lstStyle>
+          <a:p>
+            <a:pPr marL="285750" indent="-285750">
+              <a:buFont typeface="Arial" panose="020B0604020202020204" pitchFamily="34" charset="0"/>
+              <a:buChar char="•"/>
+            </a:pPr>
+            <a:endParaRPr lang="pt-PT" dirty="0"/>
+          </a:p>
+          <a:p>
+            <a:pPr marL="285750" indent="-285750">
+              <a:buFont typeface="Arial" panose="020B0604020202020204" pitchFamily="34" charset="0"/>
+              <a:buChar char="•"/>
+            </a:pPr>
+            <a:r>
+              <a:rPr lang="pt-PT" dirty="0"/>
+              <a:t>Processamento batch (Lote)</a:t>
+            </a:r>
+          </a:p>
+          <a:p>
+            <a:pPr marL="800100" lvl="1" indent="-342900" algn="l">
+              <a:buFont typeface="Courier New" panose="02070309020205020404" pitchFamily="49" charset="0"/>
+              <a:buChar char="o"/>
+            </a:pPr>
+            <a:r>
+              <a:rPr lang="pt-PT" sz="1300" dirty="0"/>
+              <a:t>Apache Airflow</a:t>
+            </a:r>
+          </a:p>
+          <a:p>
+            <a:pPr marL="800100" lvl="1" indent="-342900" algn="l">
+              <a:buFont typeface="Courier New" panose="02070309020205020404" pitchFamily="49" charset="0"/>
+              <a:buChar char="o"/>
+            </a:pPr>
+            <a:r>
+              <a:rPr lang="pt-PT" sz="1300" dirty="0"/>
+              <a:t>Apache Spark</a:t>
+            </a:r>
+            <a:endParaRPr lang="pt-PT" dirty="0"/>
+          </a:p>
+          <a:p>
+            <a:pPr marL="742950" lvl="1" indent="-285750" algn="l">
+              <a:buFont typeface="Arial" panose="020B0604020202020204" pitchFamily="34" charset="0"/>
+              <a:buChar char="•"/>
+            </a:pPr>
+            <a:endParaRPr lang="pt-PT" dirty="0"/>
+          </a:p>
+          <a:p>
+            <a:pPr marL="742950" lvl="1" indent="-285750" algn="l">
+              <a:buFont typeface="Arial" panose="020B0604020202020204" pitchFamily="34" charset="0"/>
+              <a:buChar char="•"/>
+            </a:pPr>
+            <a:endParaRPr lang="pt-PT" dirty="0"/>
+          </a:p>
+          <a:p>
+            <a:endParaRPr lang="pt-PT" dirty="0"/>
+          </a:p>
+        </p:txBody>
+      </p:sp>
+      <p:pic>
+        <p:nvPicPr>
+          <p:cNvPr id="8" name="Imagem 7">
+            <a:extLst>
+              <a:ext uri="{FF2B5EF4-FFF2-40B4-BE49-F238E27FC236}">
+                <a16:creationId xmlns:a16="http://schemas.microsoft.com/office/drawing/2014/main" id="{BBCCE95F-DEA1-7C1C-5DE6-3EE072B297C3}"/>
+              </a:ext>
+            </a:extLst>
+          </p:cNvPr>
+          <p:cNvPicPr>
+            <a:picLocks noChangeAspect="1"/>
+          </p:cNvPicPr>
+          <p:nvPr/>
+        </p:nvPicPr>
+        <p:blipFill>
+          <a:blip r:embed="rId2"/>
+          <a:stretch>
+            <a:fillRect/>
+          </a:stretch>
+        </p:blipFill>
+        <p:spPr>
+          <a:xfrm>
+            <a:off x="7315200" y="4003530"/>
+            <a:ext cx="4581524" cy="1942329"/>
+          </a:xfrm>
+          <a:prstGeom prst="rect">
+            <a:avLst/>
+          </a:prstGeom>
+        </p:spPr>
+      </p:pic>
+      <p:pic>
+        <p:nvPicPr>
+          <p:cNvPr id="5" name="Imagem 4">
+            <a:extLst>
+              <a:ext uri="{FF2B5EF4-FFF2-40B4-BE49-F238E27FC236}">
+                <a16:creationId xmlns:a16="http://schemas.microsoft.com/office/drawing/2014/main" id="{0E40D4A2-68C9-9F34-9E6D-DE6B9AFE0557}"/>
+              </a:ext>
+            </a:extLst>
+          </p:cNvPr>
+          <p:cNvPicPr>
+            <a:picLocks noChangeAspect="1"/>
+          </p:cNvPicPr>
+          <p:nvPr/>
+        </p:nvPicPr>
+        <p:blipFill>
+          <a:blip r:embed="rId3"/>
+          <a:stretch>
+            <a:fillRect/>
+          </a:stretch>
+        </p:blipFill>
+        <p:spPr>
+          <a:xfrm>
+            <a:off x="88590" y="3403880"/>
+            <a:ext cx="6833438" cy="2541979"/>
+          </a:xfrm>
+          <a:prstGeom prst="rect">
+            <a:avLst/>
+          </a:prstGeom>
+        </p:spPr>
+      </p:pic>
+    </p:spTree>
+    <p:extLst>
+      <p:ext uri="{BB962C8B-B14F-4D97-AF65-F5344CB8AC3E}">
+        <p14:creationId xmlns:p14="http://schemas.microsoft.com/office/powerpoint/2010/main" val="369069384"/>
+      </p:ext>
+    </p:extLst>
+  </p:cSld>
+  <p:clrMapOvr>
+    <a:masterClrMapping/>
+  </p:clrMapOvr>
+</p:sld>
+</file>
+
+<file path=ppt/slides/slide11.xml><?xml version="1.0" encoding="utf-8"?>
+<p:sld xmlns:a="http://schemas.openxmlformats.org/drawingml/2006/main" xmlns:r="http://schemas.openxmlformats.org/officeDocument/2006/relationships" xmlns:p="http://schemas.openxmlformats.org/presentationml/2006/main">
+  <p:cSld>
+    <p:spTree>
+      <p:nvGrpSpPr>
+        <p:cNvPr id="1" name="">
+          <a:extLst>
+            <a:ext uri="{FF2B5EF4-FFF2-40B4-BE49-F238E27FC236}">
               <a16:creationId xmlns:a16="http://schemas.microsoft.com/office/drawing/2014/main" id="{FB5E3759-BB3A-3F7E-3468-5FAEF11FE0C4}"/>
             </a:ext>
           </a:extLst>
@@ -1500,7 +5290,15 @@
             </a:pPr>
             <a:r>
               <a:rPr lang="pt-BR" dirty="0"/>
-              <a:t>Dashboards no metabase:</a:t>
+              <a:t>Dashboards no </a:t>
+            </a:r>
+            <a:r>
+              <a:rPr lang="pt-BR" dirty="0" err="1"/>
+              <a:t>metabase</a:t>
+            </a:r>
+            <a:r>
+              <a:rPr lang="pt-BR" dirty="0"/>
+              <a:t> *:</a:t>
             </a:r>
             <a:endParaRPr lang="pt-PT" dirty="0"/>
           </a:p>
@@ -1567,7 +5365,7 @@
 </p:sld>
 </file>
 
-<file path=ppt/slides/slide11.xml><?xml version="1.0" encoding="utf-8"?>
+<file path=ppt/slides/slide12.xml><?xml version="1.0" encoding="utf-8"?>
 <p:sld xmlns:a="http://schemas.openxmlformats.org/drawingml/2006/main" xmlns:r="http://schemas.openxmlformats.org/officeDocument/2006/relationships" xmlns:p="http://schemas.openxmlformats.org/presentationml/2006/main">
   <p:cSld>
     <p:spTree>
@@ -1619,9 +5417,10 @@
           <a:lstStyle/>
           <a:p>
             <a:r>
-              <a:rPr lang="pt-PT" sz="2800" dirty="0"/>
+              <a:rPr lang="pt-PT" sz="2800"/>
               <a:t>Conclusão e Próximos Passos</a:t>
             </a:r>
+            <a:endParaRPr lang="pt-PT" sz="2800" dirty="0"/>
           </a:p>
         </p:txBody>
       </p:sp>
@@ -1649,7 +5448,7 @@
         </p:spPr>
         <p:txBody>
           <a:bodyPr anchor="t">
-            <a:normAutofit fontScale="85000" lnSpcReduction="20000"/>
+            <a:normAutofit fontScale="77500" lnSpcReduction="20000"/>
           </a:bodyPr>
           <a:lstStyle/>
           <a:p>
@@ -1658,7 +5457,7 @@
               <a:buChar char="•"/>
             </a:pPr>
             <a:r>
-              <a:rPr lang="pt-PT" dirty="0"/>
+              <a:rPr lang="pt-PT"/>
               <a:t>O que foi entregue?</a:t>
             </a:r>
           </a:p>
@@ -1668,7 +5467,7 @@
               <a:buChar char="•"/>
             </a:pPr>
             <a:r>
-              <a:rPr lang="pt-PT" b="1" dirty="0"/>
+              <a:rPr lang="pt-PT" b="1"/>
               <a:t>Uma plataforma de dados ponta-a-ponta.</a:t>
             </a:r>
           </a:p>
@@ -1678,7 +5477,7 @@
               <a:buChar char="•"/>
             </a:pPr>
             <a:r>
-              <a:rPr lang="pt-PT" b="1" dirty="0"/>
+              <a:rPr lang="pt-PT" b="1"/>
               <a:t>Dashboards históricos (Batch) e operacionais (NRT) funcionais.</a:t>
             </a:r>
           </a:p>
@@ -1688,7 +5487,7 @@
               <a:buChar char="•"/>
             </a:pPr>
             <a:r>
-              <a:rPr lang="pt-PT" b="1" dirty="0"/>
+              <a:rPr lang="pt-PT" b="1"/>
               <a:t>Uma "fonte da verdade" (Gold Lakehouse) confiável.</a:t>
             </a:r>
           </a:p>
@@ -1698,11 +5497,11 @@
               <a:buChar char="•"/>
             </a:pPr>
             <a:r>
-              <a:rPr lang="pt-PT" b="1" dirty="0"/>
-              <a:t>Dados acessíveis de diferentes formas: </a:t>
-            </a:r>
-            <a:r>
-              <a:rPr lang="pt-PT" dirty="0"/>
+              <a:rPr lang="pt-PT" b="1"/>
+              <a:t>Delivery de diferentes formas: </a:t>
+            </a:r>
+            <a:r>
+              <a:rPr lang="pt-PT"/>
               <a:t>Dashboards, API’s e via Trino.</a:t>
             </a:r>
           </a:p>
@@ -1711,81 +5510,85 @@
               <a:buFont typeface="Arial" panose="020B0604020202020204" pitchFamily="34" charset="0"/>
               <a:buChar char="•"/>
             </a:pPr>
+            <a:r>
+              <a:rPr lang="pt-PT" b="1"/>
+              <a:t>Dados federados para evolução da solução</a:t>
+            </a:r>
+            <a:endParaRPr lang="pt-PT"/>
+          </a:p>
+          <a:p>
+            <a:pPr marL="742950" lvl="1" indent="-285750" algn="l">
+              <a:buFont typeface="Arial" panose="020B0604020202020204" pitchFamily="34" charset="0"/>
+              <a:buChar char="•"/>
+            </a:pPr>
+            <a:endParaRPr lang="pt-PT"/>
+          </a:p>
+          <a:p>
+            <a:pPr marL="285750" indent="-285750">
+              <a:buFont typeface="Arial" panose="020B0604020202020204" pitchFamily="34" charset="0"/>
+              <a:buChar char="•"/>
+            </a:pPr>
+            <a:r>
+              <a:rPr lang="pt-PT"/>
+              <a:t>Próximos Passos:</a:t>
+            </a:r>
+          </a:p>
+          <a:p>
+            <a:pPr marL="742950" lvl="1" indent="-285750" algn="l">
+              <a:buFont typeface="Arial" panose="020B0604020202020204" pitchFamily="34" charset="0"/>
+              <a:buChar char="•"/>
+            </a:pPr>
+            <a:r>
+              <a:rPr lang="pt-PT" b="1"/>
+              <a:t>Enriquecer a camada Gold: </a:t>
+            </a:r>
+            <a:r>
+              <a:rPr lang="pt-PT"/>
+              <a:t>novos KPIs e informações.</a:t>
+            </a:r>
+          </a:p>
+          <a:p>
+            <a:pPr marL="742950" lvl="1" indent="-285750" algn="l">
+              <a:buFont typeface="Arial" panose="020B0604020202020204" pitchFamily="34" charset="0"/>
+              <a:buChar char="•"/>
+            </a:pPr>
+            <a:r>
+              <a:rPr lang="pt-PT" b="1"/>
+              <a:t>PoC para Cloud: </a:t>
+            </a:r>
+            <a:r>
+              <a:rPr lang="pt-PT"/>
+              <a:t>migração para AWS, Azure ou GCP.</a:t>
+            </a:r>
+          </a:p>
+          <a:p>
+            <a:pPr marL="742950" lvl="1" indent="-285750" algn="l">
+              <a:buFont typeface="Arial" panose="020B0604020202020204" pitchFamily="34" charset="0"/>
+              <a:buChar char="•"/>
+            </a:pPr>
+            <a:r>
+              <a:rPr lang="pt-PT" b="1"/>
+              <a:t>Machine Learning: </a:t>
+            </a:r>
+            <a:r>
+              <a:rPr lang="pt-PT"/>
+              <a:t>Usar o histórico gerado de velocidade e posições para treinar modelos de previsão de chegada (ETA).</a:t>
+            </a:r>
+          </a:p>
+          <a:p>
+            <a:pPr marL="742950" lvl="1" indent="-285750" algn="l">
+              <a:buFont typeface="Arial" panose="020B0604020202020204" pitchFamily="34" charset="0"/>
+              <a:buChar char="•"/>
+            </a:pPr>
+            <a:r>
+              <a:rPr lang="pt-PT" b="1"/>
+              <a:t>Novos Dashboards: </a:t>
+            </a:r>
+            <a:r>
+              <a:rPr lang="pt-PT"/>
+              <a:t>Análise de performance por concessionária, por período do dia, etc.</a:t>
+            </a:r>
             <a:endParaRPr lang="pt-PT" dirty="0"/>
-          </a:p>
-          <a:p>
-            <a:pPr marL="285750" indent="-285750">
-              <a:buFont typeface="Arial" panose="020B0604020202020204" pitchFamily="34" charset="0"/>
-              <a:buChar char="•"/>
-            </a:pPr>
-            <a:r>
-              <a:rPr lang="pt-PT" dirty="0"/>
-              <a:t>Próximos Passos:</a:t>
-            </a:r>
-          </a:p>
-          <a:p>
-            <a:pPr marL="742950" lvl="1" indent="-285750" algn="l">
-              <a:buFont typeface="Arial" panose="020B0604020202020204" pitchFamily="34" charset="0"/>
-              <a:buChar char="•"/>
-            </a:pPr>
-            <a:r>
-              <a:rPr lang="pt-PT" b="1" dirty="0"/>
-              <a:t>Enriquecer a camada Gold: </a:t>
-            </a:r>
-            <a:r>
-              <a:rPr lang="pt-PT" dirty="0"/>
-              <a:t>novos KPIs e informações.</a:t>
-            </a:r>
-          </a:p>
-          <a:p>
-            <a:pPr marL="742950" lvl="1" indent="-285750" algn="l">
-              <a:buFont typeface="Arial" panose="020B0604020202020204" pitchFamily="34" charset="0"/>
-              <a:buChar char="•"/>
-            </a:pPr>
-            <a:r>
-              <a:rPr lang="pt-PT" b="1" dirty="0"/>
-              <a:t>PoC para Cloud: </a:t>
-            </a:r>
-            <a:r>
-              <a:rPr lang="pt-PT" dirty="0"/>
-              <a:t>migração para AWS, </a:t>
-            </a:r>
-            <a:r>
-              <a:rPr lang="pt-PT" dirty="0" err="1"/>
-              <a:t>Azure</a:t>
-            </a:r>
-            <a:r>
-              <a:rPr lang="pt-PT" dirty="0"/>
-              <a:t> ou GCP.</a:t>
-            </a:r>
-          </a:p>
-          <a:p>
-            <a:pPr marL="742950" lvl="1" indent="-285750" algn="l">
-              <a:buFont typeface="Arial" panose="020B0604020202020204" pitchFamily="34" charset="0"/>
-              <a:buChar char="•"/>
-            </a:pPr>
-            <a:r>
-              <a:rPr lang="pt-PT" b="1" dirty="0"/>
-              <a:t>Machine Learning: </a:t>
-            </a:r>
-            <a:r>
-              <a:rPr lang="pt-PT" dirty="0"/>
-              <a:t>Usar o histórico gerado de velocidade e posições para treinar modelos de previsão de chegada (ETA).</a:t>
-            </a:r>
-          </a:p>
-          <a:p>
-            <a:pPr marL="742950" lvl="1" indent="-285750" algn="l">
-              <a:buFont typeface="Arial" panose="020B0604020202020204" pitchFamily="34" charset="0"/>
-              <a:buChar char="•"/>
-            </a:pPr>
-            <a:r>
-              <a:rPr lang="pt-PT" b="1" dirty="0"/>
-              <a:t>Novos Dashboards: </a:t>
-            </a:r>
-            <a:r>
-              <a:rPr lang="pt-PT" dirty="0"/>
-              <a:t>Análise de performance por concessionária, por período do dia, etc.</a:t>
-            </a:r>
           </a:p>
         </p:txBody>
       </p:sp>
@@ -1802,9 +5605,17 @@
 </p:sld>
 </file>
 
-<file path=ppt/slides/slide12.xml><?xml version="1.0" encoding="utf-8"?>
+<file path=ppt/slides/slide13.xml><?xml version="1.0" encoding="utf-8"?>
 <p:sld xmlns:a="http://schemas.openxmlformats.org/drawingml/2006/main" xmlns:r="http://schemas.openxmlformats.org/officeDocument/2006/relationships" xmlns:p="http://schemas.openxmlformats.org/presentationml/2006/main">
   <p:cSld>
+    <p:bg>
+      <p:bgPr>
+        <a:solidFill>
+          <a:schemeClr val="bg1"/>
+        </a:solidFill>
+        <a:effectLst/>
+      </p:bgPr>
+    </p:bg>
     <p:spTree>
       <p:nvGrpSpPr>
         <p:cNvPr id="1" name="">
@@ -1825,6 +5636,37 @@
           <a:chExt cx="0" cy="0"/>
         </a:xfrm>
       </p:grpSpPr>
+      <p:pic>
+        <p:nvPicPr>
+          <p:cNvPr id="4" name="Picture 3" descr="Pontos de interrogação infinitos na renderização 3D">
+            <a:extLst>
+              <a:ext uri="{FF2B5EF4-FFF2-40B4-BE49-F238E27FC236}">
+                <a16:creationId xmlns:a16="http://schemas.microsoft.com/office/drawing/2014/main" id="{B26D5B2C-C6F2-E5B2-1054-639AA7BAB9B3}"/>
+              </a:ext>
+            </a:extLst>
+          </p:cNvPr>
+          <p:cNvPicPr>
+            <a:picLocks noChangeAspect="1"/>
+          </p:cNvPicPr>
+          <p:nvPr/>
+        </p:nvPicPr>
+        <p:blipFill>
+          <a:blip r:embed="rId2"/>
+          <a:srcRect t="15730"/>
+          <a:stretch>
+            <a:fillRect/>
+          </a:stretch>
+        </p:blipFill>
+        <p:spPr>
+          <a:xfrm>
+            <a:off x="1" y="10"/>
+            <a:ext cx="12192000" cy="6857990"/>
+          </a:xfrm>
+          <a:prstGeom prst="rect">
+            <a:avLst/>
+          </a:prstGeom>
+        </p:spPr>
+      </p:pic>
       <p:sp>
         <p:nvSpPr>
           <p:cNvPr id="2" name="Título 1">
@@ -1844,69 +5686,27 @@
         <p:spPr>
           <a:xfrm>
             <a:off x="640080" y="1371599"/>
-            <a:ext cx="6675120" cy="552451"/>
+            <a:ext cx="6675120" cy="4348481"/>
           </a:xfrm>
+          <a:solidFill>
+            <a:schemeClr val="bg1">
+              <a:alpha val="45000"/>
+            </a:schemeClr>
+          </a:solidFill>
         </p:spPr>
         <p:txBody>
-          <a:bodyPr>
+          <a:bodyPr anchor="t">
             <a:normAutofit/>
           </a:bodyPr>
           <a:lstStyle/>
           <a:p>
             <a:r>
-              <a:rPr lang="pt-PT" sz="2800" dirty="0"/>
+              <a:rPr lang="pt-PT" sz="4800" dirty="0"/>
               <a:t>Perguntas</a:t>
             </a:r>
           </a:p>
         </p:txBody>
       </p:sp>
-      <p:pic>
-        <p:nvPicPr>
-          <p:cNvPr id="1028" name="Picture 4" descr="Ponto de interrogação - ícones de logotipo grátis">
-            <a:extLst>
-              <a:ext uri="{FF2B5EF4-FFF2-40B4-BE49-F238E27FC236}">
-                <a16:creationId xmlns:a16="http://schemas.microsoft.com/office/drawing/2014/main" id="{E57EC2C1-BD48-8D2F-78FA-71D737066F70}"/>
-              </a:ext>
-            </a:extLst>
-          </p:cNvPr>
-          <p:cNvPicPr>
-            <a:picLocks noChangeAspect="1" noChangeArrowheads="1"/>
-          </p:cNvPicPr>
-          <p:nvPr/>
-        </p:nvPicPr>
-        <p:blipFill>
-          <a:blip r:embed="rId2">
-            <a:extLst>
-              <a:ext uri="{28A0092B-C50C-407E-A947-70E740481C1C}">
-                <a14:useLocalDpi xmlns:a14="http://schemas.microsoft.com/office/drawing/2010/main" val="0"/>
-              </a:ext>
-            </a:extLst>
-          </a:blip>
-          <a:srcRect/>
-          <a:stretch>
-            <a:fillRect/>
-          </a:stretch>
-        </p:blipFill>
-        <p:spPr bwMode="auto">
-          <a:xfrm>
-            <a:off x="4367212" y="2028826"/>
-            <a:ext cx="3457575" cy="3457575"/>
-          </a:xfrm>
-          <a:prstGeom prst="rect">
-            <a:avLst/>
-          </a:prstGeom>
-          <a:noFill/>
-          <a:extLst>
-            <a:ext uri="{909E8E84-426E-40DD-AFC4-6F175D3DCCD1}">
-              <a14:hiddenFill xmlns:a14="http://schemas.microsoft.com/office/drawing/2010/main">
-                <a:solidFill>
-                  <a:srgbClr val="FFFFFF"/>
-                </a:solidFill>
-              </a14:hiddenFill>
-            </a:ext>
-          </a:extLst>
-        </p:spPr>
-      </p:pic>
     </p:spTree>
     <p:extLst>
       <p:ext uri="{BB962C8B-B14F-4D97-AF65-F5344CB8AC3E}">
@@ -1915,8 +5715,100 @@
     </p:extLst>
   </p:cSld>
   <p:clrMapOvr>
-    <a:masterClrMapping/>
+    <a:overrideClrMapping bg1="dk1" tx1="lt1" bg2="dk2" tx2="lt2" accent1="accent1" accent2="accent2" accent3="accent3" accent4="accent4" accent5="accent5" accent6="accent6" hlink="hlink" folHlink="folHlink"/>
   </p:clrMapOvr>
+  <p:timing>
+    <p:tnLst>
+      <p:par>
+        <p:cTn id="1" dur="indefinite" restart="never" nodeType="tmRoot">
+          <p:childTnLst>
+            <p:seq concurrent="1" nextAc="seek">
+              <p:cTn id="2" dur="indefinite" nodeType="mainSeq">
+                <p:childTnLst>
+                  <p:par>
+                    <p:cTn id="3" fill="hold">
+                      <p:stCondLst>
+                        <p:cond delay="indefinite"/>
+                        <p:cond evt="onBegin" delay="0">
+                          <p:tn val="2"/>
+                        </p:cond>
+                      </p:stCondLst>
+                      <p:childTnLst>
+                        <p:par>
+                          <p:cTn id="4" fill="hold">
+                            <p:stCondLst>
+                              <p:cond delay="0"/>
+                            </p:stCondLst>
+                            <p:childTnLst>
+                              <p:par>
+                                <p:cTn id="5" presetID="10" presetClass="entr" presetSubtype="0" fill="hold" grpId="0" nodeType="withEffect">
+                                  <p:stCondLst>
+                                    <p:cond delay="1000"/>
+                                  </p:stCondLst>
+                                  <p:iterate type="lt">
+                                    <p:tmPct val="10000"/>
+                                  </p:iterate>
+                                  <p:childTnLst>
+                                    <p:set>
+                                      <p:cBhvr>
+                                        <p:cTn id="6" dur="1" fill="hold">
+                                          <p:stCondLst>
+                                            <p:cond delay="0"/>
+                                          </p:stCondLst>
+                                        </p:cTn>
+                                        <p:tgtEl>
+                                          <p:spTgt spid="2"/>
+                                        </p:tgtEl>
+                                        <p:attrNameLst>
+                                          <p:attrName>style.visibility</p:attrName>
+                                        </p:attrNameLst>
+                                      </p:cBhvr>
+                                      <p:to>
+                                        <p:strVal val="visible"/>
+                                      </p:to>
+                                    </p:set>
+                                    <p:animEffect transition="in" filter="fade">
+                                      <p:cBhvr>
+                                        <p:cTn id="7" dur="400"/>
+                                        <p:tgtEl>
+                                          <p:spTgt spid="2"/>
+                                        </p:tgtEl>
+                                      </p:cBhvr>
+                                    </p:animEffect>
+                                  </p:childTnLst>
+                                </p:cTn>
+                              </p:par>
+                            </p:childTnLst>
+                          </p:cTn>
+                        </p:par>
+                      </p:childTnLst>
+                    </p:cTn>
+                  </p:par>
+                </p:childTnLst>
+              </p:cTn>
+              <p:prevCondLst>
+                <p:cond evt="onPrev" delay="0">
+                  <p:tgtEl>
+                    <p:sldTgt/>
+                  </p:tgtEl>
+                </p:cond>
+              </p:prevCondLst>
+              <p:nextCondLst>
+                <p:cond evt="onNext" delay="0">
+                  <p:tgtEl>
+                    <p:sldTgt/>
+                  </p:tgtEl>
+                </p:cond>
+              </p:nextCondLst>
+            </p:seq>
+          </p:childTnLst>
+        </p:cTn>
+      </p:par>
+    </p:tnLst>
+    <p:bldLst>
+      <p:bldP spid="2" grpId="0"/>
+    </p:bldLst>
+  </p:timing>
 </p:sld>
 </file>
 
@@ -1955,8 +5847,8 @@
         </p:nvSpPr>
         <p:spPr>
           <a:xfrm>
-            <a:off x="640080" y="1371599"/>
-            <a:ext cx="10671048" cy="552451"/>
+            <a:off x="292839" y="795998"/>
+            <a:ext cx="3920345" cy="552451"/>
           </a:xfrm>
         </p:spPr>
         <p:txBody>
@@ -1967,7 +5859,7 @@
           <a:p>
             <a:r>
               <a:rPr lang="pt-PT" sz="2800" dirty="0"/>
-              <a:t>Nossa Missão: Duas Visões, Uma Plataforma de Conteúdo</a:t>
+              <a:t>Contexto de negócio </a:t>
             </a:r>
           </a:p>
         </p:txBody>
@@ -1990,13 +5882,13 @@
         </p:nvSpPr>
         <p:spPr>
           <a:xfrm>
-            <a:off x="640080" y="2103121"/>
-            <a:ext cx="11301984" cy="4361688"/>
+            <a:off x="293226" y="1576127"/>
+            <a:ext cx="6732607" cy="4361688"/>
           </a:xfrm>
         </p:spPr>
         <p:txBody>
           <a:bodyPr anchor="t">
-            <a:normAutofit fontScale="70000" lnSpcReduction="20000"/>
+            <a:normAutofit/>
           </a:bodyPr>
           <a:lstStyle/>
           <a:p>
@@ -2005,8 +5897,8 @@
               <a:buChar char="•"/>
             </a:pPr>
             <a:r>
-              <a:rPr lang="pt-PT" dirty="0"/>
-              <a:t>A SPTrans gera milhões de pontos de dados de geolocalização todos os dias.</a:t>
+              <a:rPr lang="pt-PT" b="0" dirty="0"/>
+              <a:t>A Frota de onibus da sptrans possui aproximadamente 1.300 linhas de onibus ativas</a:t>
             </a:r>
           </a:p>
           <a:p>
@@ -2014,149 +5906,116 @@
               <a:buFont typeface="Arial" panose="020B0604020202020204" pitchFamily="34" charset="0"/>
               <a:buChar char="•"/>
             </a:pPr>
+            <a:endParaRPr lang="pt-PT" b="0" dirty="0"/>
+          </a:p>
+          <a:p>
+            <a:pPr marL="285750" indent="-285750">
+              <a:buFont typeface="Arial" panose="020B0604020202020204" pitchFamily="34" charset="0"/>
+              <a:buChar char="•"/>
+            </a:pPr>
+            <a:r>
+              <a:rPr lang="pt-PT" b="0" dirty="0"/>
+              <a:t>Nos momentos de pico são mais de 10.000 carros rodando ao mesmo tempo.</a:t>
+            </a:r>
+          </a:p>
+          <a:p>
+            <a:pPr marL="285750" indent="-285750">
+              <a:buFont typeface="Arial" panose="020B0604020202020204" pitchFamily="34" charset="0"/>
+              <a:buChar char="•"/>
+            </a:pPr>
+            <a:endParaRPr lang="pt-PT" b="0" dirty="0"/>
+          </a:p>
+          <a:p>
+            <a:pPr marL="285750" indent="-285750">
+              <a:buFont typeface="Arial" panose="020B0604020202020204" pitchFamily="34" charset="0"/>
+              <a:buChar char="•"/>
+            </a:pPr>
+            <a:r>
+              <a:rPr lang="pt-PT" b="0" dirty="0"/>
+              <a:t>Problemas de lentidão e quebra são os maiores </a:t>
+            </a:r>
+            <a:r>
+              <a:rPr lang="pt-PT" b="0" i="1" dirty="0"/>
+              <a:t>pain points</a:t>
+            </a:r>
+            <a:r>
+              <a:rPr lang="pt-PT" b="0" dirty="0"/>
+              <a:t> da sptrans neste momento</a:t>
+            </a:r>
+          </a:p>
+          <a:p>
+            <a:endParaRPr lang="pt-PT" b="0" dirty="0"/>
+          </a:p>
+          <a:p>
+            <a:pPr marL="285750" indent="-285750">
+              <a:buFont typeface="Arial" panose="020B0604020202020204" pitchFamily="34" charset="0"/>
+              <a:buChar char="•"/>
+            </a:pPr>
+            <a:endParaRPr lang="pt-PT" b="0" dirty="0"/>
+          </a:p>
+          <a:p>
+            <a:pPr marL="285750" indent="-285750">
+              <a:buFont typeface="Arial" panose="020B0604020202020204" pitchFamily="34" charset="0"/>
+              <a:buChar char="•"/>
+            </a:pPr>
+            <a:endParaRPr lang="pt-PT" b="0" dirty="0"/>
+          </a:p>
+          <a:p>
+            <a:pPr marL="285750" indent="-285750">
+              <a:buFont typeface="Arial" panose="020B0604020202020204" pitchFamily="34" charset="0"/>
+              <a:buChar char="•"/>
+            </a:pPr>
             <a:endParaRPr lang="pt-PT" dirty="0"/>
-          </a:p>
-          <a:p>
-            <a:pPr marL="285750" indent="-285750">
-              <a:buFont typeface="Arial" panose="020B0604020202020204" pitchFamily="34" charset="0"/>
-              <a:buChar char="•"/>
-            </a:pPr>
-            <a:r>
-              <a:rPr lang="pt-PT" dirty="0"/>
-              <a:t>Esses dados são de natureza transitória (efêmeros) e massivos (crescem rapidamente).</a:t>
-            </a:r>
-          </a:p>
-          <a:p>
-            <a:pPr marL="285750" indent="-285750">
-              <a:buFont typeface="Arial" panose="020B0604020202020204" pitchFamily="34" charset="0"/>
-              <a:buChar char="•"/>
-            </a:pPr>
-            <a:endParaRPr lang="pt-PT" dirty="0"/>
-          </a:p>
-          <a:p>
-            <a:pPr marL="285750" indent="-285750">
-              <a:buFont typeface="Arial" panose="020B0604020202020204" pitchFamily="34" charset="0"/>
-              <a:buChar char="•"/>
-            </a:pPr>
-            <a:r>
-              <a:rPr lang="pt-PT" dirty="0"/>
-              <a:t>Perguntas de Negócio, sem Resposta Fácil:</a:t>
-            </a:r>
-          </a:p>
-          <a:p>
-            <a:pPr marL="742950" lvl="1" indent="-285750" algn="l">
-              <a:buFont typeface="Arial" panose="020B0604020202020204" pitchFamily="34" charset="0"/>
-              <a:buChar char="•"/>
-            </a:pPr>
-            <a:endParaRPr lang="pt-PT" dirty="0"/>
-          </a:p>
-          <a:p>
-            <a:pPr marL="742950" lvl="1" indent="-285750" algn="l">
-              <a:buFont typeface="Arial" panose="020B0604020202020204" pitchFamily="34" charset="0"/>
-              <a:buChar char="•"/>
-            </a:pPr>
-            <a:r>
-              <a:rPr lang="pt-PT" dirty="0">
-                <a:solidFill>
-                  <a:srgbClr val="0070C0"/>
-                </a:solidFill>
-              </a:rPr>
-              <a:t>Visão NRT (Near Real-Time): </a:t>
-            </a:r>
-          </a:p>
-          <a:p>
-            <a:pPr marL="1200150" lvl="2" indent="-285750" algn="l">
-              <a:buFont typeface="Arial" panose="020B0604020202020204" pitchFamily="34" charset="0"/>
-              <a:buChar char="•"/>
-            </a:pPr>
-            <a:r>
-              <a:rPr lang="pt-PT" dirty="0">
-                <a:solidFill>
-                  <a:srgbClr val="0070C0"/>
-                </a:solidFill>
-              </a:rPr>
-              <a:t>Quantos ônibus estão em congestionamento agora?</a:t>
-            </a:r>
-          </a:p>
-          <a:p>
-            <a:pPr marL="1200150" lvl="2" indent="-285750" algn="l">
-              <a:buFont typeface="Arial" panose="020B0604020202020204" pitchFamily="34" charset="0"/>
-              <a:buChar char="•"/>
-            </a:pPr>
-            <a:r>
-              <a:rPr lang="pt-PT" dirty="0">
-                <a:solidFill>
-                  <a:srgbClr val="0070C0"/>
-                </a:solidFill>
-              </a:rPr>
-              <a:t>Quais são as linhas mais lentas? </a:t>
-            </a:r>
-          </a:p>
-          <a:p>
-            <a:pPr marL="1200150" lvl="2" indent="-285750" algn="l">
-              <a:buFont typeface="Arial" panose="020B0604020202020204" pitchFamily="34" charset="0"/>
-              <a:buChar char="•"/>
-            </a:pPr>
-            <a:r>
-              <a:rPr lang="pt-PT" dirty="0">
-                <a:solidFill>
-                  <a:srgbClr val="0070C0"/>
-                </a:solidFill>
-              </a:rPr>
-              <a:t>Quais linhas estão enfrentando congestionamento agora?</a:t>
-            </a:r>
-          </a:p>
-          <a:p>
-            <a:pPr marL="742950" lvl="1" indent="-285750" algn="l">
-              <a:buFont typeface="Arial" panose="020B0604020202020204" pitchFamily="34" charset="0"/>
-              <a:buChar char="•"/>
-            </a:pPr>
-            <a:endParaRPr lang="pt-PT" dirty="0"/>
-          </a:p>
-          <a:p>
-            <a:pPr marL="742950" lvl="1" indent="-285750" algn="l">
-              <a:buFont typeface="Arial" panose="020B0604020202020204" pitchFamily="34" charset="0"/>
-              <a:buChar char="•"/>
-            </a:pPr>
-            <a:r>
-              <a:rPr lang="pt-PT" dirty="0">
-                <a:solidFill>
-                  <a:srgbClr val="0070C0"/>
-                </a:solidFill>
-              </a:rPr>
-              <a:t>Visão Histórica e Consolidada (Batch): </a:t>
-            </a:r>
-          </a:p>
-          <a:p>
-            <a:pPr marL="1200150" lvl="2" indent="-285750" algn="l">
-              <a:buFont typeface="Arial" panose="020B0604020202020204" pitchFamily="34" charset="0"/>
-              <a:buChar char="•"/>
-            </a:pPr>
-            <a:r>
-              <a:rPr lang="pt-PT" dirty="0">
-                <a:solidFill>
-                  <a:srgbClr val="0070C0"/>
-                </a:solidFill>
-              </a:rPr>
-              <a:t>Qual foi o pico de ônibus em operação no período da manhã?</a:t>
-            </a:r>
-          </a:p>
-          <a:p>
-            <a:pPr marL="1200150" lvl="2" indent="-285750" algn="l">
-              <a:buFont typeface="Arial" panose="020B0604020202020204" pitchFamily="34" charset="0"/>
-              <a:buChar char="•"/>
-            </a:pPr>
-            <a:r>
-              <a:rPr lang="pt-PT" dirty="0">
-                <a:solidFill>
-                  <a:srgbClr val="0070C0"/>
-                </a:solidFill>
-              </a:rPr>
-              <a:t>Qual o percentual da frota congestionada nas últimas horas?</a:t>
-            </a:r>
           </a:p>
         </p:txBody>
       </p:sp>
+      <p:pic>
+        <p:nvPicPr>
+          <p:cNvPr id="1026" name="Picture 2" descr="Radiografia do transporte público por ônibus em São Paulo | Mobilidade  Estadão | Mês da Mobilidade 2022">
+            <a:extLst>
+              <a:ext uri="{FF2B5EF4-FFF2-40B4-BE49-F238E27FC236}">
+                <a16:creationId xmlns:a16="http://schemas.microsoft.com/office/drawing/2014/main" id="{B10BEE8A-190A-8302-456E-D3C5F0018D9F}"/>
+              </a:ext>
+            </a:extLst>
+          </p:cNvPr>
+          <p:cNvPicPr>
+            <a:picLocks noChangeAspect="1" noChangeArrowheads="1"/>
+          </p:cNvPicPr>
+          <p:nvPr/>
+        </p:nvPicPr>
+        <p:blipFill rotWithShape="1">
+          <a:blip r:embed="rId2">
+            <a:extLst>
+              <a:ext uri="{28A0092B-C50C-407E-A947-70E740481C1C}">
+                <a14:useLocalDpi xmlns:a14="http://schemas.microsoft.com/office/drawing/2010/main" val="0"/>
+              </a:ext>
+            </a:extLst>
+          </a:blip>
+          <a:srcRect l="5362" r="46703"/>
+          <a:stretch>
+            <a:fillRect/>
+          </a:stretch>
+        </p:blipFill>
+        <p:spPr bwMode="auto">
+          <a:xfrm>
+            <a:off x="7272759" y="2894"/>
+            <a:ext cx="4919241" cy="6858000"/>
+          </a:xfrm>
+          <a:prstGeom prst="rect">
+            <a:avLst/>
+          </a:prstGeom>
+          <a:noFill/>
+          <a:extLst>
+            <a:ext uri="{909E8E84-426E-40DD-AFC4-6F175D3DCCD1}">
+              <a14:hiddenFill xmlns:a14="http://schemas.microsoft.com/office/drawing/2010/main">
+                <a:solidFill>
+                  <a:srgbClr val="FFFFFF"/>
+                </a:solidFill>
+              </a14:hiddenFill>
+            </a:ext>
+          </a:extLst>
+        </p:spPr>
+      </p:pic>
     </p:spTree>
     <p:extLst>
       <p:ext uri="{BB962C8B-B14F-4D97-AF65-F5344CB8AC3E}">
@@ -2173,12 +6032,20 @@
 <file path=ppt/slides/slide3.xml><?xml version="1.0" encoding="utf-8"?>
 <p:sld xmlns:a="http://schemas.openxmlformats.org/drawingml/2006/main" xmlns:r="http://schemas.openxmlformats.org/officeDocument/2006/relationships" xmlns:p="http://schemas.openxmlformats.org/presentationml/2006/main">
   <p:cSld>
+    <p:bg>
+      <p:bgPr>
+        <a:solidFill>
+          <a:schemeClr val="bg1"/>
+        </a:solidFill>
+        <a:effectLst/>
+      </p:bgPr>
+    </p:bg>
     <p:spTree>
       <p:nvGrpSpPr>
         <p:cNvPr id="1" name="">
           <a:extLst>
             <a:ext uri="{FF2B5EF4-FFF2-40B4-BE49-F238E27FC236}">
-              <a16:creationId xmlns:a16="http://schemas.microsoft.com/office/drawing/2014/main" id="{010930CE-7239-F738-1C85-B22F7CDE55F5}"/>
+              <a16:creationId xmlns:a16="http://schemas.microsoft.com/office/drawing/2014/main" id="{CF01BBD1-5F8F-27F4-E7FC-BFF5EC4663A9}"/>
             </a:ext>
           </a:extLst>
         </p:cNvPr>
@@ -2198,7 +6065,7 @@
           <p:cNvPr id="2" name="Título 1">
             <a:extLst>
               <a:ext uri="{FF2B5EF4-FFF2-40B4-BE49-F238E27FC236}">
-                <a16:creationId xmlns:a16="http://schemas.microsoft.com/office/drawing/2014/main" id="{4C7F89B4-A10D-5C18-2A9E-6A55461087FD}"/>
+                <a16:creationId xmlns:a16="http://schemas.microsoft.com/office/drawing/2014/main" id="{C114DEF8-8CCB-1F2D-ADA1-B45ADEB70B99}"/>
               </a:ext>
             </a:extLst>
           </p:cNvPr>
@@ -2211,20 +6078,21 @@
         </p:nvSpPr>
         <p:spPr>
           <a:xfrm>
-            <a:off x="640080" y="1371599"/>
-            <a:ext cx="6675120" cy="552451"/>
+            <a:off x="4980457" y="229950"/>
+            <a:ext cx="6420478" cy="788524"/>
           </a:xfrm>
         </p:spPr>
         <p:txBody>
-          <a:bodyPr>
+          <a:bodyPr vert="horz" lIns="91440" tIns="45720" rIns="91440" bIns="45720" rtlCol="0" anchor="t">
             <a:normAutofit/>
           </a:bodyPr>
           <a:lstStyle/>
           <a:p>
             <a:r>
-              <a:rPr lang="pt-PT" sz="2800" dirty="0"/>
-              <a:t>Premissas Para a Proposta de Solução</a:t>
-            </a:r>
+              <a:rPr lang="en-US" sz="4000" dirty="0" err="1"/>
+              <a:t>Objetivo</a:t>
+            </a:r>
+            <a:endParaRPr lang="en-US" sz="4000" dirty="0"/>
           </a:p>
         </p:txBody>
       </p:sp>
@@ -2233,7 +6101,7 @@
           <p:cNvPr id="3" name="Subtítulo 2">
             <a:extLst>
               <a:ext uri="{FF2B5EF4-FFF2-40B4-BE49-F238E27FC236}">
-                <a16:creationId xmlns:a16="http://schemas.microsoft.com/office/drawing/2014/main" id="{EDCFE901-0115-CF62-EDA0-06B8F86A59E3}"/>
+                <a16:creationId xmlns:a16="http://schemas.microsoft.com/office/drawing/2014/main" id="{40F60D80-6192-F692-BB09-01E5D9D9EE6B}"/>
               </a:ext>
             </a:extLst>
           </p:cNvPr>
@@ -2246,90 +6114,456 @@
         </p:nvSpPr>
         <p:spPr>
           <a:xfrm>
-            <a:off x="640080" y="2679191"/>
-            <a:ext cx="11301984" cy="3026665"/>
+            <a:off x="5235097" y="1018474"/>
+            <a:ext cx="6420479" cy="5365736"/>
           </a:xfrm>
         </p:spPr>
         <p:txBody>
-          <a:bodyPr anchor="t">
-            <a:normAutofit lnSpcReduction="10000"/>
+          <a:bodyPr vert="horz" lIns="91440" tIns="45720" rIns="91440" bIns="45720" rtlCol="0">
+            <a:normAutofit/>
           </a:bodyPr>
           <a:lstStyle/>
           <a:p>
             <a:pPr marL="285750" indent="-285750">
+              <a:lnSpc>
+                <a:spcPct val="110000"/>
+              </a:lnSpc>
               <a:buFont typeface="Arial" panose="020B0604020202020204" pitchFamily="34" charset="0"/>
               <a:buChar char="•"/>
             </a:pPr>
             <a:r>
-              <a:rPr lang="pt-PT" sz="1600" dirty="0"/>
-              <a:t>Utilizar tecnologias aprendidas no curso – stack moderna e open-</a:t>
-            </a:r>
-            <a:r>
-              <a:rPr lang="pt-PT" sz="1600" dirty="0" err="1"/>
-              <a:t>source</a:t>
-            </a:r>
-            <a:r>
-              <a:rPr lang="pt-PT" sz="1600" dirty="0"/>
-              <a:t>.</a:t>
-            </a:r>
+              <a:rPr lang="en-US" sz="1600" b="0" dirty="0"/>
+              <a:t>A equipe </a:t>
+            </a:r>
+            <a:r>
+              <a:rPr lang="en-US" sz="1600" b="0" dirty="0" err="1"/>
+              <a:t>operacional</a:t>
+            </a:r>
+            <a:r>
+              <a:rPr lang="en-US" sz="1600" b="0" dirty="0"/>
+              <a:t> </a:t>
+            </a:r>
+            <a:r>
+              <a:rPr lang="en-US" sz="1600" b="0" dirty="0" err="1"/>
+              <a:t>necessita</a:t>
+            </a:r>
+            <a:r>
+              <a:rPr lang="en-US" sz="1600" b="0" dirty="0"/>
+              <a:t> de </a:t>
+            </a:r>
+            <a:r>
+              <a:rPr lang="en-US" sz="1600" b="0" dirty="0" err="1"/>
+              <a:t>uma</a:t>
+            </a:r>
+            <a:r>
+              <a:rPr lang="en-US" sz="1600" b="0" dirty="0"/>
+              <a:t> ferramenta </a:t>
+            </a:r>
+            <a:r>
+              <a:rPr lang="en-US" sz="1600" b="0" dirty="0" err="1"/>
+              <a:t>que</a:t>
+            </a:r>
+            <a:r>
+              <a:rPr lang="en-US" sz="1600" b="0" dirty="0"/>
+              <a:t> </a:t>
+            </a:r>
+            <a:r>
+              <a:rPr lang="en-US" sz="1600" b="0" dirty="0" err="1"/>
+              <a:t>possa</a:t>
+            </a:r>
+            <a:r>
+              <a:rPr lang="en-US" sz="1600" b="0" dirty="0"/>
+              <a:t> </a:t>
+            </a:r>
+            <a:r>
+              <a:rPr lang="en-US" sz="1600" b="0" dirty="0" err="1"/>
+              <a:t>indicar</a:t>
+            </a:r>
+            <a:r>
+              <a:rPr lang="en-US" sz="1600" b="0" dirty="0"/>
+              <a:t> </a:t>
+            </a:r>
+            <a:r>
+              <a:rPr lang="en-US" sz="1600" b="0" dirty="0" err="1"/>
+              <a:t>possiveis</a:t>
+            </a:r>
+            <a:r>
+              <a:rPr lang="en-US" sz="1600" b="0" dirty="0"/>
+              <a:t> </a:t>
+            </a:r>
+            <a:r>
+              <a:rPr lang="en-US" sz="1600" b="0" dirty="0" err="1"/>
+              <a:t>problemas</a:t>
+            </a:r>
+            <a:r>
+              <a:rPr lang="en-US" sz="1600" b="0" dirty="0"/>
+              <a:t> de </a:t>
+            </a:r>
+            <a:r>
+              <a:rPr lang="en-US" sz="1600" b="0" dirty="0" err="1"/>
+              <a:t>congestionamento</a:t>
+            </a:r>
+            <a:r>
+              <a:rPr lang="en-US" sz="1600" b="0" dirty="0"/>
+              <a:t>, </a:t>
+            </a:r>
+            <a:r>
+              <a:rPr lang="en-US" sz="1600" b="0" dirty="0" err="1"/>
+              <a:t>quebra</a:t>
+            </a:r>
+            <a:r>
+              <a:rPr lang="en-US" sz="1600" b="0" dirty="0"/>
+              <a:t> de </a:t>
+            </a:r>
+            <a:r>
+              <a:rPr lang="en-US" sz="1600" b="0" dirty="0" err="1"/>
+              <a:t>onibus</a:t>
+            </a:r>
+            <a:r>
+              <a:rPr lang="en-US" sz="1600" b="0" dirty="0"/>
+              <a:t> e LENTIDÃO para </a:t>
+            </a:r>
+            <a:r>
+              <a:rPr lang="en-US" sz="1600" b="0" dirty="0" err="1"/>
+              <a:t>pronta</a:t>
+            </a:r>
+            <a:r>
+              <a:rPr lang="en-US" sz="1600" b="0" dirty="0"/>
+              <a:t> </a:t>
+            </a:r>
+            <a:r>
+              <a:rPr lang="en-US" sz="1600" b="0" dirty="0" err="1"/>
+              <a:t>atuação</a:t>
+            </a:r>
+            <a:r>
+              <a:rPr lang="en-US" sz="1600" b="0" dirty="0"/>
+              <a:t> </a:t>
+            </a:r>
+            <a:r>
+              <a:rPr lang="en-US" sz="1600" b="0" dirty="0" err="1"/>
+              <a:t>reativa</a:t>
+            </a:r>
+            <a:endParaRPr lang="en-US" sz="1600" b="0" dirty="0"/>
           </a:p>
           <a:p>
             <a:pPr marL="285750" indent="-285750">
+              <a:lnSpc>
+                <a:spcPct val="110000"/>
+              </a:lnSpc>
               <a:buFont typeface="Arial" panose="020B0604020202020204" pitchFamily="34" charset="0"/>
               <a:buChar char="•"/>
             </a:pPr>
-            <a:endParaRPr lang="pt-PT" sz="1600" dirty="0"/>
+            <a:endParaRPr lang="en-US" sz="1600" b="0" dirty="0"/>
           </a:p>
           <a:p>
             <a:pPr marL="285750" indent="-285750">
+              <a:lnSpc>
+                <a:spcPct val="110000"/>
+              </a:lnSpc>
               <a:buFont typeface="Arial" panose="020B0604020202020204" pitchFamily="34" charset="0"/>
               <a:buChar char="•"/>
             </a:pPr>
             <a:r>
-              <a:rPr lang="pt-PT" sz="1600" dirty="0"/>
-              <a:t>Infraestrutura portátil e reprodutível – Docker.</a:t>
-            </a:r>
+              <a:rPr lang="en-US" sz="1600" b="0" dirty="0" err="1"/>
+              <a:t>Solução</a:t>
+            </a:r>
+            <a:r>
+              <a:rPr lang="en-US" sz="1600" b="0" dirty="0"/>
+              <a:t> de </a:t>
+            </a:r>
+            <a:r>
+              <a:rPr lang="en-US" sz="1600" b="0" dirty="0" err="1"/>
+              <a:t>negôcio</a:t>
+            </a:r>
+            <a:r>
+              <a:rPr lang="en-US" sz="1600" b="0" dirty="0"/>
+              <a:t> -&gt; </a:t>
+            </a:r>
+            <a:r>
+              <a:rPr lang="en-US" sz="1600" b="0" dirty="0" err="1"/>
+              <a:t>criar</a:t>
+            </a:r>
+            <a:r>
+              <a:rPr lang="en-US" sz="1600" b="0" dirty="0"/>
+              <a:t> 3 KPI’s </a:t>
+            </a:r>
+            <a:r>
+              <a:rPr lang="en-US" sz="1600" b="0" dirty="0" err="1"/>
+              <a:t>PAra</a:t>
+            </a:r>
+            <a:r>
+              <a:rPr lang="en-US" sz="1600" b="0" dirty="0"/>
+              <a:t> </a:t>
+            </a:r>
+            <a:r>
+              <a:rPr lang="en-US" sz="1600" b="0" dirty="0" err="1"/>
+              <a:t>monitorar</a:t>
+            </a:r>
+            <a:r>
+              <a:rPr lang="en-US" sz="1600" b="0" dirty="0"/>
+              <a:t>:</a:t>
+            </a:r>
+          </a:p>
+          <a:p>
+            <a:pPr marL="914400" lvl="1" indent="-457200" algn="l">
+              <a:lnSpc>
+                <a:spcPct val="110000"/>
+              </a:lnSpc>
+              <a:buFont typeface="Arial" panose="020B0604020202020204" pitchFamily="34" charset="0"/>
+              <a:buChar char="•"/>
+            </a:pPr>
+            <a:r>
+              <a:rPr lang="en-US" sz="1600" dirty="0" err="1"/>
+              <a:t>Linhas</a:t>
+            </a:r>
+            <a:r>
+              <a:rPr lang="en-US" sz="1600" dirty="0"/>
+              <a:t> </a:t>
+            </a:r>
+            <a:r>
+              <a:rPr lang="en-US" sz="1600" dirty="0" err="1"/>
+              <a:t>mais</a:t>
+            </a:r>
+            <a:r>
+              <a:rPr lang="en-US" sz="1600" dirty="0"/>
+              <a:t> </a:t>
+            </a:r>
+            <a:r>
+              <a:rPr lang="en-US" sz="1600" dirty="0" err="1"/>
+              <a:t>lentas</a:t>
+            </a:r>
+            <a:endParaRPr lang="en-US" sz="1600" dirty="0"/>
+          </a:p>
+          <a:p>
+            <a:pPr marL="914400" lvl="1" indent="-457200" algn="l">
+              <a:lnSpc>
+                <a:spcPct val="110000"/>
+              </a:lnSpc>
+              <a:buFont typeface="Arial" panose="020B0604020202020204" pitchFamily="34" charset="0"/>
+              <a:buChar char="•"/>
+            </a:pPr>
+            <a:r>
+              <a:rPr lang="en-US" sz="1600" dirty="0" err="1"/>
+              <a:t>Linhas</a:t>
+            </a:r>
+            <a:r>
+              <a:rPr lang="en-US" sz="1600" dirty="0"/>
+              <a:t> com </a:t>
+            </a:r>
+            <a:r>
+              <a:rPr lang="en-US" sz="1600" dirty="0" err="1"/>
+              <a:t>mais</a:t>
+            </a:r>
+            <a:r>
+              <a:rPr lang="en-US" sz="1600" dirty="0"/>
+              <a:t> </a:t>
+            </a:r>
+            <a:r>
+              <a:rPr lang="en-US" sz="1600" dirty="0" err="1"/>
+              <a:t>onibus</a:t>
+            </a:r>
+            <a:r>
+              <a:rPr lang="en-US" sz="1600" dirty="0"/>
+              <a:t> </a:t>
+            </a:r>
+            <a:r>
+              <a:rPr lang="en-US" sz="1600" dirty="0" err="1"/>
+              <a:t>em</a:t>
+            </a:r>
+            <a:r>
+              <a:rPr lang="en-US" sz="1600" dirty="0"/>
+              <a:t> </a:t>
+            </a:r>
+            <a:r>
+              <a:rPr lang="en-US" sz="1600" dirty="0" err="1"/>
+              <a:t>congestionamento</a:t>
+            </a:r>
+            <a:endParaRPr lang="en-US" sz="1600" dirty="0"/>
+          </a:p>
+          <a:p>
+            <a:pPr marL="914400" lvl="1" indent="-457200" algn="l">
+              <a:lnSpc>
+                <a:spcPct val="110000"/>
+              </a:lnSpc>
+              <a:buFont typeface="Arial" panose="020B0604020202020204" pitchFamily="34" charset="0"/>
+              <a:buChar char="•"/>
+            </a:pPr>
+            <a:r>
+              <a:rPr lang="en-US" sz="1600" dirty="0" err="1"/>
+              <a:t>Linhas</a:t>
+            </a:r>
+            <a:r>
+              <a:rPr lang="en-US" sz="1600" dirty="0"/>
+              <a:t> </a:t>
+            </a:r>
+            <a:r>
+              <a:rPr lang="en-US" sz="1600" dirty="0" err="1"/>
+              <a:t>mais</a:t>
+            </a:r>
+            <a:r>
+              <a:rPr lang="en-US" sz="1600" dirty="0"/>
+              <a:t> </a:t>
+            </a:r>
+            <a:r>
+              <a:rPr lang="en-US" sz="1600" dirty="0" err="1"/>
+              <a:t>demandadas</a:t>
+            </a:r>
+            <a:r>
+              <a:rPr lang="en-US" sz="1600" dirty="0"/>
+              <a:t>/</a:t>
+            </a:r>
+            <a:r>
+              <a:rPr lang="en-US" sz="1600" dirty="0" err="1"/>
+              <a:t>ativas</a:t>
+            </a:r>
+            <a:endParaRPr lang="en-US" sz="1600" dirty="0"/>
+          </a:p>
+          <a:p>
+            <a:pPr>
+              <a:lnSpc>
+                <a:spcPct val="110000"/>
+              </a:lnSpc>
+              <a:buFont typeface="Arial" panose="020B0604020202020204" pitchFamily="34" charset="0"/>
+              <a:buChar char="•"/>
+            </a:pPr>
+            <a:endParaRPr lang="en-US" sz="1600" b="0" dirty="0"/>
           </a:p>
           <a:p>
             <a:pPr marL="285750" indent="-285750">
+              <a:lnSpc>
+                <a:spcPct val="110000"/>
+              </a:lnSpc>
               <a:buFont typeface="Arial" panose="020B0604020202020204" pitchFamily="34" charset="0"/>
               <a:buChar char="•"/>
             </a:pPr>
-            <a:endParaRPr lang="pt-PT" sz="1600" dirty="0"/>
+            <a:r>
+              <a:rPr lang="en-US" sz="1600" b="0" dirty="0" err="1"/>
+              <a:t>Disponibilizar</a:t>
+            </a:r>
+            <a:r>
+              <a:rPr lang="en-US" sz="1600" b="0" dirty="0"/>
+              <a:t> </a:t>
+            </a:r>
+            <a:r>
+              <a:rPr lang="en-US" sz="1600" b="0" dirty="0" err="1"/>
+              <a:t>uma</a:t>
+            </a:r>
+            <a:r>
+              <a:rPr lang="en-US" sz="1600" b="0" dirty="0"/>
+              <a:t> </a:t>
+            </a:r>
+            <a:r>
+              <a:rPr lang="en-US" sz="1600" b="0" dirty="0" err="1"/>
+              <a:t>visão</a:t>
+            </a:r>
+            <a:r>
+              <a:rPr lang="en-US" sz="1600" b="0" dirty="0"/>
+              <a:t> </a:t>
+            </a:r>
+            <a:r>
+              <a:rPr lang="en-US" sz="1600" b="0" i="1" dirty="0"/>
+              <a:t>Near real time (NRT) </a:t>
+            </a:r>
+            <a:r>
+              <a:rPr lang="en-US" sz="1600" b="0" dirty="0"/>
+              <a:t>e </a:t>
+            </a:r>
+            <a:r>
+              <a:rPr lang="en-US" sz="1600" b="0" dirty="0" err="1"/>
+              <a:t>uma</a:t>
+            </a:r>
+            <a:r>
+              <a:rPr lang="en-US" sz="1600" b="0" dirty="0"/>
+              <a:t> Analise DE </a:t>
+            </a:r>
+            <a:r>
+              <a:rPr lang="en-US" sz="1600" b="0" dirty="0" err="1"/>
+              <a:t>tendências</a:t>
+            </a:r>
+            <a:r>
+              <a:rPr lang="en-US" sz="1600" b="0" dirty="0"/>
+              <a:t> e performance </a:t>
+            </a:r>
+            <a:r>
+              <a:rPr lang="en-US" sz="1600" b="0" dirty="0" err="1"/>
+              <a:t>histórica</a:t>
+            </a:r>
+            <a:r>
+              <a:rPr lang="en-US" sz="1600" b="0" dirty="0"/>
+              <a:t> de forma </a:t>
+            </a:r>
+            <a:r>
+              <a:rPr lang="en-US" sz="1600" b="0" dirty="0" err="1"/>
+              <a:t>consolidada</a:t>
+            </a:r>
+            <a:r>
+              <a:rPr lang="en-US" sz="1600" b="0" dirty="0"/>
+              <a:t>..</a:t>
+            </a:r>
           </a:p>
           <a:p>
             <a:pPr marL="285750" indent="-285750">
+              <a:lnSpc>
+                <a:spcPct val="110000"/>
+              </a:lnSpc>
               <a:buFont typeface="Arial" panose="020B0604020202020204" pitchFamily="34" charset="0"/>
               <a:buChar char="•"/>
             </a:pPr>
-            <a:r>
-              <a:rPr lang="pt-PT" sz="1600" dirty="0"/>
-              <a:t>Qualidade de dados via a Arquitetura medalhão.</a:t>
-            </a:r>
-          </a:p>
-          <a:p>
-            <a:pPr marL="285750" indent="-285750">
-              <a:buFont typeface="Arial" panose="020B0604020202020204" pitchFamily="34" charset="0"/>
-              <a:buChar char="•"/>
-            </a:pPr>
-            <a:endParaRPr lang="pt-PT" sz="1600" dirty="0"/>
-          </a:p>
-          <a:p>
-            <a:pPr marL="285750" indent="-285750">
-              <a:buFont typeface="Arial" panose="020B0604020202020204" pitchFamily="34" charset="0"/>
-              <a:buChar char="•"/>
-            </a:pPr>
-            <a:r>
-              <a:rPr lang="pt-PT" sz="1600" dirty="0"/>
-              <a:t>Disponibilizar os dados através de múltiplos canais de consumo.</a:t>
-            </a:r>
+            <a:endParaRPr lang="en-US" sz="1100" b="0" dirty="0"/>
           </a:p>
         </p:txBody>
       </p:sp>
+      <p:pic>
+        <p:nvPicPr>
+          <p:cNvPr id="2050" name="Picture 2" descr="Onibus estrada Imagens – Download Grátis no Freepik">
+            <a:extLst>
+              <a:ext uri="{FF2B5EF4-FFF2-40B4-BE49-F238E27FC236}">
+                <a16:creationId xmlns:a16="http://schemas.microsoft.com/office/drawing/2014/main" id="{8F3A724D-A16E-69A6-14F7-1CAC917E807F}"/>
+              </a:ext>
+            </a:extLst>
+          </p:cNvPr>
+          <p:cNvPicPr>
+            <a:picLocks noChangeAspect="1" noChangeArrowheads="1"/>
+          </p:cNvPicPr>
+          <p:nvPr/>
+        </p:nvPicPr>
+        <p:blipFill>
+          <a:blip r:embed="rId2">
+            <a:extLst>
+              <a:ext uri="{28A0092B-C50C-407E-A947-70E740481C1C}">
+                <a14:useLocalDpi xmlns:a14="http://schemas.microsoft.com/office/drawing/2010/main" val="0"/>
+              </a:ext>
+            </a:extLst>
+          </a:blip>
+          <a:srcRect l="13046" r="39671" b="-1"/>
+          <a:stretch>
+            <a:fillRect/>
+          </a:stretch>
+        </p:blipFill>
+        <p:spPr bwMode="auto">
+          <a:xfrm>
+            <a:off x="0" y="10"/>
+            <a:ext cx="4857871" cy="6857990"/>
+          </a:xfrm>
+          <a:prstGeom prst="rect">
+            <a:avLst/>
+          </a:prstGeom>
+          <a:noFill/>
+          <a:extLst>
+            <a:ext uri="{909E8E84-426E-40DD-AFC4-6F175D3DCCD1}">
+              <a14:hiddenFill xmlns:a14="http://schemas.microsoft.com/office/drawing/2010/main">
+                <a:solidFill>
+                  <a:srgbClr val="FFFFFF"/>
+                </a:solidFill>
+              </a14:hiddenFill>
+            </a:ext>
+          </a:extLst>
+        </p:spPr>
+      </p:pic>
     </p:spTree>
     <p:extLst>
       <p:ext uri="{BB962C8B-B14F-4D97-AF65-F5344CB8AC3E}">
-        <p14:creationId xmlns:p14="http://schemas.microsoft.com/office/powerpoint/2010/main" val="323414062"/>
+        <p14:creationId xmlns:p14="http://schemas.microsoft.com/office/powerpoint/2010/main" val="3666136580"/>
       </p:ext>
     </p:extLst>
   </p:cSld>
@@ -2347,7 +6581,7 @@
         <p:cNvPr id="1" name="">
           <a:extLst>
             <a:ext uri="{FF2B5EF4-FFF2-40B4-BE49-F238E27FC236}">
-              <a16:creationId xmlns:a16="http://schemas.microsoft.com/office/drawing/2014/main" id="{D8BA0832-7EBC-810C-ACFC-D0C21B15322C}"/>
+              <a16:creationId xmlns:a16="http://schemas.microsoft.com/office/drawing/2014/main" id="{7B974E59-E6FC-4AFD-0B6E-CF3850B449FC}"/>
             </a:ext>
           </a:extLst>
         </p:cNvPr>
@@ -2367,7 +6601,7 @@
           <p:cNvPr id="2" name="Título 1">
             <a:extLst>
               <a:ext uri="{FF2B5EF4-FFF2-40B4-BE49-F238E27FC236}">
-                <a16:creationId xmlns:a16="http://schemas.microsoft.com/office/drawing/2014/main" id="{DFD9F741-43C3-DA5A-E85A-A208BCCBE0AA}"/>
+                <a16:creationId xmlns:a16="http://schemas.microsoft.com/office/drawing/2014/main" id="{9696B814-0387-6244-5738-E1EC4FB78B12}"/>
               </a:ext>
             </a:extLst>
           </p:cNvPr>
@@ -2380,8 +6614,8 @@
         </p:nvSpPr>
         <p:spPr>
           <a:xfrm>
-            <a:off x="640080" y="1371599"/>
-            <a:ext cx="6675120" cy="552451"/>
+            <a:off x="326691" y="456659"/>
+            <a:ext cx="11418269" cy="552451"/>
           </a:xfrm>
         </p:spPr>
         <p:txBody>
@@ -2390,9 +6624,10 @@
           </a:bodyPr>
           <a:lstStyle/>
           <a:p>
+            <a:pPr algn="ctr"/>
             <a:r>
               <a:rPr lang="pt-PT" sz="2800" dirty="0"/>
-              <a:t>Objetivos do Projeto</a:t>
+              <a:t>Contexto técnico</a:t>
             </a:r>
           </a:p>
         </p:txBody>
@@ -2402,7 +6637,7 @@
           <p:cNvPr id="3" name="Subtítulo 2">
             <a:extLst>
               <a:ext uri="{FF2B5EF4-FFF2-40B4-BE49-F238E27FC236}">
-                <a16:creationId xmlns:a16="http://schemas.microsoft.com/office/drawing/2014/main" id="{54782399-349F-9A8F-57E0-E0767C8B55EB}"/>
+                <a16:creationId xmlns:a16="http://schemas.microsoft.com/office/drawing/2014/main" id="{B08304CE-6E28-98C7-F038-A07D04471B16}"/>
               </a:ext>
             </a:extLst>
           </p:cNvPr>
@@ -2415,13 +6650,13 @@
         </p:nvSpPr>
         <p:spPr>
           <a:xfrm>
-            <a:off x="640080" y="2404871"/>
-            <a:ext cx="11301984" cy="4059937"/>
+            <a:off x="326691" y="1044831"/>
+            <a:ext cx="11062669" cy="2278617"/>
           </a:xfrm>
         </p:spPr>
         <p:txBody>
           <a:bodyPr anchor="t">
-            <a:normAutofit fontScale="92500" lnSpcReduction="10000"/>
+            <a:noAutofit/>
           </a:bodyPr>
           <a:lstStyle/>
           <a:p>
@@ -2430,100 +6665,109 @@
               <a:buChar char="•"/>
             </a:pPr>
             <a:r>
-              <a:rPr lang="pt-PT" dirty="0"/>
-              <a:t>Objetivo 1: Visão Operacional (Pipeline Streaming - NRT)</a:t>
-            </a:r>
-          </a:p>
-          <a:p>
-            <a:pPr marL="742950" lvl="1" indent="-285750" algn="l">
+              <a:rPr lang="pt-PT" b="0" dirty="0"/>
+              <a:t>A API Olho vivo / Posição dos veículos da SPTrans gera milhões de pontos de dados de geolocalização todos os dias </a:t>
+            </a:r>
+          </a:p>
+          <a:p>
+            <a:pPr marL="285750" indent="-285750">
               <a:buFont typeface="Arial" panose="020B0604020202020204" pitchFamily="34" charset="0"/>
               <a:buChar char="•"/>
             </a:pPr>
             <a:r>
-              <a:rPr lang="pt-PT" dirty="0"/>
-              <a:t>Fornecer um "raio-x" da operação da frota com baixa latência (Near Real-Time).</a:t>
-            </a:r>
-          </a:p>
-          <a:p>
-            <a:pPr marL="742950" lvl="1" indent="-285750" algn="l">
-              <a:buFont typeface="Arial" panose="020B0604020202020204" pitchFamily="34" charset="0"/>
-              <a:buChar char="•"/>
-            </a:pPr>
-            <a:r>
-              <a:rPr lang="pt-PT" dirty="0"/>
-              <a:t>KPIs-chave: Velocidade média por linha e contagem de ônibus parados/congestionados.</a:t>
-            </a:r>
-          </a:p>
-          <a:p>
-            <a:pPr marL="285750" indent="-285750">
-              <a:buFont typeface="Arial" panose="020B0604020202020204" pitchFamily="34" charset="0"/>
-              <a:buChar char="•"/>
-            </a:pPr>
-            <a:endParaRPr lang="pt-PT" dirty="0"/>
-          </a:p>
-          <a:p>
-            <a:pPr marL="285750" indent="-285750">
-              <a:buFont typeface="Arial" panose="020B0604020202020204" pitchFamily="34" charset="0"/>
-              <a:buChar char="•"/>
-            </a:pPr>
-            <a:r>
-              <a:rPr lang="pt-PT" dirty="0"/>
-              <a:t>Objetivo 2: Visão Estratégica (Pipeline Batch)</a:t>
-            </a:r>
-          </a:p>
-          <a:p>
-            <a:pPr marL="742950" lvl="1" indent="-285750" algn="l">
-              <a:buFont typeface="Arial" panose="020B0604020202020204" pitchFamily="34" charset="0"/>
-              <a:buChar char="•"/>
-            </a:pPr>
-            <a:r>
-              <a:rPr lang="pt-PT" dirty="0"/>
-              <a:t>Analisar tendências e performance histórica de forma consolidada.</a:t>
-            </a:r>
-          </a:p>
-          <a:p>
-            <a:pPr marL="742950" lvl="1" indent="-285750" algn="l">
-              <a:buFont typeface="Arial" panose="020B0604020202020204" pitchFamily="34" charset="0"/>
-              <a:buChar char="•"/>
-            </a:pPr>
-            <a:r>
-              <a:rPr lang="pt-PT" dirty="0"/>
-              <a:t>KPIs-chave: Velocidade média histórica e contagem de ônibus parados/parados por hora.</a:t>
-            </a:r>
-          </a:p>
-          <a:p>
-            <a:pPr marL="285750" indent="-285750">
-              <a:buFont typeface="Arial" panose="020B0604020202020204" pitchFamily="34" charset="0"/>
-              <a:buChar char="•"/>
-            </a:pPr>
-            <a:endParaRPr lang="pt-PT" dirty="0"/>
-          </a:p>
-          <a:p>
-            <a:pPr marL="285750" indent="-285750">
-              <a:buFont typeface="Arial" panose="020B0604020202020204" pitchFamily="34" charset="0"/>
-              <a:buChar char="•"/>
-            </a:pPr>
-            <a:r>
-              <a:rPr lang="pt-PT" dirty="0"/>
-              <a:t>Objetivo 3: Arquitetura Unificada</a:t>
-            </a:r>
-          </a:p>
-          <a:p>
-            <a:pPr marL="742950" lvl="1" indent="-285750" algn="l">
-              <a:buFont typeface="Arial" panose="020B0604020202020204" pitchFamily="34" charset="0"/>
-              <a:buChar char="•"/>
-            </a:pPr>
-            <a:r>
-              <a:rPr lang="pt-PT" dirty="0"/>
-              <a:t>Construir uma Arquitetura Medalhão, Híbrida Batch/Streaming - NRT que suporte ambas visões.</a:t>
+              <a:rPr lang="pt-PT" b="0" dirty="0"/>
+              <a:t>Esses dados são de natureza transitória, efêmeros, e crescentes.</a:t>
             </a:r>
           </a:p>
         </p:txBody>
       </p:sp>
+      <p:sp>
+        <p:nvSpPr>
+          <p:cNvPr id="4" name="Título 1">
+            <a:extLst>
+              <a:ext uri="{FF2B5EF4-FFF2-40B4-BE49-F238E27FC236}">
+                <a16:creationId xmlns:a16="http://schemas.microsoft.com/office/drawing/2014/main" id="{AE0006E5-75F5-7E47-CBB8-2E44F5904C54}"/>
+              </a:ext>
+            </a:extLst>
+          </p:cNvPr>
+          <p:cNvSpPr txBox="1">
+            <a:spLocks/>
+          </p:cNvSpPr>
+          <p:nvPr/>
+        </p:nvSpPr>
+        <p:spPr>
+          <a:xfrm>
+            <a:off x="326691" y="2632884"/>
+            <a:ext cx="11418269" cy="552451"/>
+          </a:xfrm>
+          <a:prstGeom prst="rect">
+            <a:avLst/>
+          </a:prstGeom>
+        </p:spPr>
+        <p:txBody>
+          <a:bodyPr vert="horz" lIns="91440" tIns="45720" rIns="91440" bIns="45720" rtlCol="0" anchor="t">
+            <a:normAutofit/>
+          </a:bodyPr>
+          <a:lstStyle>
+            <a:lvl1pPr algn="l" defTabSz="914400" rtl="0" eaLnBrk="1" latinLnBrk="0" hangingPunct="1">
+              <a:lnSpc>
+                <a:spcPct val="100000"/>
+              </a:lnSpc>
+              <a:spcBef>
+                <a:spcPct val="0"/>
+              </a:spcBef>
+              <a:buNone/>
+              <a:defRPr sz="5400" b="1" kern="1200">
+                <a:solidFill>
+                  <a:schemeClr val="tx1"/>
+                </a:solidFill>
+                <a:latin typeface="+mj-lt"/>
+                <a:ea typeface="+mj-ea"/>
+                <a:cs typeface="+mj-cs"/>
+              </a:defRPr>
+            </a:lvl1pPr>
+          </a:lstStyle>
+          <a:p>
+            <a:pPr algn="ctr"/>
+            <a:r>
+              <a:rPr lang="pt-PT" sz="2800" dirty="0"/>
+              <a:t>Premissas (necessidades) técnicas</a:t>
+            </a:r>
+          </a:p>
+        </p:txBody>
+      </p:sp>
+      <p:graphicFrame>
+        <p:nvGraphicFramePr>
+          <p:cNvPr id="10" name="Subtítulo 2">
+            <a:extLst>
+              <a:ext uri="{FF2B5EF4-FFF2-40B4-BE49-F238E27FC236}">
+                <a16:creationId xmlns:a16="http://schemas.microsoft.com/office/drawing/2014/main" id="{45849E8F-BDF3-367C-FED0-915ED9ACA2CA}"/>
+              </a:ext>
+            </a:extLst>
+          </p:cNvPr>
+          <p:cNvGraphicFramePr/>
+          <p:nvPr>
+            <p:extLst>
+              <p:ext uri="{D42A27DB-BD31-4B8C-83A1-F6EECF244321}">
+                <p14:modId xmlns:p14="http://schemas.microsoft.com/office/powerpoint/2010/main" val="1546218708"/>
+              </p:ext>
+            </p:extLst>
+          </p:nvPr>
+        </p:nvGraphicFramePr>
+        <p:xfrm>
+          <a:off x="1218807" y="3221070"/>
+          <a:ext cx="9754385" cy="3241040"/>
+        </p:xfrm>
+        <a:graphic>
+          <a:graphicData uri="http://schemas.openxmlformats.org/drawingml/2006/diagram">
+            <dgm:relIds xmlns:dgm="http://schemas.openxmlformats.org/drawingml/2006/diagram" xmlns:r="http://schemas.openxmlformats.org/officeDocument/2006/relationships" r:dm="rId2" r:lo="rId3" r:qs="rId4" r:cs="rId5"/>
+          </a:graphicData>
+        </a:graphic>
+      </p:graphicFrame>
     </p:spTree>
     <p:extLst>
       <p:ext uri="{BB962C8B-B14F-4D97-AF65-F5344CB8AC3E}">
-        <p14:creationId xmlns:p14="http://schemas.microsoft.com/office/powerpoint/2010/main" val="3121728925"/>
+        <p14:creationId xmlns:p14="http://schemas.microsoft.com/office/powerpoint/2010/main" val="1365756551"/>
       </p:ext>
     </p:extLst>
   </p:cSld>
@@ -2534,6 +6778,310 @@
 </file>
 
 <file path=ppt/slides/slide5.xml><?xml version="1.0" encoding="utf-8"?>
+<p:sld xmlns:a="http://schemas.openxmlformats.org/drawingml/2006/main" xmlns:r="http://schemas.openxmlformats.org/officeDocument/2006/relationships" xmlns:p="http://schemas.openxmlformats.org/presentationml/2006/main">
+  <p:cSld>
+    <p:bg>
+      <p:bgPr>
+        <a:solidFill>
+          <a:schemeClr val="bg1"/>
+        </a:solidFill>
+        <a:effectLst/>
+      </p:bgPr>
+    </p:bg>
+    <p:spTree>
+      <p:nvGrpSpPr>
+        <p:cNvPr id="1" name="">
+          <a:extLst>
+            <a:ext uri="{FF2B5EF4-FFF2-40B4-BE49-F238E27FC236}">
+              <a16:creationId xmlns:a16="http://schemas.microsoft.com/office/drawing/2014/main" id="{4F860F66-5A52-CBF7-1688-E8A3B057B44D}"/>
+            </a:ext>
+          </a:extLst>
+        </p:cNvPr>
+        <p:cNvGrpSpPr/>
+        <p:nvPr/>
+      </p:nvGrpSpPr>
+      <p:grpSpPr>
+        <a:xfrm>
+          <a:off x="0" y="0"/>
+          <a:ext cx="0" cy="0"/>
+          <a:chOff x="0" y="0"/>
+          <a:chExt cx="0" cy="0"/>
+        </a:xfrm>
+      </p:grpSpPr>
+      <p:sp>
+        <p:nvSpPr>
+          <p:cNvPr id="2" name="Título 1">
+            <a:extLst>
+              <a:ext uri="{FF2B5EF4-FFF2-40B4-BE49-F238E27FC236}">
+                <a16:creationId xmlns:a16="http://schemas.microsoft.com/office/drawing/2014/main" id="{7D626A95-15D0-180D-4D0B-F4D2910959E9}"/>
+              </a:ext>
+            </a:extLst>
+          </p:cNvPr>
+          <p:cNvSpPr>
+            <a:spLocks noGrp="1"/>
+          </p:cNvSpPr>
+          <p:nvPr>
+            <p:ph type="ctrTitle"/>
+          </p:nvPr>
+        </p:nvSpPr>
+        <p:spPr>
+          <a:xfrm>
+            <a:off x="5415280" y="477175"/>
+            <a:ext cx="6675120" cy="792825"/>
+          </a:xfrm>
+        </p:spPr>
+        <p:txBody>
+          <a:bodyPr vert="horz" lIns="91440" tIns="45720" rIns="91440" bIns="45720" rtlCol="0" anchor="t">
+            <a:normAutofit/>
+          </a:bodyPr>
+          <a:lstStyle/>
+          <a:p>
+            <a:r>
+              <a:rPr lang="en-US" sz="4000" dirty="0" err="1"/>
+              <a:t>Solução</a:t>
+            </a:r>
+            <a:endParaRPr lang="en-US" sz="4000" dirty="0"/>
+          </a:p>
+        </p:txBody>
+      </p:sp>
+      <p:sp>
+        <p:nvSpPr>
+          <p:cNvPr id="3" name="Subtítulo 2">
+            <a:extLst>
+              <a:ext uri="{FF2B5EF4-FFF2-40B4-BE49-F238E27FC236}">
+                <a16:creationId xmlns:a16="http://schemas.microsoft.com/office/drawing/2014/main" id="{3930ECA0-0E0E-18F7-1538-EAD4CCF0FA14}"/>
+              </a:ext>
+            </a:extLst>
+          </p:cNvPr>
+          <p:cNvSpPr>
+            <a:spLocks noGrp="1"/>
+          </p:cNvSpPr>
+          <p:nvPr>
+            <p:ph type="subTitle" idx="1"/>
+          </p:nvPr>
+        </p:nvSpPr>
+        <p:spPr>
+          <a:xfrm>
+            <a:off x="5273040" y="1270001"/>
+            <a:ext cx="6675120" cy="4053840"/>
+          </a:xfrm>
+        </p:spPr>
+        <p:txBody>
+          <a:bodyPr vert="horz" lIns="91440" tIns="45720" rIns="91440" bIns="45720" rtlCol="0">
+            <a:normAutofit/>
+          </a:bodyPr>
+          <a:lstStyle/>
+          <a:p>
+            <a:pPr marL="285750" indent="-285750">
+              <a:lnSpc>
+                <a:spcPct val="110000"/>
+              </a:lnSpc>
+              <a:buFont typeface="Arial" panose="020B0604020202020204" pitchFamily="34" charset="0"/>
+              <a:buChar char="•"/>
+            </a:pPr>
+            <a:r>
+              <a:rPr lang="en-US" dirty="0"/>
+              <a:t>Pipeline Streaming – NRT (SLA = 4 min)</a:t>
+            </a:r>
+          </a:p>
+          <a:p>
+            <a:pPr marL="800100" lvl="1" indent="-342900" algn="l">
+              <a:lnSpc>
+                <a:spcPct val="110000"/>
+              </a:lnSpc>
+              <a:buFont typeface="Arial" panose="020B0604020202020204" pitchFamily="34" charset="0"/>
+              <a:buChar char="•"/>
+            </a:pPr>
+            <a:r>
+              <a:rPr lang="en-US" sz="1800" dirty="0" err="1"/>
+              <a:t>Ingestão</a:t>
+            </a:r>
+            <a:r>
+              <a:rPr lang="en-US" sz="1800" dirty="0"/>
+              <a:t> de dados</a:t>
+            </a:r>
+          </a:p>
+          <a:p>
+            <a:pPr marL="800100" lvl="1" indent="-342900" algn="l">
+              <a:lnSpc>
+                <a:spcPct val="110000"/>
+              </a:lnSpc>
+              <a:buFont typeface="Arial" panose="020B0604020202020204" pitchFamily="34" charset="0"/>
+              <a:buChar char="•"/>
+            </a:pPr>
+            <a:r>
+              <a:rPr lang="en-US" sz="1800" dirty="0" err="1"/>
+              <a:t>Processamento</a:t>
+            </a:r>
+            <a:r>
+              <a:rPr lang="en-US" sz="1800" dirty="0"/>
+              <a:t> streaming (NRT)</a:t>
+            </a:r>
+          </a:p>
+          <a:p>
+            <a:pPr marL="800100" lvl="1" indent="-342900" algn="l">
+              <a:lnSpc>
+                <a:spcPct val="110000"/>
+              </a:lnSpc>
+              <a:buFont typeface="Arial" panose="020B0604020202020204" pitchFamily="34" charset="0"/>
+              <a:buChar char="•"/>
+            </a:pPr>
+            <a:r>
+              <a:rPr lang="en-US" sz="1800" dirty="0" err="1"/>
+              <a:t>Entrega</a:t>
+            </a:r>
+            <a:r>
+              <a:rPr lang="en-US" sz="1800" dirty="0"/>
+              <a:t> de dados</a:t>
+            </a:r>
+          </a:p>
+          <a:p>
+            <a:pPr lvl="1" algn="l">
+              <a:lnSpc>
+                <a:spcPct val="110000"/>
+              </a:lnSpc>
+              <a:buFont typeface="Arial" panose="020B0604020202020204" pitchFamily="34" charset="0"/>
+              <a:buChar char="•"/>
+            </a:pPr>
+            <a:endParaRPr lang="en-US" sz="1800" dirty="0"/>
+          </a:p>
+          <a:p>
+            <a:pPr marL="285750" indent="-285750">
+              <a:lnSpc>
+                <a:spcPct val="110000"/>
+              </a:lnSpc>
+              <a:buFont typeface="Arial" panose="020B0604020202020204" pitchFamily="34" charset="0"/>
+              <a:buChar char="•"/>
+            </a:pPr>
+            <a:r>
+              <a:rPr lang="en-US" dirty="0"/>
+              <a:t>Pipeline Batch (SLA = 1 Hora)</a:t>
+            </a:r>
+          </a:p>
+          <a:p>
+            <a:pPr marL="800100" lvl="1" indent="-342900" algn="l">
+              <a:lnSpc>
+                <a:spcPct val="110000"/>
+              </a:lnSpc>
+              <a:buFont typeface="Arial" panose="020B0604020202020204" pitchFamily="34" charset="0"/>
+              <a:buChar char="•"/>
+            </a:pPr>
+            <a:r>
+              <a:rPr lang="en-US" sz="1800" dirty="0" err="1"/>
+              <a:t>Ingestão</a:t>
+            </a:r>
+            <a:r>
+              <a:rPr lang="en-US" sz="1800" dirty="0"/>
+              <a:t> de dados</a:t>
+            </a:r>
+          </a:p>
+          <a:p>
+            <a:pPr marL="800100" lvl="1" indent="-342900" algn="l">
+              <a:lnSpc>
+                <a:spcPct val="110000"/>
+              </a:lnSpc>
+              <a:buFont typeface="Arial" panose="020B0604020202020204" pitchFamily="34" charset="0"/>
+              <a:buChar char="•"/>
+            </a:pPr>
+            <a:r>
+              <a:rPr lang="en-US" sz="1800" dirty="0" err="1"/>
+              <a:t>Processamento</a:t>
+            </a:r>
+            <a:r>
+              <a:rPr lang="en-US" sz="1800" dirty="0"/>
+              <a:t> batch (Lote)</a:t>
+            </a:r>
+          </a:p>
+          <a:p>
+            <a:pPr marL="800100" lvl="1" indent="-342900" algn="l">
+              <a:lnSpc>
+                <a:spcPct val="110000"/>
+              </a:lnSpc>
+              <a:buFont typeface="Arial" panose="020B0604020202020204" pitchFamily="34" charset="0"/>
+              <a:buChar char="•"/>
+            </a:pPr>
+            <a:r>
+              <a:rPr lang="en-US" sz="1800" dirty="0" err="1"/>
+              <a:t>Entrega</a:t>
+            </a:r>
+            <a:r>
+              <a:rPr lang="en-US" sz="1800" dirty="0"/>
+              <a:t> de dados</a:t>
+            </a:r>
+          </a:p>
+          <a:p>
+            <a:pPr marL="285750" indent="-285750">
+              <a:lnSpc>
+                <a:spcPct val="110000"/>
+              </a:lnSpc>
+              <a:buFont typeface="Arial" panose="020B0604020202020204" pitchFamily="34" charset="0"/>
+              <a:buChar char="•"/>
+            </a:pPr>
+            <a:endParaRPr lang="en-US" dirty="0"/>
+          </a:p>
+        </p:txBody>
+      </p:sp>
+      <p:pic>
+        <p:nvPicPr>
+          <p:cNvPr id="4102" name="Picture 6" descr="Destination illustration 3d rendering of red location pin on gps ...">
+            <a:extLst>
+              <a:ext uri="{FF2B5EF4-FFF2-40B4-BE49-F238E27FC236}">
+                <a16:creationId xmlns:a16="http://schemas.microsoft.com/office/drawing/2014/main" id="{FA58F0CA-6373-D0E5-A210-EAA71EAADEED}"/>
+              </a:ext>
+            </a:extLst>
+          </p:cNvPr>
+          <p:cNvPicPr>
+            <a:picLocks noChangeAspect="1" noChangeArrowheads="1"/>
+          </p:cNvPicPr>
+          <p:nvPr/>
+        </p:nvPicPr>
+        <p:blipFill>
+          <a:blip r:embed="rId2">
+            <a:extLst>
+              <a:ext uri="{28A0092B-C50C-407E-A947-70E740481C1C}">
+                <a14:useLocalDpi xmlns:a14="http://schemas.microsoft.com/office/drawing/2010/main" val="0"/>
+              </a:ext>
+            </a:extLst>
+          </a:blip>
+          <a:srcRect l="11144" r="18021"/>
+          <a:stretch>
+            <a:fillRect/>
+          </a:stretch>
+        </p:blipFill>
+        <p:spPr bwMode="auto">
+          <a:xfrm>
+            <a:off x="0" y="10"/>
+            <a:ext cx="4857871" cy="6857990"/>
+          </a:xfrm>
+          <a:prstGeom prst="rect">
+            <a:avLst/>
+          </a:prstGeom>
+          <a:noFill/>
+          <a:extLst>
+            <a:ext uri="{909E8E84-426E-40DD-AFC4-6F175D3DCCD1}">
+              <a14:hiddenFill xmlns:a14="http://schemas.microsoft.com/office/drawing/2010/main">
+                <a:solidFill>
+                  <a:srgbClr val="FFFFFF"/>
+                </a:solidFill>
+              </a14:hiddenFill>
+            </a:ext>
+          </a:extLst>
+        </p:spPr>
+      </p:pic>
+    </p:spTree>
+    <p:extLst>
+      <p:ext uri="{BB962C8B-B14F-4D97-AF65-F5344CB8AC3E}">
+        <p14:creationId xmlns:p14="http://schemas.microsoft.com/office/powerpoint/2010/main" val="2092753997"/>
+      </p:ext>
+    </p:extLst>
+  </p:cSld>
+  <p:clrMapOvr>
+    <a:masterClrMapping/>
+  </p:clrMapOvr>
+</p:sld>
+</file>
+
+<file path=ppt/slides/slide6.xml><?xml version="1.0" encoding="utf-8"?>
 <p:sld xmlns:a="http://schemas.openxmlformats.org/drawingml/2006/main" xmlns:r="http://schemas.openxmlformats.org/officeDocument/2006/relationships" xmlns:p="http://schemas.openxmlformats.org/presentationml/2006/main">
   <p:cSld>
     <p:spTree>
@@ -2586,7 +7134,7 @@
           <a:p>
             <a:r>
               <a:rPr lang="pt-PT" sz="2800" dirty="0"/>
-              <a:t>Objetivo 1 - Pipeline Streaming - NRT</a:t>
+              <a:t>Pipeline Streaming - NRT</a:t>
             </a:r>
           </a:p>
         </p:txBody>
@@ -2704,7 +7252,7 @@
 </p:sld>
 </file>
 
-<file path=ppt/slides/slide6.xml><?xml version="1.0" encoding="utf-8"?>
+<file path=ppt/slides/slide7.xml><?xml version="1.0" encoding="utf-8"?>
 <p:sld xmlns:a="http://schemas.openxmlformats.org/drawingml/2006/main" xmlns:r="http://schemas.openxmlformats.org/officeDocument/2006/relationships" xmlns:p="http://schemas.openxmlformats.org/presentationml/2006/main">
   <p:cSld>
     <p:spTree>
@@ -2757,7 +7305,7 @@
           <a:p>
             <a:r>
               <a:rPr lang="pt-PT" sz="2800" dirty="0"/>
-              <a:t>Objetivo 2 - Pipeline Batch</a:t>
+              <a:t>Pipeline Batch</a:t>
             </a:r>
           </a:p>
         </p:txBody>
@@ -2878,7 +7426,7 @@
 </p:sld>
 </file>
 
-<file path=ppt/slides/slide7.xml><?xml version="1.0" encoding="utf-8"?>
+<file path=ppt/slides/slide8.xml><?xml version="1.0" encoding="utf-8"?>
 <p:sld xmlns:a="http://schemas.openxmlformats.org/drawingml/2006/main" xmlns:r="http://schemas.openxmlformats.org/officeDocument/2006/relationships" xmlns:p="http://schemas.openxmlformats.org/presentationml/2006/main">
   <p:cSld>
     <p:spTree>
@@ -2931,7 +7479,7 @@
           <a:p>
             <a:r>
               <a:rPr lang="pt-PT" sz="2800" dirty="0"/>
-              <a:t>Objetivo 3 - Arquitetura Unificada (Pipelines Batch e Streaming)</a:t>
+              <a:t>Arquitetura Unificada (Pipelines Batch e Streaming)</a:t>
             </a:r>
           </a:p>
         </p:txBody>
@@ -2979,7 +7527,7 @@
 </p:sld>
 </file>
 
-<file path=ppt/slides/slide8.xml><?xml version="1.0" encoding="utf-8"?>
+<file path=ppt/slides/slide9.xml><?xml version="1.0" encoding="utf-8"?>
 <p:sld xmlns:a="http://schemas.openxmlformats.org/drawingml/2006/main" xmlns:r="http://schemas.openxmlformats.org/officeDocument/2006/relationships" xmlns:p="http://schemas.openxmlformats.org/presentationml/2006/main">
   <p:cSld>
     <p:spTree>
@@ -3476,1128 +8024,6 @@
     <p:extLst>
       <p:ext uri="{BB962C8B-B14F-4D97-AF65-F5344CB8AC3E}">
         <p14:creationId xmlns:p14="http://schemas.microsoft.com/office/powerpoint/2010/main" val="1132332110"/>
-      </p:ext>
-    </p:extLst>
-  </p:cSld>
-  <p:clrMapOvr>
-    <a:masterClrMapping/>
-  </p:clrMapOvr>
-</p:sld>
-</file>
-
-<file path=ppt/slides/slide9.xml><?xml version="1.0" encoding="utf-8"?>
-<p:sld xmlns:a="http://schemas.openxmlformats.org/drawingml/2006/main" xmlns:r="http://schemas.openxmlformats.org/officeDocument/2006/relationships" xmlns:p="http://schemas.openxmlformats.org/presentationml/2006/main">
-  <p:cSld>
-    <p:spTree>
-      <p:nvGrpSpPr>
-        <p:cNvPr id="1" name="">
-          <a:extLst>
-            <a:ext uri="{FF2B5EF4-FFF2-40B4-BE49-F238E27FC236}">
-              <a16:creationId xmlns:a16="http://schemas.microsoft.com/office/drawing/2014/main" id="{FEB7C61C-12AF-50DF-1DB9-E77E8741BC9E}"/>
-            </a:ext>
-          </a:extLst>
-        </p:cNvPr>
-        <p:cNvGrpSpPr/>
-        <p:nvPr/>
-      </p:nvGrpSpPr>
-      <p:grpSpPr>
-        <a:xfrm>
-          <a:off x="0" y="0"/>
-          <a:ext cx="0" cy="0"/>
-          <a:chOff x="0" y="0"/>
-          <a:chExt cx="0" cy="0"/>
-        </a:xfrm>
-      </p:grpSpPr>
-      <p:sp>
-        <p:nvSpPr>
-          <p:cNvPr id="2" name="Título 1">
-            <a:extLst>
-              <a:ext uri="{FF2B5EF4-FFF2-40B4-BE49-F238E27FC236}">
-                <a16:creationId xmlns:a16="http://schemas.microsoft.com/office/drawing/2014/main" id="{B781392C-19FC-6134-D46C-E5B4BCFEF125}"/>
-              </a:ext>
-            </a:extLst>
-          </p:cNvPr>
-          <p:cNvSpPr>
-            <a:spLocks noGrp="1"/>
-          </p:cNvSpPr>
-          <p:nvPr>
-            <p:ph type="ctrTitle"/>
-          </p:nvPr>
-        </p:nvSpPr>
-        <p:spPr>
-          <a:xfrm>
-            <a:off x="640080" y="1371599"/>
-            <a:ext cx="6675120" cy="552451"/>
-          </a:xfrm>
-        </p:spPr>
-        <p:txBody>
-          <a:bodyPr>
-            <a:normAutofit/>
-          </a:bodyPr>
-          <a:lstStyle/>
-          <a:p>
-            <a:r>
-              <a:rPr lang="pt-BR" sz="2800" dirty="0"/>
-              <a:t>Ferramentas e T</a:t>
-            </a:r>
-            <a:r>
-              <a:rPr lang="pt-PT" sz="2800" dirty="0"/>
-              <a:t>ecnologias – Parte 2</a:t>
-            </a:r>
-          </a:p>
-        </p:txBody>
-      </p:sp>
-      <p:sp>
-        <p:nvSpPr>
-          <p:cNvPr id="4" name="Subtítulo 2">
-            <a:extLst>
-              <a:ext uri="{FF2B5EF4-FFF2-40B4-BE49-F238E27FC236}">
-                <a16:creationId xmlns:a16="http://schemas.microsoft.com/office/drawing/2014/main" id="{3B64B496-83EF-1820-869C-220A22D812D6}"/>
-              </a:ext>
-            </a:extLst>
-          </p:cNvPr>
-          <p:cNvSpPr txBox="1">
-            <a:spLocks/>
-          </p:cNvSpPr>
-          <p:nvPr/>
-        </p:nvSpPr>
-        <p:spPr>
-          <a:xfrm>
-            <a:off x="6096000" y="2591563"/>
-            <a:ext cx="4672584" cy="3205733"/>
-          </a:xfrm>
-          <a:prstGeom prst="rect">
-            <a:avLst/>
-          </a:prstGeom>
-        </p:spPr>
-        <p:txBody>
-          <a:bodyPr vert="horz" lIns="91440" tIns="45720" rIns="91440" bIns="45720" rtlCol="0" anchor="t">
-            <a:normAutofit/>
-          </a:bodyPr>
-          <a:lstStyle>
-            <a:lvl1pPr marL="0" indent="0" algn="l" defTabSz="914400" rtl="0" eaLnBrk="1" latinLnBrk="0" hangingPunct="1">
-              <a:lnSpc>
-                <a:spcPct val="130000"/>
-              </a:lnSpc>
-              <a:spcBef>
-                <a:spcPts val="1000"/>
-              </a:spcBef>
-              <a:buSzPct val="87000"/>
-              <a:buFont typeface="Arial" panose="020B0604020202020204" pitchFamily="34" charset="0"/>
-              <a:buNone/>
-              <a:defRPr sz="1800" b="1" kern="1200" cap="all" spc="300" baseline="0">
-                <a:solidFill>
-                  <a:schemeClr val="tx1"/>
-                </a:solidFill>
-                <a:latin typeface="+mn-lt"/>
-                <a:ea typeface="+mn-ea"/>
-                <a:cs typeface="+mn-cs"/>
-              </a:defRPr>
-            </a:lvl1pPr>
-            <a:lvl2pPr marL="457200" indent="0" algn="ctr" defTabSz="914400" rtl="0" eaLnBrk="1" latinLnBrk="0" hangingPunct="1">
-              <a:lnSpc>
-                <a:spcPct val="120000"/>
-              </a:lnSpc>
-              <a:spcBef>
-                <a:spcPts val="500"/>
-              </a:spcBef>
-              <a:buSzPct val="87000"/>
-              <a:buFont typeface="Arial" panose="020B0604020202020204" pitchFamily="34" charset="0"/>
-              <a:buNone/>
-              <a:defRPr sz="2000" kern="1200">
-                <a:solidFill>
-                  <a:schemeClr val="tx1"/>
-                </a:solidFill>
-                <a:latin typeface="+mn-lt"/>
-                <a:ea typeface="+mn-ea"/>
-                <a:cs typeface="+mn-cs"/>
-              </a:defRPr>
-            </a:lvl2pPr>
-            <a:lvl3pPr marL="914400" indent="0" algn="ctr" defTabSz="914400" rtl="0" eaLnBrk="1" latinLnBrk="0" hangingPunct="1">
-              <a:lnSpc>
-                <a:spcPct val="120000"/>
-              </a:lnSpc>
-              <a:spcBef>
-                <a:spcPts val="500"/>
-              </a:spcBef>
-              <a:buSzPct val="87000"/>
-              <a:buFont typeface="Arial" panose="020B0604020202020204" pitchFamily="34" charset="0"/>
-              <a:buNone/>
-              <a:defRPr sz="1800" kern="1200">
-                <a:solidFill>
-                  <a:schemeClr val="tx1"/>
-                </a:solidFill>
-                <a:latin typeface="+mn-lt"/>
-                <a:ea typeface="+mn-ea"/>
-                <a:cs typeface="+mn-cs"/>
-              </a:defRPr>
-            </a:lvl3pPr>
-            <a:lvl4pPr marL="1371600" indent="0" algn="ctr" defTabSz="914400" rtl="0" eaLnBrk="1" latinLnBrk="0" hangingPunct="1">
-              <a:lnSpc>
-                <a:spcPct val="120000"/>
-              </a:lnSpc>
-              <a:spcBef>
-                <a:spcPts val="500"/>
-              </a:spcBef>
-              <a:buSzPct val="87000"/>
-              <a:buFont typeface="Arial" panose="020B0604020202020204" pitchFamily="34" charset="0"/>
-              <a:buNone/>
-              <a:defRPr sz="1600" kern="1200">
-                <a:solidFill>
-                  <a:schemeClr val="tx1"/>
-                </a:solidFill>
-                <a:latin typeface="+mn-lt"/>
-                <a:ea typeface="+mn-ea"/>
-                <a:cs typeface="+mn-cs"/>
-              </a:defRPr>
-            </a:lvl4pPr>
-            <a:lvl5pPr marL="1828800" indent="0" algn="ctr" defTabSz="914400" rtl="0" eaLnBrk="1" latinLnBrk="0" hangingPunct="1">
-              <a:lnSpc>
-                <a:spcPct val="120000"/>
-              </a:lnSpc>
-              <a:spcBef>
-                <a:spcPts val="500"/>
-              </a:spcBef>
-              <a:buSzPct val="87000"/>
-              <a:buFont typeface="Arial" panose="020B0604020202020204" pitchFamily="34" charset="0"/>
-              <a:buNone/>
-              <a:defRPr sz="1600" kern="1200">
-                <a:solidFill>
-                  <a:schemeClr val="tx1"/>
-                </a:solidFill>
-                <a:latin typeface="+mn-lt"/>
-                <a:ea typeface="+mn-ea"/>
-                <a:cs typeface="+mn-cs"/>
-              </a:defRPr>
-            </a:lvl5pPr>
-            <a:lvl6pPr marL="2286000" indent="0" algn="ctr" defTabSz="914400" rtl="0" eaLnBrk="1" latinLnBrk="0" hangingPunct="1">
-              <a:lnSpc>
-                <a:spcPct val="90000"/>
-              </a:lnSpc>
-              <a:spcBef>
-                <a:spcPts val="500"/>
-              </a:spcBef>
-              <a:buFont typeface="Arial" panose="020B0604020202020204" pitchFamily="34" charset="0"/>
-              <a:buNone/>
-              <a:defRPr sz="1600" kern="1200">
-                <a:solidFill>
-                  <a:schemeClr val="tx1"/>
-                </a:solidFill>
-                <a:latin typeface="+mn-lt"/>
-                <a:ea typeface="+mn-ea"/>
-                <a:cs typeface="+mn-cs"/>
-              </a:defRPr>
-            </a:lvl6pPr>
-            <a:lvl7pPr marL="2743200" indent="0" algn="ctr" defTabSz="914400" rtl="0" eaLnBrk="1" latinLnBrk="0" hangingPunct="1">
-              <a:lnSpc>
-                <a:spcPct val="90000"/>
-              </a:lnSpc>
-              <a:spcBef>
-                <a:spcPts val="500"/>
-              </a:spcBef>
-              <a:buFont typeface="Arial" panose="020B0604020202020204" pitchFamily="34" charset="0"/>
-              <a:buNone/>
-              <a:defRPr sz="1600" kern="1200">
-                <a:solidFill>
-                  <a:schemeClr val="tx1"/>
-                </a:solidFill>
-                <a:latin typeface="+mn-lt"/>
-                <a:ea typeface="+mn-ea"/>
-                <a:cs typeface="+mn-cs"/>
-              </a:defRPr>
-            </a:lvl7pPr>
-            <a:lvl8pPr marL="3200400" indent="0" algn="ctr" defTabSz="914400" rtl="0" eaLnBrk="1" latinLnBrk="0" hangingPunct="1">
-              <a:lnSpc>
-                <a:spcPct val="90000"/>
-              </a:lnSpc>
-              <a:spcBef>
-                <a:spcPts val="500"/>
-              </a:spcBef>
-              <a:buFont typeface="Arial" panose="020B0604020202020204" pitchFamily="34" charset="0"/>
-              <a:buNone/>
-              <a:defRPr sz="1600" kern="1200">
-                <a:solidFill>
-                  <a:schemeClr val="tx1"/>
-                </a:solidFill>
-                <a:latin typeface="+mn-lt"/>
-                <a:ea typeface="+mn-ea"/>
-                <a:cs typeface="+mn-cs"/>
-              </a:defRPr>
-            </a:lvl8pPr>
-            <a:lvl9pPr marL="3657600" indent="0" algn="ctr" defTabSz="914400" rtl="0" eaLnBrk="1" latinLnBrk="0" hangingPunct="1">
-              <a:lnSpc>
-                <a:spcPct val="90000"/>
-              </a:lnSpc>
-              <a:spcBef>
-                <a:spcPts val="500"/>
-              </a:spcBef>
-              <a:buFont typeface="Arial" panose="020B0604020202020204" pitchFamily="34" charset="0"/>
-              <a:buNone/>
-              <a:defRPr sz="1600" kern="1200">
-                <a:solidFill>
-                  <a:schemeClr val="tx1"/>
-                </a:solidFill>
-                <a:latin typeface="+mn-lt"/>
-                <a:ea typeface="+mn-ea"/>
-                <a:cs typeface="+mn-cs"/>
-              </a:defRPr>
-            </a:lvl9pPr>
-          </a:lstStyle>
-          <a:p>
-            <a:pPr marL="285750" indent="-285750">
-              <a:buFont typeface="Arial" panose="020B0604020202020204" pitchFamily="34" charset="0"/>
-              <a:buChar char="•"/>
-            </a:pPr>
-            <a:endParaRPr lang="pt-PT" dirty="0"/>
-          </a:p>
-          <a:p>
-            <a:pPr marL="285750" indent="-285750">
-              <a:buFont typeface="Arial" panose="020B0604020202020204" pitchFamily="34" charset="0"/>
-              <a:buChar char="•"/>
-            </a:pPr>
-            <a:endParaRPr lang="pt-PT" dirty="0"/>
-          </a:p>
-        </p:txBody>
-      </p:sp>
-      <p:sp>
-        <p:nvSpPr>
-          <p:cNvPr id="7" name="Subtítulo 2">
-            <a:extLst>
-              <a:ext uri="{FF2B5EF4-FFF2-40B4-BE49-F238E27FC236}">
-                <a16:creationId xmlns:a16="http://schemas.microsoft.com/office/drawing/2014/main" id="{851C8767-CBE1-ED07-1996-5656E89DEC46}"/>
-              </a:ext>
-            </a:extLst>
-          </p:cNvPr>
-          <p:cNvSpPr txBox="1">
-            <a:spLocks/>
-          </p:cNvSpPr>
-          <p:nvPr/>
-        </p:nvSpPr>
-        <p:spPr>
-          <a:xfrm>
-            <a:off x="7762027" y="1812416"/>
-            <a:ext cx="3294888" cy="2054590"/>
-          </a:xfrm>
-          <a:prstGeom prst="rect">
-            <a:avLst/>
-          </a:prstGeom>
-        </p:spPr>
-        <p:txBody>
-          <a:bodyPr vert="horz" lIns="91440" tIns="45720" rIns="91440" bIns="45720" rtlCol="0" anchor="t">
-            <a:normAutofit fontScale="92500" lnSpcReduction="10000"/>
-          </a:bodyPr>
-          <a:lstStyle>
-            <a:lvl1pPr marL="0" indent="0" algn="l" defTabSz="914400" rtl="0" eaLnBrk="1" latinLnBrk="0" hangingPunct="1">
-              <a:lnSpc>
-                <a:spcPct val="130000"/>
-              </a:lnSpc>
-              <a:spcBef>
-                <a:spcPts val="1000"/>
-              </a:spcBef>
-              <a:buSzPct val="87000"/>
-              <a:buFont typeface="Arial" panose="020B0604020202020204" pitchFamily="34" charset="0"/>
-              <a:buNone/>
-              <a:defRPr sz="1800" b="1" kern="1200" cap="all" spc="300" baseline="0">
-                <a:solidFill>
-                  <a:schemeClr val="tx1"/>
-                </a:solidFill>
-                <a:latin typeface="+mn-lt"/>
-                <a:ea typeface="+mn-ea"/>
-                <a:cs typeface="+mn-cs"/>
-              </a:defRPr>
-            </a:lvl1pPr>
-            <a:lvl2pPr marL="457200" indent="0" algn="ctr" defTabSz="914400" rtl="0" eaLnBrk="1" latinLnBrk="0" hangingPunct="1">
-              <a:lnSpc>
-                <a:spcPct val="120000"/>
-              </a:lnSpc>
-              <a:spcBef>
-                <a:spcPts val="500"/>
-              </a:spcBef>
-              <a:buSzPct val="87000"/>
-              <a:buFont typeface="Arial" panose="020B0604020202020204" pitchFamily="34" charset="0"/>
-              <a:buNone/>
-              <a:defRPr sz="2000" kern="1200">
-                <a:solidFill>
-                  <a:schemeClr val="tx1"/>
-                </a:solidFill>
-                <a:latin typeface="+mn-lt"/>
-                <a:ea typeface="+mn-ea"/>
-                <a:cs typeface="+mn-cs"/>
-              </a:defRPr>
-            </a:lvl2pPr>
-            <a:lvl3pPr marL="914400" indent="0" algn="ctr" defTabSz="914400" rtl="0" eaLnBrk="1" latinLnBrk="0" hangingPunct="1">
-              <a:lnSpc>
-                <a:spcPct val="120000"/>
-              </a:lnSpc>
-              <a:spcBef>
-                <a:spcPts val="500"/>
-              </a:spcBef>
-              <a:buSzPct val="87000"/>
-              <a:buFont typeface="Arial" panose="020B0604020202020204" pitchFamily="34" charset="0"/>
-              <a:buNone/>
-              <a:defRPr sz="1800" kern="1200">
-                <a:solidFill>
-                  <a:schemeClr val="tx1"/>
-                </a:solidFill>
-                <a:latin typeface="+mn-lt"/>
-                <a:ea typeface="+mn-ea"/>
-                <a:cs typeface="+mn-cs"/>
-              </a:defRPr>
-            </a:lvl3pPr>
-            <a:lvl4pPr marL="1371600" indent="0" algn="ctr" defTabSz="914400" rtl="0" eaLnBrk="1" latinLnBrk="0" hangingPunct="1">
-              <a:lnSpc>
-                <a:spcPct val="120000"/>
-              </a:lnSpc>
-              <a:spcBef>
-                <a:spcPts val="500"/>
-              </a:spcBef>
-              <a:buSzPct val="87000"/>
-              <a:buFont typeface="Arial" panose="020B0604020202020204" pitchFamily="34" charset="0"/>
-              <a:buNone/>
-              <a:defRPr sz="1600" kern="1200">
-                <a:solidFill>
-                  <a:schemeClr val="tx1"/>
-                </a:solidFill>
-                <a:latin typeface="+mn-lt"/>
-                <a:ea typeface="+mn-ea"/>
-                <a:cs typeface="+mn-cs"/>
-              </a:defRPr>
-            </a:lvl4pPr>
-            <a:lvl5pPr marL="1828800" indent="0" algn="ctr" defTabSz="914400" rtl="0" eaLnBrk="1" latinLnBrk="0" hangingPunct="1">
-              <a:lnSpc>
-                <a:spcPct val="120000"/>
-              </a:lnSpc>
-              <a:spcBef>
-                <a:spcPts val="500"/>
-              </a:spcBef>
-              <a:buSzPct val="87000"/>
-              <a:buFont typeface="Arial" panose="020B0604020202020204" pitchFamily="34" charset="0"/>
-              <a:buNone/>
-              <a:defRPr sz="1600" kern="1200">
-                <a:solidFill>
-                  <a:schemeClr val="tx1"/>
-                </a:solidFill>
-                <a:latin typeface="+mn-lt"/>
-                <a:ea typeface="+mn-ea"/>
-                <a:cs typeface="+mn-cs"/>
-              </a:defRPr>
-            </a:lvl5pPr>
-            <a:lvl6pPr marL="2286000" indent="0" algn="ctr" defTabSz="914400" rtl="0" eaLnBrk="1" latinLnBrk="0" hangingPunct="1">
-              <a:lnSpc>
-                <a:spcPct val="90000"/>
-              </a:lnSpc>
-              <a:spcBef>
-                <a:spcPts val="500"/>
-              </a:spcBef>
-              <a:buFont typeface="Arial" panose="020B0604020202020204" pitchFamily="34" charset="0"/>
-              <a:buNone/>
-              <a:defRPr sz="1600" kern="1200">
-                <a:solidFill>
-                  <a:schemeClr val="tx1"/>
-                </a:solidFill>
-                <a:latin typeface="+mn-lt"/>
-                <a:ea typeface="+mn-ea"/>
-                <a:cs typeface="+mn-cs"/>
-              </a:defRPr>
-            </a:lvl6pPr>
-            <a:lvl7pPr marL="2743200" indent="0" algn="ctr" defTabSz="914400" rtl="0" eaLnBrk="1" latinLnBrk="0" hangingPunct="1">
-              <a:lnSpc>
-                <a:spcPct val="90000"/>
-              </a:lnSpc>
-              <a:spcBef>
-                <a:spcPts val="500"/>
-              </a:spcBef>
-              <a:buFont typeface="Arial" panose="020B0604020202020204" pitchFamily="34" charset="0"/>
-              <a:buNone/>
-              <a:defRPr sz="1600" kern="1200">
-                <a:solidFill>
-                  <a:schemeClr val="tx1"/>
-                </a:solidFill>
-                <a:latin typeface="+mn-lt"/>
-                <a:ea typeface="+mn-ea"/>
-                <a:cs typeface="+mn-cs"/>
-              </a:defRPr>
-            </a:lvl7pPr>
-            <a:lvl8pPr marL="3200400" indent="0" algn="ctr" defTabSz="914400" rtl="0" eaLnBrk="1" latinLnBrk="0" hangingPunct="1">
-              <a:lnSpc>
-                <a:spcPct val="90000"/>
-              </a:lnSpc>
-              <a:spcBef>
-                <a:spcPts val="500"/>
-              </a:spcBef>
-              <a:buFont typeface="Arial" panose="020B0604020202020204" pitchFamily="34" charset="0"/>
-              <a:buNone/>
-              <a:defRPr sz="1600" kern="1200">
-                <a:solidFill>
-                  <a:schemeClr val="tx1"/>
-                </a:solidFill>
-                <a:latin typeface="+mn-lt"/>
-                <a:ea typeface="+mn-ea"/>
-                <a:cs typeface="+mn-cs"/>
-              </a:defRPr>
-            </a:lvl8pPr>
-            <a:lvl9pPr marL="3657600" indent="0" algn="ctr" defTabSz="914400" rtl="0" eaLnBrk="1" latinLnBrk="0" hangingPunct="1">
-              <a:lnSpc>
-                <a:spcPct val="90000"/>
-              </a:lnSpc>
-              <a:spcBef>
-                <a:spcPts val="500"/>
-              </a:spcBef>
-              <a:buFont typeface="Arial" panose="020B0604020202020204" pitchFamily="34" charset="0"/>
-              <a:buNone/>
-              <a:defRPr sz="1600" kern="1200">
-                <a:solidFill>
-                  <a:schemeClr val="tx1"/>
-                </a:solidFill>
-                <a:latin typeface="+mn-lt"/>
-                <a:ea typeface="+mn-ea"/>
-                <a:cs typeface="+mn-cs"/>
-              </a:defRPr>
-            </a:lvl9pPr>
-          </a:lstStyle>
-          <a:p>
-            <a:pPr marL="285750" indent="-285750">
-              <a:buFont typeface="Arial" panose="020B0604020202020204" pitchFamily="34" charset="0"/>
-              <a:buChar char="•"/>
-            </a:pPr>
-            <a:endParaRPr lang="pt-PT" dirty="0"/>
-          </a:p>
-          <a:p>
-            <a:pPr marL="285750" indent="-285750">
-              <a:buFont typeface="Arial" panose="020B0604020202020204" pitchFamily="34" charset="0"/>
-              <a:buChar char="•"/>
-            </a:pPr>
-            <a:r>
-              <a:rPr lang="pt-PT" dirty="0"/>
-              <a:t>Entrega de dados</a:t>
-            </a:r>
-          </a:p>
-          <a:p>
-            <a:pPr marL="800100" lvl="1" indent="-342900" algn="l">
-              <a:buFont typeface="Courier New" panose="02070309020205020404" pitchFamily="49" charset="0"/>
-              <a:buChar char="o"/>
-            </a:pPr>
-            <a:r>
-              <a:rPr lang="pt-PT" sz="1400" dirty="0"/>
-              <a:t>PostgreSQL</a:t>
-            </a:r>
-          </a:p>
-          <a:p>
-            <a:pPr marL="800100" lvl="1" indent="-342900" algn="l">
-              <a:buFont typeface="Courier New" panose="02070309020205020404" pitchFamily="49" charset="0"/>
-              <a:buChar char="o"/>
-            </a:pPr>
-            <a:r>
-              <a:rPr lang="pt-PT" sz="1400" dirty="0"/>
-              <a:t>FastAPI</a:t>
-            </a:r>
-          </a:p>
-          <a:p>
-            <a:pPr marL="800100" lvl="1" indent="-342900" algn="l">
-              <a:buFont typeface="Courier New" panose="02070309020205020404" pitchFamily="49" charset="0"/>
-              <a:buChar char="o"/>
-            </a:pPr>
-            <a:r>
-              <a:rPr lang="pt-PT" sz="1400" dirty="0"/>
-              <a:t>Metabase</a:t>
-            </a:r>
-          </a:p>
-          <a:p>
-            <a:pPr marL="800100" lvl="1" indent="-342900" algn="l">
-              <a:buFont typeface="Courier New" panose="02070309020205020404" pitchFamily="49" charset="0"/>
-              <a:buChar char="o"/>
-            </a:pPr>
-            <a:r>
-              <a:rPr lang="pt-PT" sz="1400" dirty="0"/>
-              <a:t>Trino</a:t>
-            </a:r>
-          </a:p>
-          <a:p>
-            <a:pPr marL="742950" lvl="1" indent="-285750" algn="l">
-              <a:buFont typeface="Arial" panose="020B0604020202020204" pitchFamily="34" charset="0"/>
-              <a:buChar char="•"/>
-            </a:pPr>
-            <a:endParaRPr lang="pt-PT" dirty="0"/>
-          </a:p>
-          <a:p>
-            <a:pPr marL="742950" lvl="1" indent="-285750" algn="l">
-              <a:buFont typeface="Arial" panose="020B0604020202020204" pitchFamily="34" charset="0"/>
-              <a:buChar char="•"/>
-            </a:pPr>
-            <a:endParaRPr lang="pt-PT" dirty="0"/>
-          </a:p>
-          <a:p>
-            <a:endParaRPr lang="pt-PT" dirty="0"/>
-          </a:p>
-        </p:txBody>
-      </p:sp>
-      <p:cxnSp>
-        <p:nvCxnSpPr>
-          <p:cNvPr id="19" name="Conector reto 18">
-            <a:extLst>
-              <a:ext uri="{FF2B5EF4-FFF2-40B4-BE49-F238E27FC236}">
-                <a16:creationId xmlns:a16="http://schemas.microsoft.com/office/drawing/2014/main" id="{0E93D895-4203-E605-1DCB-72087D5F8156}"/>
-              </a:ext>
-            </a:extLst>
-          </p:cNvPr>
-          <p:cNvCxnSpPr>
-            <a:cxnSpLocks/>
-          </p:cNvCxnSpPr>
-          <p:nvPr/>
-        </p:nvCxnSpPr>
-        <p:spPr>
-          <a:xfrm>
-            <a:off x="7070131" y="2130552"/>
-            <a:ext cx="0" cy="4517136"/>
-          </a:xfrm>
-          <a:prstGeom prst="line">
-            <a:avLst/>
-          </a:prstGeom>
-        </p:spPr>
-        <p:style>
-          <a:lnRef idx="1">
-            <a:schemeClr val="dk1"/>
-          </a:lnRef>
-          <a:fillRef idx="0">
-            <a:schemeClr val="dk1"/>
-          </a:fillRef>
-          <a:effectRef idx="0">
-            <a:schemeClr val="dk1"/>
-          </a:effectRef>
-          <a:fontRef idx="minor">
-            <a:schemeClr val="tx1"/>
-          </a:fontRef>
-        </p:style>
-      </p:cxnSp>
-      <p:sp>
-        <p:nvSpPr>
-          <p:cNvPr id="24" name="Subtítulo 2">
-            <a:extLst>
-              <a:ext uri="{FF2B5EF4-FFF2-40B4-BE49-F238E27FC236}">
-                <a16:creationId xmlns:a16="http://schemas.microsoft.com/office/drawing/2014/main" id="{39B0EE7A-8EEE-3C70-DDBA-0FF17B4F8628}"/>
-              </a:ext>
-            </a:extLst>
-          </p:cNvPr>
-          <p:cNvSpPr txBox="1">
-            <a:spLocks/>
-          </p:cNvSpPr>
-          <p:nvPr/>
-        </p:nvSpPr>
-        <p:spPr>
-          <a:xfrm>
-            <a:off x="6096000" y="2591563"/>
-            <a:ext cx="4672584" cy="3205733"/>
-          </a:xfrm>
-          <a:prstGeom prst="rect">
-            <a:avLst/>
-          </a:prstGeom>
-        </p:spPr>
-        <p:txBody>
-          <a:bodyPr vert="horz" lIns="91440" tIns="45720" rIns="91440" bIns="45720" rtlCol="0" anchor="t">
-            <a:normAutofit/>
-          </a:bodyPr>
-          <a:lstStyle>
-            <a:lvl1pPr marL="0" indent="0" algn="l" defTabSz="914400" rtl="0" eaLnBrk="1" latinLnBrk="0" hangingPunct="1">
-              <a:lnSpc>
-                <a:spcPct val="130000"/>
-              </a:lnSpc>
-              <a:spcBef>
-                <a:spcPts val="1000"/>
-              </a:spcBef>
-              <a:buSzPct val="87000"/>
-              <a:buFont typeface="Arial" panose="020B0604020202020204" pitchFamily="34" charset="0"/>
-              <a:buNone/>
-              <a:defRPr sz="1800" b="1" kern="1200" cap="all" spc="300" baseline="0">
-                <a:solidFill>
-                  <a:schemeClr val="tx1"/>
-                </a:solidFill>
-                <a:latin typeface="+mn-lt"/>
-                <a:ea typeface="+mn-ea"/>
-                <a:cs typeface="+mn-cs"/>
-              </a:defRPr>
-            </a:lvl1pPr>
-            <a:lvl2pPr marL="457200" indent="0" algn="ctr" defTabSz="914400" rtl="0" eaLnBrk="1" latinLnBrk="0" hangingPunct="1">
-              <a:lnSpc>
-                <a:spcPct val="120000"/>
-              </a:lnSpc>
-              <a:spcBef>
-                <a:spcPts val="500"/>
-              </a:spcBef>
-              <a:buSzPct val="87000"/>
-              <a:buFont typeface="Arial" panose="020B0604020202020204" pitchFamily="34" charset="0"/>
-              <a:buNone/>
-              <a:defRPr sz="2000" kern="1200">
-                <a:solidFill>
-                  <a:schemeClr val="tx1"/>
-                </a:solidFill>
-                <a:latin typeface="+mn-lt"/>
-                <a:ea typeface="+mn-ea"/>
-                <a:cs typeface="+mn-cs"/>
-              </a:defRPr>
-            </a:lvl2pPr>
-            <a:lvl3pPr marL="914400" indent="0" algn="ctr" defTabSz="914400" rtl="0" eaLnBrk="1" latinLnBrk="0" hangingPunct="1">
-              <a:lnSpc>
-                <a:spcPct val="120000"/>
-              </a:lnSpc>
-              <a:spcBef>
-                <a:spcPts val="500"/>
-              </a:spcBef>
-              <a:buSzPct val="87000"/>
-              <a:buFont typeface="Arial" panose="020B0604020202020204" pitchFamily="34" charset="0"/>
-              <a:buNone/>
-              <a:defRPr sz="1800" kern="1200">
-                <a:solidFill>
-                  <a:schemeClr val="tx1"/>
-                </a:solidFill>
-                <a:latin typeface="+mn-lt"/>
-                <a:ea typeface="+mn-ea"/>
-                <a:cs typeface="+mn-cs"/>
-              </a:defRPr>
-            </a:lvl3pPr>
-            <a:lvl4pPr marL="1371600" indent="0" algn="ctr" defTabSz="914400" rtl="0" eaLnBrk="1" latinLnBrk="0" hangingPunct="1">
-              <a:lnSpc>
-                <a:spcPct val="120000"/>
-              </a:lnSpc>
-              <a:spcBef>
-                <a:spcPts val="500"/>
-              </a:spcBef>
-              <a:buSzPct val="87000"/>
-              <a:buFont typeface="Arial" panose="020B0604020202020204" pitchFamily="34" charset="0"/>
-              <a:buNone/>
-              <a:defRPr sz="1600" kern="1200">
-                <a:solidFill>
-                  <a:schemeClr val="tx1"/>
-                </a:solidFill>
-                <a:latin typeface="+mn-lt"/>
-                <a:ea typeface="+mn-ea"/>
-                <a:cs typeface="+mn-cs"/>
-              </a:defRPr>
-            </a:lvl4pPr>
-            <a:lvl5pPr marL="1828800" indent="0" algn="ctr" defTabSz="914400" rtl="0" eaLnBrk="1" latinLnBrk="0" hangingPunct="1">
-              <a:lnSpc>
-                <a:spcPct val="120000"/>
-              </a:lnSpc>
-              <a:spcBef>
-                <a:spcPts val="500"/>
-              </a:spcBef>
-              <a:buSzPct val="87000"/>
-              <a:buFont typeface="Arial" panose="020B0604020202020204" pitchFamily="34" charset="0"/>
-              <a:buNone/>
-              <a:defRPr sz="1600" kern="1200">
-                <a:solidFill>
-                  <a:schemeClr val="tx1"/>
-                </a:solidFill>
-                <a:latin typeface="+mn-lt"/>
-                <a:ea typeface="+mn-ea"/>
-                <a:cs typeface="+mn-cs"/>
-              </a:defRPr>
-            </a:lvl5pPr>
-            <a:lvl6pPr marL="2286000" indent="0" algn="ctr" defTabSz="914400" rtl="0" eaLnBrk="1" latinLnBrk="0" hangingPunct="1">
-              <a:lnSpc>
-                <a:spcPct val="90000"/>
-              </a:lnSpc>
-              <a:spcBef>
-                <a:spcPts val="500"/>
-              </a:spcBef>
-              <a:buFont typeface="Arial" panose="020B0604020202020204" pitchFamily="34" charset="0"/>
-              <a:buNone/>
-              <a:defRPr sz="1600" kern="1200">
-                <a:solidFill>
-                  <a:schemeClr val="tx1"/>
-                </a:solidFill>
-                <a:latin typeface="+mn-lt"/>
-                <a:ea typeface="+mn-ea"/>
-                <a:cs typeface="+mn-cs"/>
-              </a:defRPr>
-            </a:lvl6pPr>
-            <a:lvl7pPr marL="2743200" indent="0" algn="ctr" defTabSz="914400" rtl="0" eaLnBrk="1" latinLnBrk="0" hangingPunct="1">
-              <a:lnSpc>
-                <a:spcPct val="90000"/>
-              </a:lnSpc>
-              <a:spcBef>
-                <a:spcPts val="500"/>
-              </a:spcBef>
-              <a:buFont typeface="Arial" panose="020B0604020202020204" pitchFamily="34" charset="0"/>
-              <a:buNone/>
-              <a:defRPr sz="1600" kern="1200">
-                <a:solidFill>
-                  <a:schemeClr val="tx1"/>
-                </a:solidFill>
-                <a:latin typeface="+mn-lt"/>
-                <a:ea typeface="+mn-ea"/>
-                <a:cs typeface="+mn-cs"/>
-              </a:defRPr>
-            </a:lvl7pPr>
-            <a:lvl8pPr marL="3200400" indent="0" algn="ctr" defTabSz="914400" rtl="0" eaLnBrk="1" latinLnBrk="0" hangingPunct="1">
-              <a:lnSpc>
-                <a:spcPct val="90000"/>
-              </a:lnSpc>
-              <a:spcBef>
-                <a:spcPts val="500"/>
-              </a:spcBef>
-              <a:buFont typeface="Arial" panose="020B0604020202020204" pitchFamily="34" charset="0"/>
-              <a:buNone/>
-              <a:defRPr sz="1600" kern="1200">
-                <a:solidFill>
-                  <a:schemeClr val="tx1"/>
-                </a:solidFill>
-                <a:latin typeface="+mn-lt"/>
-                <a:ea typeface="+mn-ea"/>
-                <a:cs typeface="+mn-cs"/>
-              </a:defRPr>
-            </a:lvl8pPr>
-            <a:lvl9pPr marL="3657600" indent="0" algn="ctr" defTabSz="914400" rtl="0" eaLnBrk="1" latinLnBrk="0" hangingPunct="1">
-              <a:lnSpc>
-                <a:spcPct val="90000"/>
-              </a:lnSpc>
-              <a:spcBef>
-                <a:spcPts val="500"/>
-              </a:spcBef>
-              <a:buFont typeface="Arial" panose="020B0604020202020204" pitchFamily="34" charset="0"/>
-              <a:buNone/>
-              <a:defRPr sz="1600" kern="1200">
-                <a:solidFill>
-                  <a:schemeClr val="tx1"/>
-                </a:solidFill>
-                <a:latin typeface="+mn-lt"/>
-                <a:ea typeface="+mn-ea"/>
-                <a:cs typeface="+mn-cs"/>
-              </a:defRPr>
-            </a:lvl9pPr>
-          </a:lstStyle>
-          <a:p>
-            <a:pPr marL="285750" indent="-285750">
-              <a:buFont typeface="Arial" panose="020B0604020202020204" pitchFamily="34" charset="0"/>
-              <a:buChar char="•"/>
-            </a:pPr>
-            <a:endParaRPr lang="pt-PT" dirty="0"/>
-          </a:p>
-          <a:p>
-            <a:pPr marL="285750" indent="-285750">
-              <a:buFont typeface="Arial" panose="020B0604020202020204" pitchFamily="34" charset="0"/>
-              <a:buChar char="•"/>
-            </a:pPr>
-            <a:endParaRPr lang="pt-PT" dirty="0"/>
-          </a:p>
-        </p:txBody>
-      </p:sp>
-      <p:sp>
-        <p:nvSpPr>
-          <p:cNvPr id="25" name="Subtítulo 2">
-            <a:extLst>
-              <a:ext uri="{FF2B5EF4-FFF2-40B4-BE49-F238E27FC236}">
-                <a16:creationId xmlns:a16="http://schemas.microsoft.com/office/drawing/2014/main" id="{C6DF296D-5E16-891D-39C3-94AB178B4E9D}"/>
-              </a:ext>
-            </a:extLst>
-          </p:cNvPr>
-          <p:cNvSpPr txBox="1">
-            <a:spLocks/>
-          </p:cNvSpPr>
-          <p:nvPr/>
-        </p:nvSpPr>
-        <p:spPr>
-          <a:xfrm>
-            <a:off x="395029" y="1711832"/>
-            <a:ext cx="6526998" cy="2264902"/>
-          </a:xfrm>
-          <a:prstGeom prst="rect">
-            <a:avLst/>
-          </a:prstGeom>
-        </p:spPr>
-        <p:txBody>
-          <a:bodyPr vert="horz" lIns="91440" tIns="45720" rIns="91440" bIns="45720" rtlCol="0" anchor="t">
-            <a:normAutofit/>
-          </a:bodyPr>
-          <a:lstStyle>
-            <a:lvl1pPr marL="0" indent="0" algn="l" defTabSz="914400" rtl="0" eaLnBrk="1" latinLnBrk="0" hangingPunct="1">
-              <a:lnSpc>
-                <a:spcPct val="130000"/>
-              </a:lnSpc>
-              <a:spcBef>
-                <a:spcPts val="1000"/>
-              </a:spcBef>
-              <a:buSzPct val="87000"/>
-              <a:buFont typeface="Arial" panose="020B0604020202020204" pitchFamily="34" charset="0"/>
-              <a:buNone/>
-              <a:defRPr sz="1800" b="1" kern="1200" cap="all" spc="300" baseline="0">
-                <a:solidFill>
-                  <a:schemeClr val="tx1"/>
-                </a:solidFill>
-                <a:latin typeface="+mn-lt"/>
-                <a:ea typeface="+mn-ea"/>
-                <a:cs typeface="+mn-cs"/>
-              </a:defRPr>
-            </a:lvl1pPr>
-            <a:lvl2pPr marL="457200" indent="0" algn="ctr" defTabSz="914400" rtl="0" eaLnBrk="1" latinLnBrk="0" hangingPunct="1">
-              <a:lnSpc>
-                <a:spcPct val="120000"/>
-              </a:lnSpc>
-              <a:spcBef>
-                <a:spcPts val="500"/>
-              </a:spcBef>
-              <a:buSzPct val="87000"/>
-              <a:buFont typeface="Arial" panose="020B0604020202020204" pitchFamily="34" charset="0"/>
-              <a:buNone/>
-              <a:defRPr sz="2000" kern="1200">
-                <a:solidFill>
-                  <a:schemeClr val="tx1"/>
-                </a:solidFill>
-                <a:latin typeface="+mn-lt"/>
-                <a:ea typeface="+mn-ea"/>
-                <a:cs typeface="+mn-cs"/>
-              </a:defRPr>
-            </a:lvl2pPr>
-            <a:lvl3pPr marL="914400" indent="0" algn="ctr" defTabSz="914400" rtl="0" eaLnBrk="1" latinLnBrk="0" hangingPunct="1">
-              <a:lnSpc>
-                <a:spcPct val="120000"/>
-              </a:lnSpc>
-              <a:spcBef>
-                <a:spcPts val="500"/>
-              </a:spcBef>
-              <a:buSzPct val="87000"/>
-              <a:buFont typeface="Arial" panose="020B0604020202020204" pitchFamily="34" charset="0"/>
-              <a:buNone/>
-              <a:defRPr sz="1800" kern="1200">
-                <a:solidFill>
-                  <a:schemeClr val="tx1"/>
-                </a:solidFill>
-                <a:latin typeface="+mn-lt"/>
-                <a:ea typeface="+mn-ea"/>
-                <a:cs typeface="+mn-cs"/>
-              </a:defRPr>
-            </a:lvl3pPr>
-            <a:lvl4pPr marL="1371600" indent="0" algn="ctr" defTabSz="914400" rtl="0" eaLnBrk="1" latinLnBrk="0" hangingPunct="1">
-              <a:lnSpc>
-                <a:spcPct val="120000"/>
-              </a:lnSpc>
-              <a:spcBef>
-                <a:spcPts val="500"/>
-              </a:spcBef>
-              <a:buSzPct val="87000"/>
-              <a:buFont typeface="Arial" panose="020B0604020202020204" pitchFamily="34" charset="0"/>
-              <a:buNone/>
-              <a:defRPr sz="1600" kern="1200">
-                <a:solidFill>
-                  <a:schemeClr val="tx1"/>
-                </a:solidFill>
-                <a:latin typeface="+mn-lt"/>
-                <a:ea typeface="+mn-ea"/>
-                <a:cs typeface="+mn-cs"/>
-              </a:defRPr>
-            </a:lvl4pPr>
-            <a:lvl5pPr marL="1828800" indent="0" algn="ctr" defTabSz="914400" rtl="0" eaLnBrk="1" latinLnBrk="0" hangingPunct="1">
-              <a:lnSpc>
-                <a:spcPct val="120000"/>
-              </a:lnSpc>
-              <a:spcBef>
-                <a:spcPts val="500"/>
-              </a:spcBef>
-              <a:buSzPct val="87000"/>
-              <a:buFont typeface="Arial" panose="020B0604020202020204" pitchFamily="34" charset="0"/>
-              <a:buNone/>
-              <a:defRPr sz="1600" kern="1200">
-                <a:solidFill>
-                  <a:schemeClr val="tx1"/>
-                </a:solidFill>
-                <a:latin typeface="+mn-lt"/>
-                <a:ea typeface="+mn-ea"/>
-                <a:cs typeface="+mn-cs"/>
-              </a:defRPr>
-            </a:lvl5pPr>
-            <a:lvl6pPr marL="2286000" indent="0" algn="ctr" defTabSz="914400" rtl="0" eaLnBrk="1" latinLnBrk="0" hangingPunct="1">
-              <a:lnSpc>
-                <a:spcPct val="90000"/>
-              </a:lnSpc>
-              <a:spcBef>
-                <a:spcPts val="500"/>
-              </a:spcBef>
-              <a:buFont typeface="Arial" panose="020B0604020202020204" pitchFamily="34" charset="0"/>
-              <a:buNone/>
-              <a:defRPr sz="1600" kern="1200">
-                <a:solidFill>
-                  <a:schemeClr val="tx1"/>
-                </a:solidFill>
-                <a:latin typeface="+mn-lt"/>
-                <a:ea typeface="+mn-ea"/>
-                <a:cs typeface="+mn-cs"/>
-              </a:defRPr>
-            </a:lvl6pPr>
-            <a:lvl7pPr marL="2743200" indent="0" algn="ctr" defTabSz="914400" rtl="0" eaLnBrk="1" latinLnBrk="0" hangingPunct="1">
-              <a:lnSpc>
-                <a:spcPct val="90000"/>
-              </a:lnSpc>
-              <a:spcBef>
-                <a:spcPts val="500"/>
-              </a:spcBef>
-              <a:buFont typeface="Arial" panose="020B0604020202020204" pitchFamily="34" charset="0"/>
-              <a:buNone/>
-              <a:defRPr sz="1600" kern="1200">
-                <a:solidFill>
-                  <a:schemeClr val="tx1"/>
-                </a:solidFill>
-                <a:latin typeface="+mn-lt"/>
-                <a:ea typeface="+mn-ea"/>
-                <a:cs typeface="+mn-cs"/>
-              </a:defRPr>
-            </a:lvl7pPr>
-            <a:lvl8pPr marL="3200400" indent="0" algn="ctr" defTabSz="914400" rtl="0" eaLnBrk="1" latinLnBrk="0" hangingPunct="1">
-              <a:lnSpc>
-                <a:spcPct val="90000"/>
-              </a:lnSpc>
-              <a:spcBef>
-                <a:spcPts val="500"/>
-              </a:spcBef>
-              <a:buFont typeface="Arial" panose="020B0604020202020204" pitchFamily="34" charset="0"/>
-              <a:buNone/>
-              <a:defRPr sz="1600" kern="1200">
-                <a:solidFill>
-                  <a:schemeClr val="tx1"/>
-                </a:solidFill>
-                <a:latin typeface="+mn-lt"/>
-                <a:ea typeface="+mn-ea"/>
-                <a:cs typeface="+mn-cs"/>
-              </a:defRPr>
-            </a:lvl8pPr>
-            <a:lvl9pPr marL="3657600" indent="0" algn="ctr" defTabSz="914400" rtl="0" eaLnBrk="1" latinLnBrk="0" hangingPunct="1">
-              <a:lnSpc>
-                <a:spcPct val="90000"/>
-              </a:lnSpc>
-              <a:spcBef>
-                <a:spcPts val="500"/>
-              </a:spcBef>
-              <a:buFont typeface="Arial" panose="020B0604020202020204" pitchFamily="34" charset="0"/>
-              <a:buNone/>
-              <a:defRPr sz="1600" kern="1200">
-                <a:solidFill>
-                  <a:schemeClr val="tx1"/>
-                </a:solidFill>
-                <a:latin typeface="+mn-lt"/>
-                <a:ea typeface="+mn-ea"/>
-                <a:cs typeface="+mn-cs"/>
-              </a:defRPr>
-            </a:lvl9pPr>
-          </a:lstStyle>
-          <a:p>
-            <a:pPr marL="285750" indent="-285750">
-              <a:buFont typeface="Arial" panose="020B0604020202020204" pitchFamily="34" charset="0"/>
-              <a:buChar char="•"/>
-            </a:pPr>
-            <a:endParaRPr lang="pt-PT" dirty="0"/>
-          </a:p>
-          <a:p>
-            <a:pPr marL="285750" indent="-285750">
-              <a:buFont typeface="Arial" panose="020B0604020202020204" pitchFamily="34" charset="0"/>
-              <a:buChar char="•"/>
-            </a:pPr>
-            <a:r>
-              <a:rPr lang="pt-PT" dirty="0"/>
-              <a:t>Processamento batch (Lote)</a:t>
-            </a:r>
-          </a:p>
-          <a:p>
-            <a:pPr marL="800100" lvl="1" indent="-342900" algn="l">
-              <a:buFont typeface="Courier New" panose="02070309020205020404" pitchFamily="49" charset="0"/>
-              <a:buChar char="o"/>
-            </a:pPr>
-            <a:r>
-              <a:rPr lang="pt-PT" sz="1300" dirty="0"/>
-              <a:t>Apache Airflow</a:t>
-            </a:r>
-          </a:p>
-          <a:p>
-            <a:pPr marL="800100" lvl="1" indent="-342900" algn="l">
-              <a:buFont typeface="Courier New" panose="02070309020205020404" pitchFamily="49" charset="0"/>
-              <a:buChar char="o"/>
-            </a:pPr>
-            <a:r>
-              <a:rPr lang="pt-PT" sz="1300" dirty="0"/>
-              <a:t>Apache Spark</a:t>
-            </a:r>
-            <a:endParaRPr lang="pt-PT" dirty="0"/>
-          </a:p>
-          <a:p>
-            <a:pPr marL="742950" lvl="1" indent="-285750" algn="l">
-              <a:buFont typeface="Arial" panose="020B0604020202020204" pitchFamily="34" charset="0"/>
-              <a:buChar char="•"/>
-            </a:pPr>
-            <a:endParaRPr lang="pt-PT" dirty="0"/>
-          </a:p>
-          <a:p>
-            <a:pPr marL="742950" lvl="1" indent="-285750" algn="l">
-              <a:buFont typeface="Arial" panose="020B0604020202020204" pitchFamily="34" charset="0"/>
-              <a:buChar char="•"/>
-            </a:pPr>
-            <a:endParaRPr lang="pt-PT" dirty="0"/>
-          </a:p>
-          <a:p>
-            <a:endParaRPr lang="pt-PT" dirty="0"/>
-          </a:p>
-        </p:txBody>
-      </p:sp>
-      <p:pic>
-        <p:nvPicPr>
-          <p:cNvPr id="8" name="Imagem 7">
-            <a:extLst>
-              <a:ext uri="{FF2B5EF4-FFF2-40B4-BE49-F238E27FC236}">
-                <a16:creationId xmlns:a16="http://schemas.microsoft.com/office/drawing/2014/main" id="{BBCCE95F-DEA1-7C1C-5DE6-3EE072B297C3}"/>
-              </a:ext>
-            </a:extLst>
-          </p:cNvPr>
-          <p:cNvPicPr>
-            <a:picLocks noChangeAspect="1"/>
-          </p:cNvPicPr>
-          <p:nvPr/>
-        </p:nvPicPr>
-        <p:blipFill>
-          <a:blip r:embed="rId2"/>
-          <a:stretch>
-            <a:fillRect/>
-          </a:stretch>
-        </p:blipFill>
-        <p:spPr>
-          <a:xfrm>
-            <a:off x="7315200" y="4003530"/>
-            <a:ext cx="4581524" cy="1942329"/>
-          </a:xfrm>
-          <a:prstGeom prst="rect">
-            <a:avLst/>
-          </a:prstGeom>
-        </p:spPr>
-      </p:pic>
-      <p:pic>
-        <p:nvPicPr>
-          <p:cNvPr id="5" name="Imagem 4">
-            <a:extLst>
-              <a:ext uri="{FF2B5EF4-FFF2-40B4-BE49-F238E27FC236}">
-                <a16:creationId xmlns:a16="http://schemas.microsoft.com/office/drawing/2014/main" id="{0E40D4A2-68C9-9F34-9E6D-DE6B9AFE0557}"/>
-              </a:ext>
-            </a:extLst>
-          </p:cNvPr>
-          <p:cNvPicPr>
-            <a:picLocks noChangeAspect="1"/>
-          </p:cNvPicPr>
-          <p:nvPr/>
-        </p:nvPicPr>
-        <p:blipFill>
-          <a:blip r:embed="rId3"/>
-          <a:stretch>
-            <a:fillRect/>
-          </a:stretch>
-        </p:blipFill>
-        <p:spPr>
-          <a:xfrm>
-            <a:off x="88590" y="3403880"/>
-            <a:ext cx="6833438" cy="2541979"/>
-          </a:xfrm>
-          <a:prstGeom prst="rect">
-            <a:avLst/>
-          </a:prstGeom>
-        </p:spPr>
-      </p:pic>
-    </p:spTree>
-    <p:extLst>
-      <p:ext uri="{BB962C8B-B14F-4D97-AF65-F5344CB8AC3E}">
-        <p14:creationId xmlns:p14="http://schemas.microsoft.com/office/powerpoint/2010/main" val="369069384"/>
       </p:ext>
     </p:extLst>
   </p:cSld>
